--- a/Capstone Project Presentation.pptx
+++ b/Capstone Project Presentation.pptx
@@ -1,69 +1,69 @@
 
 <file path=ppt/presentation.xml><?xml version="1.0" encoding="utf-8"?>
-<p:presentation xmlns:a="http://schemas.openxmlformats.org/drawingml/2006/main" xmlns:r="http://schemas.openxmlformats.org/officeDocument/2006/relationships" xmlns:mc="http://schemas.openxmlformats.org/markup-compatibility/2006" xmlns:mv="urn:schemas-microsoft-com:mac:vml" xmlns:p="http://schemas.openxmlformats.org/presentationml/2006/main" xmlns:c="http://schemas.openxmlformats.org/drawingml/2006/chart" xmlns:dgm="http://schemas.openxmlformats.org/drawingml/2006/diagram" xmlns:o="urn:schemas-microsoft-com:office:office" xmlns:v="urn:schemas-microsoft-com:vml" xmlns:pvml="urn:schemas-microsoft-com:office:powerpoint" xmlns:com="http://schemas.openxmlformats.org/drawingml/2006/compatibility" xmlns:p14="http://schemas.microsoft.com/office/powerpoint/2010/main" xmlns:p15="http://schemas.microsoft.com/office/powerpoint/2012/main" autoCompressPictures="0" embedTrueTypeFonts="1" strictFirstAndLastChars="0" saveSubsetFonts="1">
+<p:presentation xmlns:a="http://schemas.openxmlformats.org/drawingml/2006/main" xmlns:r="http://schemas.openxmlformats.org/officeDocument/2006/relationships" xmlns:p="http://schemas.openxmlformats.org/presentationml/2006/main" strictFirstAndLastChars="0" embedTrueTypeFonts="1" saveSubsetFonts="1" autoCompressPictures="0">
   <p:sldMasterIdLst>
-    <p:sldMasterId id="2147483659" r:id="rId4"/>
+    <p:sldMasterId id="2147483659" r:id="rId1"/>
   </p:sldMasterIdLst>
   <p:notesMasterIdLst>
-    <p:notesMasterId r:id="rId5"/>
+    <p:notesMasterId r:id="rId23"/>
   </p:notesMasterIdLst>
   <p:sldIdLst>
-    <p:sldId id="256" r:id="rId6"/>
-    <p:sldId id="257" r:id="rId7"/>
-    <p:sldId id="258" r:id="rId8"/>
-    <p:sldId id="259" r:id="rId9"/>
-    <p:sldId id="260" r:id="rId10"/>
-    <p:sldId id="261" r:id="rId11"/>
-    <p:sldId id="262" r:id="rId12"/>
-    <p:sldId id="263" r:id="rId13"/>
-    <p:sldId id="264" r:id="rId14"/>
-    <p:sldId id="265" r:id="rId15"/>
-    <p:sldId id="266" r:id="rId16"/>
-    <p:sldId id="267" r:id="rId17"/>
-    <p:sldId id="268" r:id="rId18"/>
-    <p:sldId id="269" r:id="rId19"/>
-    <p:sldId id="270" r:id="rId20"/>
-    <p:sldId id="271" r:id="rId21"/>
-    <p:sldId id="272" r:id="rId22"/>
-    <p:sldId id="273" r:id="rId23"/>
-    <p:sldId id="274" r:id="rId24"/>
-    <p:sldId id="275" r:id="rId25"/>
-    <p:sldId id="276" r:id="rId26"/>
+    <p:sldId id="256" r:id="rId2"/>
+    <p:sldId id="257" r:id="rId3"/>
+    <p:sldId id="258" r:id="rId4"/>
+    <p:sldId id="259" r:id="rId5"/>
+    <p:sldId id="260" r:id="rId6"/>
+    <p:sldId id="261" r:id="rId7"/>
+    <p:sldId id="262" r:id="rId8"/>
+    <p:sldId id="263" r:id="rId9"/>
+    <p:sldId id="264" r:id="rId10"/>
+    <p:sldId id="265" r:id="rId11"/>
+    <p:sldId id="266" r:id="rId12"/>
+    <p:sldId id="267" r:id="rId13"/>
+    <p:sldId id="268" r:id="rId14"/>
+    <p:sldId id="269" r:id="rId15"/>
+    <p:sldId id="270" r:id="rId16"/>
+    <p:sldId id="271" r:id="rId17"/>
+    <p:sldId id="272" r:id="rId18"/>
+    <p:sldId id="273" r:id="rId19"/>
+    <p:sldId id="274" r:id="rId20"/>
+    <p:sldId id="275" r:id="rId21"/>
+    <p:sldId id="276" r:id="rId22"/>
   </p:sldIdLst>
-  <p:sldSz cy="5143500" cx="9144000"/>
+  <p:sldSz cx="9144000" cy="5143500" type="screen16x9"/>
   <p:notesSz cx="6858000" cy="9144000"/>
   <p:embeddedFontLst>
     <p:embeddedFont>
-      <p:font typeface="Raleway"/>
-      <p:regular r:id="rId27"/>
-      <p:bold r:id="rId28"/>
-      <p:italic r:id="rId29"/>
-      <p:boldItalic r:id="rId30"/>
+      <p:font typeface="Lato" panose="020B0604020202020204" charset="0"/>
+      <p:regular r:id="rId24"/>
+      <p:bold r:id="rId25"/>
+      <p:italic r:id="rId26"/>
+      <p:boldItalic r:id="rId27"/>
     </p:embeddedFont>
     <p:embeddedFont>
-      <p:font typeface="Roboto"/>
-      <p:regular r:id="rId31"/>
-      <p:bold r:id="rId32"/>
-      <p:italic r:id="rId33"/>
-      <p:boldItalic r:id="rId34"/>
+      <p:font typeface="Merriweather" panose="020B0604020202020204" charset="0"/>
+      <p:regular r:id="rId28"/>
+      <p:bold r:id="rId29"/>
+      <p:italic r:id="rId30"/>
+      <p:boldItalic r:id="rId31"/>
     </p:embeddedFont>
     <p:embeddedFont>
-      <p:font typeface="Lato"/>
-      <p:regular r:id="rId35"/>
-      <p:bold r:id="rId36"/>
-      <p:italic r:id="rId37"/>
-      <p:boldItalic r:id="rId38"/>
+      <p:font typeface="Raleway" panose="020B0604020202020204" charset="0"/>
+      <p:regular r:id="rId32"/>
+      <p:bold r:id="rId33"/>
+      <p:italic r:id="rId34"/>
+      <p:boldItalic r:id="rId35"/>
     </p:embeddedFont>
     <p:embeddedFont>
-      <p:font typeface="Merriweather"/>
-      <p:regular r:id="rId39"/>
-      <p:bold r:id="rId40"/>
-      <p:italic r:id="rId41"/>
-      <p:boldItalic r:id="rId42"/>
+      <p:font typeface="Roboto" panose="020B0604020202020204" charset="0"/>
+      <p:regular r:id="rId36"/>
+      <p:bold r:id="rId37"/>
+      <p:italic r:id="rId38"/>
+      <p:boldItalic r:id="rId39"/>
     </p:embeddedFont>
   </p:embeddedFontLst>
   <p:defaultTextStyle>
-    <a:defPPr lvl="0" marR="0" rtl="0" algn="l">
+    <a:defPPr marR="0" lvl="0" algn="l" rtl="0">
       <a:lnSpc>
         <a:spcPct val="100000"/>
       </a:lnSpc>
@@ -74,7 +74,7 @@
         <a:spcPts val="0"/>
       </a:spcAft>
     </a:defPPr>
-    <a:lvl1pPr lvl="0" marR="0" rtl="0" algn="l">
+    <a:lvl1pPr marR="0" lvl="0" algn="l" rtl="0">
       <a:lnSpc>
         <a:spcPct val="100000"/>
       </a:lnSpc>
@@ -88,7 +88,7 @@
         <a:srgbClr val="000000"/>
       </a:buClr>
       <a:buFont typeface="Arial"/>
-      <a:defRPr b="0" i="0" sz="1400" u="none" cap="none" strike="noStrike">
+      <a:defRPr sz="1400" b="0" i="0" u="none" strike="noStrike" cap="none">
         <a:solidFill>
           <a:srgbClr val="000000"/>
         </a:solidFill>
@@ -98,7 +98,7 @@
         <a:sym typeface="Arial"/>
       </a:defRPr>
     </a:lvl1pPr>
-    <a:lvl2pPr lvl="1" marR="0" rtl="0" algn="l">
+    <a:lvl2pPr marR="0" lvl="1" algn="l" rtl="0">
       <a:lnSpc>
         <a:spcPct val="100000"/>
       </a:lnSpc>
@@ -112,7 +112,7 @@
         <a:srgbClr val="000000"/>
       </a:buClr>
       <a:buFont typeface="Arial"/>
-      <a:defRPr b="0" i="0" sz="1400" u="none" cap="none" strike="noStrike">
+      <a:defRPr sz="1400" b="0" i="0" u="none" strike="noStrike" cap="none">
         <a:solidFill>
           <a:srgbClr val="000000"/>
         </a:solidFill>
@@ -122,7 +122,7 @@
         <a:sym typeface="Arial"/>
       </a:defRPr>
     </a:lvl2pPr>
-    <a:lvl3pPr lvl="2" marR="0" rtl="0" algn="l">
+    <a:lvl3pPr marR="0" lvl="2" algn="l" rtl="0">
       <a:lnSpc>
         <a:spcPct val="100000"/>
       </a:lnSpc>
@@ -136,7 +136,7 @@
         <a:srgbClr val="000000"/>
       </a:buClr>
       <a:buFont typeface="Arial"/>
-      <a:defRPr b="0" i="0" sz="1400" u="none" cap="none" strike="noStrike">
+      <a:defRPr sz="1400" b="0" i="0" u="none" strike="noStrike" cap="none">
         <a:solidFill>
           <a:srgbClr val="000000"/>
         </a:solidFill>
@@ -146,7 +146,7 @@
         <a:sym typeface="Arial"/>
       </a:defRPr>
     </a:lvl3pPr>
-    <a:lvl4pPr lvl="3" marR="0" rtl="0" algn="l">
+    <a:lvl4pPr marR="0" lvl="3" algn="l" rtl="0">
       <a:lnSpc>
         <a:spcPct val="100000"/>
       </a:lnSpc>
@@ -160,7 +160,7 @@
         <a:srgbClr val="000000"/>
       </a:buClr>
       <a:buFont typeface="Arial"/>
-      <a:defRPr b="0" i="0" sz="1400" u="none" cap="none" strike="noStrike">
+      <a:defRPr sz="1400" b="0" i="0" u="none" strike="noStrike" cap="none">
         <a:solidFill>
           <a:srgbClr val="000000"/>
         </a:solidFill>
@@ -170,7 +170,7 @@
         <a:sym typeface="Arial"/>
       </a:defRPr>
     </a:lvl4pPr>
-    <a:lvl5pPr lvl="4" marR="0" rtl="0" algn="l">
+    <a:lvl5pPr marR="0" lvl="4" algn="l" rtl="0">
       <a:lnSpc>
         <a:spcPct val="100000"/>
       </a:lnSpc>
@@ -184,7 +184,7 @@
         <a:srgbClr val="000000"/>
       </a:buClr>
       <a:buFont typeface="Arial"/>
-      <a:defRPr b="0" i="0" sz="1400" u="none" cap="none" strike="noStrike">
+      <a:defRPr sz="1400" b="0" i="0" u="none" strike="noStrike" cap="none">
         <a:solidFill>
           <a:srgbClr val="000000"/>
         </a:solidFill>
@@ -194,7 +194,7 @@
         <a:sym typeface="Arial"/>
       </a:defRPr>
     </a:lvl5pPr>
-    <a:lvl6pPr lvl="5" marR="0" rtl="0" algn="l">
+    <a:lvl6pPr marR="0" lvl="5" algn="l" rtl="0">
       <a:lnSpc>
         <a:spcPct val="100000"/>
       </a:lnSpc>
@@ -208,7 +208,7 @@
         <a:srgbClr val="000000"/>
       </a:buClr>
       <a:buFont typeface="Arial"/>
-      <a:defRPr b="0" i="0" sz="1400" u="none" cap="none" strike="noStrike">
+      <a:defRPr sz="1400" b="0" i="0" u="none" strike="noStrike" cap="none">
         <a:solidFill>
           <a:srgbClr val="000000"/>
         </a:solidFill>
@@ -218,7 +218,7 @@
         <a:sym typeface="Arial"/>
       </a:defRPr>
     </a:lvl6pPr>
-    <a:lvl7pPr lvl="6" marR="0" rtl="0" algn="l">
+    <a:lvl7pPr marR="0" lvl="6" algn="l" rtl="0">
       <a:lnSpc>
         <a:spcPct val="100000"/>
       </a:lnSpc>
@@ -232,7 +232,7 @@
         <a:srgbClr val="000000"/>
       </a:buClr>
       <a:buFont typeface="Arial"/>
-      <a:defRPr b="0" i="0" sz="1400" u="none" cap="none" strike="noStrike">
+      <a:defRPr sz="1400" b="0" i="0" u="none" strike="noStrike" cap="none">
         <a:solidFill>
           <a:srgbClr val="000000"/>
         </a:solidFill>
@@ -242,7 +242,7 @@
         <a:sym typeface="Arial"/>
       </a:defRPr>
     </a:lvl7pPr>
-    <a:lvl8pPr lvl="7" marR="0" rtl="0" algn="l">
+    <a:lvl8pPr marR="0" lvl="7" algn="l" rtl="0">
       <a:lnSpc>
         <a:spcPct val="100000"/>
       </a:lnSpc>
@@ -256,7 +256,7 @@
         <a:srgbClr val="000000"/>
       </a:buClr>
       <a:buFont typeface="Arial"/>
-      <a:defRPr b="0" i="0" sz="1400" u="none" cap="none" strike="noStrike">
+      <a:defRPr sz="1400" b="0" i="0" u="none" strike="noStrike" cap="none">
         <a:solidFill>
           <a:srgbClr val="000000"/>
         </a:solidFill>
@@ -266,7 +266,7 @@
         <a:sym typeface="Arial"/>
       </a:defRPr>
     </a:lvl8pPr>
-    <a:lvl9pPr lvl="8" marR="0" rtl="0" algn="l">
+    <a:lvl9pPr marR="0" lvl="8" algn="l" rtl="0">
       <a:lnSpc>
         <a:spcPct val="100000"/>
       </a:lnSpc>
@@ -280,7 +280,7 @@
         <a:srgbClr val="000000"/>
       </a:buClr>
       <a:buFont typeface="Arial"/>
-      <a:defRPr b="0" i="0" sz="1400" u="none" cap="none" strike="noStrike">
+      <a:defRPr sz="1400" b="0" i="0" u="none" strike="noStrike" cap="none">
         <a:solidFill>
           <a:srgbClr val="000000"/>
         </a:solidFill>
@@ -293,7 +293,7 @@
   </p:defaultTextStyle>
   <p:extLst>
     <p:ext uri="{EFAFB233-063F-42B5-8137-9DF3F51BA10A}">
-      <p15:sldGuideLst>
+      <p15:sldGuideLst xmlns:p15="http://schemas.microsoft.com/office/powerpoint/2012/main">
         <p15:guide id="1" orient="horz" pos="1620">
           <p15:clr>
             <a:srgbClr val="A4A3A4"/>
@@ -311,11 +311,16 @@
 </file>
 
 <file path=ppt/notesMasters/notesMaster1.xml><?xml version="1.0" encoding="utf-8"?>
-<p:notesMaster xmlns:a="http://schemas.openxmlformats.org/drawingml/2006/main" xmlns:r="http://schemas.openxmlformats.org/officeDocument/2006/relationships" xmlns:mc="http://schemas.openxmlformats.org/markup-compatibility/2006" xmlns:mv="urn:schemas-microsoft-com:mac:vml" xmlns:p="http://schemas.openxmlformats.org/presentationml/2006/main" xmlns:c="http://schemas.openxmlformats.org/drawingml/2006/chart" xmlns:dgm="http://schemas.openxmlformats.org/drawingml/2006/diagram" xmlns:o="urn:schemas-microsoft-com:office:office" xmlns:v="urn:schemas-microsoft-com:vml" xmlns:pvml="urn:schemas-microsoft-com:office:powerpoint" xmlns:com="http://schemas.openxmlformats.org/drawingml/2006/compatibility" xmlns:p14="http://schemas.microsoft.com/office/powerpoint/2010/main" xmlns:p15="http://schemas.microsoft.com/office/powerpoint/2012/main">
+<p:notesMaster xmlns:a="http://schemas.openxmlformats.org/drawingml/2006/main" xmlns:r="http://schemas.openxmlformats.org/officeDocument/2006/relationships" xmlns:p="http://schemas.openxmlformats.org/presentationml/2006/main">
   <p:cSld>
+    <p:bg>
+      <p:bgRef idx="1001">
+        <a:schemeClr val="bg1"/>
+      </p:bgRef>
+    </p:bg>
     <p:spTree>
       <p:nvGrpSpPr>
-        <p:cNvPr id="2" name="Shape 2"/>
+        <p:cNvPr id="1" name="Shape 2"/>
         <p:cNvGrpSpPr/>
         <p:nvPr/>
       </p:nvGrpSpPr>
@@ -330,9 +335,11 @@
       <p:sp>
         <p:nvSpPr>
           <p:cNvPr id="3" name="Google Shape;3;n"/>
-          <p:cNvSpPr/>
+          <p:cNvSpPr>
+            <a:spLocks noGrp="1" noRot="1" noChangeAspect="1"/>
+          </p:cNvSpPr>
           <p:nvPr>
-            <p:ph idx="2" type="sldImg"/>
+            <p:ph type="sldImg" idx="2"/>
           </p:nvPr>
         </p:nvSpPr>
         <p:spPr>
@@ -341,9 +348,13 @@
             <a:ext cx="6096075" cy="3429000"/>
           </a:xfrm>
           <a:custGeom>
-            <a:rect b="b" l="l" r="r" t="t"/>
+            <a:avLst/>
+            <a:gdLst/>
+            <a:ahLst/>
+            <a:cxnLst/>
+            <a:rect l="l" t="t" r="r" b="b"/>
             <a:pathLst>
-              <a:path extrusionOk="0" h="120000" w="120000">
+              <a:path w="120000" h="120000" extrusionOk="0">
                 <a:moveTo>
                   <a:pt x="0" y="0"/>
                 </a:moveTo>
@@ -361,23 +372,25 @@
             </a:pathLst>
           </a:custGeom>
           <a:noFill/>
-          <a:ln cap="flat" cmpd="sng" w="9525">
+          <a:ln w="9525" cap="flat" cmpd="sng">
             <a:solidFill>
               <a:srgbClr val="000000"/>
             </a:solidFill>
             <a:prstDash val="solid"/>
             <a:round/>
-            <a:headEnd len="sm" w="sm" type="none"/>
-            <a:tailEnd len="sm" w="sm" type="none"/>
+            <a:headEnd type="none" w="sm" len="sm"/>
+            <a:tailEnd type="none" w="sm" len="sm"/>
           </a:ln>
         </p:spPr>
       </p:sp>
       <p:sp>
         <p:nvSpPr>
           <p:cNvPr id="4" name="Google Shape;4;n"/>
-          <p:cNvSpPr txBox="1"/>
+          <p:cNvSpPr txBox="1">
+            <a:spLocks noGrp="1"/>
+          </p:cNvSpPr>
           <p:nvPr>
-            <p:ph idx="1" type="body"/>
+            <p:ph type="body" idx="1"/>
           </p:nvPr>
         </p:nvSpPr>
         <p:spPr>
@@ -394,11 +407,11 @@
           </a:ln>
         </p:spPr>
         <p:txBody>
-          <a:bodyPr anchorCtr="0" anchor="t" bIns="91425" lIns="91425" spcFirstLastPara="1" rIns="91425" wrap="square" tIns="91425">
+          <a:bodyPr spcFirstLastPara="1" wrap="square" lIns="91425" tIns="91425" rIns="91425" bIns="91425" anchor="t" anchorCtr="0">
             <a:noAutofit/>
           </a:bodyPr>
           <a:lstStyle>
-            <a:lvl1pPr indent="-317500" lvl="0" marL="457200">
+            <a:lvl1pPr marL="457200" lvl="0" indent="-317500">
               <a:spcBef>
                 <a:spcPts val="0"/>
               </a:spcBef>
@@ -409,7 +422,7 @@
               <a:buChar char="●"/>
               <a:defRPr sz="1100"/>
             </a:lvl1pPr>
-            <a:lvl2pPr indent="-317500" lvl="1" marL="914400">
+            <a:lvl2pPr marL="914400" lvl="1" indent="-317500">
               <a:spcBef>
                 <a:spcPts val="0"/>
               </a:spcBef>
@@ -420,7 +433,7 @@
               <a:buChar char="○"/>
               <a:defRPr sz="1100"/>
             </a:lvl2pPr>
-            <a:lvl3pPr indent="-317500" lvl="2" marL="1371600">
+            <a:lvl3pPr marL="1371600" lvl="2" indent="-317500">
               <a:spcBef>
                 <a:spcPts val="0"/>
               </a:spcBef>
@@ -431,7 +444,7 @@
               <a:buChar char="■"/>
               <a:defRPr sz="1100"/>
             </a:lvl3pPr>
-            <a:lvl4pPr indent="-317500" lvl="3" marL="1828800">
+            <a:lvl4pPr marL="1828800" lvl="3" indent="-317500">
               <a:spcBef>
                 <a:spcPts val="0"/>
               </a:spcBef>
@@ -442,7 +455,7 @@
               <a:buChar char="●"/>
               <a:defRPr sz="1100"/>
             </a:lvl4pPr>
-            <a:lvl5pPr indent="-317500" lvl="4" marL="2286000">
+            <a:lvl5pPr marL="2286000" lvl="4" indent="-317500">
               <a:spcBef>
                 <a:spcPts val="0"/>
               </a:spcBef>
@@ -453,7 +466,7 @@
               <a:buChar char="○"/>
               <a:defRPr sz="1100"/>
             </a:lvl5pPr>
-            <a:lvl6pPr indent="-317500" lvl="5" marL="2743200">
+            <a:lvl6pPr marL="2743200" lvl="5" indent="-317500">
               <a:spcBef>
                 <a:spcPts val="0"/>
               </a:spcBef>
@@ -464,7 +477,7 @@
               <a:buChar char="■"/>
               <a:defRPr sz="1100"/>
             </a:lvl6pPr>
-            <a:lvl7pPr indent="-317500" lvl="6" marL="3200400">
+            <a:lvl7pPr marL="3200400" lvl="6" indent="-317500">
               <a:spcBef>
                 <a:spcPts val="0"/>
               </a:spcBef>
@@ -475,7 +488,7 @@
               <a:buChar char="●"/>
               <a:defRPr sz="1100"/>
             </a:lvl7pPr>
-            <a:lvl8pPr indent="-317500" lvl="7" marL="3657600">
+            <a:lvl8pPr marL="3657600" lvl="7" indent="-317500">
               <a:spcBef>
                 <a:spcPts val="0"/>
               </a:spcBef>
@@ -486,7 +499,7 @@
               <a:buChar char="○"/>
               <a:defRPr sz="1100"/>
             </a:lvl8pPr>
-            <a:lvl9pPr indent="-317500" lvl="8" marL="4114800">
+            <a:lvl9pPr marL="4114800" lvl="8" indent="-317500">
               <a:spcBef>
                 <a:spcPts val="0"/>
               </a:spcBef>
@@ -498,14 +511,16 @@
               <a:defRPr sz="1100"/>
             </a:lvl9pPr>
           </a:lstStyle>
-          <a:p/>
+          <a:p>
+            <a:endParaRPr/>
+          </a:p>
         </p:txBody>
       </p:sp>
     </p:spTree>
   </p:cSld>
-  <p:clrMap accent1="accent1" accent2="accent2" accent3="accent3" accent4="accent4" accent5="accent5" accent6="accent6" bg1="lt1" bg2="dk2" tx1="dk1" tx2="lt2" folHlink="folHlink" hlink="hlink"/>
+  <p:clrMap bg1="lt1" tx1="dk1" bg2="dk2" tx2="lt2" accent1="accent1" accent2="accent2" accent3="accent3" accent4="accent4" accent5="accent5" accent6="accent6" hlink="hlink" folHlink="folHlink"/>
   <p:notesStyle>
-    <a:defPPr lvl="0" marR="0" rtl="0" algn="l">
+    <a:defPPr marR="0" lvl="0" algn="l" rtl="0">
       <a:lnSpc>
         <a:spcPct val="100000"/>
       </a:lnSpc>
@@ -516,7 +531,7 @@
         <a:spcPts val="0"/>
       </a:spcAft>
     </a:defPPr>
-    <a:lvl1pPr lvl="0" marR="0" rtl="0" algn="l">
+    <a:lvl1pPr marR="0" lvl="0" algn="l" rtl="0">
       <a:lnSpc>
         <a:spcPct val="100000"/>
       </a:lnSpc>
@@ -530,7 +545,7 @@
         <a:srgbClr val="000000"/>
       </a:buClr>
       <a:buFont typeface="Arial"/>
-      <a:defRPr b="0" i="0" sz="1400" u="none" cap="none" strike="noStrike">
+      <a:defRPr sz="1400" b="0" i="0" u="none" strike="noStrike" cap="none">
         <a:solidFill>
           <a:srgbClr val="000000"/>
         </a:solidFill>
@@ -540,7 +555,7 @@
         <a:sym typeface="Arial"/>
       </a:defRPr>
     </a:lvl1pPr>
-    <a:lvl2pPr lvl="1" marR="0" rtl="0" algn="l">
+    <a:lvl2pPr marR="0" lvl="1" algn="l" rtl="0">
       <a:lnSpc>
         <a:spcPct val="100000"/>
       </a:lnSpc>
@@ -554,7 +569,7 @@
         <a:srgbClr val="000000"/>
       </a:buClr>
       <a:buFont typeface="Arial"/>
-      <a:defRPr b="0" i="0" sz="1400" u="none" cap="none" strike="noStrike">
+      <a:defRPr sz="1400" b="0" i="0" u="none" strike="noStrike" cap="none">
         <a:solidFill>
           <a:srgbClr val="000000"/>
         </a:solidFill>
@@ -564,7 +579,7 @@
         <a:sym typeface="Arial"/>
       </a:defRPr>
     </a:lvl2pPr>
-    <a:lvl3pPr lvl="2" marR="0" rtl="0" algn="l">
+    <a:lvl3pPr marR="0" lvl="2" algn="l" rtl="0">
       <a:lnSpc>
         <a:spcPct val="100000"/>
       </a:lnSpc>
@@ -578,7 +593,7 @@
         <a:srgbClr val="000000"/>
       </a:buClr>
       <a:buFont typeface="Arial"/>
-      <a:defRPr b="0" i="0" sz="1400" u="none" cap="none" strike="noStrike">
+      <a:defRPr sz="1400" b="0" i="0" u="none" strike="noStrike" cap="none">
         <a:solidFill>
           <a:srgbClr val="000000"/>
         </a:solidFill>
@@ -588,7 +603,7 @@
         <a:sym typeface="Arial"/>
       </a:defRPr>
     </a:lvl3pPr>
-    <a:lvl4pPr lvl="3" marR="0" rtl="0" algn="l">
+    <a:lvl4pPr marR="0" lvl="3" algn="l" rtl="0">
       <a:lnSpc>
         <a:spcPct val="100000"/>
       </a:lnSpc>
@@ -602,7 +617,7 @@
         <a:srgbClr val="000000"/>
       </a:buClr>
       <a:buFont typeface="Arial"/>
-      <a:defRPr b="0" i="0" sz="1400" u="none" cap="none" strike="noStrike">
+      <a:defRPr sz="1400" b="0" i="0" u="none" strike="noStrike" cap="none">
         <a:solidFill>
           <a:srgbClr val="000000"/>
         </a:solidFill>
@@ -612,7 +627,7 @@
         <a:sym typeface="Arial"/>
       </a:defRPr>
     </a:lvl4pPr>
-    <a:lvl5pPr lvl="4" marR="0" rtl="0" algn="l">
+    <a:lvl5pPr marR="0" lvl="4" algn="l" rtl="0">
       <a:lnSpc>
         <a:spcPct val="100000"/>
       </a:lnSpc>
@@ -626,7 +641,7 @@
         <a:srgbClr val="000000"/>
       </a:buClr>
       <a:buFont typeface="Arial"/>
-      <a:defRPr b="0" i="0" sz="1400" u="none" cap="none" strike="noStrike">
+      <a:defRPr sz="1400" b="0" i="0" u="none" strike="noStrike" cap="none">
         <a:solidFill>
           <a:srgbClr val="000000"/>
         </a:solidFill>
@@ -636,7 +651,7 @@
         <a:sym typeface="Arial"/>
       </a:defRPr>
     </a:lvl5pPr>
-    <a:lvl6pPr lvl="5" marR="0" rtl="0" algn="l">
+    <a:lvl6pPr marR="0" lvl="5" algn="l" rtl="0">
       <a:lnSpc>
         <a:spcPct val="100000"/>
       </a:lnSpc>
@@ -650,7 +665,7 @@
         <a:srgbClr val="000000"/>
       </a:buClr>
       <a:buFont typeface="Arial"/>
-      <a:defRPr b="0" i="0" sz="1400" u="none" cap="none" strike="noStrike">
+      <a:defRPr sz="1400" b="0" i="0" u="none" strike="noStrike" cap="none">
         <a:solidFill>
           <a:srgbClr val="000000"/>
         </a:solidFill>
@@ -660,7 +675,7 @@
         <a:sym typeface="Arial"/>
       </a:defRPr>
     </a:lvl6pPr>
-    <a:lvl7pPr lvl="6" marR="0" rtl="0" algn="l">
+    <a:lvl7pPr marR="0" lvl="6" algn="l" rtl="0">
       <a:lnSpc>
         <a:spcPct val="100000"/>
       </a:lnSpc>
@@ -674,7 +689,7 @@
         <a:srgbClr val="000000"/>
       </a:buClr>
       <a:buFont typeface="Arial"/>
-      <a:defRPr b="0" i="0" sz="1400" u="none" cap="none" strike="noStrike">
+      <a:defRPr sz="1400" b="0" i="0" u="none" strike="noStrike" cap="none">
         <a:solidFill>
           <a:srgbClr val="000000"/>
         </a:solidFill>
@@ -684,7 +699,7 @@
         <a:sym typeface="Arial"/>
       </a:defRPr>
     </a:lvl7pPr>
-    <a:lvl8pPr lvl="7" marR="0" rtl="0" algn="l">
+    <a:lvl8pPr marR="0" lvl="7" algn="l" rtl="0">
       <a:lnSpc>
         <a:spcPct val="100000"/>
       </a:lnSpc>
@@ -698,7 +713,7 @@
         <a:srgbClr val="000000"/>
       </a:buClr>
       <a:buFont typeface="Arial"/>
-      <a:defRPr b="0" i="0" sz="1400" u="none" cap="none" strike="noStrike">
+      <a:defRPr sz="1400" b="0" i="0" u="none" strike="noStrike" cap="none">
         <a:solidFill>
           <a:srgbClr val="000000"/>
         </a:solidFill>
@@ -708,7 +723,7 @@
         <a:sym typeface="Arial"/>
       </a:defRPr>
     </a:lvl8pPr>
-    <a:lvl9pPr lvl="8" marR="0" rtl="0" algn="l">
+    <a:lvl9pPr marR="0" lvl="8" algn="l" rtl="0">
       <a:lnSpc>
         <a:spcPct val="100000"/>
       </a:lnSpc>
@@ -722,7 +737,7 @@
         <a:srgbClr val="000000"/>
       </a:buClr>
       <a:buFont typeface="Arial"/>
-      <a:defRPr b="0" i="0" sz="1400" u="none" cap="none" strike="noStrike">
+      <a:defRPr sz="1400" b="0" i="0" u="none" strike="noStrike" cap="none">
         <a:solidFill>
           <a:srgbClr val="000000"/>
         </a:solidFill>
@@ -737,11 +752,11 @@
 </file>
 
 <file path=ppt/notesSlides/notesSlide1.xml><?xml version="1.0" encoding="utf-8"?>
-<p:notes xmlns:a="http://schemas.openxmlformats.org/drawingml/2006/main" xmlns:r="http://schemas.openxmlformats.org/officeDocument/2006/relationships" xmlns:mc="http://schemas.openxmlformats.org/markup-compatibility/2006" xmlns:mv="urn:schemas-microsoft-com:mac:vml" xmlns:p="http://schemas.openxmlformats.org/presentationml/2006/main" xmlns:c="http://schemas.openxmlformats.org/drawingml/2006/chart" xmlns:dgm="http://schemas.openxmlformats.org/drawingml/2006/diagram" xmlns:o="urn:schemas-microsoft-com:office:office" xmlns:v="urn:schemas-microsoft-com:vml" xmlns:pvml="urn:schemas-microsoft-com:office:powerpoint" xmlns:com="http://schemas.openxmlformats.org/drawingml/2006/compatibility" xmlns:p14="http://schemas.microsoft.com/office/powerpoint/2010/main" xmlns:p15="http://schemas.microsoft.com/office/powerpoint/2012/main" showMasterPhAnim="0" showMasterSp="0">
+<p:notes xmlns:a="http://schemas.openxmlformats.org/drawingml/2006/main" xmlns:r="http://schemas.openxmlformats.org/officeDocument/2006/relationships" xmlns:p="http://schemas.openxmlformats.org/presentationml/2006/main" showMasterSp="0" showMasterPhAnim="0">
   <p:cSld>
     <p:spTree>
       <p:nvGrpSpPr>
-        <p:cNvPr id="60" name="Shape 60"/>
+        <p:cNvPr id="1" name="Shape 60"/>
         <p:cNvGrpSpPr/>
         <p:nvPr/>
       </p:nvGrpSpPr>
@@ -756,9 +771,11 @@
       <p:sp>
         <p:nvSpPr>
           <p:cNvPr id="61" name="Google Shape;61;gcb9a0b074_1_0:notes"/>
-          <p:cNvSpPr/>
+          <p:cNvSpPr>
+            <a:spLocks noGrp="1" noRot="1" noChangeAspect="1"/>
+          </p:cNvSpPr>
           <p:nvPr>
-            <p:ph idx="2" type="sldImg"/>
+            <p:ph type="sldImg" idx="2"/>
           </p:nvPr>
         </p:nvSpPr>
         <p:spPr>
@@ -767,9 +784,13 @@
             <a:ext cx="6096000" cy="3429000"/>
           </a:xfrm>
           <a:custGeom>
-            <a:rect b="b" l="l" r="r" t="t"/>
+            <a:avLst/>
+            <a:gdLst/>
+            <a:ahLst/>
+            <a:cxnLst/>
+            <a:rect l="l" t="t" r="r" b="b"/>
             <a:pathLst>
-              <a:path extrusionOk="0" h="120000" w="120000">
+              <a:path w="120000" h="120000" extrusionOk="0">
                 <a:moveTo>
                   <a:pt x="0" y="0"/>
                 </a:moveTo>
@@ -791,9 +812,11 @@
       <p:sp>
         <p:nvSpPr>
           <p:cNvPr id="62" name="Google Shape;62;gcb9a0b074_1_0:notes"/>
-          <p:cNvSpPr txBox="1"/>
+          <p:cNvSpPr txBox="1">
+            <a:spLocks noGrp="1"/>
+          </p:cNvSpPr>
           <p:nvPr>
-            <p:ph idx="1" type="body"/>
+            <p:ph type="body" idx="1"/>
           </p:nvPr>
         </p:nvSpPr>
         <p:spPr>
@@ -806,12 +829,12 @@
           </a:prstGeom>
         </p:spPr>
         <p:txBody>
-          <a:bodyPr anchorCtr="0" anchor="t" bIns="91425" lIns="91425" spcFirstLastPara="1" rIns="91425" wrap="square" tIns="91425">
+          <a:bodyPr spcFirstLastPara="1" wrap="square" lIns="91425" tIns="91425" rIns="91425" bIns="91425" anchor="t" anchorCtr="0">
             <a:noAutofit/>
           </a:bodyPr>
           <a:lstStyle/>
           <a:p>
-            <a:pPr indent="0" lvl="0" marL="0" rtl="0" algn="l">
+            <a:pPr marL="0" lvl="0" indent="0" algn="l" rtl="0">
               <a:spcBef>
                 <a:spcPts val="0"/>
               </a:spcBef>
@@ -820,9 +843,6 @@
               </a:spcAft>
               <a:buNone/>
             </a:pPr>
-            <a:r>
-              <a:t/>
-            </a:r>
             <a:endParaRPr/>
           </a:p>
         </p:txBody>
@@ -836,11 +856,11 @@
 </file>
 
 <file path=ppt/notesSlides/notesSlide10.xml><?xml version="1.0" encoding="utf-8"?>
-<p:notes xmlns:a="http://schemas.openxmlformats.org/drawingml/2006/main" xmlns:r="http://schemas.openxmlformats.org/officeDocument/2006/relationships" xmlns:mc="http://schemas.openxmlformats.org/markup-compatibility/2006" xmlns:mv="urn:schemas-microsoft-com:mac:vml" xmlns:p="http://schemas.openxmlformats.org/presentationml/2006/main" xmlns:c="http://schemas.openxmlformats.org/drawingml/2006/chart" xmlns:dgm="http://schemas.openxmlformats.org/drawingml/2006/diagram" xmlns:o="urn:schemas-microsoft-com:office:office" xmlns:v="urn:schemas-microsoft-com:vml" xmlns:pvml="urn:schemas-microsoft-com:office:powerpoint" xmlns:com="http://schemas.openxmlformats.org/drawingml/2006/compatibility" xmlns:p14="http://schemas.microsoft.com/office/powerpoint/2010/main" xmlns:p15="http://schemas.microsoft.com/office/powerpoint/2012/main" showMasterPhAnim="0" showMasterSp="0">
+<p:notes xmlns:a="http://schemas.openxmlformats.org/drawingml/2006/main" xmlns:r="http://schemas.openxmlformats.org/officeDocument/2006/relationships" xmlns:p="http://schemas.openxmlformats.org/presentationml/2006/main" showMasterSp="0" showMasterPhAnim="0">
   <p:cSld>
     <p:spTree>
       <p:nvGrpSpPr>
-        <p:cNvPr id="138" name="Shape 138"/>
+        <p:cNvPr id="1" name="Shape 138"/>
         <p:cNvGrpSpPr/>
         <p:nvPr/>
       </p:nvGrpSpPr>
@@ -855,9 +875,11 @@
       <p:sp>
         <p:nvSpPr>
           <p:cNvPr id="139" name="Google Shape;139;gd814cf7d3_0_5:notes"/>
-          <p:cNvSpPr/>
+          <p:cNvSpPr>
+            <a:spLocks noGrp="1" noRot="1" noChangeAspect="1"/>
+          </p:cNvSpPr>
           <p:nvPr>
-            <p:ph idx="2" type="sldImg"/>
+            <p:ph type="sldImg" idx="2"/>
           </p:nvPr>
         </p:nvSpPr>
         <p:spPr>
@@ -866,9 +888,13 @@
             <a:ext cx="6096000" cy="3429000"/>
           </a:xfrm>
           <a:custGeom>
-            <a:rect b="b" l="l" r="r" t="t"/>
+            <a:avLst/>
+            <a:gdLst/>
+            <a:ahLst/>
+            <a:cxnLst/>
+            <a:rect l="l" t="t" r="r" b="b"/>
             <a:pathLst>
-              <a:path extrusionOk="0" h="120000" w="120000">
+              <a:path w="120000" h="120000" extrusionOk="0">
                 <a:moveTo>
                   <a:pt x="0" y="0"/>
                 </a:moveTo>
@@ -890,9 +916,11 @@
       <p:sp>
         <p:nvSpPr>
           <p:cNvPr id="140" name="Google Shape;140;gd814cf7d3_0_5:notes"/>
-          <p:cNvSpPr txBox="1"/>
+          <p:cNvSpPr txBox="1">
+            <a:spLocks noGrp="1"/>
+          </p:cNvSpPr>
           <p:nvPr>
-            <p:ph idx="1" type="body"/>
+            <p:ph type="body" idx="1"/>
           </p:nvPr>
         </p:nvSpPr>
         <p:spPr>
@@ -905,12 +933,12 @@
           </a:prstGeom>
         </p:spPr>
         <p:txBody>
-          <a:bodyPr anchorCtr="0" anchor="t" bIns="91425" lIns="91425" spcFirstLastPara="1" rIns="91425" wrap="square" tIns="91425">
+          <a:bodyPr spcFirstLastPara="1" wrap="square" lIns="91425" tIns="91425" rIns="91425" bIns="91425" anchor="t" anchorCtr="0">
             <a:noAutofit/>
           </a:bodyPr>
           <a:lstStyle/>
           <a:p>
-            <a:pPr indent="0" lvl="0" marL="0" rtl="0" algn="l">
+            <a:pPr marL="0" lvl="0" indent="0" algn="l" rtl="0">
               <a:spcBef>
                 <a:spcPts val="0"/>
               </a:spcBef>
@@ -919,9 +947,6 @@
               </a:spcAft>
               <a:buNone/>
             </a:pPr>
-            <a:r>
-              <a:t/>
-            </a:r>
             <a:endParaRPr/>
           </a:p>
         </p:txBody>
@@ -935,11 +960,11 @@
 </file>
 
 <file path=ppt/notesSlides/notesSlide11.xml><?xml version="1.0" encoding="utf-8"?>
-<p:notes xmlns:a="http://schemas.openxmlformats.org/drawingml/2006/main" xmlns:r="http://schemas.openxmlformats.org/officeDocument/2006/relationships" xmlns:mc="http://schemas.openxmlformats.org/markup-compatibility/2006" xmlns:mv="urn:schemas-microsoft-com:mac:vml" xmlns:p="http://schemas.openxmlformats.org/presentationml/2006/main" xmlns:c="http://schemas.openxmlformats.org/drawingml/2006/chart" xmlns:dgm="http://schemas.openxmlformats.org/drawingml/2006/diagram" xmlns:o="urn:schemas-microsoft-com:office:office" xmlns:v="urn:schemas-microsoft-com:vml" xmlns:pvml="urn:schemas-microsoft-com:office:powerpoint" xmlns:com="http://schemas.openxmlformats.org/drawingml/2006/compatibility" xmlns:p14="http://schemas.microsoft.com/office/powerpoint/2010/main" xmlns:p15="http://schemas.microsoft.com/office/powerpoint/2012/main" showMasterPhAnim="0" showMasterSp="0">
+<p:notes xmlns:a="http://schemas.openxmlformats.org/drawingml/2006/main" xmlns:r="http://schemas.openxmlformats.org/officeDocument/2006/relationships" xmlns:p="http://schemas.openxmlformats.org/presentationml/2006/main" showMasterSp="0" showMasterPhAnim="0">
   <p:cSld>
     <p:spTree>
       <p:nvGrpSpPr>
-        <p:cNvPr id="147" name="Shape 147"/>
+        <p:cNvPr id="1" name="Shape 147"/>
         <p:cNvGrpSpPr/>
         <p:nvPr/>
       </p:nvGrpSpPr>
@@ -954,9 +979,11 @@
       <p:sp>
         <p:nvSpPr>
           <p:cNvPr id="148" name="Google Shape;148;g723630543_5_23:notes"/>
-          <p:cNvSpPr/>
+          <p:cNvSpPr>
+            <a:spLocks noGrp="1" noRot="1" noChangeAspect="1"/>
+          </p:cNvSpPr>
           <p:nvPr>
-            <p:ph idx="2" type="sldImg"/>
+            <p:ph type="sldImg" idx="2"/>
           </p:nvPr>
         </p:nvSpPr>
         <p:spPr>
@@ -965,9 +992,13 @@
             <a:ext cx="6096300" cy="3429000"/>
           </a:xfrm>
           <a:custGeom>
-            <a:rect b="b" l="l" r="r" t="t"/>
+            <a:avLst/>
+            <a:gdLst/>
+            <a:ahLst/>
+            <a:cxnLst/>
+            <a:rect l="l" t="t" r="r" b="b"/>
             <a:pathLst>
-              <a:path extrusionOk="0" h="120000" w="120000">
+              <a:path w="120000" h="120000" extrusionOk="0">
                 <a:moveTo>
                   <a:pt x="0" y="0"/>
                 </a:moveTo>
@@ -989,9 +1020,11 @@
       <p:sp>
         <p:nvSpPr>
           <p:cNvPr id="149" name="Google Shape;149;g723630543_5_23:notes"/>
-          <p:cNvSpPr txBox="1"/>
+          <p:cNvSpPr txBox="1">
+            <a:spLocks noGrp="1"/>
+          </p:cNvSpPr>
           <p:nvPr>
-            <p:ph idx="1" type="body"/>
+            <p:ph type="body" idx="1"/>
           </p:nvPr>
         </p:nvSpPr>
         <p:spPr>
@@ -1004,12 +1037,12 @@
           </a:prstGeom>
         </p:spPr>
         <p:txBody>
-          <a:bodyPr anchorCtr="0" anchor="t" bIns="91425" lIns="91425" spcFirstLastPara="1" rIns="91425" wrap="square" tIns="91425">
+          <a:bodyPr spcFirstLastPara="1" wrap="square" lIns="91425" tIns="91425" rIns="91425" bIns="91425" anchor="t" anchorCtr="0">
             <a:noAutofit/>
           </a:bodyPr>
           <a:lstStyle/>
           <a:p>
-            <a:pPr indent="0" lvl="0" marL="0" rtl="0" algn="l">
+            <a:pPr marL="0" lvl="0" indent="0" algn="l" rtl="0">
               <a:spcBef>
                 <a:spcPts val="0"/>
               </a:spcBef>
@@ -1018,9 +1051,6 @@
               </a:spcAft>
               <a:buNone/>
             </a:pPr>
-            <a:r>
-              <a:t/>
-            </a:r>
             <a:endParaRPr/>
           </a:p>
         </p:txBody>
@@ -1034,11 +1064,11 @@
 </file>
 
 <file path=ppt/notesSlides/notesSlide12.xml><?xml version="1.0" encoding="utf-8"?>
-<p:notes xmlns:a="http://schemas.openxmlformats.org/drawingml/2006/main" xmlns:r="http://schemas.openxmlformats.org/officeDocument/2006/relationships" xmlns:mc="http://schemas.openxmlformats.org/markup-compatibility/2006" xmlns:mv="urn:schemas-microsoft-com:mac:vml" xmlns:p="http://schemas.openxmlformats.org/presentationml/2006/main" xmlns:c="http://schemas.openxmlformats.org/drawingml/2006/chart" xmlns:dgm="http://schemas.openxmlformats.org/drawingml/2006/diagram" xmlns:o="urn:schemas-microsoft-com:office:office" xmlns:v="urn:schemas-microsoft-com:vml" xmlns:pvml="urn:schemas-microsoft-com:office:powerpoint" xmlns:com="http://schemas.openxmlformats.org/drawingml/2006/compatibility" xmlns:p14="http://schemas.microsoft.com/office/powerpoint/2010/main" xmlns:p15="http://schemas.microsoft.com/office/powerpoint/2012/main" showMasterPhAnim="0" showMasterSp="0">
+<p:notes xmlns:a="http://schemas.openxmlformats.org/drawingml/2006/main" xmlns:r="http://schemas.openxmlformats.org/officeDocument/2006/relationships" xmlns:p="http://schemas.openxmlformats.org/presentationml/2006/main" showMasterSp="0" showMasterPhAnim="0">
   <p:cSld>
     <p:spTree>
       <p:nvGrpSpPr>
-        <p:cNvPr id="157" name="Shape 157"/>
+        <p:cNvPr id="1" name="Shape 157"/>
         <p:cNvGrpSpPr/>
         <p:nvPr/>
       </p:nvGrpSpPr>
@@ -1053,20 +1083,26 @@
       <p:sp>
         <p:nvSpPr>
           <p:cNvPr id="158" name="Google Shape;158;ge965474a9_3_379:notes"/>
-          <p:cNvSpPr/>
+          <p:cNvSpPr>
+            <a:spLocks noGrp="1" noRot="1" noChangeAspect="1"/>
+          </p:cNvSpPr>
           <p:nvPr>
-            <p:ph idx="2" type="sldImg"/>
+            <p:ph type="sldImg" idx="2"/>
           </p:nvPr>
         </p:nvSpPr>
         <p:spPr>
           <a:xfrm>
-            <a:off x="381188" y="685800"/>
-            <a:ext cx="6096300" cy="3429000"/>
+            <a:off x="381000" y="685800"/>
+            <a:ext cx="6096000" cy="3429000"/>
           </a:xfrm>
           <a:custGeom>
-            <a:rect b="b" l="l" r="r" t="t"/>
+            <a:avLst/>
+            <a:gdLst/>
+            <a:ahLst/>
+            <a:cxnLst/>
+            <a:rect l="l" t="t" r="r" b="b"/>
             <a:pathLst>
-              <a:path extrusionOk="0" h="120000" w="120000">
+              <a:path w="120000" h="120000" extrusionOk="0">
                 <a:moveTo>
                   <a:pt x="0" y="0"/>
                 </a:moveTo>
@@ -1088,9 +1124,11 @@
       <p:sp>
         <p:nvSpPr>
           <p:cNvPr id="159" name="Google Shape;159;ge965474a9_3_379:notes"/>
-          <p:cNvSpPr txBox="1"/>
+          <p:cNvSpPr txBox="1">
+            <a:spLocks noGrp="1"/>
+          </p:cNvSpPr>
           <p:nvPr>
-            <p:ph idx="1" type="body"/>
+            <p:ph type="body" idx="1"/>
           </p:nvPr>
         </p:nvSpPr>
         <p:spPr>
@@ -1103,12 +1141,12 @@
           </a:prstGeom>
         </p:spPr>
         <p:txBody>
-          <a:bodyPr anchorCtr="0" anchor="t" bIns="91425" lIns="91425" spcFirstLastPara="1" rIns="91425" wrap="square" tIns="91425">
+          <a:bodyPr spcFirstLastPara="1" wrap="square" lIns="91425" tIns="91425" rIns="91425" bIns="91425" anchor="t" anchorCtr="0">
             <a:noAutofit/>
           </a:bodyPr>
           <a:lstStyle/>
           <a:p>
-            <a:pPr indent="0" lvl="0" marL="0" rtl="0" algn="l">
+            <a:pPr marL="0" lvl="0" indent="0" algn="l" rtl="0">
               <a:spcBef>
                 <a:spcPts val="0"/>
               </a:spcBef>
@@ -1117,9 +1155,6 @@
               </a:spcAft>
               <a:buNone/>
             </a:pPr>
-            <a:r>
-              <a:t/>
-            </a:r>
             <a:endParaRPr/>
           </a:p>
         </p:txBody>
@@ -1133,11 +1168,11 @@
 </file>
 
 <file path=ppt/notesSlides/notesSlide13.xml><?xml version="1.0" encoding="utf-8"?>
-<p:notes xmlns:a="http://schemas.openxmlformats.org/drawingml/2006/main" xmlns:r="http://schemas.openxmlformats.org/officeDocument/2006/relationships" xmlns:mc="http://schemas.openxmlformats.org/markup-compatibility/2006" xmlns:mv="urn:schemas-microsoft-com:mac:vml" xmlns:p="http://schemas.openxmlformats.org/presentationml/2006/main" xmlns:c="http://schemas.openxmlformats.org/drawingml/2006/chart" xmlns:dgm="http://schemas.openxmlformats.org/drawingml/2006/diagram" xmlns:o="urn:schemas-microsoft-com:office:office" xmlns:v="urn:schemas-microsoft-com:vml" xmlns:pvml="urn:schemas-microsoft-com:office:powerpoint" xmlns:com="http://schemas.openxmlformats.org/drawingml/2006/compatibility" xmlns:p14="http://schemas.microsoft.com/office/powerpoint/2010/main" xmlns:p15="http://schemas.microsoft.com/office/powerpoint/2012/main" showMasterPhAnim="0" showMasterSp="0">
+<p:notes xmlns:a="http://schemas.openxmlformats.org/drawingml/2006/main" xmlns:r="http://schemas.openxmlformats.org/officeDocument/2006/relationships" xmlns:p="http://schemas.openxmlformats.org/presentationml/2006/main" showMasterSp="0" showMasterPhAnim="0">
   <p:cSld>
     <p:spTree>
       <p:nvGrpSpPr>
-        <p:cNvPr id="164" name="Shape 164"/>
+        <p:cNvPr id="1" name="Shape 164"/>
         <p:cNvGrpSpPr/>
         <p:nvPr/>
       </p:nvGrpSpPr>
@@ -1152,9 +1187,11 @@
       <p:sp>
         <p:nvSpPr>
           <p:cNvPr id="165" name="Google Shape;165;g846269a4e9_0_47:notes"/>
-          <p:cNvSpPr/>
+          <p:cNvSpPr>
+            <a:spLocks noGrp="1" noRot="1" noChangeAspect="1"/>
+          </p:cNvSpPr>
           <p:nvPr>
-            <p:ph idx="2" type="sldImg"/>
+            <p:ph type="sldImg" idx="2"/>
           </p:nvPr>
         </p:nvSpPr>
         <p:spPr>
@@ -1163,9 +1200,13 @@
             <a:ext cx="6096300" cy="3429000"/>
           </a:xfrm>
           <a:custGeom>
-            <a:rect b="b" l="l" r="r" t="t"/>
+            <a:avLst/>
+            <a:gdLst/>
+            <a:ahLst/>
+            <a:cxnLst/>
+            <a:rect l="l" t="t" r="r" b="b"/>
             <a:pathLst>
-              <a:path extrusionOk="0" h="120000" w="120000">
+              <a:path w="120000" h="120000" extrusionOk="0">
                 <a:moveTo>
                   <a:pt x="0" y="0"/>
                 </a:moveTo>
@@ -1187,9 +1228,11 @@
       <p:sp>
         <p:nvSpPr>
           <p:cNvPr id="166" name="Google Shape;166;g846269a4e9_0_47:notes"/>
-          <p:cNvSpPr txBox="1"/>
+          <p:cNvSpPr txBox="1">
+            <a:spLocks noGrp="1"/>
+          </p:cNvSpPr>
           <p:nvPr>
-            <p:ph idx="1" type="body"/>
+            <p:ph type="body" idx="1"/>
           </p:nvPr>
         </p:nvSpPr>
         <p:spPr>
@@ -1202,12 +1245,12 @@
           </a:prstGeom>
         </p:spPr>
         <p:txBody>
-          <a:bodyPr anchorCtr="0" anchor="t" bIns="91425" lIns="91425" spcFirstLastPara="1" rIns="91425" wrap="square" tIns="91425">
+          <a:bodyPr spcFirstLastPara="1" wrap="square" lIns="91425" tIns="91425" rIns="91425" bIns="91425" anchor="t" anchorCtr="0">
             <a:noAutofit/>
           </a:bodyPr>
           <a:lstStyle/>
           <a:p>
-            <a:pPr indent="0" lvl="0" marL="0" rtl="0" algn="l">
+            <a:pPr marL="0" lvl="0" indent="0" algn="l" rtl="0">
               <a:spcBef>
                 <a:spcPts val="0"/>
               </a:spcBef>
@@ -1216,9 +1259,6 @@
               </a:spcAft>
               <a:buNone/>
             </a:pPr>
-            <a:r>
-              <a:t/>
-            </a:r>
             <a:endParaRPr/>
           </a:p>
         </p:txBody>
@@ -1232,11 +1272,11 @@
 </file>
 
 <file path=ppt/notesSlides/notesSlide14.xml><?xml version="1.0" encoding="utf-8"?>
-<p:notes xmlns:a="http://schemas.openxmlformats.org/drawingml/2006/main" xmlns:r="http://schemas.openxmlformats.org/officeDocument/2006/relationships" xmlns:mc="http://schemas.openxmlformats.org/markup-compatibility/2006" xmlns:mv="urn:schemas-microsoft-com:mac:vml" xmlns:p="http://schemas.openxmlformats.org/presentationml/2006/main" xmlns:c="http://schemas.openxmlformats.org/drawingml/2006/chart" xmlns:dgm="http://schemas.openxmlformats.org/drawingml/2006/diagram" xmlns:o="urn:schemas-microsoft-com:office:office" xmlns:v="urn:schemas-microsoft-com:vml" xmlns:pvml="urn:schemas-microsoft-com:office:powerpoint" xmlns:com="http://schemas.openxmlformats.org/drawingml/2006/compatibility" xmlns:p14="http://schemas.microsoft.com/office/powerpoint/2010/main" xmlns:p15="http://schemas.microsoft.com/office/powerpoint/2012/main" showMasterPhAnim="0" showMasterSp="0">
+<p:notes xmlns:a="http://schemas.openxmlformats.org/drawingml/2006/main" xmlns:r="http://schemas.openxmlformats.org/officeDocument/2006/relationships" xmlns:p="http://schemas.openxmlformats.org/presentationml/2006/main" showMasterSp="0" showMasterPhAnim="0">
   <p:cSld>
     <p:spTree>
       <p:nvGrpSpPr>
-        <p:cNvPr id="172" name="Shape 172"/>
+        <p:cNvPr id="1" name="Shape 172"/>
         <p:cNvGrpSpPr/>
         <p:nvPr/>
       </p:nvGrpSpPr>
@@ -1251,9 +1291,11 @@
       <p:sp>
         <p:nvSpPr>
           <p:cNvPr id="173" name="Google Shape;173;g846269a4e9_0_58:notes"/>
-          <p:cNvSpPr/>
+          <p:cNvSpPr>
+            <a:spLocks noGrp="1" noRot="1" noChangeAspect="1"/>
+          </p:cNvSpPr>
           <p:nvPr>
-            <p:ph idx="2" type="sldImg"/>
+            <p:ph type="sldImg" idx="2"/>
           </p:nvPr>
         </p:nvSpPr>
         <p:spPr>
@@ -1262,9 +1304,13 @@
             <a:ext cx="6096300" cy="3429000"/>
           </a:xfrm>
           <a:custGeom>
-            <a:rect b="b" l="l" r="r" t="t"/>
+            <a:avLst/>
+            <a:gdLst/>
+            <a:ahLst/>
+            <a:cxnLst/>
+            <a:rect l="l" t="t" r="r" b="b"/>
             <a:pathLst>
-              <a:path extrusionOk="0" h="120000" w="120000">
+              <a:path w="120000" h="120000" extrusionOk="0">
                 <a:moveTo>
                   <a:pt x="0" y="0"/>
                 </a:moveTo>
@@ -1286,9 +1332,11 @@
       <p:sp>
         <p:nvSpPr>
           <p:cNvPr id="174" name="Google Shape;174;g846269a4e9_0_58:notes"/>
-          <p:cNvSpPr txBox="1"/>
+          <p:cNvSpPr txBox="1">
+            <a:spLocks noGrp="1"/>
+          </p:cNvSpPr>
           <p:nvPr>
-            <p:ph idx="1" type="body"/>
+            <p:ph type="body" idx="1"/>
           </p:nvPr>
         </p:nvSpPr>
         <p:spPr>
@@ -1301,12 +1349,12 @@
           </a:prstGeom>
         </p:spPr>
         <p:txBody>
-          <a:bodyPr anchorCtr="0" anchor="t" bIns="91425" lIns="91425" spcFirstLastPara="1" rIns="91425" wrap="square" tIns="91425">
+          <a:bodyPr spcFirstLastPara="1" wrap="square" lIns="91425" tIns="91425" rIns="91425" bIns="91425" anchor="t" anchorCtr="0">
             <a:noAutofit/>
           </a:bodyPr>
           <a:lstStyle/>
           <a:p>
-            <a:pPr indent="0" lvl="0" marL="0" rtl="0" algn="l">
+            <a:pPr marL="0" lvl="0" indent="0" algn="l" rtl="0">
               <a:spcBef>
                 <a:spcPts val="0"/>
               </a:spcBef>
@@ -1315,9 +1363,6 @@
               </a:spcAft>
               <a:buNone/>
             </a:pPr>
-            <a:r>
-              <a:t/>
-            </a:r>
             <a:endParaRPr/>
           </a:p>
         </p:txBody>
@@ -1331,11 +1376,11 @@
 </file>
 
 <file path=ppt/notesSlides/notesSlide15.xml><?xml version="1.0" encoding="utf-8"?>
-<p:notes xmlns:a="http://schemas.openxmlformats.org/drawingml/2006/main" xmlns:r="http://schemas.openxmlformats.org/officeDocument/2006/relationships" xmlns:mc="http://schemas.openxmlformats.org/markup-compatibility/2006" xmlns:mv="urn:schemas-microsoft-com:mac:vml" xmlns:p="http://schemas.openxmlformats.org/presentationml/2006/main" xmlns:c="http://schemas.openxmlformats.org/drawingml/2006/chart" xmlns:dgm="http://schemas.openxmlformats.org/drawingml/2006/diagram" xmlns:o="urn:schemas-microsoft-com:office:office" xmlns:v="urn:schemas-microsoft-com:vml" xmlns:pvml="urn:schemas-microsoft-com:office:powerpoint" xmlns:com="http://schemas.openxmlformats.org/drawingml/2006/compatibility" xmlns:p14="http://schemas.microsoft.com/office/powerpoint/2010/main" xmlns:p15="http://schemas.microsoft.com/office/powerpoint/2012/main" showMasterPhAnim="0" showMasterSp="0">
+<p:notes xmlns:a="http://schemas.openxmlformats.org/drawingml/2006/main" xmlns:r="http://schemas.openxmlformats.org/officeDocument/2006/relationships" xmlns:p="http://schemas.openxmlformats.org/presentationml/2006/main" showMasterSp="0" showMasterPhAnim="0">
   <p:cSld>
     <p:spTree>
       <p:nvGrpSpPr>
-        <p:cNvPr id="180" name="Shape 180"/>
+        <p:cNvPr id="1" name="Shape 180"/>
         <p:cNvGrpSpPr/>
         <p:nvPr/>
       </p:nvGrpSpPr>
@@ -1350,9 +1395,11 @@
       <p:sp>
         <p:nvSpPr>
           <p:cNvPr id="181" name="Google Shape;181;g846269a4e9_0_67:notes"/>
-          <p:cNvSpPr/>
+          <p:cNvSpPr>
+            <a:spLocks noGrp="1" noRot="1" noChangeAspect="1"/>
+          </p:cNvSpPr>
           <p:nvPr>
-            <p:ph idx="2" type="sldImg"/>
+            <p:ph type="sldImg" idx="2"/>
           </p:nvPr>
         </p:nvSpPr>
         <p:spPr>
@@ -1361,9 +1408,13 @@
             <a:ext cx="6096300" cy="3429000"/>
           </a:xfrm>
           <a:custGeom>
-            <a:rect b="b" l="l" r="r" t="t"/>
+            <a:avLst/>
+            <a:gdLst/>
+            <a:ahLst/>
+            <a:cxnLst/>
+            <a:rect l="l" t="t" r="r" b="b"/>
             <a:pathLst>
-              <a:path extrusionOk="0" h="120000" w="120000">
+              <a:path w="120000" h="120000" extrusionOk="0">
                 <a:moveTo>
                   <a:pt x="0" y="0"/>
                 </a:moveTo>
@@ -1385,9 +1436,11 @@
       <p:sp>
         <p:nvSpPr>
           <p:cNvPr id="182" name="Google Shape;182;g846269a4e9_0_67:notes"/>
-          <p:cNvSpPr txBox="1"/>
+          <p:cNvSpPr txBox="1">
+            <a:spLocks noGrp="1"/>
+          </p:cNvSpPr>
           <p:nvPr>
-            <p:ph idx="1" type="body"/>
+            <p:ph type="body" idx="1"/>
           </p:nvPr>
         </p:nvSpPr>
         <p:spPr>
@@ -1400,12 +1453,12 @@
           </a:prstGeom>
         </p:spPr>
         <p:txBody>
-          <a:bodyPr anchorCtr="0" anchor="t" bIns="91425" lIns="91425" spcFirstLastPara="1" rIns="91425" wrap="square" tIns="91425">
+          <a:bodyPr spcFirstLastPara="1" wrap="square" lIns="91425" tIns="91425" rIns="91425" bIns="91425" anchor="t" anchorCtr="0">
             <a:noAutofit/>
           </a:bodyPr>
           <a:lstStyle/>
           <a:p>
-            <a:pPr indent="0" lvl="0" marL="0" rtl="0" algn="l">
+            <a:pPr marL="0" lvl="0" indent="0" algn="l" rtl="0">
               <a:spcBef>
                 <a:spcPts val="0"/>
               </a:spcBef>
@@ -1414,9 +1467,6 @@
               </a:spcAft>
               <a:buNone/>
             </a:pPr>
-            <a:r>
-              <a:t/>
-            </a:r>
             <a:endParaRPr/>
           </a:p>
         </p:txBody>
@@ -1430,11 +1480,11 @@
 </file>
 
 <file path=ppt/notesSlides/notesSlide16.xml><?xml version="1.0" encoding="utf-8"?>
-<p:notes xmlns:a="http://schemas.openxmlformats.org/drawingml/2006/main" xmlns:r="http://schemas.openxmlformats.org/officeDocument/2006/relationships" xmlns:mc="http://schemas.openxmlformats.org/markup-compatibility/2006" xmlns:mv="urn:schemas-microsoft-com:mac:vml" xmlns:p="http://schemas.openxmlformats.org/presentationml/2006/main" xmlns:c="http://schemas.openxmlformats.org/drawingml/2006/chart" xmlns:dgm="http://schemas.openxmlformats.org/drawingml/2006/diagram" xmlns:o="urn:schemas-microsoft-com:office:office" xmlns:v="urn:schemas-microsoft-com:vml" xmlns:pvml="urn:schemas-microsoft-com:office:powerpoint" xmlns:com="http://schemas.openxmlformats.org/drawingml/2006/compatibility" xmlns:p14="http://schemas.microsoft.com/office/powerpoint/2010/main" xmlns:p15="http://schemas.microsoft.com/office/powerpoint/2012/main" showMasterPhAnim="0" showMasterSp="0">
+<p:notes xmlns:a="http://schemas.openxmlformats.org/drawingml/2006/main" xmlns:r="http://schemas.openxmlformats.org/officeDocument/2006/relationships" xmlns:p="http://schemas.openxmlformats.org/presentationml/2006/main" showMasterSp="0" showMasterPhAnim="0">
   <p:cSld>
     <p:spTree>
       <p:nvGrpSpPr>
-        <p:cNvPr id="187" name="Shape 187"/>
+        <p:cNvPr id="1" name="Shape 187"/>
         <p:cNvGrpSpPr/>
         <p:nvPr/>
       </p:nvGrpSpPr>
@@ -1449,9 +1499,11 @@
       <p:sp>
         <p:nvSpPr>
           <p:cNvPr id="188" name="Google Shape;188;ge965474a9_3_399:notes"/>
-          <p:cNvSpPr/>
+          <p:cNvSpPr>
+            <a:spLocks noGrp="1" noRot="1" noChangeAspect="1"/>
+          </p:cNvSpPr>
           <p:nvPr>
-            <p:ph idx="2" type="sldImg"/>
+            <p:ph type="sldImg" idx="2"/>
           </p:nvPr>
         </p:nvSpPr>
         <p:spPr>
@@ -1460,9 +1512,13 @@
             <a:ext cx="6096000" cy="3429000"/>
           </a:xfrm>
           <a:custGeom>
-            <a:rect b="b" l="l" r="r" t="t"/>
+            <a:avLst/>
+            <a:gdLst/>
+            <a:ahLst/>
+            <a:cxnLst/>
+            <a:rect l="l" t="t" r="r" b="b"/>
             <a:pathLst>
-              <a:path extrusionOk="0" h="120000" w="120000">
+              <a:path w="120000" h="120000" extrusionOk="0">
                 <a:moveTo>
                   <a:pt x="0" y="0"/>
                 </a:moveTo>
@@ -1484,9 +1540,11 @@
       <p:sp>
         <p:nvSpPr>
           <p:cNvPr id="189" name="Google Shape;189;ge965474a9_3_399:notes"/>
-          <p:cNvSpPr txBox="1"/>
+          <p:cNvSpPr txBox="1">
+            <a:spLocks noGrp="1"/>
+          </p:cNvSpPr>
           <p:nvPr>
-            <p:ph idx="1" type="body"/>
+            <p:ph type="body" idx="1"/>
           </p:nvPr>
         </p:nvSpPr>
         <p:spPr>
@@ -1499,12 +1557,12 @@
           </a:prstGeom>
         </p:spPr>
         <p:txBody>
-          <a:bodyPr anchorCtr="0" anchor="t" bIns="91425" lIns="91425" spcFirstLastPara="1" rIns="91425" wrap="square" tIns="91425">
+          <a:bodyPr spcFirstLastPara="1" wrap="square" lIns="91425" tIns="91425" rIns="91425" bIns="91425" anchor="t" anchorCtr="0">
             <a:noAutofit/>
           </a:bodyPr>
           <a:lstStyle/>
           <a:p>
-            <a:pPr indent="0" lvl="0" marL="0" rtl="0" algn="l">
+            <a:pPr marL="0" lvl="0" indent="0" algn="l" rtl="0">
               <a:spcBef>
                 <a:spcPts val="0"/>
               </a:spcBef>
@@ -1513,9 +1571,6 @@
               </a:spcAft>
               <a:buNone/>
             </a:pPr>
-            <a:r>
-              <a:t/>
-            </a:r>
             <a:endParaRPr/>
           </a:p>
         </p:txBody>
@@ -1529,11 +1584,11 @@
 </file>
 
 <file path=ppt/notesSlides/notesSlide17.xml><?xml version="1.0" encoding="utf-8"?>
-<p:notes xmlns:a="http://schemas.openxmlformats.org/drawingml/2006/main" xmlns:r="http://schemas.openxmlformats.org/officeDocument/2006/relationships" xmlns:mc="http://schemas.openxmlformats.org/markup-compatibility/2006" xmlns:mv="urn:schemas-microsoft-com:mac:vml" xmlns:p="http://schemas.openxmlformats.org/presentationml/2006/main" xmlns:c="http://schemas.openxmlformats.org/drawingml/2006/chart" xmlns:dgm="http://schemas.openxmlformats.org/drawingml/2006/diagram" xmlns:o="urn:schemas-microsoft-com:office:office" xmlns:v="urn:schemas-microsoft-com:vml" xmlns:pvml="urn:schemas-microsoft-com:office:powerpoint" xmlns:com="http://schemas.openxmlformats.org/drawingml/2006/compatibility" xmlns:p14="http://schemas.microsoft.com/office/powerpoint/2010/main" xmlns:p15="http://schemas.microsoft.com/office/powerpoint/2012/main" showMasterPhAnim="0" showMasterSp="0">
+<p:notes xmlns:a="http://schemas.openxmlformats.org/drawingml/2006/main" xmlns:r="http://schemas.openxmlformats.org/officeDocument/2006/relationships" xmlns:p="http://schemas.openxmlformats.org/presentationml/2006/main" showMasterSp="0" showMasterPhAnim="0">
   <p:cSld>
     <p:spTree>
       <p:nvGrpSpPr>
-        <p:cNvPr id="196" name="Shape 196"/>
+        <p:cNvPr id="1" name="Shape 196"/>
         <p:cNvGrpSpPr/>
         <p:nvPr/>
       </p:nvGrpSpPr>
@@ -1548,9 +1603,11 @@
       <p:sp>
         <p:nvSpPr>
           <p:cNvPr id="197" name="Google Shape;197;gcb9a0b074_1_131:notes"/>
-          <p:cNvSpPr/>
+          <p:cNvSpPr>
+            <a:spLocks noGrp="1" noRot="1" noChangeAspect="1"/>
+          </p:cNvSpPr>
           <p:nvPr>
-            <p:ph idx="2" type="sldImg"/>
+            <p:ph type="sldImg" idx="2"/>
           </p:nvPr>
         </p:nvSpPr>
         <p:spPr>
@@ -1559,9 +1616,13 @@
             <a:ext cx="6096000" cy="3429000"/>
           </a:xfrm>
           <a:custGeom>
-            <a:rect b="b" l="l" r="r" t="t"/>
+            <a:avLst/>
+            <a:gdLst/>
+            <a:ahLst/>
+            <a:cxnLst/>
+            <a:rect l="l" t="t" r="r" b="b"/>
             <a:pathLst>
-              <a:path extrusionOk="0" h="120000" w="120000">
+              <a:path w="120000" h="120000" extrusionOk="0">
                 <a:moveTo>
                   <a:pt x="0" y="0"/>
                 </a:moveTo>
@@ -1583,9 +1644,11 @@
       <p:sp>
         <p:nvSpPr>
           <p:cNvPr id="198" name="Google Shape;198;gcb9a0b074_1_131:notes"/>
-          <p:cNvSpPr txBox="1"/>
+          <p:cNvSpPr txBox="1">
+            <a:spLocks noGrp="1"/>
+          </p:cNvSpPr>
           <p:nvPr>
-            <p:ph idx="1" type="body"/>
+            <p:ph type="body" idx="1"/>
           </p:nvPr>
         </p:nvSpPr>
         <p:spPr>
@@ -1598,12 +1661,12 @@
           </a:prstGeom>
         </p:spPr>
         <p:txBody>
-          <a:bodyPr anchorCtr="0" anchor="t" bIns="91425" lIns="91425" spcFirstLastPara="1" rIns="91425" wrap="square" tIns="91425">
+          <a:bodyPr spcFirstLastPara="1" wrap="square" lIns="91425" tIns="91425" rIns="91425" bIns="91425" anchor="t" anchorCtr="0">
             <a:noAutofit/>
           </a:bodyPr>
           <a:lstStyle/>
           <a:p>
-            <a:pPr indent="0" lvl="0" marL="0" rtl="0" algn="l">
+            <a:pPr marL="0" lvl="0" indent="0" algn="l" rtl="0">
               <a:spcBef>
                 <a:spcPts val="0"/>
               </a:spcBef>
@@ -1612,9 +1675,6 @@
               </a:spcAft>
               <a:buNone/>
             </a:pPr>
-            <a:r>
-              <a:t/>
-            </a:r>
             <a:endParaRPr/>
           </a:p>
         </p:txBody>
@@ -1628,11 +1688,11 @@
 </file>
 
 <file path=ppt/notesSlides/notesSlide18.xml><?xml version="1.0" encoding="utf-8"?>
-<p:notes xmlns:a="http://schemas.openxmlformats.org/drawingml/2006/main" xmlns:r="http://schemas.openxmlformats.org/officeDocument/2006/relationships" xmlns:mc="http://schemas.openxmlformats.org/markup-compatibility/2006" xmlns:mv="urn:schemas-microsoft-com:mac:vml" xmlns:p="http://schemas.openxmlformats.org/presentationml/2006/main" xmlns:c="http://schemas.openxmlformats.org/drawingml/2006/chart" xmlns:dgm="http://schemas.openxmlformats.org/drawingml/2006/diagram" xmlns:o="urn:schemas-microsoft-com:office:office" xmlns:v="urn:schemas-microsoft-com:vml" xmlns:pvml="urn:schemas-microsoft-com:office:powerpoint" xmlns:com="http://schemas.openxmlformats.org/drawingml/2006/compatibility" xmlns:p14="http://schemas.microsoft.com/office/powerpoint/2010/main" xmlns:p15="http://schemas.microsoft.com/office/powerpoint/2012/main" showMasterPhAnim="0" showMasterSp="0">
+<p:notes xmlns:a="http://schemas.openxmlformats.org/drawingml/2006/main" xmlns:r="http://schemas.openxmlformats.org/officeDocument/2006/relationships" xmlns:p="http://schemas.openxmlformats.org/presentationml/2006/main" showMasterSp="0" showMasterPhAnim="0">
   <p:cSld>
     <p:spTree>
       <p:nvGrpSpPr>
-        <p:cNvPr id="204" name="Shape 204"/>
+        <p:cNvPr id="1" name="Shape 204"/>
         <p:cNvGrpSpPr/>
         <p:nvPr/>
       </p:nvGrpSpPr>
@@ -1647,9 +1707,11 @@
       <p:sp>
         <p:nvSpPr>
           <p:cNvPr id="205" name="Google Shape;205;gcb9a0b074_1_140:notes"/>
-          <p:cNvSpPr/>
+          <p:cNvSpPr>
+            <a:spLocks noGrp="1" noRot="1" noChangeAspect="1"/>
+          </p:cNvSpPr>
           <p:nvPr>
-            <p:ph idx="2" type="sldImg"/>
+            <p:ph type="sldImg" idx="2"/>
           </p:nvPr>
         </p:nvSpPr>
         <p:spPr>
@@ -1658,9 +1720,13 @@
             <a:ext cx="6096000" cy="3429000"/>
           </a:xfrm>
           <a:custGeom>
-            <a:rect b="b" l="l" r="r" t="t"/>
+            <a:avLst/>
+            <a:gdLst/>
+            <a:ahLst/>
+            <a:cxnLst/>
+            <a:rect l="l" t="t" r="r" b="b"/>
             <a:pathLst>
-              <a:path extrusionOk="0" h="120000" w="120000">
+              <a:path w="120000" h="120000" extrusionOk="0">
                 <a:moveTo>
                   <a:pt x="0" y="0"/>
                 </a:moveTo>
@@ -1682,9 +1748,11 @@
       <p:sp>
         <p:nvSpPr>
           <p:cNvPr id="206" name="Google Shape;206;gcb9a0b074_1_140:notes"/>
-          <p:cNvSpPr txBox="1"/>
+          <p:cNvSpPr txBox="1">
+            <a:spLocks noGrp="1"/>
+          </p:cNvSpPr>
           <p:nvPr>
-            <p:ph idx="1" type="body"/>
+            <p:ph type="body" idx="1"/>
           </p:nvPr>
         </p:nvSpPr>
         <p:spPr>
@@ -1697,12 +1765,12 @@
           </a:prstGeom>
         </p:spPr>
         <p:txBody>
-          <a:bodyPr anchorCtr="0" anchor="t" bIns="91425" lIns="91425" spcFirstLastPara="1" rIns="91425" wrap="square" tIns="91425">
+          <a:bodyPr spcFirstLastPara="1" wrap="square" lIns="91425" tIns="91425" rIns="91425" bIns="91425" anchor="t" anchorCtr="0">
             <a:noAutofit/>
           </a:bodyPr>
           <a:lstStyle/>
           <a:p>
-            <a:pPr indent="0" lvl="0" marL="0" rtl="0" algn="l">
+            <a:pPr marL="0" lvl="0" indent="0" algn="l" rtl="0">
               <a:spcBef>
                 <a:spcPts val="0"/>
               </a:spcBef>
@@ -1711,9 +1779,6 @@
               </a:spcAft>
               <a:buNone/>
             </a:pPr>
-            <a:r>
-              <a:t/>
-            </a:r>
             <a:endParaRPr/>
           </a:p>
         </p:txBody>
@@ -1727,11 +1792,11 @@
 </file>
 
 <file path=ppt/notesSlides/notesSlide19.xml><?xml version="1.0" encoding="utf-8"?>
-<p:notes xmlns:a="http://schemas.openxmlformats.org/drawingml/2006/main" xmlns:r="http://schemas.openxmlformats.org/officeDocument/2006/relationships" xmlns:mc="http://schemas.openxmlformats.org/markup-compatibility/2006" xmlns:mv="urn:schemas-microsoft-com:mac:vml" xmlns:p="http://schemas.openxmlformats.org/presentationml/2006/main" xmlns:c="http://schemas.openxmlformats.org/drawingml/2006/chart" xmlns:dgm="http://schemas.openxmlformats.org/drawingml/2006/diagram" xmlns:o="urn:schemas-microsoft-com:office:office" xmlns:v="urn:schemas-microsoft-com:vml" xmlns:pvml="urn:schemas-microsoft-com:office:powerpoint" xmlns:com="http://schemas.openxmlformats.org/drawingml/2006/compatibility" xmlns:p14="http://schemas.microsoft.com/office/powerpoint/2010/main" xmlns:p15="http://schemas.microsoft.com/office/powerpoint/2012/main" showMasterPhAnim="0" showMasterSp="0">
+<p:notes xmlns:a="http://schemas.openxmlformats.org/drawingml/2006/main" xmlns:r="http://schemas.openxmlformats.org/officeDocument/2006/relationships" xmlns:p="http://schemas.openxmlformats.org/presentationml/2006/main" showMasterSp="0" showMasterPhAnim="0">
   <p:cSld>
     <p:spTree>
       <p:nvGrpSpPr>
-        <p:cNvPr id="214" name="Shape 214"/>
+        <p:cNvPr id="1" name="Shape 214"/>
         <p:cNvGrpSpPr/>
         <p:nvPr/>
       </p:nvGrpSpPr>
@@ -1746,9 +1811,11 @@
       <p:sp>
         <p:nvSpPr>
           <p:cNvPr id="215" name="Google Shape;215;gcb9a0b074_1_148:notes"/>
-          <p:cNvSpPr/>
+          <p:cNvSpPr>
+            <a:spLocks noGrp="1" noRot="1" noChangeAspect="1"/>
+          </p:cNvSpPr>
           <p:nvPr>
-            <p:ph idx="2" type="sldImg"/>
+            <p:ph type="sldImg" idx="2"/>
           </p:nvPr>
         </p:nvSpPr>
         <p:spPr>
@@ -1757,9 +1824,13 @@
             <a:ext cx="6096000" cy="3429000"/>
           </a:xfrm>
           <a:custGeom>
-            <a:rect b="b" l="l" r="r" t="t"/>
+            <a:avLst/>
+            <a:gdLst/>
+            <a:ahLst/>
+            <a:cxnLst/>
+            <a:rect l="l" t="t" r="r" b="b"/>
             <a:pathLst>
-              <a:path extrusionOk="0" h="120000" w="120000">
+              <a:path w="120000" h="120000" extrusionOk="0">
                 <a:moveTo>
                   <a:pt x="0" y="0"/>
                 </a:moveTo>
@@ -1781,9 +1852,11 @@
       <p:sp>
         <p:nvSpPr>
           <p:cNvPr id="216" name="Google Shape;216;gcb9a0b074_1_148:notes"/>
-          <p:cNvSpPr txBox="1"/>
+          <p:cNvSpPr txBox="1">
+            <a:spLocks noGrp="1"/>
+          </p:cNvSpPr>
           <p:nvPr>
-            <p:ph idx="1" type="body"/>
+            <p:ph type="body" idx="1"/>
           </p:nvPr>
         </p:nvSpPr>
         <p:spPr>
@@ -1796,12 +1869,12 @@
           </a:prstGeom>
         </p:spPr>
         <p:txBody>
-          <a:bodyPr anchorCtr="0" anchor="t" bIns="91425" lIns="91425" spcFirstLastPara="1" rIns="91425" wrap="square" tIns="91425">
+          <a:bodyPr spcFirstLastPara="1" wrap="square" lIns="91425" tIns="91425" rIns="91425" bIns="91425" anchor="t" anchorCtr="0">
             <a:noAutofit/>
           </a:bodyPr>
           <a:lstStyle/>
           <a:p>
-            <a:pPr indent="0" lvl="0" marL="0" rtl="0" algn="l">
+            <a:pPr marL="0" lvl="0" indent="0" algn="l" rtl="0">
               <a:spcBef>
                 <a:spcPts val="0"/>
               </a:spcBef>
@@ -1810,9 +1883,6 @@
               </a:spcAft>
               <a:buNone/>
             </a:pPr>
-            <a:r>
-              <a:t/>
-            </a:r>
             <a:endParaRPr/>
           </a:p>
         </p:txBody>
@@ -1826,11 +1896,11 @@
 </file>
 
 <file path=ppt/notesSlides/notesSlide2.xml><?xml version="1.0" encoding="utf-8"?>
-<p:notes xmlns:a="http://schemas.openxmlformats.org/drawingml/2006/main" xmlns:r="http://schemas.openxmlformats.org/officeDocument/2006/relationships" xmlns:mc="http://schemas.openxmlformats.org/markup-compatibility/2006" xmlns:mv="urn:schemas-microsoft-com:mac:vml" xmlns:p="http://schemas.openxmlformats.org/presentationml/2006/main" xmlns:c="http://schemas.openxmlformats.org/drawingml/2006/chart" xmlns:dgm="http://schemas.openxmlformats.org/drawingml/2006/diagram" xmlns:o="urn:schemas-microsoft-com:office:office" xmlns:v="urn:schemas-microsoft-com:vml" xmlns:pvml="urn:schemas-microsoft-com:office:powerpoint" xmlns:com="http://schemas.openxmlformats.org/drawingml/2006/compatibility" xmlns:p14="http://schemas.microsoft.com/office/powerpoint/2010/main" xmlns:p15="http://schemas.microsoft.com/office/powerpoint/2012/main" showMasterPhAnim="0" showMasterSp="0">
+<p:notes xmlns:a="http://schemas.openxmlformats.org/drawingml/2006/main" xmlns:r="http://schemas.openxmlformats.org/officeDocument/2006/relationships" xmlns:p="http://schemas.openxmlformats.org/presentationml/2006/main" showMasterSp="0" showMasterPhAnim="0">
   <p:cSld>
     <p:spTree>
       <p:nvGrpSpPr>
-        <p:cNvPr id="66" name="Shape 66"/>
+        <p:cNvPr id="1" name="Shape 66"/>
         <p:cNvGrpSpPr/>
         <p:nvPr/>
       </p:nvGrpSpPr>
@@ -1845,9 +1915,11 @@
       <p:sp>
         <p:nvSpPr>
           <p:cNvPr id="67" name="Google Shape;67;gd5b15f0a3_5_26:notes"/>
-          <p:cNvSpPr/>
+          <p:cNvSpPr>
+            <a:spLocks noGrp="1" noRot="1" noChangeAspect="1"/>
+          </p:cNvSpPr>
           <p:nvPr>
-            <p:ph idx="2" type="sldImg"/>
+            <p:ph type="sldImg" idx="2"/>
           </p:nvPr>
         </p:nvSpPr>
         <p:spPr>
@@ -1856,9 +1928,13 @@
             <a:ext cx="6096000" cy="3429000"/>
           </a:xfrm>
           <a:custGeom>
-            <a:rect b="b" l="l" r="r" t="t"/>
+            <a:avLst/>
+            <a:gdLst/>
+            <a:ahLst/>
+            <a:cxnLst/>
+            <a:rect l="l" t="t" r="r" b="b"/>
             <a:pathLst>
-              <a:path extrusionOk="0" h="120000" w="120000">
+              <a:path w="120000" h="120000" extrusionOk="0">
                 <a:moveTo>
                   <a:pt x="0" y="0"/>
                 </a:moveTo>
@@ -1880,9 +1956,11 @@
       <p:sp>
         <p:nvSpPr>
           <p:cNvPr id="68" name="Google Shape;68;gd5b15f0a3_5_26:notes"/>
-          <p:cNvSpPr txBox="1"/>
+          <p:cNvSpPr txBox="1">
+            <a:spLocks noGrp="1"/>
+          </p:cNvSpPr>
           <p:nvPr>
-            <p:ph idx="1" type="body"/>
+            <p:ph type="body" idx="1"/>
           </p:nvPr>
         </p:nvSpPr>
         <p:spPr>
@@ -1895,12 +1973,12 @@
           </a:prstGeom>
         </p:spPr>
         <p:txBody>
-          <a:bodyPr anchorCtr="0" anchor="t" bIns="91425" lIns="91425" spcFirstLastPara="1" rIns="91425" wrap="square" tIns="91425">
+          <a:bodyPr spcFirstLastPara="1" wrap="square" lIns="91425" tIns="91425" rIns="91425" bIns="91425" anchor="t" anchorCtr="0">
             <a:noAutofit/>
           </a:bodyPr>
           <a:lstStyle/>
           <a:p>
-            <a:pPr indent="0" lvl="0" marL="0" rtl="0" algn="l">
+            <a:pPr marL="0" lvl="0" indent="0" algn="l" rtl="0">
               <a:spcBef>
                 <a:spcPts val="0"/>
               </a:spcBef>
@@ -1909,9 +1987,6 @@
               </a:spcAft>
               <a:buNone/>
             </a:pPr>
-            <a:r>
-              <a:t/>
-            </a:r>
             <a:endParaRPr/>
           </a:p>
         </p:txBody>
@@ -1925,11 +2000,11 @@
 </file>
 
 <file path=ppt/notesSlides/notesSlide20.xml><?xml version="1.0" encoding="utf-8"?>
-<p:notes xmlns:a="http://schemas.openxmlformats.org/drawingml/2006/main" xmlns:r="http://schemas.openxmlformats.org/officeDocument/2006/relationships" xmlns:mc="http://schemas.openxmlformats.org/markup-compatibility/2006" xmlns:mv="urn:schemas-microsoft-com:mac:vml" xmlns:p="http://schemas.openxmlformats.org/presentationml/2006/main" xmlns:c="http://schemas.openxmlformats.org/drawingml/2006/chart" xmlns:dgm="http://schemas.openxmlformats.org/drawingml/2006/diagram" xmlns:o="urn:schemas-microsoft-com:office:office" xmlns:v="urn:schemas-microsoft-com:vml" xmlns:pvml="urn:schemas-microsoft-com:office:powerpoint" xmlns:com="http://schemas.openxmlformats.org/drawingml/2006/compatibility" xmlns:p14="http://schemas.microsoft.com/office/powerpoint/2010/main" xmlns:p15="http://schemas.microsoft.com/office/powerpoint/2012/main" showMasterPhAnim="0" showMasterSp="0">
+<p:notes xmlns:a="http://schemas.openxmlformats.org/drawingml/2006/main" xmlns:r="http://schemas.openxmlformats.org/officeDocument/2006/relationships" xmlns:p="http://schemas.openxmlformats.org/presentationml/2006/main" showMasterSp="0" showMasterPhAnim="0">
   <p:cSld>
     <p:spTree>
       <p:nvGrpSpPr>
-        <p:cNvPr id="224" name="Shape 224"/>
+        <p:cNvPr id="1" name="Shape 224"/>
         <p:cNvGrpSpPr/>
         <p:nvPr/>
       </p:nvGrpSpPr>
@@ -1944,9 +2019,11 @@
       <p:sp>
         <p:nvSpPr>
           <p:cNvPr id="225" name="Google Shape;225;g846269a4e9_0_78:notes"/>
-          <p:cNvSpPr/>
+          <p:cNvSpPr>
+            <a:spLocks noGrp="1" noRot="1" noChangeAspect="1"/>
+          </p:cNvSpPr>
           <p:nvPr>
-            <p:ph idx="2" type="sldImg"/>
+            <p:ph type="sldImg" idx="2"/>
           </p:nvPr>
         </p:nvSpPr>
         <p:spPr>
@@ -1955,9 +2032,13 @@
             <a:ext cx="6096000" cy="3429000"/>
           </a:xfrm>
           <a:custGeom>
-            <a:rect b="b" l="l" r="r" t="t"/>
+            <a:avLst/>
+            <a:gdLst/>
+            <a:ahLst/>
+            <a:cxnLst/>
+            <a:rect l="l" t="t" r="r" b="b"/>
             <a:pathLst>
-              <a:path extrusionOk="0" h="120000" w="120000">
+              <a:path w="120000" h="120000" extrusionOk="0">
                 <a:moveTo>
                   <a:pt x="0" y="0"/>
                 </a:moveTo>
@@ -1979,9 +2060,11 @@
       <p:sp>
         <p:nvSpPr>
           <p:cNvPr id="226" name="Google Shape;226;g846269a4e9_0_78:notes"/>
-          <p:cNvSpPr txBox="1"/>
+          <p:cNvSpPr txBox="1">
+            <a:spLocks noGrp="1"/>
+          </p:cNvSpPr>
           <p:nvPr>
-            <p:ph idx="1" type="body"/>
+            <p:ph type="body" idx="1"/>
           </p:nvPr>
         </p:nvSpPr>
         <p:spPr>
@@ -1994,12 +2077,12 @@
           </a:prstGeom>
         </p:spPr>
         <p:txBody>
-          <a:bodyPr anchorCtr="0" anchor="t" bIns="91425" lIns="91425" spcFirstLastPara="1" rIns="91425" wrap="square" tIns="91425">
+          <a:bodyPr spcFirstLastPara="1" wrap="square" lIns="91425" tIns="91425" rIns="91425" bIns="91425" anchor="t" anchorCtr="0">
             <a:noAutofit/>
           </a:bodyPr>
           <a:lstStyle/>
           <a:p>
-            <a:pPr indent="0" lvl="0" marL="0" rtl="0" algn="l">
+            <a:pPr marL="0" lvl="0" indent="0" algn="l" rtl="0">
               <a:spcBef>
                 <a:spcPts val="0"/>
               </a:spcBef>
@@ -2008,9 +2091,6 @@
               </a:spcAft>
               <a:buNone/>
             </a:pPr>
-            <a:r>
-              <a:t/>
-            </a:r>
             <a:endParaRPr/>
           </a:p>
         </p:txBody>
@@ -2024,11 +2104,11 @@
 </file>
 
 <file path=ppt/notesSlides/notesSlide21.xml><?xml version="1.0" encoding="utf-8"?>
-<p:notes xmlns:a="http://schemas.openxmlformats.org/drawingml/2006/main" xmlns:r="http://schemas.openxmlformats.org/officeDocument/2006/relationships" xmlns:mc="http://schemas.openxmlformats.org/markup-compatibility/2006" xmlns:mv="urn:schemas-microsoft-com:mac:vml" xmlns:p="http://schemas.openxmlformats.org/presentationml/2006/main" xmlns:c="http://schemas.openxmlformats.org/drawingml/2006/chart" xmlns:dgm="http://schemas.openxmlformats.org/drawingml/2006/diagram" xmlns:o="urn:schemas-microsoft-com:office:office" xmlns:v="urn:schemas-microsoft-com:vml" xmlns:pvml="urn:schemas-microsoft-com:office:powerpoint" xmlns:com="http://schemas.openxmlformats.org/drawingml/2006/compatibility" xmlns:p14="http://schemas.microsoft.com/office/powerpoint/2010/main" xmlns:p15="http://schemas.microsoft.com/office/powerpoint/2012/main" showMasterPhAnim="0" showMasterSp="0">
+<p:notes xmlns:a="http://schemas.openxmlformats.org/drawingml/2006/main" xmlns:r="http://schemas.openxmlformats.org/officeDocument/2006/relationships" xmlns:p="http://schemas.openxmlformats.org/presentationml/2006/main" showMasterSp="0" showMasterPhAnim="0">
   <p:cSld>
     <p:spTree>
       <p:nvGrpSpPr>
-        <p:cNvPr id="234" name="Shape 234"/>
+        <p:cNvPr id="1" name="Shape 234"/>
         <p:cNvGrpSpPr/>
         <p:nvPr/>
       </p:nvGrpSpPr>
@@ -2043,9 +2123,11 @@
       <p:sp>
         <p:nvSpPr>
           <p:cNvPr id="235" name="Google Shape;235;gcb9a0b074_1_156:notes"/>
-          <p:cNvSpPr/>
+          <p:cNvSpPr>
+            <a:spLocks noGrp="1" noRot="1" noChangeAspect="1"/>
+          </p:cNvSpPr>
           <p:nvPr>
-            <p:ph idx="2" type="sldImg"/>
+            <p:ph type="sldImg" idx="2"/>
           </p:nvPr>
         </p:nvSpPr>
         <p:spPr>
@@ -2054,9 +2136,13 @@
             <a:ext cx="6096000" cy="3429000"/>
           </a:xfrm>
           <a:custGeom>
-            <a:rect b="b" l="l" r="r" t="t"/>
+            <a:avLst/>
+            <a:gdLst/>
+            <a:ahLst/>
+            <a:cxnLst/>
+            <a:rect l="l" t="t" r="r" b="b"/>
             <a:pathLst>
-              <a:path extrusionOk="0" h="120000" w="120000">
+              <a:path w="120000" h="120000" extrusionOk="0">
                 <a:moveTo>
                   <a:pt x="0" y="0"/>
                 </a:moveTo>
@@ -2078,9 +2164,11 @@
       <p:sp>
         <p:nvSpPr>
           <p:cNvPr id="236" name="Google Shape;236;gcb9a0b074_1_156:notes"/>
-          <p:cNvSpPr txBox="1"/>
+          <p:cNvSpPr txBox="1">
+            <a:spLocks noGrp="1"/>
+          </p:cNvSpPr>
           <p:nvPr>
-            <p:ph idx="1" type="body"/>
+            <p:ph type="body" idx="1"/>
           </p:nvPr>
         </p:nvSpPr>
         <p:spPr>
@@ -2093,12 +2181,12 @@
           </a:prstGeom>
         </p:spPr>
         <p:txBody>
-          <a:bodyPr anchorCtr="0" anchor="t" bIns="91425" lIns="91425" spcFirstLastPara="1" rIns="91425" wrap="square" tIns="91425">
+          <a:bodyPr spcFirstLastPara="1" wrap="square" lIns="91425" tIns="91425" rIns="91425" bIns="91425" anchor="t" anchorCtr="0">
             <a:noAutofit/>
           </a:bodyPr>
           <a:lstStyle/>
           <a:p>
-            <a:pPr indent="0" lvl="0" marL="0" rtl="0" algn="l">
+            <a:pPr marL="0" lvl="0" indent="0" algn="l" rtl="0">
               <a:spcBef>
                 <a:spcPts val="0"/>
               </a:spcBef>
@@ -2107,9 +2195,6 @@
               </a:spcAft>
               <a:buNone/>
             </a:pPr>
-            <a:r>
-              <a:t/>
-            </a:r>
             <a:endParaRPr/>
           </a:p>
         </p:txBody>
@@ -2123,11 +2208,11 @@
 </file>
 
 <file path=ppt/notesSlides/notesSlide3.xml><?xml version="1.0" encoding="utf-8"?>
-<p:notes xmlns:a="http://schemas.openxmlformats.org/drawingml/2006/main" xmlns:r="http://schemas.openxmlformats.org/officeDocument/2006/relationships" xmlns:mc="http://schemas.openxmlformats.org/markup-compatibility/2006" xmlns:mv="urn:schemas-microsoft-com:mac:vml" xmlns:p="http://schemas.openxmlformats.org/presentationml/2006/main" xmlns:c="http://schemas.openxmlformats.org/drawingml/2006/chart" xmlns:dgm="http://schemas.openxmlformats.org/drawingml/2006/diagram" xmlns:o="urn:schemas-microsoft-com:office:office" xmlns:v="urn:schemas-microsoft-com:vml" xmlns:pvml="urn:schemas-microsoft-com:office:powerpoint" xmlns:com="http://schemas.openxmlformats.org/drawingml/2006/compatibility" xmlns:p14="http://schemas.microsoft.com/office/powerpoint/2010/main" xmlns:p15="http://schemas.microsoft.com/office/powerpoint/2012/main" showMasterPhAnim="0" showMasterSp="0">
+<p:notes xmlns:a="http://schemas.openxmlformats.org/drawingml/2006/main" xmlns:r="http://schemas.openxmlformats.org/officeDocument/2006/relationships" xmlns:p="http://schemas.openxmlformats.org/presentationml/2006/main" showMasterSp="0" showMasterPhAnim="0">
   <p:cSld>
     <p:spTree>
       <p:nvGrpSpPr>
-        <p:cNvPr id="72" name="Shape 72"/>
+        <p:cNvPr id="1" name="Shape 72"/>
         <p:cNvGrpSpPr/>
         <p:nvPr/>
       </p:nvGrpSpPr>
@@ -2142,9 +2227,11 @@
       <p:sp>
         <p:nvSpPr>
           <p:cNvPr id="73" name="Google Shape;73;g846269a4e9_0_1:notes"/>
-          <p:cNvSpPr/>
+          <p:cNvSpPr>
+            <a:spLocks noGrp="1" noRot="1" noChangeAspect="1"/>
+          </p:cNvSpPr>
           <p:nvPr>
-            <p:ph idx="2" type="sldImg"/>
+            <p:ph type="sldImg" idx="2"/>
           </p:nvPr>
         </p:nvSpPr>
         <p:spPr>
@@ -2153,9 +2240,13 @@
             <a:ext cx="6096000" cy="3429000"/>
           </a:xfrm>
           <a:custGeom>
-            <a:rect b="b" l="l" r="r" t="t"/>
+            <a:avLst/>
+            <a:gdLst/>
+            <a:ahLst/>
+            <a:cxnLst/>
+            <a:rect l="l" t="t" r="r" b="b"/>
             <a:pathLst>
-              <a:path extrusionOk="0" h="120000" w="120000">
+              <a:path w="120000" h="120000" extrusionOk="0">
                 <a:moveTo>
                   <a:pt x="0" y="0"/>
                 </a:moveTo>
@@ -2177,9 +2268,11 @@
       <p:sp>
         <p:nvSpPr>
           <p:cNvPr id="74" name="Google Shape;74;g846269a4e9_0_1:notes"/>
-          <p:cNvSpPr txBox="1"/>
+          <p:cNvSpPr txBox="1">
+            <a:spLocks noGrp="1"/>
+          </p:cNvSpPr>
           <p:nvPr>
-            <p:ph idx="1" type="body"/>
+            <p:ph type="body" idx="1"/>
           </p:nvPr>
         </p:nvSpPr>
         <p:spPr>
@@ -2192,12 +2285,12 @@
           </a:prstGeom>
         </p:spPr>
         <p:txBody>
-          <a:bodyPr anchorCtr="0" anchor="t" bIns="91425" lIns="91425" spcFirstLastPara="1" rIns="91425" wrap="square" tIns="91425">
+          <a:bodyPr spcFirstLastPara="1" wrap="square" lIns="91425" tIns="91425" rIns="91425" bIns="91425" anchor="t" anchorCtr="0">
             <a:noAutofit/>
           </a:bodyPr>
           <a:lstStyle/>
           <a:p>
-            <a:pPr indent="0" lvl="0" marL="0" rtl="0" algn="l">
+            <a:pPr marL="0" lvl="0" indent="0" algn="l" rtl="0">
               <a:spcBef>
                 <a:spcPts val="0"/>
               </a:spcBef>
@@ -2206,9 +2299,6 @@
               </a:spcAft>
               <a:buNone/>
             </a:pPr>
-            <a:r>
-              <a:t/>
-            </a:r>
             <a:endParaRPr/>
           </a:p>
         </p:txBody>
@@ -2222,11 +2312,11 @@
 </file>
 
 <file path=ppt/notesSlides/notesSlide4.xml><?xml version="1.0" encoding="utf-8"?>
-<p:notes xmlns:a="http://schemas.openxmlformats.org/drawingml/2006/main" xmlns:r="http://schemas.openxmlformats.org/officeDocument/2006/relationships" xmlns:mc="http://schemas.openxmlformats.org/markup-compatibility/2006" xmlns:mv="urn:schemas-microsoft-com:mac:vml" xmlns:p="http://schemas.openxmlformats.org/presentationml/2006/main" xmlns:c="http://schemas.openxmlformats.org/drawingml/2006/chart" xmlns:dgm="http://schemas.openxmlformats.org/drawingml/2006/diagram" xmlns:o="urn:schemas-microsoft-com:office:office" xmlns:v="urn:schemas-microsoft-com:vml" xmlns:pvml="urn:schemas-microsoft-com:office:powerpoint" xmlns:com="http://schemas.openxmlformats.org/drawingml/2006/compatibility" xmlns:p14="http://schemas.microsoft.com/office/powerpoint/2010/main" xmlns:p15="http://schemas.microsoft.com/office/powerpoint/2012/main" showMasterPhAnim="0" showMasterSp="0">
+<p:notes xmlns:a="http://schemas.openxmlformats.org/drawingml/2006/main" xmlns:r="http://schemas.openxmlformats.org/officeDocument/2006/relationships" xmlns:p="http://schemas.openxmlformats.org/presentationml/2006/main" showMasterSp="0" showMasterPhAnim="0">
   <p:cSld>
     <p:spTree>
       <p:nvGrpSpPr>
-        <p:cNvPr id="80" name="Shape 80"/>
+        <p:cNvPr id="1" name="Shape 80"/>
         <p:cNvGrpSpPr/>
         <p:nvPr/>
       </p:nvGrpSpPr>
@@ -2241,9 +2331,11 @@
       <p:sp>
         <p:nvSpPr>
           <p:cNvPr id="81" name="Google Shape;81;g723630543_3_0:notes"/>
-          <p:cNvSpPr/>
+          <p:cNvSpPr>
+            <a:spLocks noGrp="1" noRot="1" noChangeAspect="1"/>
+          </p:cNvSpPr>
           <p:nvPr>
-            <p:ph idx="2" type="sldImg"/>
+            <p:ph type="sldImg" idx="2"/>
           </p:nvPr>
         </p:nvSpPr>
         <p:spPr>
@@ -2252,9 +2344,13 @@
             <a:ext cx="6096000" cy="3429000"/>
           </a:xfrm>
           <a:custGeom>
-            <a:rect b="b" l="l" r="r" t="t"/>
+            <a:avLst/>
+            <a:gdLst/>
+            <a:ahLst/>
+            <a:cxnLst/>
+            <a:rect l="l" t="t" r="r" b="b"/>
             <a:pathLst>
-              <a:path extrusionOk="0" h="120000" w="120000">
+              <a:path w="120000" h="120000" extrusionOk="0">
                 <a:moveTo>
                   <a:pt x="0" y="0"/>
                 </a:moveTo>
@@ -2276,9 +2372,11 @@
       <p:sp>
         <p:nvSpPr>
           <p:cNvPr id="82" name="Google Shape;82;g723630543_3_0:notes"/>
-          <p:cNvSpPr txBox="1"/>
+          <p:cNvSpPr txBox="1">
+            <a:spLocks noGrp="1"/>
+          </p:cNvSpPr>
           <p:nvPr>
-            <p:ph idx="1" type="body"/>
+            <p:ph type="body" idx="1"/>
           </p:nvPr>
         </p:nvSpPr>
         <p:spPr>
@@ -2291,12 +2389,12 @@
           </a:prstGeom>
         </p:spPr>
         <p:txBody>
-          <a:bodyPr anchorCtr="0" anchor="t" bIns="91425" lIns="91425" spcFirstLastPara="1" rIns="91425" wrap="square" tIns="91425">
+          <a:bodyPr spcFirstLastPara="1" wrap="square" lIns="91425" tIns="91425" rIns="91425" bIns="91425" anchor="t" anchorCtr="0">
             <a:noAutofit/>
           </a:bodyPr>
           <a:lstStyle/>
           <a:p>
-            <a:pPr indent="0" lvl="0" marL="0" rtl="0" algn="l">
+            <a:pPr marL="0" lvl="0" indent="0" algn="l" rtl="0">
               <a:spcBef>
                 <a:spcPts val="0"/>
               </a:spcBef>
@@ -2305,9 +2403,6 @@
               </a:spcAft>
               <a:buNone/>
             </a:pPr>
-            <a:r>
-              <a:t/>
-            </a:r>
             <a:endParaRPr/>
           </a:p>
         </p:txBody>
@@ -2321,11 +2416,11 @@
 </file>
 
 <file path=ppt/notesSlides/notesSlide5.xml><?xml version="1.0" encoding="utf-8"?>
-<p:notes xmlns:a="http://schemas.openxmlformats.org/drawingml/2006/main" xmlns:r="http://schemas.openxmlformats.org/officeDocument/2006/relationships" xmlns:mc="http://schemas.openxmlformats.org/markup-compatibility/2006" xmlns:mv="urn:schemas-microsoft-com:mac:vml" xmlns:p="http://schemas.openxmlformats.org/presentationml/2006/main" xmlns:c="http://schemas.openxmlformats.org/drawingml/2006/chart" xmlns:dgm="http://schemas.openxmlformats.org/drawingml/2006/diagram" xmlns:o="urn:schemas-microsoft-com:office:office" xmlns:v="urn:schemas-microsoft-com:vml" xmlns:pvml="urn:schemas-microsoft-com:office:powerpoint" xmlns:com="http://schemas.openxmlformats.org/drawingml/2006/compatibility" xmlns:p14="http://schemas.microsoft.com/office/powerpoint/2010/main" xmlns:p15="http://schemas.microsoft.com/office/powerpoint/2012/main" showMasterPhAnim="0" showMasterSp="0">
+<p:notes xmlns:a="http://schemas.openxmlformats.org/drawingml/2006/main" xmlns:r="http://schemas.openxmlformats.org/officeDocument/2006/relationships" xmlns:p="http://schemas.openxmlformats.org/presentationml/2006/main" showMasterSp="0" showMasterPhAnim="0">
   <p:cSld>
     <p:spTree>
       <p:nvGrpSpPr>
-        <p:cNvPr id="88" name="Shape 88"/>
+        <p:cNvPr id="1" name="Shape 88"/>
         <p:cNvGrpSpPr/>
         <p:nvPr/>
       </p:nvGrpSpPr>
@@ -2340,9 +2435,11 @@
       <p:sp>
         <p:nvSpPr>
           <p:cNvPr id="89" name="Google Shape;89;gd251bb473_0_600:notes"/>
-          <p:cNvSpPr/>
+          <p:cNvSpPr>
+            <a:spLocks noGrp="1" noRot="1" noChangeAspect="1"/>
+          </p:cNvSpPr>
           <p:nvPr>
-            <p:ph idx="2" type="sldImg"/>
+            <p:ph type="sldImg" idx="2"/>
           </p:nvPr>
         </p:nvSpPr>
         <p:spPr>
@@ -2351,9 +2448,13 @@
             <a:ext cx="6096000" cy="3429000"/>
           </a:xfrm>
           <a:custGeom>
-            <a:rect b="b" l="l" r="r" t="t"/>
+            <a:avLst/>
+            <a:gdLst/>
+            <a:ahLst/>
+            <a:cxnLst/>
+            <a:rect l="l" t="t" r="r" b="b"/>
             <a:pathLst>
-              <a:path extrusionOk="0" h="120000" w="120000">
+              <a:path w="120000" h="120000" extrusionOk="0">
                 <a:moveTo>
                   <a:pt x="0" y="0"/>
                 </a:moveTo>
@@ -2375,9 +2476,11 @@
       <p:sp>
         <p:nvSpPr>
           <p:cNvPr id="90" name="Google Shape;90;gd251bb473_0_600:notes"/>
-          <p:cNvSpPr txBox="1"/>
+          <p:cNvSpPr txBox="1">
+            <a:spLocks noGrp="1"/>
+          </p:cNvSpPr>
           <p:nvPr>
-            <p:ph idx="1" type="body"/>
+            <p:ph type="body" idx="1"/>
           </p:nvPr>
         </p:nvSpPr>
         <p:spPr>
@@ -2390,12 +2493,12 @@
           </a:prstGeom>
         </p:spPr>
         <p:txBody>
-          <a:bodyPr anchorCtr="0" anchor="t" bIns="91425" lIns="91425" spcFirstLastPara="1" rIns="91425" wrap="square" tIns="91425">
+          <a:bodyPr spcFirstLastPara="1" wrap="square" lIns="91425" tIns="91425" rIns="91425" bIns="91425" anchor="t" anchorCtr="0">
             <a:noAutofit/>
           </a:bodyPr>
           <a:lstStyle/>
           <a:p>
-            <a:pPr indent="0" lvl="0" marL="0" rtl="0" algn="l">
+            <a:pPr marL="0" lvl="0" indent="0" algn="l" rtl="0">
               <a:spcBef>
                 <a:spcPts val="0"/>
               </a:spcBef>
@@ -2404,9 +2507,6 @@
               </a:spcAft>
               <a:buNone/>
             </a:pPr>
-            <a:r>
-              <a:t/>
-            </a:r>
             <a:endParaRPr/>
           </a:p>
         </p:txBody>
@@ -2420,11 +2520,11 @@
 </file>
 
 <file path=ppt/notesSlides/notesSlide6.xml><?xml version="1.0" encoding="utf-8"?>
-<p:notes xmlns:a="http://schemas.openxmlformats.org/drawingml/2006/main" xmlns:r="http://schemas.openxmlformats.org/officeDocument/2006/relationships" xmlns:mc="http://schemas.openxmlformats.org/markup-compatibility/2006" xmlns:mv="urn:schemas-microsoft-com:mac:vml" xmlns:p="http://schemas.openxmlformats.org/presentationml/2006/main" xmlns:c="http://schemas.openxmlformats.org/drawingml/2006/chart" xmlns:dgm="http://schemas.openxmlformats.org/drawingml/2006/diagram" xmlns:o="urn:schemas-microsoft-com:office:office" xmlns:v="urn:schemas-microsoft-com:vml" xmlns:pvml="urn:schemas-microsoft-com:office:powerpoint" xmlns:com="http://schemas.openxmlformats.org/drawingml/2006/compatibility" xmlns:p14="http://schemas.microsoft.com/office/powerpoint/2010/main" xmlns:p15="http://schemas.microsoft.com/office/powerpoint/2012/main" showMasterPhAnim="0" showMasterSp="0">
+<p:notes xmlns:a="http://schemas.openxmlformats.org/drawingml/2006/main" xmlns:r="http://schemas.openxmlformats.org/officeDocument/2006/relationships" xmlns:p="http://schemas.openxmlformats.org/presentationml/2006/main" showMasterSp="0" showMasterPhAnim="0">
   <p:cSld>
     <p:spTree>
       <p:nvGrpSpPr>
-        <p:cNvPr id="97" name="Shape 97"/>
+        <p:cNvPr id="1" name="Shape 97"/>
         <p:cNvGrpSpPr/>
         <p:nvPr/>
       </p:nvGrpSpPr>
@@ -2439,20 +2539,26 @@
       <p:sp>
         <p:nvSpPr>
           <p:cNvPr id="98" name="Google Shape;98;ge965474a9_3_50:notes"/>
-          <p:cNvSpPr/>
+          <p:cNvSpPr>
+            <a:spLocks noGrp="1" noRot="1" noChangeAspect="1"/>
+          </p:cNvSpPr>
           <p:nvPr>
-            <p:ph idx="2" type="sldImg"/>
+            <p:ph type="sldImg" idx="2"/>
           </p:nvPr>
         </p:nvSpPr>
         <p:spPr>
           <a:xfrm>
-            <a:off x="381300" y="685800"/>
+            <a:off x="381000" y="685800"/>
             <a:ext cx="6096000" cy="3429000"/>
           </a:xfrm>
           <a:custGeom>
-            <a:rect b="b" l="l" r="r" t="t"/>
+            <a:avLst/>
+            <a:gdLst/>
+            <a:ahLst/>
+            <a:cxnLst/>
+            <a:rect l="l" t="t" r="r" b="b"/>
             <a:pathLst>
-              <a:path extrusionOk="0" h="120000" w="120000">
+              <a:path w="120000" h="120000" extrusionOk="0">
                 <a:moveTo>
                   <a:pt x="0" y="0"/>
                 </a:moveTo>
@@ -2474,9 +2580,11 @@
       <p:sp>
         <p:nvSpPr>
           <p:cNvPr id="99" name="Google Shape;99;ge965474a9_3_50:notes"/>
-          <p:cNvSpPr txBox="1"/>
+          <p:cNvSpPr txBox="1">
+            <a:spLocks noGrp="1"/>
+          </p:cNvSpPr>
           <p:nvPr>
-            <p:ph idx="1" type="body"/>
+            <p:ph type="body" idx="1"/>
           </p:nvPr>
         </p:nvSpPr>
         <p:spPr>
@@ -2489,12 +2597,12 @@
           </a:prstGeom>
         </p:spPr>
         <p:txBody>
-          <a:bodyPr anchorCtr="0" anchor="t" bIns="91425" lIns="91425" spcFirstLastPara="1" rIns="91425" wrap="square" tIns="91425">
+          <a:bodyPr spcFirstLastPara="1" wrap="square" lIns="91425" tIns="91425" rIns="91425" bIns="91425" anchor="t" anchorCtr="0">
             <a:noAutofit/>
           </a:bodyPr>
           <a:lstStyle/>
           <a:p>
-            <a:pPr indent="0" lvl="0" marL="0" rtl="0" algn="l">
+            <a:pPr marL="0" lvl="0" indent="0" algn="l" rtl="0">
               <a:spcBef>
                 <a:spcPts val="0"/>
               </a:spcBef>
@@ -2503,9 +2611,6 @@
               </a:spcAft>
               <a:buNone/>
             </a:pPr>
-            <a:r>
-              <a:t/>
-            </a:r>
             <a:endParaRPr/>
           </a:p>
         </p:txBody>
@@ -2519,11 +2624,11 @@
 </file>
 
 <file path=ppt/notesSlides/notesSlide7.xml><?xml version="1.0" encoding="utf-8"?>
-<p:notes xmlns:a="http://schemas.openxmlformats.org/drawingml/2006/main" xmlns:r="http://schemas.openxmlformats.org/officeDocument/2006/relationships" xmlns:mc="http://schemas.openxmlformats.org/markup-compatibility/2006" xmlns:mv="urn:schemas-microsoft-com:mac:vml" xmlns:p="http://schemas.openxmlformats.org/presentationml/2006/main" xmlns:c="http://schemas.openxmlformats.org/drawingml/2006/chart" xmlns:dgm="http://schemas.openxmlformats.org/drawingml/2006/diagram" xmlns:o="urn:schemas-microsoft-com:office:office" xmlns:v="urn:schemas-microsoft-com:vml" xmlns:pvml="urn:schemas-microsoft-com:office:powerpoint" xmlns:com="http://schemas.openxmlformats.org/drawingml/2006/compatibility" xmlns:p14="http://schemas.microsoft.com/office/powerpoint/2010/main" xmlns:p15="http://schemas.microsoft.com/office/powerpoint/2012/main" showMasterPhAnim="0" showMasterSp="0">
+<p:notes xmlns:a="http://schemas.openxmlformats.org/drawingml/2006/main" xmlns:r="http://schemas.openxmlformats.org/officeDocument/2006/relationships" xmlns:p="http://schemas.openxmlformats.org/presentationml/2006/main" showMasterSp="0" showMasterPhAnim="0">
   <p:cSld>
     <p:spTree>
       <p:nvGrpSpPr>
-        <p:cNvPr id="106" name="Shape 106"/>
+        <p:cNvPr id="1" name="Shape 106"/>
         <p:cNvGrpSpPr/>
         <p:nvPr/>
       </p:nvGrpSpPr>
@@ -2538,9 +2643,11 @@
       <p:sp>
         <p:nvSpPr>
           <p:cNvPr id="107" name="Google Shape;107;gcb9a0b074_1_103:notes"/>
-          <p:cNvSpPr/>
+          <p:cNvSpPr>
+            <a:spLocks noGrp="1" noRot="1" noChangeAspect="1"/>
+          </p:cNvSpPr>
           <p:nvPr>
-            <p:ph idx="2" type="sldImg"/>
+            <p:ph type="sldImg" idx="2"/>
           </p:nvPr>
         </p:nvSpPr>
         <p:spPr>
@@ -2549,9 +2656,13 @@
             <a:ext cx="6096000" cy="3429000"/>
           </a:xfrm>
           <a:custGeom>
-            <a:rect b="b" l="l" r="r" t="t"/>
+            <a:avLst/>
+            <a:gdLst/>
+            <a:ahLst/>
+            <a:cxnLst/>
+            <a:rect l="l" t="t" r="r" b="b"/>
             <a:pathLst>
-              <a:path extrusionOk="0" h="120000" w="120000">
+              <a:path w="120000" h="120000" extrusionOk="0">
                 <a:moveTo>
                   <a:pt x="0" y="0"/>
                 </a:moveTo>
@@ -2573,9 +2684,11 @@
       <p:sp>
         <p:nvSpPr>
           <p:cNvPr id="108" name="Google Shape;108;gcb9a0b074_1_103:notes"/>
-          <p:cNvSpPr txBox="1"/>
+          <p:cNvSpPr txBox="1">
+            <a:spLocks noGrp="1"/>
+          </p:cNvSpPr>
           <p:nvPr>
-            <p:ph idx="1" type="body"/>
+            <p:ph type="body" idx="1"/>
           </p:nvPr>
         </p:nvSpPr>
         <p:spPr>
@@ -2588,12 +2701,12 @@
           </a:prstGeom>
         </p:spPr>
         <p:txBody>
-          <a:bodyPr anchorCtr="0" anchor="t" bIns="91425" lIns="91425" spcFirstLastPara="1" rIns="91425" wrap="square" tIns="91425">
+          <a:bodyPr spcFirstLastPara="1" wrap="square" lIns="91425" tIns="91425" rIns="91425" bIns="91425" anchor="t" anchorCtr="0">
             <a:noAutofit/>
           </a:bodyPr>
           <a:lstStyle/>
           <a:p>
-            <a:pPr indent="0" lvl="0" marL="0" rtl="0" algn="l">
+            <a:pPr marL="0" lvl="0" indent="0" algn="l" rtl="0">
               <a:spcBef>
                 <a:spcPts val="0"/>
               </a:spcBef>
@@ -2602,9 +2715,6 @@
               </a:spcAft>
               <a:buNone/>
             </a:pPr>
-            <a:r>
-              <a:t/>
-            </a:r>
             <a:endParaRPr/>
           </a:p>
         </p:txBody>
@@ -2618,11 +2728,11 @@
 </file>
 
 <file path=ppt/notesSlides/notesSlide8.xml><?xml version="1.0" encoding="utf-8"?>
-<p:notes xmlns:a="http://schemas.openxmlformats.org/drawingml/2006/main" xmlns:r="http://schemas.openxmlformats.org/officeDocument/2006/relationships" xmlns:mc="http://schemas.openxmlformats.org/markup-compatibility/2006" xmlns:mv="urn:schemas-microsoft-com:mac:vml" xmlns:p="http://schemas.openxmlformats.org/presentationml/2006/main" xmlns:c="http://schemas.openxmlformats.org/drawingml/2006/chart" xmlns:dgm="http://schemas.openxmlformats.org/drawingml/2006/diagram" xmlns:o="urn:schemas-microsoft-com:office:office" xmlns:v="urn:schemas-microsoft-com:vml" xmlns:pvml="urn:schemas-microsoft-com:office:powerpoint" xmlns:com="http://schemas.openxmlformats.org/drawingml/2006/compatibility" xmlns:p14="http://schemas.microsoft.com/office/powerpoint/2010/main" xmlns:p15="http://schemas.microsoft.com/office/powerpoint/2012/main" showMasterPhAnim="0" showMasterSp="0">
+<p:notes xmlns:a="http://schemas.openxmlformats.org/drawingml/2006/main" xmlns:r="http://schemas.openxmlformats.org/officeDocument/2006/relationships" xmlns:p="http://schemas.openxmlformats.org/presentationml/2006/main" showMasterSp="0" showMasterPhAnim="0">
   <p:cSld>
     <p:spTree>
       <p:nvGrpSpPr>
-        <p:cNvPr id="114" name="Shape 114"/>
+        <p:cNvPr id="1" name="Shape 114"/>
         <p:cNvGrpSpPr/>
         <p:nvPr/>
       </p:nvGrpSpPr>
@@ -2637,9 +2747,11 @@
       <p:sp>
         <p:nvSpPr>
           <p:cNvPr id="115" name="Google Shape;115;g723630543_10_0:notes"/>
-          <p:cNvSpPr/>
+          <p:cNvSpPr>
+            <a:spLocks noGrp="1" noRot="1" noChangeAspect="1"/>
+          </p:cNvSpPr>
           <p:nvPr>
-            <p:ph idx="2" type="sldImg"/>
+            <p:ph type="sldImg" idx="2"/>
           </p:nvPr>
         </p:nvSpPr>
         <p:spPr>
@@ -2648,9 +2760,13 @@
             <a:ext cx="6096300" cy="3429000"/>
           </a:xfrm>
           <a:custGeom>
-            <a:rect b="b" l="l" r="r" t="t"/>
+            <a:avLst/>
+            <a:gdLst/>
+            <a:ahLst/>
+            <a:cxnLst/>
+            <a:rect l="l" t="t" r="r" b="b"/>
             <a:pathLst>
-              <a:path extrusionOk="0" h="120000" w="120000">
+              <a:path w="120000" h="120000" extrusionOk="0">
                 <a:moveTo>
                   <a:pt x="0" y="0"/>
                 </a:moveTo>
@@ -2672,9 +2788,11 @@
       <p:sp>
         <p:nvSpPr>
           <p:cNvPr id="116" name="Google Shape;116;g723630543_10_0:notes"/>
-          <p:cNvSpPr txBox="1"/>
+          <p:cNvSpPr txBox="1">
+            <a:spLocks noGrp="1"/>
+          </p:cNvSpPr>
           <p:nvPr>
-            <p:ph idx="1" type="body"/>
+            <p:ph type="body" idx="1"/>
           </p:nvPr>
         </p:nvSpPr>
         <p:spPr>
@@ -2687,12 +2805,12 @@
           </a:prstGeom>
         </p:spPr>
         <p:txBody>
-          <a:bodyPr anchorCtr="0" anchor="t" bIns="91425" lIns="91425" spcFirstLastPara="1" rIns="91425" wrap="square" tIns="91425">
+          <a:bodyPr spcFirstLastPara="1" wrap="square" lIns="91425" tIns="91425" rIns="91425" bIns="91425" anchor="t" anchorCtr="0">
             <a:noAutofit/>
           </a:bodyPr>
           <a:lstStyle/>
           <a:p>
-            <a:pPr indent="0" lvl="0" marL="0" rtl="0" algn="l">
+            <a:pPr marL="0" lvl="0" indent="0" algn="l" rtl="0">
               <a:spcBef>
                 <a:spcPts val="0"/>
               </a:spcBef>
@@ -2701,9 +2819,6 @@
               </a:spcAft>
               <a:buNone/>
             </a:pPr>
-            <a:r>
-              <a:t/>
-            </a:r>
             <a:endParaRPr/>
           </a:p>
         </p:txBody>
@@ -2717,11 +2832,11 @@
 </file>
 
 <file path=ppt/notesSlides/notesSlide9.xml><?xml version="1.0" encoding="utf-8"?>
-<p:notes xmlns:a="http://schemas.openxmlformats.org/drawingml/2006/main" xmlns:r="http://schemas.openxmlformats.org/officeDocument/2006/relationships" xmlns:mc="http://schemas.openxmlformats.org/markup-compatibility/2006" xmlns:mv="urn:schemas-microsoft-com:mac:vml" xmlns:p="http://schemas.openxmlformats.org/presentationml/2006/main" xmlns:c="http://schemas.openxmlformats.org/drawingml/2006/chart" xmlns:dgm="http://schemas.openxmlformats.org/drawingml/2006/diagram" xmlns:o="urn:schemas-microsoft-com:office:office" xmlns:v="urn:schemas-microsoft-com:vml" xmlns:pvml="urn:schemas-microsoft-com:office:powerpoint" xmlns:com="http://schemas.openxmlformats.org/drawingml/2006/compatibility" xmlns:p14="http://schemas.microsoft.com/office/powerpoint/2010/main" xmlns:p15="http://schemas.microsoft.com/office/powerpoint/2012/main" showMasterPhAnim="0" showMasterSp="0">
+<p:notes xmlns:a="http://schemas.openxmlformats.org/drawingml/2006/main" xmlns:r="http://schemas.openxmlformats.org/officeDocument/2006/relationships" xmlns:p="http://schemas.openxmlformats.org/presentationml/2006/main" showMasterSp="0" showMasterPhAnim="0">
   <p:cSld>
     <p:spTree>
       <p:nvGrpSpPr>
-        <p:cNvPr id="128" name="Shape 128"/>
+        <p:cNvPr id="1" name="Shape 128"/>
         <p:cNvGrpSpPr/>
         <p:nvPr/>
       </p:nvGrpSpPr>
@@ -2736,9 +2851,11 @@
       <p:sp>
         <p:nvSpPr>
           <p:cNvPr id="129" name="Google Shape;129;g846269a4e9_0_30:notes"/>
-          <p:cNvSpPr/>
+          <p:cNvSpPr>
+            <a:spLocks noGrp="1" noRot="1" noChangeAspect="1"/>
+          </p:cNvSpPr>
           <p:nvPr>
-            <p:ph idx="2" type="sldImg"/>
+            <p:ph type="sldImg" idx="2"/>
           </p:nvPr>
         </p:nvSpPr>
         <p:spPr>
@@ -2747,9 +2864,13 @@
             <a:ext cx="6096300" cy="3429000"/>
           </a:xfrm>
           <a:custGeom>
-            <a:rect b="b" l="l" r="r" t="t"/>
+            <a:avLst/>
+            <a:gdLst/>
+            <a:ahLst/>
+            <a:cxnLst/>
+            <a:rect l="l" t="t" r="r" b="b"/>
             <a:pathLst>
-              <a:path extrusionOk="0" h="120000" w="120000">
+              <a:path w="120000" h="120000" extrusionOk="0">
                 <a:moveTo>
                   <a:pt x="0" y="0"/>
                 </a:moveTo>
@@ -2771,9 +2892,11 @@
       <p:sp>
         <p:nvSpPr>
           <p:cNvPr id="130" name="Google Shape;130;g846269a4e9_0_30:notes"/>
-          <p:cNvSpPr txBox="1"/>
+          <p:cNvSpPr txBox="1">
+            <a:spLocks noGrp="1"/>
+          </p:cNvSpPr>
           <p:nvPr>
-            <p:ph idx="1" type="body"/>
+            <p:ph type="body" idx="1"/>
           </p:nvPr>
         </p:nvSpPr>
         <p:spPr>
@@ -2786,12 +2909,12 @@
           </a:prstGeom>
         </p:spPr>
         <p:txBody>
-          <a:bodyPr anchorCtr="0" anchor="t" bIns="91425" lIns="91425" spcFirstLastPara="1" rIns="91425" wrap="square" tIns="91425">
+          <a:bodyPr spcFirstLastPara="1" wrap="square" lIns="91425" tIns="91425" rIns="91425" bIns="91425" anchor="t" anchorCtr="0">
             <a:noAutofit/>
           </a:bodyPr>
           <a:lstStyle/>
           <a:p>
-            <a:pPr indent="0" lvl="0" marL="0" rtl="0" algn="l">
+            <a:pPr marL="0" lvl="0" indent="0" algn="l" rtl="0">
               <a:spcBef>
                 <a:spcPts val="0"/>
               </a:spcBef>
@@ -2800,9 +2923,6 @@
               </a:spcAft>
               <a:buNone/>
             </a:pPr>
-            <a:r>
-              <a:t/>
-            </a:r>
             <a:endParaRPr/>
           </a:p>
         </p:txBody>
@@ -2816,18 +2936,19 @@
 </file>
 
 <file path=ppt/slideLayouts/slideLayout1.xml><?xml version="1.0" encoding="utf-8"?>
-<p:sldLayout xmlns:a="http://schemas.openxmlformats.org/drawingml/2006/main" xmlns:r="http://schemas.openxmlformats.org/officeDocument/2006/relationships" xmlns:mc="http://schemas.openxmlformats.org/markup-compatibility/2006" xmlns:mv="urn:schemas-microsoft-com:mac:vml" xmlns:p="http://schemas.openxmlformats.org/presentationml/2006/main" xmlns:c="http://schemas.openxmlformats.org/drawingml/2006/chart" xmlns:dgm="http://schemas.openxmlformats.org/drawingml/2006/diagram" xmlns:o="urn:schemas-microsoft-com:office:office" xmlns:v="urn:schemas-microsoft-com:vml" xmlns:pvml="urn:schemas-microsoft-com:office:powerpoint" xmlns:com="http://schemas.openxmlformats.org/drawingml/2006/compatibility" xmlns:p14="http://schemas.microsoft.com/office/powerpoint/2010/main" xmlns:p15="http://schemas.microsoft.com/office/powerpoint/2012/main" matchingName="Title slide" type="title">
+<p:sldLayout xmlns:a="http://schemas.openxmlformats.org/drawingml/2006/main" xmlns:r="http://schemas.openxmlformats.org/officeDocument/2006/relationships" xmlns:p="http://schemas.openxmlformats.org/presentationml/2006/main" matchingName="Title slide" type="title">
   <p:cSld name="TITLE">
     <p:bg>
       <p:bgPr>
         <a:solidFill>
           <a:schemeClr val="dk1"/>
         </a:solidFill>
+        <a:effectLst/>
       </p:bgPr>
     </p:bg>
     <p:spTree>
       <p:nvGrpSpPr>
-        <p:cNvPr id="9" name="Shape 9"/>
+        <p:cNvPr id="1" name="Shape 9"/>
         <p:cNvGrpSpPr/>
         <p:nvPr/>
       </p:nvGrpSpPr>
@@ -2851,9 +2972,13 @@
             <a:ext cx="9144250" cy="4398100"/>
           </a:xfrm>
           <a:custGeom>
-            <a:rect b="b" l="l" r="r" t="t"/>
+            <a:avLst/>
+            <a:gdLst/>
+            <a:ahLst/>
+            <a:cxnLst/>
+            <a:rect l="l" t="t" r="r" b="b"/>
             <a:pathLst>
-              <a:path extrusionOk="0" h="175924" w="365770">
+              <a:path w="365770" h="175924" extrusionOk="0">
                 <a:moveTo>
                   <a:pt x="0" y="0"/>
                 </a:moveTo>
@@ -2881,7 +3006,9 @@
       <p:sp>
         <p:nvSpPr>
           <p:cNvPr id="11" name="Google Shape;11;p2"/>
-          <p:cNvSpPr txBox="1"/>
+          <p:cNvSpPr txBox="1">
+            <a:spLocks noGrp="1"/>
+          </p:cNvSpPr>
           <p:nvPr>
             <p:ph type="ctrTitle"/>
           </p:nvPr>
@@ -2896,7 +3023,7 @@
           </a:prstGeom>
         </p:spPr>
         <p:txBody>
-          <a:bodyPr anchorCtr="0" anchor="t" bIns="91425" lIns="91425" spcFirstLastPara="1" rIns="91425" wrap="square" tIns="91425">
+          <a:bodyPr spcFirstLastPara="1" wrap="square" lIns="91425" tIns="91425" rIns="91425" bIns="91425" anchor="t" anchorCtr="0">
             <a:noAutofit/>
           </a:bodyPr>
           <a:lstStyle>
@@ -3000,15 +3127,19 @@
               <a:defRPr sz="3600"/>
             </a:lvl9pPr>
           </a:lstStyle>
-          <a:p/>
+          <a:p>
+            <a:endParaRPr/>
+          </a:p>
         </p:txBody>
       </p:sp>
       <p:sp>
         <p:nvSpPr>
           <p:cNvPr id="12" name="Google Shape;12;p2"/>
-          <p:cNvSpPr txBox="1"/>
+          <p:cNvSpPr txBox="1">
+            <a:spLocks noGrp="1"/>
+          </p:cNvSpPr>
           <p:nvPr>
-            <p:ph idx="1" type="subTitle"/>
+            <p:ph type="subTitle" idx="1"/>
           </p:nvPr>
         </p:nvSpPr>
         <p:spPr>
@@ -3021,7 +3152,7 @@
           </a:prstGeom>
         </p:spPr>
         <p:txBody>
-          <a:bodyPr anchorCtr="0" anchor="t" bIns="91425" lIns="91425" spcFirstLastPara="1" rIns="91425" wrap="square" tIns="91425">
+          <a:bodyPr spcFirstLastPara="1" wrap="square" lIns="91425" tIns="91425" rIns="91425" bIns="91425" anchor="t" anchorCtr="0">
             <a:noAutofit/>
           </a:bodyPr>
           <a:lstStyle>
@@ -3215,15 +3346,19 @@
               </a:defRPr>
             </a:lvl9pPr>
           </a:lstStyle>
-          <a:p/>
+          <a:p>
+            <a:endParaRPr/>
+          </a:p>
         </p:txBody>
       </p:sp>
       <p:sp>
         <p:nvSpPr>
           <p:cNvPr id="13" name="Google Shape;13;p2"/>
-          <p:cNvSpPr txBox="1"/>
+          <p:cNvSpPr txBox="1">
+            <a:spLocks noGrp="1"/>
+          </p:cNvSpPr>
           <p:nvPr>
-            <p:ph idx="12" type="sldNum"/>
+            <p:ph type="sldNum" idx="12"/>
           </p:nvPr>
         </p:nvSpPr>
         <p:spPr>
@@ -3236,7 +3371,7 @@
           </a:prstGeom>
         </p:spPr>
         <p:txBody>
-          <a:bodyPr anchorCtr="0" anchor="ctr" bIns="91425" lIns="91425" spcFirstLastPara="1" rIns="91425" wrap="square" tIns="91425">
+          <a:bodyPr spcFirstLastPara="1" wrap="square" lIns="91425" tIns="91425" rIns="91425" bIns="91425" anchor="ctr" anchorCtr="0">
             <a:noAutofit/>
           </a:bodyPr>
           <a:lstStyle>
@@ -3314,7 +3449,7 @@
             </a:lvl9pPr>
           </a:lstStyle>
           <a:p>
-            <a:pPr indent="0" lvl="0" marL="0" rtl="0" algn="r">
+            <a:pPr marL="0" lvl="0" indent="0" algn="r" rtl="0">
               <a:spcBef>
                 <a:spcPts val="0"/>
               </a:spcBef>
@@ -3340,18 +3475,19 @@
 </file>
 
 <file path=ppt/slideLayouts/slideLayout10.xml><?xml version="1.0" encoding="utf-8"?>
-<p:sldLayout xmlns:a="http://schemas.openxmlformats.org/drawingml/2006/main" xmlns:r="http://schemas.openxmlformats.org/officeDocument/2006/relationships" xmlns:mc="http://schemas.openxmlformats.org/markup-compatibility/2006" xmlns:mv="urn:schemas-microsoft-com:mac:vml" xmlns:p="http://schemas.openxmlformats.org/presentationml/2006/main" xmlns:c="http://schemas.openxmlformats.org/drawingml/2006/chart" xmlns:dgm="http://schemas.openxmlformats.org/drawingml/2006/diagram" xmlns:o="urn:schemas-microsoft-com:office:office" xmlns:v="urn:schemas-microsoft-com:vml" xmlns:pvml="urn:schemas-microsoft-com:office:powerpoint" xmlns:com="http://schemas.openxmlformats.org/drawingml/2006/compatibility" xmlns:p14="http://schemas.microsoft.com/office/powerpoint/2010/main" xmlns:p15="http://schemas.microsoft.com/office/powerpoint/2012/main" matchingName="Big number">
+<p:sldLayout xmlns:a="http://schemas.openxmlformats.org/drawingml/2006/main" xmlns:r="http://schemas.openxmlformats.org/officeDocument/2006/relationships" xmlns:p="http://schemas.openxmlformats.org/presentationml/2006/main" matchingName="Big number">
   <p:cSld name="BIG_NUMBER">
     <p:bg>
       <p:bgPr>
         <a:solidFill>
           <a:schemeClr val="dk1"/>
         </a:solidFill>
+        <a:effectLst/>
       </p:bgPr>
     </p:bg>
     <p:spTree>
       <p:nvGrpSpPr>
-        <p:cNvPr id="54" name="Shape 54"/>
+        <p:cNvPr id="1" name="Shape 54"/>
         <p:cNvGrpSpPr/>
         <p:nvPr/>
       </p:nvGrpSpPr>
@@ -3366,9 +3502,11 @@
       <p:sp>
         <p:nvSpPr>
           <p:cNvPr id="55" name="Google Shape;55;p11"/>
-          <p:cNvSpPr txBox="1"/>
+          <p:cNvSpPr txBox="1">
+            <a:spLocks noGrp="1"/>
+          </p:cNvSpPr>
           <p:nvPr>
-            <p:ph hasCustomPrompt="1" type="title"/>
+            <p:ph type="title" hasCustomPrompt="1"/>
           </p:nvPr>
         </p:nvSpPr>
         <p:spPr>
@@ -3381,7 +3519,7 @@
           </a:prstGeom>
         </p:spPr>
         <p:txBody>
-          <a:bodyPr anchorCtr="0" anchor="b" bIns="91425" lIns="91425" spcFirstLastPara="1" rIns="91425" wrap="square" tIns="91425">
+          <a:bodyPr spcFirstLastPara="1" wrap="square" lIns="91425" tIns="91425" rIns="91425" bIns="91425" anchor="b" anchorCtr="0">
             <a:noAutofit/>
           </a:bodyPr>
           <a:lstStyle>
@@ -3558,9 +3696,11 @@
       <p:sp>
         <p:nvSpPr>
           <p:cNvPr id="56" name="Google Shape;56;p11"/>
-          <p:cNvSpPr txBox="1"/>
+          <p:cNvSpPr txBox="1">
+            <a:spLocks noGrp="1"/>
+          </p:cNvSpPr>
           <p:nvPr>
-            <p:ph idx="1" type="body"/>
+            <p:ph type="body" idx="1"/>
           </p:nvPr>
         </p:nvSpPr>
         <p:spPr>
@@ -3573,11 +3713,11 @@
           </a:prstGeom>
         </p:spPr>
         <p:txBody>
-          <a:bodyPr anchorCtr="0" anchor="t" bIns="91425" lIns="91425" spcFirstLastPara="1" rIns="91425" wrap="square" tIns="91425">
+          <a:bodyPr spcFirstLastPara="1" wrap="square" lIns="91425" tIns="91425" rIns="91425" bIns="91425" anchor="t" anchorCtr="0">
             <a:noAutofit/>
           </a:bodyPr>
           <a:lstStyle>
-            <a:lvl1pPr indent="-311150" lvl="0" marL="457200">
+            <a:lvl1pPr marL="457200" lvl="0" indent="-311150">
               <a:spcBef>
                 <a:spcPts val="0"/>
               </a:spcBef>
@@ -3595,7 +3735,7 @@
                 </a:solidFill>
               </a:defRPr>
             </a:lvl1pPr>
-            <a:lvl2pPr indent="-298450" lvl="1" marL="914400">
+            <a:lvl2pPr marL="914400" lvl="1" indent="-298450">
               <a:spcBef>
                 <a:spcPts val="1600"/>
               </a:spcBef>
@@ -3613,7 +3753,7 @@
                 </a:solidFill>
               </a:defRPr>
             </a:lvl2pPr>
-            <a:lvl3pPr indent="-298450" lvl="2" marL="1371600">
+            <a:lvl3pPr marL="1371600" lvl="2" indent="-298450">
               <a:spcBef>
                 <a:spcPts val="1600"/>
               </a:spcBef>
@@ -3631,7 +3771,7 @@
                 </a:solidFill>
               </a:defRPr>
             </a:lvl3pPr>
-            <a:lvl4pPr indent="-298450" lvl="3" marL="1828800">
+            <a:lvl4pPr marL="1828800" lvl="3" indent="-298450">
               <a:spcBef>
                 <a:spcPts val="1600"/>
               </a:spcBef>
@@ -3649,7 +3789,7 @@
                 </a:solidFill>
               </a:defRPr>
             </a:lvl4pPr>
-            <a:lvl5pPr indent="-298450" lvl="4" marL="2286000">
+            <a:lvl5pPr marL="2286000" lvl="4" indent="-298450">
               <a:spcBef>
                 <a:spcPts val="1600"/>
               </a:spcBef>
@@ -3667,7 +3807,7 @@
                 </a:solidFill>
               </a:defRPr>
             </a:lvl5pPr>
-            <a:lvl6pPr indent="-298450" lvl="5" marL="2743200">
+            <a:lvl6pPr marL="2743200" lvl="5" indent="-298450">
               <a:spcBef>
                 <a:spcPts val="1600"/>
               </a:spcBef>
@@ -3685,7 +3825,7 @@
                 </a:solidFill>
               </a:defRPr>
             </a:lvl6pPr>
-            <a:lvl7pPr indent="-298450" lvl="6" marL="3200400">
+            <a:lvl7pPr marL="3200400" lvl="6" indent="-298450">
               <a:spcBef>
                 <a:spcPts val="1600"/>
               </a:spcBef>
@@ -3703,7 +3843,7 @@
                 </a:solidFill>
               </a:defRPr>
             </a:lvl7pPr>
-            <a:lvl8pPr indent="-298450" lvl="7" marL="3657600">
+            <a:lvl8pPr marL="3657600" lvl="7" indent="-298450">
               <a:spcBef>
                 <a:spcPts val="1600"/>
               </a:spcBef>
@@ -3721,7 +3861,7 @@
                 </a:solidFill>
               </a:defRPr>
             </a:lvl8pPr>
-            <a:lvl9pPr indent="-298450" lvl="8" marL="4114800">
+            <a:lvl9pPr marL="4114800" lvl="8" indent="-298450">
               <a:spcBef>
                 <a:spcPts val="1600"/>
               </a:spcBef>
@@ -3740,15 +3880,19 @@
               </a:defRPr>
             </a:lvl9pPr>
           </a:lstStyle>
-          <a:p/>
+          <a:p>
+            <a:endParaRPr/>
+          </a:p>
         </p:txBody>
       </p:sp>
       <p:sp>
         <p:nvSpPr>
           <p:cNvPr id="57" name="Google Shape;57;p11"/>
-          <p:cNvSpPr txBox="1"/>
+          <p:cNvSpPr txBox="1">
+            <a:spLocks noGrp="1"/>
+          </p:cNvSpPr>
           <p:nvPr>
-            <p:ph idx="12" type="sldNum"/>
+            <p:ph type="sldNum" idx="12"/>
           </p:nvPr>
         </p:nvSpPr>
         <p:spPr>
@@ -3761,7 +3905,7 @@
           </a:prstGeom>
         </p:spPr>
         <p:txBody>
-          <a:bodyPr anchorCtr="0" anchor="ctr" bIns="91425" lIns="91425" spcFirstLastPara="1" rIns="91425" wrap="square" tIns="91425">
+          <a:bodyPr spcFirstLastPara="1" wrap="square" lIns="91425" tIns="91425" rIns="91425" bIns="91425" anchor="ctr" anchorCtr="0">
             <a:noAutofit/>
           </a:bodyPr>
           <a:lstStyle>
@@ -3839,7 +3983,7 @@
             </a:lvl9pPr>
           </a:lstStyle>
           <a:p>
-            <a:pPr indent="0" lvl="0" marL="0" rtl="0" algn="r">
+            <a:pPr marL="0" lvl="0" indent="0" algn="r" rtl="0">
               <a:spcBef>
                 <a:spcPts val="0"/>
               </a:spcBef>
@@ -3865,11 +4009,11 @@
 </file>
 
 <file path=ppt/slideLayouts/slideLayout11.xml><?xml version="1.0" encoding="utf-8"?>
-<p:sldLayout xmlns:a="http://schemas.openxmlformats.org/drawingml/2006/main" xmlns:r="http://schemas.openxmlformats.org/officeDocument/2006/relationships" xmlns:mc="http://schemas.openxmlformats.org/markup-compatibility/2006" xmlns:mv="urn:schemas-microsoft-com:mac:vml" xmlns:p="http://schemas.openxmlformats.org/presentationml/2006/main" xmlns:c="http://schemas.openxmlformats.org/drawingml/2006/chart" xmlns:dgm="http://schemas.openxmlformats.org/drawingml/2006/diagram" xmlns:o="urn:schemas-microsoft-com:office:office" xmlns:v="urn:schemas-microsoft-com:vml" xmlns:pvml="urn:schemas-microsoft-com:office:powerpoint" xmlns:com="http://schemas.openxmlformats.org/drawingml/2006/compatibility" xmlns:p14="http://schemas.microsoft.com/office/powerpoint/2010/main" xmlns:p15="http://schemas.microsoft.com/office/powerpoint/2012/main" matchingName="Blank" type="blank">
+<p:sldLayout xmlns:a="http://schemas.openxmlformats.org/drawingml/2006/main" xmlns:r="http://schemas.openxmlformats.org/officeDocument/2006/relationships" xmlns:p="http://schemas.openxmlformats.org/presentationml/2006/main" matchingName="Blank" type="blank">
   <p:cSld name="BLANK">
     <p:spTree>
       <p:nvGrpSpPr>
-        <p:cNvPr id="58" name="Shape 58"/>
+        <p:cNvPr id="1" name="Shape 58"/>
         <p:cNvGrpSpPr/>
         <p:nvPr/>
       </p:nvGrpSpPr>
@@ -3884,9 +4028,11 @@
       <p:sp>
         <p:nvSpPr>
           <p:cNvPr id="59" name="Google Shape;59;p12"/>
-          <p:cNvSpPr txBox="1"/>
+          <p:cNvSpPr txBox="1">
+            <a:spLocks noGrp="1"/>
+          </p:cNvSpPr>
           <p:nvPr>
-            <p:ph idx="12" type="sldNum"/>
+            <p:ph type="sldNum" idx="12"/>
           </p:nvPr>
         </p:nvSpPr>
         <p:spPr>
@@ -3899,7 +4045,7 @@
           </a:prstGeom>
         </p:spPr>
         <p:txBody>
-          <a:bodyPr anchorCtr="0" anchor="ctr" bIns="91425" lIns="91425" spcFirstLastPara="1" rIns="91425" wrap="square" tIns="91425">
+          <a:bodyPr spcFirstLastPara="1" wrap="square" lIns="91425" tIns="91425" rIns="91425" bIns="91425" anchor="ctr" anchorCtr="0">
             <a:noAutofit/>
           </a:bodyPr>
           <a:lstStyle>
@@ -3941,7 +4087,7 @@
             </a:lvl9pPr>
           </a:lstStyle>
           <a:p>
-            <a:pPr indent="0" lvl="0" marL="0" rtl="0" algn="r">
+            <a:pPr marL="0" lvl="0" indent="0" algn="r" rtl="0">
               <a:spcBef>
                 <a:spcPts val="0"/>
               </a:spcBef>
@@ -3967,18 +4113,19 @@
 </file>
 
 <file path=ppt/slideLayouts/slideLayout2.xml><?xml version="1.0" encoding="utf-8"?>
-<p:sldLayout xmlns:a="http://schemas.openxmlformats.org/drawingml/2006/main" xmlns:r="http://schemas.openxmlformats.org/officeDocument/2006/relationships" xmlns:mc="http://schemas.openxmlformats.org/markup-compatibility/2006" xmlns:mv="urn:schemas-microsoft-com:mac:vml" xmlns:p="http://schemas.openxmlformats.org/presentationml/2006/main" xmlns:c="http://schemas.openxmlformats.org/drawingml/2006/chart" xmlns:dgm="http://schemas.openxmlformats.org/drawingml/2006/diagram" xmlns:o="urn:schemas-microsoft-com:office:office" xmlns:v="urn:schemas-microsoft-com:vml" xmlns:pvml="urn:schemas-microsoft-com:office:powerpoint" xmlns:com="http://schemas.openxmlformats.org/drawingml/2006/compatibility" xmlns:p14="http://schemas.microsoft.com/office/powerpoint/2010/main" xmlns:p15="http://schemas.microsoft.com/office/powerpoint/2012/main" matchingName="Section header" type="secHead">
+<p:sldLayout xmlns:a="http://schemas.openxmlformats.org/drawingml/2006/main" xmlns:r="http://schemas.openxmlformats.org/officeDocument/2006/relationships" xmlns:p="http://schemas.openxmlformats.org/presentationml/2006/main" matchingName="Section header" type="secHead">
   <p:cSld name="SECTION_HEADER">
     <p:bg>
       <p:bgPr>
         <a:solidFill>
           <a:schemeClr val="accent3"/>
         </a:solidFill>
+        <a:effectLst/>
       </p:bgPr>
     </p:bg>
     <p:spTree>
       <p:nvGrpSpPr>
-        <p:cNvPr id="14" name="Shape 14"/>
+        <p:cNvPr id="1" name="Shape 14"/>
         <p:cNvGrpSpPr/>
         <p:nvPr/>
       </p:nvGrpSpPr>
@@ -4002,9 +4149,13 @@
             <a:ext cx="9144250" cy="4398100"/>
           </a:xfrm>
           <a:custGeom>
-            <a:rect b="b" l="l" r="r" t="t"/>
+            <a:avLst/>
+            <a:gdLst/>
+            <a:ahLst/>
+            <a:cxnLst/>
+            <a:rect l="l" t="t" r="r" b="b"/>
             <a:pathLst>
-              <a:path extrusionOk="0" h="175924" w="365770">
+              <a:path w="365770" h="175924" extrusionOk="0">
                 <a:moveTo>
                   <a:pt x="0" y="0"/>
                 </a:moveTo>
@@ -4041,9 +4192,13 @@
             <a:ext cx="9144250" cy="4398100"/>
           </a:xfrm>
           <a:custGeom>
-            <a:rect b="b" l="l" r="r" t="t"/>
+            <a:avLst/>
+            <a:gdLst/>
+            <a:ahLst/>
+            <a:cxnLst/>
+            <a:rect l="l" t="t" r="r" b="b"/>
             <a:pathLst>
-              <a:path extrusionOk="0" h="175924" w="365770">
+              <a:path w="365770" h="175924" extrusionOk="0">
                 <a:moveTo>
                   <a:pt x="0" y="0"/>
                 </a:moveTo>
@@ -4071,7 +4226,9 @@
       <p:sp>
         <p:nvSpPr>
           <p:cNvPr id="17" name="Google Shape;17;p3"/>
-          <p:cNvSpPr txBox="1"/>
+          <p:cNvSpPr txBox="1">
+            <a:spLocks noGrp="1"/>
+          </p:cNvSpPr>
           <p:nvPr>
             <p:ph type="title"/>
           </p:nvPr>
@@ -4086,7 +4243,7 @@
           </a:prstGeom>
         </p:spPr>
         <p:txBody>
-          <a:bodyPr anchorCtr="0" anchor="t" bIns="91425" lIns="91425" spcFirstLastPara="1" rIns="91425" wrap="square" tIns="91425">
+          <a:bodyPr spcFirstLastPara="1" wrap="square" lIns="91425" tIns="91425" rIns="91425" bIns="91425" anchor="t" anchorCtr="0">
             <a:noAutofit/>
           </a:bodyPr>
           <a:lstStyle>
@@ -4190,15 +4347,19 @@
               <a:defRPr sz="3600"/>
             </a:lvl9pPr>
           </a:lstStyle>
-          <a:p/>
+          <a:p>
+            <a:endParaRPr/>
+          </a:p>
         </p:txBody>
       </p:sp>
       <p:sp>
         <p:nvSpPr>
           <p:cNvPr id="18" name="Google Shape;18;p3"/>
-          <p:cNvSpPr txBox="1"/>
+          <p:cNvSpPr txBox="1">
+            <a:spLocks noGrp="1"/>
+          </p:cNvSpPr>
           <p:nvPr>
-            <p:ph idx="12" type="sldNum"/>
+            <p:ph type="sldNum" idx="12"/>
           </p:nvPr>
         </p:nvSpPr>
         <p:spPr>
@@ -4211,7 +4372,7 @@
           </a:prstGeom>
         </p:spPr>
         <p:txBody>
-          <a:bodyPr anchorCtr="0" anchor="ctr" bIns="91425" lIns="91425" spcFirstLastPara="1" rIns="91425" wrap="square" tIns="91425">
+          <a:bodyPr spcFirstLastPara="1" wrap="square" lIns="91425" tIns="91425" rIns="91425" bIns="91425" anchor="ctr" anchorCtr="0">
             <a:noAutofit/>
           </a:bodyPr>
           <a:lstStyle>
@@ -4289,7 +4450,7 @@
             </a:lvl9pPr>
           </a:lstStyle>
           <a:p>
-            <a:pPr indent="0" lvl="0" marL="0" rtl="0" algn="r">
+            <a:pPr marL="0" lvl="0" indent="0" algn="r" rtl="0">
               <a:spcBef>
                 <a:spcPts val="0"/>
               </a:spcBef>
@@ -4315,11 +4476,11 @@
 </file>
 
 <file path=ppt/slideLayouts/slideLayout3.xml><?xml version="1.0" encoding="utf-8"?>
-<p:sldLayout xmlns:a="http://schemas.openxmlformats.org/drawingml/2006/main" xmlns:r="http://schemas.openxmlformats.org/officeDocument/2006/relationships" xmlns:mc="http://schemas.openxmlformats.org/markup-compatibility/2006" xmlns:mv="urn:schemas-microsoft-com:mac:vml" xmlns:p="http://schemas.openxmlformats.org/presentationml/2006/main" xmlns:c="http://schemas.openxmlformats.org/drawingml/2006/chart" xmlns:dgm="http://schemas.openxmlformats.org/drawingml/2006/diagram" xmlns:o="urn:schemas-microsoft-com:office:office" xmlns:v="urn:schemas-microsoft-com:vml" xmlns:pvml="urn:schemas-microsoft-com:office:powerpoint" xmlns:com="http://schemas.openxmlformats.org/drawingml/2006/compatibility" xmlns:p14="http://schemas.microsoft.com/office/powerpoint/2010/main" xmlns:p15="http://schemas.microsoft.com/office/powerpoint/2012/main" matchingName="Title and body" type="tx">
+<p:sldLayout xmlns:a="http://schemas.openxmlformats.org/drawingml/2006/main" xmlns:r="http://schemas.openxmlformats.org/officeDocument/2006/relationships" xmlns:p="http://schemas.openxmlformats.org/presentationml/2006/main" matchingName="Title and body" type="tx">
   <p:cSld name="TITLE_AND_BODY">
     <p:spTree>
       <p:nvGrpSpPr>
-        <p:cNvPr id="19" name="Shape 19"/>
+        <p:cNvPr id="1" name="Shape 19"/>
         <p:cNvGrpSpPr/>
         <p:nvPr/>
       </p:nvGrpSpPr>
@@ -4353,12 +4514,12 @@
           </a:ln>
         </p:spPr>
         <p:txBody>
-          <a:bodyPr anchorCtr="0" anchor="ctr" bIns="91425" lIns="91425" spcFirstLastPara="1" rIns="91425" wrap="square" tIns="91425">
+          <a:bodyPr spcFirstLastPara="1" wrap="square" lIns="91425" tIns="91425" rIns="91425" bIns="91425" anchor="ctr" anchorCtr="0">
             <a:noAutofit/>
           </a:bodyPr>
           <a:lstStyle/>
           <a:p>
-            <a:pPr indent="0" lvl="0" marL="0" rtl="0" algn="l">
+            <a:pPr marL="0" lvl="0" indent="0" algn="l" rtl="0">
               <a:spcBef>
                 <a:spcPts val="0"/>
               </a:spcBef>
@@ -4367,9 +4528,6 @@
               </a:spcAft>
               <a:buNone/>
             </a:pPr>
-            <a:r>
-              <a:t/>
-            </a:r>
             <a:endParaRPr/>
           </a:p>
         </p:txBody>
@@ -4386,9 +4544,13 @@
             <a:ext cx="4313625" cy="4399375"/>
           </a:xfrm>
           <a:custGeom>
-            <a:rect b="b" l="l" r="r" t="t"/>
+            <a:avLst/>
+            <a:gdLst/>
+            <a:ahLst/>
+            <a:cxnLst/>
+            <a:rect l="l" t="t" r="r" b="b"/>
             <a:pathLst>
-              <a:path extrusionOk="0" h="175975" w="172545">
+              <a:path w="172545" h="175975" extrusionOk="0">
                 <a:moveTo>
                   <a:pt x="0" y="157"/>
                 </a:moveTo>
@@ -4425,9 +4587,13 @@
             <a:ext cx="4316900" cy="4395600"/>
           </a:xfrm>
           <a:custGeom>
-            <a:rect b="b" l="l" r="r" t="t"/>
+            <a:avLst/>
+            <a:gdLst/>
+            <a:ahLst/>
+            <a:cxnLst/>
+            <a:rect l="l" t="t" r="r" b="b"/>
             <a:pathLst>
-              <a:path extrusionOk="0" h="175824" w="172676">
+              <a:path w="172676" h="175824" extrusionOk="0">
                 <a:moveTo>
                   <a:pt x="0" y="6"/>
                 </a:moveTo>
@@ -4455,7 +4621,9 @@
       <p:sp>
         <p:nvSpPr>
           <p:cNvPr id="23" name="Google Shape;23;p4"/>
-          <p:cNvSpPr txBox="1"/>
+          <p:cNvSpPr txBox="1">
+            <a:spLocks noGrp="1"/>
+          </p:cNvSpPr>
           <p:nvPr>
             <p:ph type="title"/>
           </p:nvPr>
@@ -4470,7 +4638,7 @@
           </a:prstGeom>
         </p:spPr>
         <p:txBody>
-          <a:bodyPr anchorCtr="0" anchor="t" bIns="91425" lIns="91425" spcFirstLastPara="1" rIns="91425" wrap="square" tIns="91425">
+          <a:bodyPr spcFirstLastPara="1" wrap="square" lIns="91425" tIns="91425" rIns="91425" bIns="91425" anchor="t" anchorCtr="0">
             <a:noAutofit/>
           </a:bodyPr>
           <a:lstStyle>
@@ -4637,15 +4805,19 @@
               </a:defRPr>
             </a:lvl9pPr>
           </a:lstStyle>
-          <a:p/>
+          <a:p>
+            <a:endParaRPr/>
+          </a:p>
         </p:txBody>
       </p:sp>
       <p:sp>
         <p:nvSpPr>
           <p:cNvPr id="24" name="Google Shape;24;p4"/>
-          <p:cNvSpPr txBox="1"/>
+          <p:cNvSpPr txBox="1">
+            <a:spLocks noGrp="1"/>
+          </p:cNvSpPr>
           <p:nvPr>
-            <p:ph idx="1" type="body"/>
+            <p:ph type="body" idx="1"/>
           </p:nvPr>
         </p:nvSpPr>
         <p:spPr>
@@ -4658,11 +4830,11 @@
           </a:prstGeom>
         </p:spPr>
         <p:txBody>
-          <a:bodyPr anchorCtr="0" anchor="t" bIns="91425" lIns="91425" spcFirstLastPara="1" rIns="91425" wrap="square" tIns="91425">
+          <a:bodyPr spcFirstLastPara="1" wrap="square" lIns="91425" tIns="91425" rIns="91425" bIns="91425" anchor="t" anchorCtr="0">
             <a:noAutofit/>
           </a:bodyPr>
           <a:lstStyle>
-            <a:lvl1pPr indent="-311150" lvl="0" marL="457200">
+            <a:lvl1pPr marL="457200" lvl="0" indent="-311150">
               <a:spcBef>
                 <a:spcPts val="0"/>
               </a:spcBef>
@@ -4673,7 +4845,7 @@
               <a:buChar char="●"/>
               <a:defRPr/>
             </a:lvl1pPr>
-            <a:lvl2pPr indent="-298450" lvl="1" marL="914400">
+            <a:lvl2pPr marL="914400" lvl="1" indent="-298450">
               <a:spcBef>
                 <a:spcPts val="1600"/>
               </a:spcBef>
@@ -4684,7 +4856,7 @@
               <a:buChar char="○"/>
               <a:defRPr/>
             </a:lvl2pPr>
-            <a:lvl3pPr indent="-298450" lvl="2" marL="1371600">
+            <a:lvl3pPr marL="1371600" lvl="2" indent="-298450">
               <a:spcBef>
                 <a:spcPts val="1600"/>
               </a:spcBef>
@@ -4695,7 +4867,7 @@
               <a:buChar char="■"/>
               <a:defRPr/>
             </a:lvl3pPr>
-            <a:lvl4pPr indent="-298450" lvl="3" marL="1828800">
+            <a:lvl4pPr marL="1828800" lvl="3" indent="-298450">
               <a:spcBef>
                 <a:spcPts val="1600"/>
               </a:spcBef>
@@ -4706,7 +4878,7 @@
               <a:buChar char="●"/>
               <a:defRPr/>
             </a:lvl4pPr>
-            <a:lvl5pPr indent="-298450" lvl="4" marL="2286000">
+            <a:lvl5pPr marL="2286000" lvl="4" indent="-298450">
               <a:spcBef>
                 <a:spcPts val="1600"/>
               </a:spcBef>
@@ -4717,7 +4889,7 @@
               <a:buChar char="○"/>
               <a:defRPr/>
             </a:lvl5pPr>
-            <a:lvl6pPr indent="-298450" lvl="5" marL="2743200">
+            <a:lvl6pPr marL="2743200" lvl="5" indent="-298450">
               <a:spcBef>
                 <a:spcPts val="1600"/>
               </a:spcBef>
@@ -4728,7 +4900,7 @@
               <a:buChar char="■"/>
               <a:defRPr/>
             </a:lvl6pPr>
-            <a:lvl7pPr indent="-298450" lvl="6" marL="3200400">
+            <a:lvl7pPr marL="3200400" lvl="6" indent="-298450">
               <a:spcBef>
                 <a:spcPts val="1600"/>
               </a:spcBef>
@@ -4739,7 +4911,7 @@
               <a:buChar char="●"/>
               <a:defRPr/>
             </a:lvl7pPr>
-            <a:lvl8pPr indent="-298450" lvl="7" marL="3657600">
+            <a:lvl8pPr marL="3657600" lvl="7" indent="-298450">
               <a:spcBef>
                 <a:spcPts val="1600"/>
               </a:spcBef>
@@ -4750,7 +4922,7 @@
               <a:buChar char="○"/>
               <a:defRPr/>
             </a:lvl8pPr>
-            <a:lvl9pPr indent="-298450" lvl="8" marL="4114800">
+            <a:lvl9pPr marL="4114800" lvl="8" indent="-298450">
               <a:spcBef>
                 <a:spcPts val="1600"/>
               </a:spcBef>
@@ -4762,15 +4934,19 @@
               <a:defRPr/>
             </a:lvl9pPr>
           </a:lstStyle>
-          <a:p/>
+          <a:p>
+            <a:endParaRPr/>
+          </a:p>
         </p:txBody>
       </p:sp>
       <p:sp>
         <p:nvSpPr>
           <p:cNvPr id="25" name="Google Shape;25;p4"/>
-          <p:cNvSpPr txBox="1"/>
+          <p:cNvSpPr txBox="1">
+            <a:spLocks noGrp="1"/>
+          </p:cNvSpPr>
           <p:nvPr>
-            <p:ph idx="12" type="sldNum"/>
+            <p:ph type="sldNum" idx="12"/>
           </p:nvPr>
         </p:nvSpPr>
         <p:spPr>
@@ -4783,7 +4959,7 @@
           </a:prstGeom>
         </p:spPr>
         <p:txBody>
-          <a:bodyPr anchorCtr="0" anchor="ctr" bIns="91425" lIns="91425" spcFirstLastPara="1" rIns="91425" wrap="square" tIns="91425">
+          <a:bodyPr spcFirstLastPara="1" wrap="square" lIns="91425" tIns="91425" rIns="91425" bIns="91425" anchor="ctr" anchorCtr="0">
             <a:noAutofit/>
           </a:bodyPr>
           <a:lstStyle>
@@ -4825,7 +5001,7 @@
             </a:lvl9pPr>
           </a:lstStyle>
           <a:p>
-            <a:pPr indent="0" lvl="0" marL="0" rtl="0" algn="r">
+            <a:pPr marL="0" lvl="0" indent="0" algn="r" rtl="0">
               <a:spcBef>
                 <a:spcPts val="0"/>
               </a:spcBef>
@@ -4851,11 +5027,11 @@
 </file>
 
 <file path=ppt/slideLayouts/slideLayout4.xml><?xml version="1.0" encoding="utf-8"?>
-<p:sldLayout xmlns:a="http://schemas.openxmlformats.org/drawingml/2006/main" xmlns:r="http://schemas.openxmlformats.org/officeDocument/2006/relationships" xmlns:mc="http://schemas.openxmlformats.org/markup-compatibility/2006" xmlns:mv="urn:schemas-microsoft-com:mac:vml" xmlns:p="http://schemas.openxmlformats.org/presentationml/2006/main" xmlns:c="http://schemas.openxmlformats.org/drawingml/2006/chart" xmlns:dgm="http://schemas.openxmlformats.org/drawingml/2006/diagram" xmlns:o="urn:schemas-microsoft-com:office:office" xmlns:v="urn:schemas-microsoft-com:vml" xmlns:pvml="urn:schemas-microsoft-com:office:powerpoint" xmlns:com="http://schemas.openxmlformats.org/drawingml/2006/compatibility" xmlns:p14="http://schemas.microsoft.com/office/powerpoint/2010/main" xmlns:p15="http://schemas.microsoft.com/office/powerpoint/2012/main" matchingName="Title and two columns" type="twoColTx">
+<p:sldLayout xmlns:a="http://schemas.openxmlformats.org/drawingml/2006/main" xmlns:r="http://schemas.openxmlformats.org/officeDocument/2006/relationships" xmlns:p="http://schemas.openxmlformats.org/presentationml/2006/main" matchingName="Title and two columns" type="twoColTx">
   <p:cSld name="TITLE_AND_TWO_COLUMNS">
     <p:spTree>
       <p:nvGrpSpPr>
-        <p:cNvPr id="26" name="Shape 26"/>
+        <p:cNvPr id="1" name="Shape 26"/>
         <p:cNvGrpSpPr/>
         <p:nvPr/>
       </p:nvGrpSpPr>
@@ -4889,12 +5065,12 @@
           </a:ln>
         </p:spPr>
         <p:txBody>
-          <a:bodyPr anchorCtr="0" anchor="ctr" bIns="91425" lIns="91425" spcFirstLastPara="1" rIns="91425" wrap="square" tIns="91425">
+          <a:bodyPr spcFirstLastPara="1" wrap="square" lIns="91425" tIns="91425" rIns="91425" bIns="91425" anchor="ctr" anchorCtr="0">
             <a:noAutofit/>
           </a:bodyPr>
           <a:lstStyle/>
           <a:p>
-            <a:pPr indent="0" lvl="0" marL="0" rtl="0" algn="l">
+            <a:pPr marL="0" lvl="0" indent="0" algn="l" rtl="0">
               <a:spcBef>
                 <a:spcPts val="0"/>
               </a:spcBef>
@@ -4903,9 +5079,6 @@
               </a:spcAft>
               <a:buNone/>
             </a:pPr>
-            <a:r>
-              <a:t/>
-            </a:r>
             <a:endParaRPr/>
           </a:p>
         </p:txBody>
@@ -4913,7 +5086,9 @@
       <p:sp>
         <p:nvSpPr>
           <p:cNvPr id="28" name="Google Shape;28;p5"/>
-          <p:cNvSpPr txBox="1"/>
+          <p:cNvSpPr txBox="1">
+            <a:spLocks noGrp="1"/>
+          </p:cNvSpPr>
           <p:nvPr>
             <p:ph type="title"/>
           </p:nvPr>
@@ -4928,7 +5103,7 @@
           </a:prstGeom>
         </p:spPr>
         <p:txBody>
-          <a:bodyPr anchorCtr="0" anchor="t" bIns="91425" lIns="91425" spcFirstLastPara="1" rIns="91425" wrap="square" tIns="91425">
+          <a:bodyPr spcFirstLastPara="1" wrap="square" lIns="91425" tIns="91425" rIns="91425" bIns="91425" anchor="t" anchorCtr="0">
             <a:noAutofit/>
           </a:bodyPr>
           <a:lstStyle>
@@ -5095,15 +5270,19 @@
               </a:defRPr>
             </a:lvl9pPr>
           </a:lstStyle>
-          <a:p/>
+          <a:p>
+            <a:endParaRPr/>
+          </a:p>
         </p:txBody>
       </p:sp>
       <p:sp>
         <p:nvSpPr>
           <p:cNvPr id="29" name="Google Shape;29;p5"/>
-          <p:cNvSpPr txBox="1"/>
+          <p:cNvSpPr txBox="1">
+            <a:spLocks noGrp="1"/>
+          </p:cNvSpPr>
           <p:nvPr>
-            <p:ph idx="1" type="body"/>
+            <p:ph type="body" idx="1"/>
           </p:nvPr>
         </p:nvSpPr>
         <p:spPr>
@@ -5116,11 +5295,11 @@
           </a:prstGeom>
         </p:spPr>
         <p:txBody>
-          <a:bodyPr anchorCtr="0" anchor="t" bIns="91425" lIns="91425" spcFirstLastPara="1" rIns="91425" wrap="square" tIns="91425">
+          <a:bodyPr spcFirstLastPara="1" wrap="square" lIns="91425" tIns="91425" rIns="91425" bIns="91425" anchor="t" anchorCtr="0">
             <a:noAutofit/>
           </a:bodyPr>
           <a:lstStyle>
-            <a:lvl1pPr indent="-311150" lvl="0" marL="457200">
+            <a:lvl1pPr marL="457200" lvl="0" indent="-311150">
               <a:spcBef>
                 <a:spcPts val="0"/>
               </a:spcBef>
@@ -5131,7 +5310,7 @@
               <a:buChar char="●"/>
               <a:defRPr/>
             </a:lvl1pPr>
-            <a:lvl2pPr indent="-298450" lvl="1" marL="914400">
+            <a:lvl2pPr marL="914400" lvl="1" indent="-298450">
               <a:spcBef>
                 <a:spcPts val="1600"/>
               </a:spcBef>
@@ -5142,7 +5321,7 @@
               <a:buChar char="○"/>
               <a:defRPr/>
             </a:lvl2pPr>
-            <a:lvl3pPr indent="-298450" lvl="2" marL="1371600">
+            <a:lvl3pPr marL="1371600" lvl="2" indent="-298450">
               <a:spcBef>
                 <a:spcPts val="1600"/>
               </a:spcBef>
@@ -5153,7 +5332,7 @@
               <a:buChar char="■"/>
               <a:defRPr/>
             </a:lvl3pPr>
-            <a:lvl4pPr indent="-298450" lvl="3" marL="1828800">
+            <a:lvl4pPr marL="1828800" lvl="3" indent="-298450">
               <a:spcBef>
                 <a:spcPts val="1600"/>
               </a:spcBef>
@@ -5164,7 +5343,7 @@
               <a:buChar char="●"/>
               <a:defRPr/>
             </a:lvl4pPr>
-            <a:lvl5pPr indent="-298450" lvl="4" marL="2286000">
+            <a:lvl5pPr marL="2286000" lvl="4" indent="-298450">
               <a:spcBef>
                 <a:spcPts val="1600"/>
               </a:spcBef>
@@ -5175,7 +5354,7 @@
               <a:buChar char="○"/>
               <a:defRPr/>
             </a:lvl5pPr>
-            <a:lvl6pPr indent="-298450" lvl="5" marL="2743200">
+            <a:lvl6pPr marL="2743200" lvl="5" indent="-298450">
               <a:spcBef>
                 <a:spcPts val="1600"/>
               </a:spcBef>
@@ -5186,7 +5365,7 @@
               <a:buChar char="■"/>
               <a:defRPr/>
             </a:lvl6pPr>
-            <a:lvl7pPr indent="-298450" lvl="6" marL="3200400">
+            <a:lvl7pPr marL="3200400" lvl="6" indent="-298450">
               <a:spcBef>
                 <a:spcPts val="1600"/>
               </a:spcBef>
@@ -5197,7 +5376,7 @@
               <a:buChar char="●"/>
               <a:defRPr/>
             </a:lvl7pPr>
-            <a:lvl8pPr indent="-298450" lvl="7" marL="3657600">
+            <a:lvl8pPr marL="3657600" lvl="7" indent="-298450">
               <a:spcBef>
                 <a:spcPts val="1600"/>
               </a:spcBef>
@@ -5208,7 +5387,7 @@
               <a:buChar char="○"/>
               <a:defRPr/>
             </a:lvl8pPr>
-            <a:lvl9pPr indent="-298450" lvl="8" marL="4114800">
+            <a:lvl9pPr marL="4114800" lvl="8" indent="-298450">
               <a:spcBef>
                 <a:spcPts val="1600"/>
               </a:spcBef>
@@ -5220,15 +5399,19 @@
               <a:defRPr/>
             </a:lvl9pPr>
           </a:lstStyle>
-          <a:p/>
+          <a:p>
+            <a:endParaRPr/>
+          </a:p>
         </p:txBody>
       </p:sp>
       <p:sp>
         <p:nvSpPr>
           <p:cNvPr id="30" name="Google Shape;30;p5"/>
-          <p:cNvSpPr txBox="1"/>
+          <p:cNvSpPr txBox="1">
+            <a:spLocks noGrp="1"/>
+          </p:cNvSpPr>
           <p:nvPr>
-            <p:ph idx="2" type="body"/>
+            <p:ph type="body" idx="2"/>
           </p:nvPr>
         </p:nvSpPr>
         <p:spPr>
@@ -5241,11 +5424,11 @@
           </a:prstGeom>
         </p:spPr>
         <p:txBody>
-          <a:bodyPr anchorCtr="0" anchor="t" bIns="91425" lIns="91425" spcFirstLastPara="1" rIns="91425" wrap="square" tIns="91425">
+          <a:bodyPr spcFirstLastPara="1" wrap="square" lIns="91425" tIns="91425" rIns="91425" bIns="91425" anchor="t" anchorCtr="0">
             <a:noAutofit/>
           </a:bodyPr>
           <a:lstStyle>
-            <a:lvl1pPr indent="-311150" lvl="0" marL="457200">
+            <a:lvl1pPr marL="457200" lvl="0" indent="-311150">
               <a:spcBef>
                 <a:spcPts val="0"/>
               </a:spcBef>
@@ -5256,7 +5439,7 @@
               <a:buChar char="●"/>
               <a:defRPr/>
             </a:lvl1pPr>
-            <a:lvl2pPr indent="-298450" lvl="1" marL="914400">
+            <a:lvl2pPr marL="914400" lvl="1" indent="-298450">
               <a:spcBef>
                 <a:spcPts val="1600"/>
               </a:spcBef>
@@ -5267,7 +5450,7 @@
               <a:buChar char="○"/>
               <a:defRPr/>
             </a:lvl2pPr>
-            <a:lvl3pPr indent="-298450" lvl="2" marL="1371600">
+            <a:lvl3pPr marL="1371600" lvl="2" indent="-298450">
               <a:spcBef>
                 <a:spcPts val="1600"/>
               </a:spcBef>
@@ -5278,7 +5461,7 @@
               <a:buChar char="■"/>
               <a:defRPr/>
             </a:lvl3pPr>
-            <a:lvl4pPr indent="-298450" lvl="3" marL="1828800">
+            <a:lvl4pPr marL="1828800" lvl="3" indent="-298450">
               <a:spcBef>
                 <a:spcPts val="1600"/>
               </a:spcBef>
@@ -5289,7 +5472,7 @@
               <a:buChar char="●"/>
               <a:defRPr/>
             </a:lvl4pPr>
-            <a:lvl5pPr indent="-298450" lvl="4" marL="2286000">
+            <a:lvl5pPr marL="2286000" lvl="4" indent="-298450">
               <a:spcBef>
                 <a:spcPts val="1600"/>
               </a:spcBef>
@@ -5300,7 +5483,7 @@
               <a:buChar char="○"/>
               <a:defRPr/>
             </a:lvl5pPr>
-            <a:lvl6pPr indent="-298450" lvl="5" marL="2743200">
+            <a:lvl6pPr marL="2743200" lvl="5" indent="-298450">
               <a:spcBef>
                 <a:spcPts val="1600"/>
               </a:spcBef>
@@ -5311,7 +5494,7 @@
               <a:buChar char="■"/>
               <a:defRPr/>
             </a:lvl6pPr>
-            <a:lvl7pPr indent="-298450" lvl="6" marL="3200400">
+            <a:lvl7pPr marL="3200400" lvl="6" indent="-298450">
               <a:spcBef>
                 <a:spcPts val="1600"/>
               </a:spcBef>
@@ -5322,7 +5505,7 @@
               <a:buChar char="●"/>
               <a:defRPr/>
             </a:lvl7pPr>
-            <a:lvl8pPr indent="-298450" lvl="7" marL="3657600">
+            <a:lvl8pPr marL="3657600" lvl="7" indent="-298450">
               <a:spcBef>
                 <a:spcPts val="1600"/>
               </a:spcBef>
@@ -5333,7 +5516,7 @@
               <a:buChar char="○"/>
               <a:defRPr/>
             </a:lvl8pPr>
-            <a:lvl9pPr indent="-298450" lvl="8" marL="4114800">
+            <a:lvl9pPr marL="4114800" lvl="8" indent="-298450">
               <a:spcBef>
                 <a:spcPts val="1600"/>
               </a:spcBef>
@@ -5345,15 +5528,19 @@
               <a:defRPr/>
             </a:lvl9pPr>
           </a:lstStyle>
-          <a:p/>
+          <a:p>
+            <a:endParaRPr/>
+          </a:p>
         </p:txBody>
       </p:sp>
       <p:sp>
         <p:nvSpPr>
           <p:cNvPr id="31" name="Google Shape;31;p5"/>
-          <p:cNvSpPr txBox="1"/>
+          <p:cNvSpPr txBox="1">
+            <a:spLocks noGrp="1"/>
+          </p:cNvSpPr>
           <p:nvPr>
-            <p:ph idx="12" type="sldNum"/>
+            <p:ph type="sldNum" idx="12"/>
           </p:nvPr>
         </p:nvSpPr>
         <p:spPr>
@@ -5366,7 +5553,7 @@
           </a:prstGeom>
         </p:spPr>
         <p:txBody>
-          <a:bodyPr anchorCtr="0" anchor="ctr" bIns="91425" lIns="91425" spcFirstLastPara="1" rIns="91425" wrap="square" tIns="91425">
+          <a:bodyPr spcFirstLastPara="1" wrap="square" lIns="91425" tIns="91425" rIns="91425" bIns="91425" anchor="ctr" anchorCtr="0">
             <a:noAutofit/>
           </a:bodyPr>
           <a:lstStyle>
@@ -5408,7 +5595,7 @@
             </a:lvl9pPr>
           </a:lstStyle>
           <a:p>
-            <a:pPr indent="0" lvl="0" marL="0" rtl="0" algn="r">
+            <a:pPr marL="0" lvl="0" indent="0" algn="r" rtl="0">
               <a:spcBef>
                 <a:spcPts val="0"/>
               </a:spcBef>
@@ -5434,11 +5621,11 @@
 </file>
 
 <file path=ppt/slideLayouts/slideLayout5.xml><?xml version="1.0" encoding="utf-8"?>
-<p:sldLayout xmlns:a="http://schemas.openxmlformats.org/drawingml/2006/main" xmlns:r="http://schemas.openxmlformats.org/officeDocument/2006/relationships" xmlns:mc="http://schemas.openxmlformats.org/markup-compatibility/2006" xmlns:mv="urn:schemas-microsoft-com:mac:vml" xmlns:p="http://schemas.openxmlformats.org/presentationml/2006/main" xmlns:c="http://schemas.openxmlformats.org/drawingml/2006/chart" xmlns:dgm="http://schemas.openxmlformats.org/drawingml/2006/diagram" xmlns:o="urn:schemas-microsoft-com:office:office" xmlns:v="urn:schemas-microsoft-com:vml" xmlns:pvml="urn:schemas-microsoft-com:office:powerpoint" xmlns:com="http://schemas.openxmlformats.org/drawingml/2006/compatibility" xmlns:p14="http://schemas.microsoft.com/office/powerpoint/2010/main" xmlns:p15="http://schemas.microsoft.com/office/powerpoint/2012/main" matchingName="Title only" type="titleOnly">
+<p:sldLayout xmlns:a="http://schemas.openxmlformats.org/drawingml/2006/main" xmlns:r="http://schemas.openxmlformats.org/officeDocument/2006/relationships" xmlns:p="http://schemas.openxmlformats.org/presentationml/2006/main" matchingName="Title only" type="titleOnly">
   <p:cSld name="TITLE_ONLY">
     <p:spTree>
       <p:nvGrpSpPr>
-        <p:cNvPr id="32" name="Shape 32"/>
+        <p:cNvPr id="1" name="Shape 32"/>
         <p:cNvGrpSpPr/>
         <p:nvPr/>
       </p:nvGrpSpPr>
@@ -5472,12 +5659,12 @@
           </a:ln>
         </p:spPr>
         <p:txBody>
-          <a:bodyPr anchorCtr="0" anchor="ctr" bIns="91425" lIns="91425" spcFirstLastPara="1" rIns="91425" wrap="square" tIns="91425">
+          <a:bodyPr spcFirstLastPara="1" wrap="square" lIns="91425" tIns="91425" rIns="91425" bIns="91425" anchor="ctr" anchorCtr="0">
             <a:noAutofit/>
           </a:bodyPr>
           <a:lstStyle/>
           <a:p>
-            <a:pPr indent="0" lvl="0" marL="0" rtl="0" algn="l">
+            <a:pPr marL="0" lvl="0" indent="0" algn="l" rtl="0">
               <a:spcBef>
                 <a:spcPts val="0"/>
               </a:spcBef>
@@ -5486,9 +5673,6 @@
               </a:spcAft>
               <a:buNone/>
             </a:pPr>
-            <a:r>
-              <a:t/>
-            </a:r>
             <a:endParaRPr/>
           </a:p>
         </p:txBody>
@@ -5496,7 +5680,9 @@
       <p:sp>
         <p:nvSpPr>
           <p:cNvPr id="34" name="Google Shape;34;p6"/>
-          <p:cNvSpPr txBox="1"/>
+          <p:cNvSpPr txBox="1">
+            <a:spLocks noGrp="1"/>
+          </p:cNvSpPr>
           <p:nvPr>
             <p:ph type="title"/>
           </p:nvPr>
@@ -5511,7 +5697,7 @@
           </a:prstGeom>
         </p:spPr>
         <p:txBody>
-          <a:bodyPr anchorCtr="0" anchor="t" bIns="91425" lIns="91425" spcFirstLastPara="1" rIns="91425" wrap="square" tIns="91425">
+          <a:bodyPr spcFirstLastPara="1" wrap="square" lIns="91425" tIns="91425" rIns="91425" bIns="91425" anchor="t" anchorCtr="0">
             <a:noAutofit/>
           </a:bodyPr>
           <a:lstStyle>
@@ -5678,15 +5864,19 @@
               </a:defRPr>
             </a:lvl9pPr>
           </a:lstStyle>
-          <a:p/>
+          <a:p>
+            <a:endParaRPr/>
+          </a:p>
         </p:txBody>
       </p:sp>
       <p:sp>
         <p:nvSpPr>
           <p:cNvPr id="35" name="Google Shape;35;p6"/>
-          <p:cNvSpPr txBox="1"/>
+          <p:cNvSpPr txBox="1">
+            <a:spLocks noGrp="1"/>
+          </p:cNvSpPr>
           <p:nvPr>
-            <p:ph idx="12" type="sldNum"/>
+            <p:ph type="sldNum" idx="12"/>
           </p:nvPr>
         </p:nvSpPr>
         <p:spPr>
@@ -5699,7 +5889,7 @@
           </a:prstGeom>
         </p:spPr>
         <p:txBody>
-          <a:bodyPr anchorCtr="0" anchor="ctr" bIns="91425" lIns="91425" spcFirstLastPara="1" rIns="91425" wrap="square" tIns="91425">
+          <a:bodyPr spcFirstLastPara="1" wrap="square" lIns="91425" tIns="91425" rIns="91425" bIns="91425" anchor="ctr" anchorCtr="0">
             <a:noAutofit/>
           </a:bodyPr>
           <a:lstStyle>
@@ -5741,7 +5931,7 @@
             </a:lvl9pPr>
           </a:lstStyle>
           <a:p>
-            <a:pPr indent="0" lvl="0" marL="0" rtl="0" algn="r">
+            <a:pPr marL="0" lvl="0" indent="0" algn="r" rtl="0">
               <a:spcBef>
                 <a:spcPts val="0"/>
               </a:spcBef>
@@ -5767,11 +5957,11 @@
 </file>
 
 <file path=ppt/slideLayouts/slideLayout6.xml><?xml version="1.0" encoding="utf-8"?>
-<p:sldLayout xmlns:a="http://schemas.openxmlformats.org/drawingml/2006/main" xmlns:r="http://schemas.openxmlformats.org/officeDocument/2006/relationships" xmlns:mc="http://schemas.openxmlformats.org/markup-compatibility/2006" xmlns:mv="urn:schemas-microsoft-com:mac:vml" xmlns:p="http://schemas.openxmlformats.org/presentationml/2006/main" xmlns:c="http://schemas.openxmlformats.org/drawingml/2006/chart" xmlns:dgm="http://schemas.openxmlformats.org/drawingml/2006/diagram" xmlns:o="urn:schemas-microsoft-com:office:office" xmlns:v="urn:schemas-microsoft-com:vml" xmlns:pvml="urn:schemas-microsoft-com:office:powerpoint" xmlns:com="http://schemas.openxmlformats.org/drawingml/2006/compatibility" xmlns:p14="http://schemas.microsoft.com/office/powerpoint/2010/main" xmlns:p15="http://schemas.microsoft.com/office/powerpoint/2012/main" matchingName="One column text">
+<p:sldLayout xmlns:a="http://schemas.openxmlformats.org/drawingml/2006/main" xmlns:r="http://schemas.openxmlformats.org/officeDocument/2006/relationships" xmlns:p="http://schemas.openxmlformats.org/presentationml/2006/main" matchingName="One column text">
   <p:cSld name="ONE_COLUMN_TEXT">
     <p:spTree>
       <p:nvGrpSpPr>
-        <p:cNvPr id="36" name="Shape 36"/>
+        <p:cNvPr id="1" name="Shape 36"/>
         <p:cNvGrpSpPr/>
         <p:nvPr/>
       </p:nvGrpSpPr>
@@ -5805,12 +5995,12 @@
           </a:ln>
         </p:spPr>
         <p:txBody>
-          <a:bodyPr anchorCtr="0" anchor="ctr" bIns="91425" lIns="91425" spcFirstLastPara="1" rIns="91425" wrap="square" tIns="91425">
+          <a:bodyPr spcFirstLastPara="1" wrap="square" lIns="91425" tIns="91425" rIns="91425" bIns="91425" anchor="ctr" anchorCtr="0">
             <a:noAutofit/>
           </a:bodyPr>
           <a:lstStyle/>
           <a:p>
-            <a:pPr indent="0" lvl="0" marL="0" rtl="0" algn="l">
+            <a:pPr marL="0" lvl="0" indent="0" algn="l" rtl="0">
               <a:spcBef>
                 <a:spcPts val="0"/>
               </a:spcBef>
@@ -5819,9 +6009,6 @@
               </a:spcAft>
               <a:buNone/>
             </a:pPr>
-            <a:r>
-              <a:t/>
-            </a:r>
             <a:endParaRPr/>
           </a:p>
         </p:txBody>
@@ -5829,7 +6016,9 @@
       <p:sp>
         <p:nvSpPr>
           <p:cNvPr id="38" name="Google Shape;38;p7"/>
-          <p:cNvSpPr txBox="1"/>
+          <p:cNvSpPr txBox="1">
+            <a:spLocks noGrp="1"/>
+          </p:cNvSpPr>
           <p:nvPr>
             <p:ph type="title"/>
           </p:nvPr>
@@ -5844,7 +6033,7 @@
           </a:prstGeom>
         </p:spPr>
         <p:txBody>
-          <a:bodyPr anchorCtr="0" anchor="t" bIns="91425" lIns="91425" spcFirstLastPara="1" rIns="91425" wrap="square" tIns="91425">
+          <a:bodyPr spcFirstLastPara="1" wrap="square" lIns="91425" tIns="91425" rIns="91425" bIns="91425" anchor="t" anchorCtr="0">
             <a:noAutofit/>
           </a:bodyPr>
           <a:lstStyle>
@@ -6011,15 +6200,19 @@
               </a:defRPr>
             </a:lvl9pPr>
           </a:lstStyle>
-          <a:p/>
+          <a:p>
+            <a:endParaRPr/>
+          </a:p>
         </p:txBody>
       </p:sp>
       <p:sp>
         <p:nvSpPr>
           <p:cNvPr id="39" name="Google Shape;39;p7"/>
-          <p:cNvSpPr txBox="1"/>
+          <p:cNvSpPr txBox="1">
+            <a:spLocks noGrp="1"/>
+          </p:cNvSpPr>
           <p:nvPr>
-            <p:ph idx="1" type="body"/>
+            <p:ph type="body" idx="1"/>
           </p:nvPr>
         </p:nvSpPr>
         <p:spPr>
@@ -6032,11 +6225,11 @@
           </a:prstGeom>
         </p:spPr>
         <p:txBody>
-          <a:bodyPr anchorCtr="0" anchor="t" bIns="91425" lIns="91425" spcFirstLastPara="1" rIns="91425" wrap="square" tIns="91425">
+          <a:bodyPr spcFirstLastPara="1" wrap="square" lIns="91425" tIns="91425" rIns="91425" bIns="91425" anchor="t" anchorCtr="0">
             <a:noAutofit/>
           </a:bodyPr>
           <a:lstStyle>
-            <a:lvl1pPr indent="-311150" lvl="0" marL="457200">
+            <a:lvl1pPr marL="457200" lvl="0" indent="-311150">
               <a:spcBef>
                 <a:spcPts val="0"/>
               </a:spcBef>
@@ -6054,7 +6247,7 @@
                 </a:solidFill>
               </a:defRPr>
             </a:lvl1pPr>
-            <a:lvl2pPr indent="-298450" lvl="1" marL="914400">
+            <a:lvl2pPr marL="914400" lvl="1" indent="-298450">
               <a:spcBef>
                 <a:spcPts val="1600"/>
               </a:spcBef>
@@ -6072,7 +6265,7 @@
                 </a:solidFill>
               </a:defRPr>
             </a:lvl2pPr>
-            <a:lvl3pPr indent="-298450" lvl="2" marL="1371600">
+            <a:lvl3pPr marL="1371600" lvl="2" indent="-298450">
               <a:spcBef>
                 <a:spcPts val="1600"/>
               </a:spcBef>
@@ -6090,7 +6283,7 @@
                 </a:solidFill>
               </a:defRPr>
             </a:lvl3pPr>
-            <a:lvl4pPr indent="-298450" lvl="3" marL="1828800">
+            <a:lvl4pPr marL="1828800" lvl="3" indent="-298450">
               <a:spcBef>
                 <a:spcPts val="1600"/>
               </a:spcBef>
@@ -6108,7 +6301,7 @@
                 </a:solidFill>
               </a:defRPr>
             </a:lvl4pPr>
-            <a:lvl5pPr indent="-298450" lvl="4" marL="2286000">
+            <a:lvl5pPr marL="2286000" lvl="4" indent="-298450">
               <a:spcBef>
                 <a:spcPts val="1600"/>
               </a:spcBef>
@@ -6126,7 +6319,7 @@
                 </a:solidFill>
               </a:defRPr>
             </a:lvl5pPr>
-            <a:lvl6pPr indent="-298450" lvl="5" marL="2743200">
+            <a:lvl6pPr marL="2743200" lvl="5" indent="-298450">
               <a:spcBef>
                 <a:spcPts val="1600"/>
               </a:spcBef>
@@ -6144,7 +6337,7 @@
                 </a:solidFill>
               </a:defRPr>
             </a:lvl6pPr>
-            <a:lvl7pPr indent="-298450" lvl="6" marL="3200400">
+            <a:lvl7pPr marL="3200400" lvl="6" indent="-298450">
               <a:spcBef>
                 <a:spcPts val="1600"/>
               </a:spcBef>
@@ -6162,7 +6355,7 @@
                 </a:solidFill>
               </a:defRPr>
             </a:lvl7pPr>
-            <a:lvl8pPr indent="-298450" lvl="7" marL="3657600">
+            <a:lvl8pPr marL="3657600" lvl="7" indent="-298450">
               <a:spcBef>
                 <a:spcPts val="1600"/>
               </a:spcBef>
@@ -6180,7 +6373,7 @@
                 </a:solidFill>
               </a:defRPr>
             </a:lvl8pPr>
-            <a:lvl9pPr indent="-298450" lvl="8" marL="4114800">
+            <a:lvl9pPr marL="4114800" lvl="8" indent="-298450">
               <a:spcBef>
                 <a:spcPts val="1600"/>
               </a:spcBef>
@@ -6199,15 +6392,19 @@
               </a:defRPr>
             </a:lvl9pPr>
           </a:lstStyle>
-          <a:p/>
+          <a:p>
+            <a:endParaRPr/>
+          </a:p>
         </p:txBody>
       </p:sp>
       <p:sp>
         <p:nvSpPr>
           <p:cNvPr id="40" name="Google Shape;40;p7"/>
-          <p:cNvSpPr txBox="1"/>
+          <p:cNvSpPr txBox="1">
+            <a:spLocks noGrp="1"/>
+          </p:cNvSpPr>
           <p:nvPr>
-            <p:ph idx="12" type="sldNum"/>
+            <p:ph type="sldNum" idx="12"/>
           </p:nvPr>
         </p:nvSpPr>
         <p:spPr>
@@ -6220,7 +6417,7 @@
           </a:prstGeom>
         </p:spPr>
         <p:txBody>
-          <a:bodyPr anchorCtr="0" anchor="ctr" bIns="91425" lIns="91425" spcFirstLastPara="1" rIns="91425" wrap="square" tIns="91425">
+          <a:bodyPr spcFirstLastPara="1" wrap="square" lIns="91425" tIns="91425" rIns="91425" bIns="91425" anchor="ctr" anchorCtr="0">
             <a:noAutofit/>
           </a:bodyPr>
           <a:lstStyle>
@@ -6262,7 +6459,7 @@
             </a:lvl9pPr>
           </a:lstStyle>
           <a:p>
-            <a:pPr indent="0" lvl="0" marL="0" rtl="0" algn="r">
+            <a:pPr marL="0" lvl="0" indent="0" algn="r" rtl="0">
               <a:spcBef>
                 <a:spcPts val="0"/>
               </a:spcBef>
@@ -6288,18 +6485,19 @@
 </file>
 
 <file path=ppt/slideLayouts/slideLayout7.xml><?xml version="1.0" encoding="utf-8"?>
-<p:sldLayout xmlns:a="http://schemas.openxmlformats.org/drawingml/2006/main" xmlns:r="http://schemas.openxmlformats.org/officeDocument/2006/relationships" xmlns:mc="http://schemas.openxmlformats.org/markup-compatibility/2006" xmlns:mv="urn:schemas-microsoft-com:mac:vml" xmlns:p="http://schemas.openxmlformats.org/presentationml/2006/main" xmlns:c="http://schemas.openxmlformats.org/drawingml/2006/chart" xmlns:dgm="http://schemas.openxmlformats.org/drawingml/2006/diagram" xmlns:o="urn:schemas-microsoft-com:office:office" xmlns:v="urn:schemas-microsoft-com:vml" xmlns:pvml="urn:schemas-microsoft-com:office:powerpoint" xmlns:com="http://schemas.openxmlformats.org/drawingml/2006/compatibility" xmlns:p14="http://schemas.microsoft.com/office/powerpoint/2010/main" xmlns:p15="http://schemas.microsoft.com/office/powerpoint/2012/main" matchingName="Main point">
+<p:sldLayout xmlns:a="http://schemas.openxmlformats.org/drawingml/2006/main" xmlns:r="http://schemas.openxmlformats.org/officeDocument/2006/relationships" xmlns:p="http://schemas.openxmlformats.org/presentationml/2006/main" matchingName="Main point">
   <p:cSld name="MAIN_POINT">
     <p:bg>
       <p:bgPr>
         <a:solidFill>
           <a:schemeClr val="accent3"/>
         </a:solidFill>
+        <a:effectLst/>
       </p:bgPr>
     </p:bg>
     <p:spTree>
       <p:nvGrpSpPr>
-        <p:cNvPr id="41" name="Shape 41"/>
+        <p:cNvPr id="1" name="Shape 41"/>
         <p:cNvGrpSpPr/>
         <p:nvPr/>
       </p:nvGrpSpPr>
@@ -6314,7 +6512,9 @@
       <p:sp>
         <p:nvSpPr>
           <p:cNvPr id="42" name="Google Shape;42;p8"/>
-          <p:cNvSpPr txBox="1"/>
+          <p:cNvSpPr txBox="1">
+            <a:spLocks noGrp="1"/>
+          </p:cNvSpPr>
           <p:nvPr>
             <p:ph type="title"/>
           </p:nvPr>
@@ -6329,7 +6529,7 @@
           </a:prstGeom>
         </p:spPr>
         <p:txBody>
-          <a:bodyPr anchorCtr="0" anchor="ctr" bIns="91425" lIns="91425" spcFirstLastPara="1" rIns="91425" wrap="square" tIns="91425">
+          <a:bodyPr spcFirstLastPara="1" wrap="square" lIns="91425" tIns="91425" rIns="91425" bIns="91425" anchor="ctr" anchorCtr="0">
             <a:noAutofit/>
           </a:bodyPr>
           <a:lstStyle>
@@ -6433,15 +6633,19 @@
               <a:defRPr sz="3600"/>
             </a:lvl9pPr>
           </a:lstStyle>
-          <a:p/>
+          <a:p>
+            <a:endParaRPr/>
+          </a:p>
         </p:txBody>
       </p:sp>
       <p:sp>
         <p:nvSpPr>
           <p:cNvPr id="43" name="Google Shape;43;p8"/>
-          <p:cNvSpPr txBox="1"/>
+          <p:cNvSpPr txBox="1">
+            <a:spLocks noGrp="1"/>
+          </p:cNvSpPr>
           <p:nvPr>
-            <p:ph idx="12" type="sldNum"/>
+            <p:ph type="sldNum" idx="12"/>
           </p:nvPr>
         </p:nvSpPr>
         <p:spPr>
@@ -6454,7 +6658,7 @@
           </a:prstGeom>
         </p:spPr>
         <p:txBody>
-          <a:bodyPr anchorCtr="0" anchor="ctr" bIns="91425" lIns="91425" spcFirstLastPara="1" rIns="91425" wrap="square" tIns="91425">
+          <a:bodyPr spcFirstLastPara="1" wrap="square" lIns="91425" tIns="91425" rIns="91425" bIns="91425" anchor="ctr" anchorCtr="0">
             <a:noAutofit/>
           </a:bodyPr>
           <a:lstStyle>
@@ -6532,7 +6736,7 @@
             </a:lvl9pPr>
           </a:lstStyle>
           <a:p>
-            <a:pPr indent="0" lvl="0" marL="0" rtl="0" algn="r">
+            <a:pPr marL="0" lvl="0" indent="0" algn="r" rtl="0">
               <a:spcBef>
                 <a:spcPts val="0"/>
               </a:spcBef>
@@ -6558,11 +6762,11 @@
 </file>
 
 <file path=ppt/slideLayouts/slideLayout8.xml><?xml version="1.0" encoding="utf-8"?>
-<p:sldLayout xmlns:a="http://schemas.openxmlformats.org/drawingml/2006/main" xmlns:r="http://schemas.openxmlformats.org/officeDocument/2006/relationships" xmlns:mc="http://schemas.openxmlformats.org/markup-compatibility/2006" xmlns:mv="urn:schemas-microsoft-com:mac:vml" xmlns:p="http://schemas.openxmlformats.org/presentationml/2006/main" xmlns:c="http://schemas.openxmlformats.org/drawingml/2006/chart" xmlns:dgm="http://schemas.openxmlformats.org/drawingml/2006/diagram" xmlns:o="urn:schemas-microsoft-com:office:office" xmlns:v="urn:schemas-microsoft-com:vml" xmlns:pvml="urn:schemas-microsoft-com:office:powerpoint" xmlns:com="http://schemas.openxmlformats.org/drawingml/2006/compatibility" xmlns:p14="http://schemas.microsoft.com/office/powerpoint/2010/main" xmlns:p15="http://schemas.microsoft.com/office/powerpoint/2012/main" matchingName="Section title and description">
+<p:sldLayout xmlns:a="http://schemas.openxmlformats.org/drawingml/2006/main" xmlns:r="http://schemas.openxmlformats.org/officeDocument/2006/relationships" xmlns:p="http://schemas.openxmlformats.org/presentationml/2006/main" matchingName="Section title and description">
   <p:cSld name="SECTION_TITLE_AND_DESCRIPTION">
     <p:spTree>
       <p:nvGrpSpPr>
-        <p:cNvPr id="44" name="Shape 44"/>
+        <p:cNvPr id="1" name="Shape 44"/>
         <p:cNvGrpSpPr/>
         <p:nvPr/>
       </p:nvGrpSpPr>
@@ -6596,12 +6800,12 @@
           </a:ln>
         </p:spPr>
         <p:txBody>
-          <a:bodyPr anchorCtr="0" anchor="ctr" bIns="91425" lIns="91425" spcFirstLastPara="1" rIns="91425" wrap="square" tIns="91425">
+          <a:bodyPr spcFirstLastPara="1" wrap="square" lIns="91425" tIns="91425" rIns="91425" bIns="91425" anchor="ctr" anchorCtr="0">
             <a:noAutofit/>
           </a:bodyPr>
           <a:lstStyle/>
           <a:p>
-            <a:pPr indent="0" lvl="0" marL="0" rtl="0" algn="l">
+            <a:pPr marL="0" lvl="0" indent="0" algn="l" rtl="0">
               <a:spcBef>
                 <a:spcPts val="0"/>
               </a:spcBef>
@@ -6610,9 +6814,6 @@
               </a:spcAft>
               <a:buNone/>
             </a:pPr>
-            <a:r>
-              <a:t/>
-            </a:r>
             <a:endParaRPr/>
           </a:p>
         </p:txBody>
@@ -6620,7 +6821,9 @@
       <p:sp>
         <p:nvSpPr>
           <p:cNvPr id="46" name="Google Shape;46;p9"/>
-          <p:cNvSpPr txBox="1"/>
+          <p:cNvSpPr txBox="1">
+            <a:spLocks noGrp="1"/>
+          </p:cNvSpPr>
           <p:nvPr>
             <p:ph type="title"/>
           </p:nvPr>
@@ -6635,7 +6838,7 @@
           </a:prstGeom>
         </p:spPr>
         <p:txBody>
-          <a:bodyPr anchorCtr="0" anchor="t" bIns="91425" lIns="91425" spcFirstLastPara="1" rIns="91425" wrap="square" tIns="91425">
+          <a:bodyPr spcFirstLastPara="1" wrap="square" lIns="91425" tIns="91425" rIns="91425" bIns="91425" anchor="t" anchorCtr="0">
             <a:noAutofit/>
           </a:bodyPr>
           <a:lstStyle>
@@ -6802,15 +7005,19 @@
               </a:defRPr>
             </a:lvl9pPr>
           </a:lstStyle>
-          <a:p/>
+          <a:p>
+            <a:endParaRPr/>
+          </a:p>
         </p:txBody>
       </p:sp>
       <p:sp>
         <p:nvSpPr>
           <p:cNvPr id="47" name="Google Shape;47;p9"/>
-          <p:cNvSpPr txBox="1"/>
+          <p:cNvSpPr txBox="1">
+            <a:spLocks noGrp="1"/>
+          </p:cNvSpPr>
           <p:nvPr>
-            <p:ph idx="1" type="subTitle"/>
+            <p:ph type="subTitle" idx="1"/>
           </p:nvPr>
         </p:nvSpPr>
         <p:spPr>
@@ -6823,7 +7030,7 @@
           </a:prstGeom>
         </p:spPr>
         <p:txBody>
-          <a:bodyPr anchorCtr="0" anchor="t" bIns="91425" lIns="91425" spcFirstLastPara="1" rIns="91425" wrap="square" tIns="91425">
+          <a:bodyPr spcFirstLastPara="1" wrap="square" lIns="91425" tIns="91425" rIns="91425" bIns="91425" anchor="t" anchorCtr="0">
             <a:noAutofit/>
           </a:bodyPr>
           <a:lstStyle>
@@ -7017,15 +7224,19 @@
               </a:defRPr>
             </a:lvl9pPr>
           </a:lstStyle>
-          <a:p/>
+          <a:p>
+            <a:endParaRPr/>
+          </a:p>
         </p:txBody>
       </p:sp>
       <p:sp>
         <p:nvSpPr>
           <p:cNvPr id="48" name="Google Shape;48;p9"/>
-          <p:cNvSpPr txBox="1"/>
+          <p:cNvSpPr txBox="1">
+            <a:spLocks noGrp="1"/>
+          </p:cNvSpPr>
           <p:nvPr>
-            <p:ph idx="2" type="body"/>
+            <p:ph type="body" idx="2"/>
           </p:nvPr>
         </p:nvSpPr>
         <p:spPr>
@@ -7038,11 +7249,11 @@
           </a:prstGeom>
         </p:spPr>
         <p:txBody>
-          <a:bodyPr anchorCtr="0" anchor="t" bIns="91425" lIns="91425" spcFirstLastPara="1" rIns="91425" wrap="square" tIns="91425">
+          <a:bodyPr spcFirstLastPara="1" wrap="square" lIns="91425" tIns="91425" rIns="91425" bIns="91425" anchor="t" anchorCtr="0">
             <a:noAutofit/>
           </a:bodyPr>
           <a:lstStyle>
-            <a:lvl1pPr indent="-311150" lvl="0" marL="457200">
+            <a:lvl1pPr marL="457200" lvl="0" indent="-311150">
               <a:spcBef>
                 <a:spcPts val="0"/>
               </a:spcBef>
@@ -7053,7 +7264,7 @@
               <a:buChar char="●"/>
               <a:defRPr/>
             </a:lvl1pPr>
-            <a:lvl2pPr indent="-298450" lvl="1" marL="914400">
+            <a:lvl2pPr marL="914400" lvl="1" indent="-298450">
               <a:spcBef>
                 <a:spcPts val="1600"/>
               </a:spcBef>
@@ -7064,7 +7275,7 @@
               <a:buChar char="○"/>
               <a:defRPr/>
             </a:lvl2pPr>
-            <a:lvl3pPr indent="-298450" lvl="2" marL="1371600">
+            <a:lvl3pPr marL="1371600" lvl="2" indent="-298450">
               <a:spcBef>
                 <a:spcPts val="1600"/>
               </a:spcBef>
@@ -7075,7 +7286,7 @@
               <a:buChar char="■"/>
               <a:defRPr/>
             </a:lvl3pPr>
-            <a:lvl4pPr indent="-298450" lvl="3" marL="1828800">
+            <a:lvl4pPr marL="1828800" lvl="3" indent="-298450">
               <a:spcBef>
                 <a:spcPts val="1600"/>
               </a:spcBef>
@@ -7086,7 +7297,7 @@
               <a:buChar char="●"/>
               <a:defRPr/>
             </a:lvl4pPr>
-            <a:lvl5pPr indent="-298450" lvl="4" marL="2286000">
+            <a:lvl5pPr marL="2286000" lvl="4" indent="-298450">
               <a:spcBef>
                 <a:spcPts val="1600"/>
               </a:spcBef>
@@ -7097,7 +7308,7 @@
               <a:buChar char="○"/>
               <a:defRPr/>
             </a:lvl5pPr>
-            <a:lvl6pPr indent="-298450" lvl="5" marL="2743200">
+            <a:lvl6pPr marL="2743200" lvl="5" indent="-298450">
               <a:spcBef>
                 <a:spcPts val="1600"/>
               </a:spcBef>
@@ -7108,7 +7319,7 @@
               <a:buChar char="■"/>
               <a:defRPr/>
             </a:lvl6pPr>
-            <a:lvl7pPr indent="-298450" lvl="6" marL="3200400">
+            <a:lvl7pPr marL="3200400" lvl="6" indent="-298450">
               <a:spcBef>
                 <a:spcPts val="1600"/>
               </a:spcBef>
@@ -7119,7 +7330,7 @@
               <a:buChar char="●"/>
               <a:defRPr/>
             </a:lvl7pPr>
-            <a:lvl8pPr indent="-298450" lvl="7" marL="3657600">
+            <a:lvl8pPr marL="3657600" lvl="7" indent="-298450">
               <a:spcBef>
                 <a:spcPts val="1600"/>
               </a:spcBef>
@@ -7130,7 +7341,7 @@
               <a:buChar char="○"/>
               <a:defRPr/>
             </a:lvl8pPr>
-            <a:lvl9pPr indent="-298450" lvl="8" marL="4114800">
+            <a:lvl9pPr marL="4114800" lvl="8" indent="-298450">
               <a:spcBef>
                 <a:spcPts val="1600"/>
               </a:spcBef>
@@ -7142,15 +7353,19 @@
               <a:defRPr/>
             </a:lvl9pPr>
           </a:lstStyle>
-          <a:p/>
+          <a:p>
+            <a:endParaRPr/>
+          </a:p>
         </p:txBody>
       </p:sp>
       <p:sp>
         <p:nvSpPr>
           <p:cNvPr id="49" name="Google Shape;49;p9"/>
-          <p:cNvSpPr txBox="1"/>
+          <p:cNvSpPr txBox="1">
+            <a:spLocks noGrp="1"/>
+          </p:cNvSpPr>
           <p:nvPr>
-            <p:ph idx="12" type="sldNum"/>
+            <p:ph type="sldNum" idx="12"/>
           </p:nvPr>
         </p:nvSpPr>
         <p:spPr>
@@ -7163,7 +7378,7 @@
           </a:prstGeom>
         </p:spPr>
         <p:txBody>
-          <a:bodyPr anchorCtr="0" anchor="ctr" bIns="91425" lIns="91425" spcFirstLastPara="1" rIns="91425" wrap="square" tIns="91425">
+          <a:bodyPr spcFirstLastPara="1" wrap="square" lIns="91425" tIns="91425" rIns="91425" bIns="91425" anchor="ctr" anchorCtr="0">
             <a:noAutofit/>
           </a:bodyPr>
           <a:lstStyle>
@@ -7205,7 +7420,7 @@
             </a:lvl9pPr>
           </a:lstStyle>
           <a:p>
-            <a:pPr indent="0" lvl="0" marL="0" rtl="0" algn="r">
+            <a:pPr marL="0" lvl="0" indent="0" algn="r" rtl="0">
               <a:spcBef>
                 <a:spcPts val="0"/>
               </a:spcBef>
@@ -7231,11 +7446,11 @@
 </file>
 
 <file path=ppt/slideLayouts/slideLayout9.xml><?xml version="1.0" encoding="utf-8"?>
-<p:sldLayout xmlns:a="http://schemas.openxmlformats.org/drawingml/2006/main" xmlns:r="http://schemas.openxmlformats.org/officeDocument/2006/relationships" xmlns:mc="http://schemas.openxmlformats.org/markup-compatibility/2006" xmlns:mv="urn:schemas-microsoft-com:mac:vml" xmlns:p="http://schemas.openxmlformats.org/presentationml/2006/main" xmlns:c="http://schemas.openxmlformats.org/drawingml/2006/chart" xmlns:dgm="http://schemas.openxmlformats.org/drawingml/2006/diagram" xmlns:o="urn:schemas-microsoft-com:office:office" xmlns:v="urn:schemas-microsoft-com:vml" xmlns:pvml="urn:schemas-microsoft-com:office:powerpoint" xmlns:com="http://schemas.openxmlformats.org/drawingml/2006/compatibility" xmlns:p14="http://schemas.microsoft.com/office/powerpoint/2010/main" xmlns:p15="http://schemas.microsoft.com/office/powerpoint/2012/main" matchingName="Caption">
+<p:sldLayout xmlns:a="http://schemas.openxmlformats.org/drawingml/2006/main" xmlns:r="http://schemas.openxmlformats.org/officeDocument/2006/relationships" xmlns:p="http://schemas.openxmlformats.org/presentationml/2006/main" matchingName="Caption">
   <p:cSld name="CAPTION_ONLY">
     <p:spTree>
       <p:nvGrpSpPr>
-        <p:cNvPr id="50" name="Shape 50"/>
+        <p:cNvPr id="1" name="Shape 50"/>
         <p:cNvGrpSpPr/>
         <p:nvPr/>
       </p:nvGrpSpPr>
@@ -7269,12 +7484,12 @@
           </a:ln>
         </p:spPr>
         <p:txBody>
-          <a:bodyPr anchorCtr="0" anchor="ctr" bIns="91425" lIns="91425" spcFirstLastPara="1" rIns="91425" wrap="square" tIns="91425">
+          <a:bodyPr spcFirstLastPara="1" wrap="square" lIns="91425" tIns="91425" rIns="91425" bIns="91425" anchor="ctr" anchorCtr="0">
             <a:noAutofit/>
           </a:bodyPr>
           <a:lstStyle/>
           <a:p>
-            <a:pPr indent="0" lvl="0" marL="0" rtl="0" algn="l">
+            <a:pPr marL="0" lvl="0" indent="0" algn="l" rtl="0">
               <a:spcBef>
                 <a:spcPts val="0"/>
               </a:spcBef>
@@ -7283,9 +7498,6 @@
               </a:spcAft>
               <a:buNone/>
             </a:pPr>
-            <a:r>
-              <a:t/>
-            </a:r>
             <a:endParaRPr/>
           </a:p>
         </p:txBody>
@@ -7293,9 +7505,11 @@
       <p:sp>
         <p:nvSpPr>
           <p:cNvPr id="52" name="Google Shape;52;p10"/>
-          <p:cNvSpPr txBox="1"/>
+          <p:cNvSpPr txBox="1">
+            <a:spLocks noGrp="1"/>
+          </p:cNvSpPr>
           <p:nvPr>
-            <p:ph idx="1" type="body"/>
+            <p:ph type="body" idx="1"/>
           </p:nvPr>
         </p:nvSpPr>
         <p:spPr>
@@ -7308,11 +7522,11 @@
           </a:prstGeom>
         </p:spPr>
         <p:txBody>
-          <a:bodyPr anchorCtr="0" anchor="ctr" bIns="91425" lIns="91425" spcFirstLastPara="1" rIns="91425" wrap="square" tIns="91425">
+          <a:bodyPr spcFirstLastPara="1" wrap="square" lIns="91425" tIns="91425" rIns="91425" bIns="91425" anchor="ctr" anchorCtr="0">
             <a:noAutofit/>
           </a:bodyPr>
           <a:lstStyle>
-            <a:lvl1pPr indent="-228600" lvl="0" marL="457200">
+            <a:lvl1pPr marL="457200" lvl="0" indent="-228600">
               <a:lnSpc>
                 <a:spcPct val="100000"/>
               </a:lnSpc>
@@ -7339,15 +7553,19 @@
               </a:defRPr>
             </a:lvl1pPr>
           </a:lstStyle>
-          <a:p/>
+          <a:p>
+            <a:endParaRPr/>
+          </a:p>
         </p:txBody>
       </p:sp>
       <p:sp>
         <p:nvSpPr>
           <p:cNvPr id="53" name="Google Shape;53;p10"/>
-          <p:cNvSpPr txBox="1"/>
+          <p:cNvSpPr txBox="1">
+            <a:spLocks noGrp="1"/>
+          </p:cNvSpPr>
           <p:nvPr>
-            <p:ph idx="12" type="sldNum"/>
+            <p:ph type="sldNum" idx="12"/>
           </p:nvPr>
         </p:nvSpPr>
         <p:spPr>
@@ -7360,7 +7578,7 @@
           </a:prstGeom>
         </p:spPr>
         <p:txBody>
-          <a:bodyPr anchorCtr="0" anchor="ctr" bIns="91425" lIns="91425" spcFirstLastPara="1" rIns="91425" wrap="square" tIns="91425">
+          <a:bodyPr spcFirstLastPara="1" wrap="square" lIns="91425" tIns="91425" rIns="91425" bIns="91425" anchor="ctr" anchorCtr="0">
             <a:noAutofit/>
           </a:bodyPr>
           <a:lstStyle>
@@ -7438,7 +7656,7 @@
             </a:lvl9pPr>
           </a:lstStyle>
           <a:p>
-            <a:pPr indent="0" lvl="0" marL="0" rtl="0" algn="r">
+            <a:pPr marL="0" lvl="0" indent="0" algn="r" rtl="0">
               <a:spcBef>
                 <a:spcPts val="0"/>
               </a:spcBef>
@@ -7464,18 +7682,19 @@
 </file>
 
 <file path=ppt/slideMasters/slideMaster1.xml><?xml version="1.0" encoding="utf-8"?>
-<p:sldMaster xmlns:a="http://schemas.openxmlformats.org/drawingml/2006/main" xmlns:r="http://schemas.openxmlformats.org/officeDocument/2006/relationships" xmlns:mc="http://schemas.openxmlformats.org/markup-compatibility/2006" xmlns:mv="urn:schemas-microsoft-com:mac:vml" xmlns:p="http://schemas.openxmlformats.org/presentationml/2006/main" xmlns:c="http://schemas.openxmlformats.org/drawingml/2006/chart" xmlns:dgm="http://schemas.openxmlformats.org/drawingml/2006/diagram" xmlns:o="urn:schemas-microsoft-com:office:office" xmlns:v="urn:schemas-microsoft-com:vml" xmlns:pvml="urn:schemas-microsoft-com:office:powerpoint" xmlns:com="http://schemas.openxmlformats.org/drawingml/2006/compatibility" xmlns:p14="http://schemas.microsoft.com/office/powerpoint/2010/main" xmlns:p15="http://schemas.microsoft.com/office/powerpoint/2012/main">
+<p:sldMaster xmlns:a="http://schemas.openxmlformats.org/drawingml/2006/main" xmlns:r="http://schemas.openxmlformats.org/officeDocument/2006/relationships" xmlns:p="http://schemas.openxmlformats.org/presentationml/2006/main">
   <p:cSld name="paradigm">
     <p:bg>
       <p:bgPr>
         <a:solidFill>
           <a:schemeClr val="lt1"/>
         </a:solidFill>
+        <a:effectLst/>
       </p:bgPr>
     </p:bg>
     <p:spTree>
       <p:nvGrpSpPr>
-        <p:cNvPr id="5" name="Shape 5"/>
+        <p:cNvPr id="1" name="Shape 5"/>
         <p:cNvGrpSpPr/>
         <p:nvPr/>
       </p:nvGrpSpPr>
@@ -7490,7 +7709,9 @@
       <p:sp>
         <p:nvSpPr>
           <p:cNvPr id="6" name="Google Shape;6;p1"/>
-          <p:cNvSpPr txBox="1"/>
+          <p:cNvSpPr txBox="1">
+            <a:spLocks noGrp="1"/>
+          </p:cNvSpPr>
           <p:nvPr>
             <p:ph type="title"/>
           </p:nvPr>
@@ -7509,7 +7730,7 @@
           </a:ln>
         </p:spPr>
         <p:txBody>
-          <a:bodyPr anchorCtr="0" anchor="t" bIns="91425" lIns="91425" spcFirstLastPara="1" rIns="91425" wrap="square" tIns="91425">
+          <a:bodyPr spcFirstLastPara="1" wrap="square" lIns="91425" tIns="91425" rIns="91425" bIns="91425" anchor="t" anchorCtr="0">
             <a:noAutofit/>
           </a:bodyPr>
           <a:lstStyle>
@@ -7721,15 +7942,19 @@
               </a:defRPr>
             </a:lvl9pPr>
           </a:lstStyle>
-          <a:p/>
+          <a:p>
+            <a:endParaRPr/>
+          </a:p>
         </p:txBody>
       </p:sp>
       <p:sp>
         <p:nvSpPr>
           <p:cNvPr id="7" name="Google Shape;7;p1"/>
-          <p:cNvSpPr txBox="1"/>
+          <p:cNvSpPr txBox="1">
+            <a:spLocks noGrp="1"/>
+          </p:cNvSpPr>
           <p:nvPr>
-            <p:ph idx="1" type="body"/>
+            <p:ph type="body" idx="1"/>
           </p:nvPr>
         </p:nvSpPr>
         <p:spPr>
@@ -7746,11 +7971,11 @@
           </a:ln>
         </p:spPr>
         <p:txBody>
-          <a:bodyPr anchorCtr="0" anchor="t" bIns="91425" lIns="91425" spcFirstLastPara="1" rIns="91425" wrap="square" tIns="91425">
+          <a:bodyPr spcFirstLastPara="1" wrap="square" lIns="91425" tIns="91425" rIns="91425" bIns="91425" anchor="t" anchorCtr="0">
             <a:noAutofit/>
           </a:bodyPr>
           <a:lstStyle>
-            <a:lvl1pPr indent="-311150" lvl="0" marL="457200">
+            <a:lvl1pPr marL="457200" lvl="0" indent="-311150">
               <a:lnSpc>
                 <a:spcPct val="115000"/>
               </a:lnSpc>
@@ -7776,7 +8001,7 @@
                 <a:sym typeface="Roboto"/>
               </a:defRPr>
             </a:lvl1pPr>
-            <a:lvl2pPr indent="-298450" lvl="1" marL="914400">
+            <a:lvl2pPr marL="914400" lvl="1" indent="-298450">
               <a:lnSpc>
                 <a:spcPct val="115000"/>
               </a:lnSpc>
@@ -7802,7 +8027,7 @@
                 <a:sym typeface="Roboto"/>
               </a:defRPr>
             </a:lvl2pPr>
-            <a:lvl3pPr indent="-298450" lvl="2" marL="1371600">
+            <a:lvl3pPr marL="1371600" lvl="2" indent="-298450">
               <a:lnSpc>
                 <a:spcPct val="115000"/>
               </a:lnSpc>
@@ -7828,7 +8053,7 @@
                 <a:sym typeface="Roboto"/>
               </a:defRPr>
             </a:lvl3pPr>
-            <a:lvl4pPr indent="-298450" lvl="3" marL="1828800">
+            <a:lvl4pPr marL="1828800" lvl="3" indent="-298450">
               <a:lnSpc>
                 <a:spcPct val="115000"/>
               </a:lnSpc>
@@ -7854,7 +8079,7 @@
                 <a:sym typeface="Roboto"/>
               </a:defRPr>
             </a:lvl4pPr>
-            <a:lvl5pPr indent="-298450" lvl="4" marL="2286000">
+            <a:lvl5pPr marL="2286000" lvl="4" indent="-298450">
               <a:lnSpc>
                 <a:spcPct val="115000"/>
               </a:lnSpc>
@@ -7880,7 +8105,7 @@
                 <a:sym typeface="Roboto"/>
               </a:defRPr>
             </a:lvl5pPr>
-            <a:lvl6pPr indent="-298450" lvl="5" marL="2743200">
+            <a:lvl6pPr marL="2743200" lvl="5" indent="-298450">
               <a:lnSpc>
                 <a:spcPct val="115000"/>
               </a:lnSpc>
@@ -7906,7 +8131,7 @@
                 <a:sym typeface="Roboto"/>
               </a:defRPr>
             </a:lvl6pPr>
-            <a:lvl7pPr indent="-298450" lvl="6" marL="3200400">
+            <a:lvl7pPr marL="3200400" lvl="6" indent="-298450">
               <a:lnSpc>
                 <a:spcPct val="115000"/>
               </a:lnSpc>
@@ -7932,7 +8157,7 @@
                 <a:sym typeface="Roboto"/>
               </a:defRPr>
             </a:lvl7pPr>
-            <a:lvl8pPr indent="-298450" lvl="7" marL="3657600">
+            <a:lvl8pPr marL="3657600" lvl="7" indent="-298450">
               <a:lnSpc>
                 <a:spcPct val="115000"/>
               </a:lnSpc>
@@ -7958,7 +8183,7 @@
                 <a:sym typeface="Roboto"/>
               </a:defRPr>
             </a:lvl8pPr>
-            <a:lvl9pPr indent="-298450" lvl="8" marL="4114800">
+            <a:lvl9pPr marL="4114800" lvl="8" indent="-298450">
               <a:lnSpc>
                 <a:spcPct val="115000"/>
               </a:lnSpc>
@@ -7985,15 +8210,19 @@
               </a:defRPr>
             </a:lvl9pPr>
           </a:lstStyle>
-          <a:p/>
+          <a:p>
+            <a:endParaRPr/>
+          </a:p>
         </p:txBody>
       </p:sp>
       <p:sp>
         <p:nvSpPr>
           <p:cNvPr id="8" name="Google Shape;8;p1"/>
-          <p:cNvSpPr txBox="1"/>
+          <p:cNvSpPr txBox="1">
+            <a:spLocks noGrp="1"/>
+          </p:cNvSpPr>
           <p:nvPr>
-            <p:ph idx="12" type="sldNum"/>
+            <p:ph type="sldNum" idx="12"/>
           </p:nvPr>
         </p:nvSpPr>
         <p:spPr>
@@ -8010,7 +8239,7 @@
           </a:ln>
         </p:spPr>
         <p:txBody>
-          <a:bodyPr anchorCtr="0" anchor="ctr" bIns="91425" lIns="91425" spcFirstLastPara="1" rIns="91425" wrap="square" tIns="91425">
+          <a:bodyPr spcFirstLastPara="1" wrap="square" lIns="91425" tIns="91425" rIns="91425" bIns="91425" anchor="ctr" anchorCtr="0">
             <a:noAutofit/>
           </a:bodyPr>
           <a:lstStyle>
@@ -8124,7 +8353,7 @@
             </a:lvl9pPr>
           </a:lstStyle>
           <a:p>
-            <a:pPr indent="0" lvl="0" marL="0" rtl="0" algn="r">
+            <a:pPr marL="0" lvl="0" indent="0" algn="r" rtl="0">
               <a:spcBef>
                 <a:spcPts val="0"/>
               </a:spcBef>
@@ -8143,7 +8372,7 @@
       </p:sp>
     </p:spTree>
   </p:cSld>
-  <p:clrMap accent1="accent1" accent2="accent2" accent3="accent3" accent4="accent4" accent5="accent5" accent6="accent6" bg1="lt1" bg2="dk2" tx1="dk1" tx2="lt2" folHlink="folHlink" hlink="hlink"/>
+  <p:clrMap bg1="lt1" tx1="dk1" bg2="dk2" tx2="lt2" accent1="accent1" accent2="accent2" accent3="accent3" accent4="accent4" accent5="accent5" accent6="accent6" hlink="hlink" folHlink="folHlink"/>
   <p:sldLayoutIdLst>
     <p:sldLayoutId id="2147483648" r:id="rId1"/>
     <p:sldLayoutId id="2147483649" r:id="rId2"/>
@@ -8157,10 +8386,10 @@
     <p:sldLayoutId id="2147483657" r:id="rId10"/>
     <p:sldLayoutId id="2147483658" r:id="rId11"/>
   </p:sldLayoutIdLst>
-  <p:hf dt="0" ftr="0" hdr="0" sldNum="0"/>
+  <p:hf sldNum="0" hdr="0" ftr="0" dt="0"/>
   <p:txStyles>
     <p:titleStyle>
-      <a:defPPr lvl="0" marR="0" rtl="0" algn="l">
+      <a:defPPr marR="0" lvl="0" algn="l" rtl="0">
         <a:lnSpc>
           <a:spcPct val="100000"/>
         </a:lnSpc>
@@ -8171,7 +8400,7 @@
           <a:spcPts val="0"/>
         </a:spcAft>
       </a:defPPr>
-      <a:lvl1pPr lvl="0" marR="0" rtl="0" algn="l">
+      <a:lvl1pPr marR="0" lvl="0" algn="l" rtl="0">
         <a:lnSpc>
           <a:spcPct val="100000"/>
         </a:lnSpc>
@@ -8185,7 +8414,7 @@
           <a:srgbClr val="000000"/>
         </a:buClr>
         <a:buFont typeface="Arial"/>
-        <a:defRPr b="0" i="0" sz="1400" u="none" cap="none" strike="noStrike">
+        <a:defRPr sz="1400" b="0" i="0" u="none" strike="noStrike" cap="none">
           <a:solidFill>
             <a:srgbClr val="000000"/>
           </a:solidFill>
@@ -8195,7 +8424,7 @@
           <a:sym typeface="Arial"/>
         </a:defRPr>
       </a:lvl1pPr>
-      <a:lvl2pPr lvl="1" marR="0" rtl="0" algn="l">
+      <a:lvl2pPr marR="0" lvl="1" algn="l" rtl="0">
         <a:lnSpc>
           <a:spcPct val="100000"/>
         </a:lnSpc>
@@ -8209,7 +8438,7 @@
           <a:srgbClr val="000000"/>
         </a:buClr>
         <a:buFont typeface="Arial"/>
-        <a:defRPr b="0" i="0" sz="1400" u="none" cap="none" strike="noStrike">
+        <a:defRPr sz="1400" b="0" i="0" u="none" strike="noStrike" cap="none">
           <a:solidFill>
             <a:srgbClr val="000000"/>
           </a:solidFill>
@@ -8219,7 +8448,7 @@
           <a:sym typeface="Arial"/>
         </a:defRPr>
       </a:lvl2pPr>
-      <a:lvl3pPr lvl="2" marR="0" rtl="0" algn="l">
+      <a:lvl3pPr marR="0" lvl="2" algn="l" rtl="0">
         <a:lnSpc>
           <a:spcPct val="100000"/>
         </a:lnSpc>
@@ -8233,7 +8462,7 @@
           <a:srgbClr val="000000"/>
         </a:buClr>
         <a:buFont typeface="Arial"/>
-        <a:defRPr b="0" i="0" sz="1400" u="none" cap="none" strike="noStrike">
+        <a:defRPr sz="1400" b="0" i="0" u="none" strike="noStrike" cap="none">
           <a:solidFill>
             <a:srgbClr val="000000"/>
           </a:solidFill>
@@ -8243,7 +8472,7 @@
           <a:sym typeface="Arial"/>
         </a:defRPr>
       </a:lvl3pPr>
-      <a:lvl4pPr lvl="3" marR="0" rtl="0" algn="l">
+      <a:lvl4pPr marR="0" lvl="3" algn="l" rtl="0">
         <a:lnSpc>
           <a:spcPct val="100000"/>
         </a:lnSpc>
@@ -8257,7 +8486,7 @@
           <a:srgbClr val="000000"/>
         </a:buClr>
         <a:buFont typeface="Arial"/>
-        <a:defRPr b="0" i="0" sz="1400" u="none" cap="none" strike="noStrike">
+        <a:defRPr sz="1400" b="0" i="0" u="none" strike="noStrike" cap="none">
           <a:solidFill>
             <a:srgbClr val="000000"/>
           </a:solidFill>
@@ -8267,7 +8496,7 @@
           <a:sym typeface="Arial"/>
         </a:defRPr>
       </a:lvl4pPr>
-      <a:lvl5pPr lvl="4" marR="0" rtl="0" algn="l">
+      <a:lvl5pPr marR="0" lvl="4" algn="l" rtl="0">
         <a:lnSpc>
           <a:spcPct val="100000"/>
         </a:lnSpc>
@@ -8281,7 +8510,7 @@
           <a:srgbClr val="000000"/>
         </a:buClr>
         <a:buFont typeface="Arial"/>
-        <a:defRPr b="0" i="0" sz="1400" u="none" cap="none" strike="noStrike">
+        <a:defRPr sz="1400" b="0" i="0" u="none" strike="noStrike" cap="none">
           <a:solidFill>
             <a:srgbClr val="000000"/>
           </a:solidFill>
@@ -8291,7 +8520,7 @@
           <a:sym typeface="Arial"/>
         </a:defRPr>
       </a:lvl5pPr>
-      <a:lvl6pPr lvl="5" marR="0" rtl="0" algn="l">
+      <a:lvl6pPr marR="0" lvl="5" algn="l" rtl="0">
         <a:lnSpc>
           <a:spcPct val="100000"/>
         </a:lnSpc>
@@ -8305,7 +8534,7 @@
           <a:srgbClr val="000000"/>
         </a:buClr>
         <a:buFont typeface="Arial"/>
-        <a:defRPr b="0" i="0" sz="1400" u="none" cap="none" strike="noStrike">
+        <a:defRPr sz="1400" b="0" i="0" u="none" strike="noStrike" cap="none">
           <a:solidFill>
             <a:srgbClr val="000000"/>
           </a:solidFill>
@@ -8315,7 +8544,7 @@
           <a:sym typeface="Arial"/>
         </a:defRPr>
       </a:lvl6pPr>
-      <a:lvl7pPr lvl="6" marR="0" rtl="0" algn="l">
+      <a:lvl7pPr marR="0" lvl="6" algn="l" rtl="0">
         <a:lnSpc>
           <a:spcPct val="100000"/>
         </a:lnSpc>
@@ -8329,7 +8558,7 @@
           <a:srgbClr val="000000"/>
         </a:buClr>
         <a:buFont typeface="Arial"/>
-        <a:defRPr b="0" i="0" sz="1400" u="none" cap="none" strike="noStrike">
+        <a:defRPr sz="1400" b="0" i="0" u="none" strike="noStrike" cap="none">
           <a:solidFill>
             <a:srgbClr val="000000"/>
           </a:solidFill>
@@ -8339,7 +8568,7 @@
           <a:sym typeface="Arial"/>
         </a:defRPr>
       </a:lvl7pPr>
-      <a:lvl8pPr lvl="7" marR="0" rtl="0" algn="l">
+      <a:lvl8pPr marR="0" lvl="7" algn="l" rtl="0">
         <a:lnSpc>
           <a:spcPct val="100000"/>
         </a:lnSpc>
@@ -8353,7 +8582,7 @@
           <a:srgbClr val="000000"/>
         </a:buClr>
         <a:buFont typeface="Arial"/>
-        <a:defRPr b="0" i="0" sz="1400" u="none" cap="none" strike="noStrike">
+        <a:defRPr sz="1400" b="0" i="0" u="none" strike="noStrike" cap="none">
           <a:solidFill>
             <a:srgbClr val="000000"/>
           </a:solidFill>
@@ -8363,7 +8592,7 @@
           <a:sym typeface="Arial"/>
         </a:defRPr>
       </a:lvl8pPr>
-      <a:lvl9pPr lvl="8" marR="0" rtl="0" algn="l">
+      <a:lvl9pPr marR="0" lvl="8" algn="l" rtl="0">
         <a:lnSpc>
           <a:spcPct val="100000"/>
         </a:lnSpc>
@@ -8377,7 +8606,7 @@
           <a:srgbClr val="000000"/>
         </a:buClr>
         <a:buFont typeface="Arial"/>
-        <a:defRPr b="0" i="0" sz="1400" u="none" cap="none" strike="noStrike">
+        <a:defRPr sz="1400" b="0" i="0" u="none" strike="noStrike" cap="none">
           <a:solidFill>
             <a:srgbClr val="000000"/>
           </a:solidFill>
@@ -8389,7 +8618,7 @@
       </a:lvl9pPr>
     </p:titleStyle>
     <p:bodyStyle>
-      <a:defPPr lvl="0" marR="0" rtl="0" algn="l">
+      <a:defPPr marR="0" lvl="0" algn="l" rtl="0">
         <a:lnSpc>
           <a:spcPct val="100000"/>
         </a:lnSpc>
@@ -8400,7 +8629,7 @@
           <a:spcPts val="0"/>
         </a:spcAft>
       </a:defPPr>
-      <a:lvl1pPr lvl="0" marR="0" rtl="0" algn="l">
+      <a:lvl1pPr marR="0" lvl="0" algn="l" rtl="0">
         <a:lnSpc>
           <a:spcPct val="100000"/>
         </a:lnSpc>
@@ -8414,7 +8643,7 @@
           <a:srgbClr val="000000"/>
         </a:buClr>
         <a:buFont typeface="Arial"/>
-        <a:defRPr b="0" i="0" sz="1400" u="none" cap="none" strike="noStrike">
+        <a:defRPr sz="1400" b="0" i="0" u="none" strike="noStrike" cap="none">
           <a:solidFill>
             <a:srgbClr val="000000"/>
           </a:solidFill>
@@ -8424,7 +8653,7 @@
           <a:sym typeface="Arial"/>
         </a:defRPr>
       </a:lvl1pPr>
-      <a:lvl2pPr lvl="1" marR="0" rtl="0" algn="l">
+      <a:lvl2pPr marR="0" lvl="1" algn="l" rtl="0">
         <a:lnSpc>
           <a:spcPct val="100000"/>
         </a:lnSpc>
@@ -8438,7 +8667,7 @@
           <a:srgbClr val="000000"/>
         </a:buClr>
         <a:buFont typeface="Arial"/>
-        <a:defRPr b="0" i="0" sz="1400" u="none" cap="none" strike="noStrike">
+        <a:defRPr sz="1400" b="0" i="0" u="none" strike="noStrike" cap="none">
           <a:solidFill>
             <a:srgbClr val="000000"/>
           </a:solidFill>
@@ -8448,7 +8677,7 @@
           <a:sym typeface="Arial"/>
         </a:defRPr>
       </a:lvl2pPr>
-      <a:lvl3pPr lvl="2" marR="0" rtl="0" algn="l">
+      <a:lvl3pPr marR="0" lvl="2" algn="l" rtl="0">
         <a:lnSpc>
           <a:spcPct val="100000"/>
         </a:lnSpc>
@@ -8462,7 +8691,7 @@
           <a:srgbClr val="000000"/>
         </a:buClr>
         <a:buFont typeface="Arial"/>
-        <a:defRPr b="0" i="0" sz="1400" u="none" cap="none" strike="noStrike">
+        <a:defRPr sz="1400" b="0" i="0" u="none" strike="noStrike" cap="none">
           <a:solidFill>
             <a:srgbClr val="000000"/>
           </a:solidFill>
@@ -8472,7 +8701,7 @@
           <a:sym typeface="Arial"/>
         </a:defRPr>
       </a:lvl3pPr>
-      <a:lvl4pPr lvl="3" marR="0" rtl="0" algn="l">
+      <a:lvl4pPr marR="0" lvl="3" algn="l" rtl="0">
         <a:lnSpc>
           <a:spcPct val="100000"/>
         </a:lnSpc>
@@ -8486,7 +8715,7 @@
           <a:srgbClr val="000000"/>
         </a:buClr>
         <a:buFont typeface="Arial"/>
-        <a:defRPr b="0" i="0" sz="1400" u="none" cap="none" strike="noStrike">
+        <a:defRPr sz="1400" b="0" i="0" u="none" strike="noStrike" cap="none">
           <a:solidFill>
             <a:srgbClr val="000000"/>
           </a:solidFill>
@@ -8496,7 +8725,7 @@
           <a:sym typeface="Arial"/>
         </a:defRPr>
       </a:lvl4pPr>
-      <a:lvl5pPr lvl="4" marR="0" rtl="0" algn="l">
+      <a:lvl5pPr marR="0" lvl="4" algn="l" rtl="0">
         <a:lnSpc>
           <a:spcPct val="100000"/>
         </a:lnSpc>
@@ -8510,7 +8739,7 @@
           <a:srgbClr val="000000"/>
         </a:buClr>
         <a:buFont typeface="Arial"/>
-        <a:defRPr b="0" i="0" sz="1400" u="none" cap="none" strike="noStrike">
+        <a:defRPr sz="1400" b="0" i="0" u="none" strike="noStrike" cap="none">
           <a:solidFill>
             <a:srgbClr val="000000"/>
           </a:solidFill>
@@ -8520,7 +8749,7 @@
           <a:sym typeface="Arial"/>
         </a:defRPr>
       </a:lvl5pPr>
-      <a:lvl6pPr lvl="5" marR="0" rtl="0" algn="l">
+      <a:lvl6pPr marR="0" lvl="5" algn="l" rtl="0">
         <a:lnSpc>
           <a:spcPct val="100000"/>
         </a:lnSpc>
@@ -8534,7 +8763,7 @@
           <a:srgbClr val="000000"/>
         </a:buClr>
         <a:buFont typeface="Arial"/>
-        <a:defRPr b="0" i="0" sz="1400" u="none" cap="none" strike="noStrike">
+        <a:defRPr sz="1400" b="0" i="0" u="none" strike="noStrike" cap="none">
           <a:solidFill>
             <a:srgbClr val="000000"/>
           </a:solidFill>
@@ -8544,7 +8773,7 @@
           <a:sym typeface="Arial"/>
         </a:defRPr>
       </a:lvl6pPr>
-      <a:lvl7pPr lvl="6" marR="0" rtl="0" algn="l">
+      <a:lvl7pPr marR="0" lvl="6" algn="l" rtl="0">
         <a:lnSpc>
           <a:spcPct val="100000"/>
         </a:lnSpc>
@@ -8558,7 +8787,7 @@
           <a:srgbClr val="000000"/>
         </a:buClr>
         <a:buFont typeface="Arial"/>
-        <a:defRPr b="0" i="0" sz="1400" u="none" cap="none" strike="noStrike">
+        <a:defRPr sz="1400" b="0" i="0" u="none" strike="noStrike" cap="none">
           <a:solidFill>
             <a:srgbClr val="000000"/>
           </a:solidFill>
@@ -8568,7 +8797,7 @@
           <a:sym typeface="Arial"/>
         </a:defRPr>
       </a:lvl7pPr>
-      <a:lvl8pPr lvl="7" marR="0" rtl="0" algn="l">
+      <a:lvl8pPr marR="0" lvl="7" algn="l" rtl="0">
         <a:lnSpc>
           <a:spcPct val="100000"/>
         </a:lnSpc>
@@ -8582,7 +8811,7 @@
           <a:srgbClr val="000000"/>
         </a:buClr>
         <a:buFont typeface="Arial"/>
-        <a:defRPr b="0" i="0" sz="1400" u="none" cap="none" strike="noStrike">
+        <a:defRPr sz="1400" b="0" i="0" u="none" strike="noStrike" cap="none">
           <a:solidFill>
             <a:srgbClr val="000000"/>
           </a:solidFill>
@@ -8592,7 +8821,7 @@
           <a:sym typeface="Arial"/>
         </a:defRPr>
       </a:lvl8pPr>
-      <a:lvl9pPr lvl="8" marR="0" rtl="0" algn="l">
+      <a:lvl9pPr marR="0" lvl="8" algn="l" rtl="0">
         <a:lnSpc>
           <a:spcPct val="100000"/>
         </a:lnSpc>
@@ -8606,7 +8835,7 @@
           <a:srgbClr val="000000"/>
         </a:buClr>
         <a:buFont typeface="Arial"/>
-        <a:defRPr b="0" i="0" sz="1400" u="none" cap="none" strike="noStrike">
+        <a:defRPr sz="1400" b="0" i="0" u="none" strike="noStrike" cap="none">
           <a:solidFill>
             <a:srgbClr val="000000"/>
           </a:solidFill>
@@ -8618,7 +8847,7 @@
       </a:lvl9pPr>
     </p:bodyStyle>
     <p:otherStyle>
-      <a:defPPr lvl="0" marR="0" rtl="0" algn="l">
+      <a:defPPr marR="0" lvl="0" algn="l" rtl="0">
         <a:lnSpc>
           <a:spcPct val="100000"/>
         </a:lnSpc>
@@ -8629,7 +8858,7 @@
           <a:spcPts val="0"/>
         </a:spcAft>
       </a:defPPr>
-      <a:lvl1pPr lvl="0" marR="0" rtl="0" algn="l">
+      <a:lvl1pPr marR="0" lvl="0" algn="l" rtl="0">
         <a:lnSpc>
           <a:spcPct val="100000"/>
         </a:lnSpc>
@@ -8643,7 +8872,7 @@
           <a:srgbClr val="000000"/>
         </a:buClr>
         <a:buFont typeface="Arial"/>
-        <a:defRPr b="0" i="0" sz="1400" u="none" cap="none" strike="noStrike">
+        <a:defRPr sz="1400" b="0" i="0" u="none" strike="noStrike" cap="none">
           <a:solidFill>
             <a:srgbClr val="000000"/>
           </a:solidFill>
@@ -8653,7 +8882,7 @@
           <a:sym typeface="Arial"/>
         </a:defRPr>
       </a:lvl1pPr>
-      <a:lvl2pPr lvl="1" marR="0" rtl="0" algn="l">
+      <a:lvl2pPr marR="0" lvl="1" algn="l" rtl="0">
         <a:lnSpc>
           <a:spcPct val="100000"/>
         </a:lnSpc>
@@ -8667,7 +8896,7 @@
           <a:srgbClr val="000000"/>
         </a:buClr>
         <a:buFont typeface="Arial"/>
-        <a:defRPr b="0" i="0" sz="1400" u="none" cap="none" strike="noStrike">
+        <a:defRPr sz="1400" b="0" i="0" u="none" strike="noStrike" cap="none">
           <a:solidFill>
             <a:srgbClr val="000000"/>
           </a:solidFill>
@@ -8677,7 +8906,7 @@
           <a:sym typeface="Arial"/>
         </a:defRPr>
       </a:lvl2pPr>
-      <a:lvl3pPr lvl="2" marR="0" rtl="0" algn="l">
+      <a:lvl3pPr marR="0" lvl="2" algn="l" rtl="0">
         <a:lnSpc>
           <a:spcPct val="100000"/>
         </a:lnSpc>
@@ -8691,7 +8920,7 @@
           <a:srgbClr val="000000"/>
         </a:buClr>
         <a:buFont typeface="Arial"/>
-        <a:defRPr b="0" i="0" sz="1400" u="none" cap="none" strike="noStrike">
+        <a:defRPr sz="1400" b="0" i="0" u="none" strike="noStrike" cap="none">
           <a:solidFill>
             <a:srgbClr val="000000"/>
           </a:solidFill>
@@ -8701,7 +8930,7 @@
           <a:sym typeface="Arial"/>
         </a:defRPr>
       </a:lvl3pPr>
-      <a:lvl4pPr lvl="3" marR="0" rtl="0" algn="l">
+      <a:lvl4pPr marR="0" lvl="3" algn="l" rtl="0">
         <a:lnSpc>
           <a:spcPct val="100000"/>
         </a:lnSpc>
@@ -8715,7 +8944,7 @@
           <a:srgbClr val="000000"/>
         </a:buClr>
         <a:buFont typeface="Arial"/>
-        <a:defRPr b="0" i="0" sz="1400" u="none" cap="none" strike="noStrike">
+        <a:defRPr sz="1400" b="0" i="0" u="none" strike="noStrike" cap="none">
           <a:solidFill>
             <a:srgbClr val="000000"/>
           </a:solidFill>
@@ -8725,7 +8954,7 @@
           <a:sym typeface="Arial"/>
         </a:defRPr>
       </a:lvl4pPr>
-      <a:lvl5pPr lvl="4" marR="0" rtl="0" algn="l">
+      <a:lvl5pPr marR="0" lvl="4" algn="l" rtl="0">
         <a:lnSpc>
           <a:spcPct val="100000"/>
         </a:lnSpc>
@@ -8739,7 +8968,7 @@
           <a:srgbClr val="000000"/>
         </a:buClr>
         <a:buFont typeface="Arial"/>
-        <a:defRPr b="0" i="0" sz="1400" u="none" cap="none" strike="noStrike">
+        <a:defRPr sz="1400" b="0" i="0" u="none" strike="noStrike" cap="none">
           <a:solidFill>
             <a:srgbClr val="000000"/>
           </a:solidFill>
@@ -8749,7 +8978,7 @@
           <a:sym typeface="Arial"/>
         </a:defRPr>
       </a:lvl5pPr>
-      <a:lvl6pPr lvl="5" marR="0" rtl="0" algn="l">
+      <a:lvl6pPr marR="0" lvl="5" algn="l" rtl="0">
         <a:lnSpc>
           <a:spcPct val="100000"/>
         </a:lnSpc>
@@ -8763,7 +8992,7 @@
           <a:srgbClr val="000000"/>
         </a:buClr>
         <a:buFont typeface="Arial"/>
-        <a:defRPr b="0" i="0" sz="1400" u="none" cap="none" strike="noStrike">
+        <a:defRPr sz="1400" b="0" i="0" u="none" strike="noStrike" cap="none">
           <a:solidFill>
             <a:srgbClr val="000000"/>
           </a:solidFill>
@@ -8773,7 +9002,7 @@
           <a:sym typeface="Arial"/>
         </a:defRPr>
       </a:lvl6pPr>
-      <a:lvl7pPr lvl="6" marR="0" rtl="0" algn="l">
+      <a:lvl7pPr marR="0" lvl="6" algn="l" rtl="0">
         <a:lnSpc>
           <a:spcPct val="100000"/>
         </a:lnSpc>
@@ -8787,7 +9016,7 @@
           <a:srgbClr val="000000"/>
         </a:buClr>
         <a:buFont typeface="Arial"/>
-        <a:defRPr b="0" i="0" sz="1400" u="none" cap="none" strike="noStrike">
+        <a:defRPr sz="1400" b="0" i="0" u="none" strike="noStrike" cap="none">
           <a:solidFill>
             <a:srgbClr val="000000"/>
           </a:solidFill>
@@ -8797,7 +9026,7 @@
           <a:sym typeface="Arial"/>
         </a:defRPr>
       </a:lvl7pPr>
-      <a:lvl8pPr lvl="7" marR="0" rtl="0" algn="l">
+      <a:lvl8pPr marR="0" lvl="7" algn="l" rtl="0">
         <a:lnSpc>
           <a:spcPct val="100000"/>
         </a:lnSpc>
@@ -8811,7 +9040,7 @@
           <a:srgbClr val="000000"/>
         </a:buClr>
         <a:buFont typeface="Arial"/>
-        <a:defRPr b="0" i="0" sz="1400" u="none" cap="none" strike="noStrike">
+        <a:defRPr sz="1400" b="0" i="0" u="none" strike="noStrike" cap="none">
           <a:solidFill>
             <a:srgbClr val="000000"/>
           </a:solidFill>
@@ -8821,7 +9050,7 @@
           <a:sym typeface="Arial"/>
         </a:defRPr>
       </a:lvl8pPr>
-      <a:lvl9pPr lvl="8" marR="0" rtl="0" algn="l">
+      <a:lvl9pPr marR="0" lvl="8" algn="l" rtl="0">
         <a:lnSpc>
           <a:spcPct val="100000"/>
         </a:lnSpc>
@@ -8835,7 +9064,7 @@
           <a:srgbClr val="000000"/>
         </a:buClr>
         <a:buFont typeface="Arial"/>
-        <a:defRPr b="0" i="0" sz="1400" u="none" cap="none" strike="noStrike">
+        <a:defRPr sz="1400" b="0" i="0" u="none" strike="noStrike" cap="none">
           <a:solidFill>
             <a:srgbClr val="000000"/>
           </a:solidFill>
@@ -8851,11 +9080,11 @@
 </file>
 
 <file path=ppt/slides/slide1.xml><?xml version="1.0" encoding="utf-8"?>
-<p:sld xmlns:a="http://schemas.openxmlformats.org/drawingml/2006/main" xmlns:r="http://schemas.openxmlformats.org/officeDocument/2006/relationships" xmlns:mc="http://schemas.openxmlformats.org/markup-compatibility/2006" xmlns:mv="urn:schemas-microsoft-com:mac:vml" xmlns:p="http://schemas.openxmlformats.org/presentationml/2006/main" xmlns:c="http://schemas.openxmlformats.org/drawingml/2006/chart" xmlns:dgm="http://schemas.openxmlformats.org/drawingml/2006/diagram" xmlns:o="urn:schemas-microsoft-com:office:office" xmlns:v="urn:schemas-microsoft-com:vml" xmlns:pvml="urn:schemas-microsoft-com:office:powerpoint" xmlns:com="http://schemas.openxmlformats.org/drawingml/2006/compatibility" xmlns:p14="http://schemas.microsoft.com/office/powerpoint/2010/main" xmlns:p15="http://schemas.microsoft.com/office/powerpoint/2012/main">
+<p:sld xmlns:a="http://schemas.openxmlformats.org/drawingml/2006/main" xmlns:r="http://schemas.openxmlformats.org/officeDocument/2006/relationships" xmlns:p="http://schemas.openxmlformats.org/presentationml/2006/main">
   <p:cSld>
     <p:spTree>
       <p:nvGrpSpPr>
-        <p:cNvPr id="63" name="Shape 63"/>
+        <p:cNvPr id="1" name="Shape 63"/>
         <p:cNvGrpSpPr/>
         <p:nvPr/>
       </p:nvGrpSpPr>
@@ -8870,7 +9099,9 @@
       <p:sp>
         <p:nvSpPr>
           <p:cNvPr id="64" name="Google Shape;64;p13"/>
-          <p:cNvSpPr txBox="1"/>
+          <p:cNvSpPr txBox="1">
+            <a:spLocks noGrp="1"/>
+          </p:cNvSpPr>
           <p:nvPr>
             <p:ph type="ctrTitle"/>
           </p:nvPr>
@@ -8885,12 +9116,12 @@
           </a:prstGeom>
         </p:spPr>
         <p:txBody>
-          <a:bodyPr anchorCtr="0" anchor="t" bIns="91425" lIns="91425" spcFirstLastPara="1" rIns="91425" wrap="square" tIns="91425">
+          <a:bodyPr spcFirstLastPara="1" wrap="square" lIns="91425" tIns="91425" rIns="91425" bIns="91425" anchor="t" anchorCtr="0">
             <a:noAutofit/>
           </a:bodyPr>
           <a:lstStyle/>
           <a:p>
-            <a:pPr indent="0" lvl="0" marL="0" rtl="0" algn="l">
+            <a:pPr marL="0" lvl="0" indent="0" algn="l" rtl="0">
               <a:spcBef>
                 <a:spcPts val="0"/>
               </a:spcBef>
@@ -8906,7 +9137,7 @@
             <a:endParaRPr/>
           </a:p>
           <a:p>
-            <a:pPr indent="0" lvl="0" marL="0" rtl="0" algn="l">
+            <a:pPr marL="0" lvl="0" indent="0" algn="l" rtl="0">
               <a:spcBef>
                 <a:spcPts val="0"/>
               </a:spcBef>
@@ -8915,9 +9146,6 @@
               </a:spcAft>
               <a:buNone/>
             </a:pPr>
-            <a:r>
-              <a:t/>
-            </a:r>
             <a:endParaRPr/>
           </a:p>
         </p:txBody>
@@ -8925,9 +9153,11 @@
       <p:sp>
         <p:nvSpPr>
           <p:cNvPr id="65" name="Google Shape;65;p13"/>
-          <p:cNvSpPr txBox="1"/>
+          <p:cNvSpPr txBox="1">
+            <a:spLocks noGrp="1"/>
+          </p:cNvSpPr>
           <p:nvPr>
-            <p:ph idx="1" type="subTitle"/>
+            <p:ph type="subTitle" idx="1"/>
           </p:nvPr>
         </p:nvSpPr>
         <p:spPr>
@@ -8940,12 +9170,12 @@
           </a:prstGeom>
         </p:spPr>
         <p:txBody>
-          <a:bodyPr anchorCtr="0" anchor="t" bIns="91425" lIns="91425" spcFirstLastPara="1" rIns="91425" wrap="square" tIns="91425">
+          <a:bodyPr spcFirstLastPara="1" wrap="square" lIns="91425" tIns="91425" rIns="91425" bIns="91425" anchor="t" anchorCtr="0">
             <a:noAutofit/>
           </a:bodyPr>
           <a:lstStyle/>
           <a:p>
-            <a:pPr indent="0" lvl="0" marL="0" rtl="0" algn="l">
+            <a:pPr marL="0" lvl="0" indent="0" algn="l" rtl="0">
               <a:spcBef>
                 <a:spcPts val="0"/>
               </a:spcBef>
@@ -8958,7 +9188,7 @@
               <a:rPr lang="en" sz="2400"/>
               <a:t>A guide by Stamatis Giannoukakos</a:t>
             </a:r>
-            <a:endParaRPr b="1" sz="2400"/>
+            <a:endParaRPr sz="2400" b="1"/>
           </a:p>
         </p:txBody>
       </p:sp>
@@ -8971,11 +9201,11 @@
 </file>
 
 <file path=ppt/slides/slide10.xml><?xml version="1.0" encoding="utf-8"?>
-<p:sld xmlns:a="http://schemas.openxmlformats.org/drawingml/2006/main" xmlns:r="http://schemas.openxmlformats.org/officeDocument/2006/relationships" xmlns:mc="http://schemas.openxmlformats.org/markup-compatibility/2006" xmlns:mv="urn:schemas-microsoft-com:mac:vml" xmlns:p="http://schemas.openxmlformats.org/presentationml/2006/main" xmlns:c="http://schemas.openxmlformats.org/drawingml/2006/chart" xmlns:dgm="http://schemas.openxmlformats.org/drawingml/2006/diagram" xmlns:o="urn:schemas-microsoft-com:office:office" xmlns:v="urn:schemas-microsoft-com:vml" xmlns:pvml="urn:schemas-microsoft-com:office:powerpoint" xmlns:com="http://schemas.openxmlformats.org/drawingml/2006/compatibility" xmlns:p14="http://schemas.microsoft.com/office/powerpoint/2010/main" xmlns:p15="http://schemas.microsoft.com/office/powerpoint/2012/main">
+<p:sld xmlns:a="http://schemas.openxmlformats.org/drawingml/2006/main" xmlns:r="http://schemas.openxmlformats.org/officeDocument/2006/relationships" xmlns:p="http://schemas.openxmlformats.org/presentationml/2006/main">
   <p:cSld>
     <p:spTree>
       <p:nvGrpSpPr>
-        <p:cNvPr id="141" name="Shape 141"/>
+        <p:cNvPr id="1" name="Shape 141"/>
         <p:cNvGrpSpPr/>
         <p:nvPr/>
       </p:nvGrpSpPr>
@@ -8990,7 +9220,9 @@
       <p:sp>
         <p:nvSpPr>
           <p:cNvPr id="142" name="Google Shape;142;p22"/>
-          <p:cNvSpPr txBox="1"/>
+          <p:cNvSpPr txBox="1">
+            <a:spLocks noGrp="1"/>
+          </p:cNvSpPr>
           <p:nvPr>
             <p:ph type="title"/>
           </p:nvPr>
@@ -9005,12 +9237,12 @@
           </a:prstGeom>
         </p:spPr>
         <p:txBody>
-          <a:bodyPr anchorCtr="0" anchor="t" bIns="91425" lIns="91425" spcFirstLastPara="1" rIns="91425" wrap="square" tIns="91425">
+          <a:bodyPr spcFirstLastPara="1" wrap="square" lIns="91425" tIns="91425" rIns="91425" bIns="91425" anchor="t" anchorCtr="0">
             <a:noAutofit/>
           </a:bodyPr>
           <a:lstStyle/>
           <a:p>
-            <a:pPr indent="0" lvl="0" marL="0" rtl="0" algn="l">
+            <a:pPr marL="0" lvl="0" indent="0" algn="l" rtl="0">
               <a:spcBef>
                 <a:spcPts val="0"/>
               </a:spcBef>
@@ -9026,7 +9258,7 @@
             <a:endParaRPr/>
           </a:p>
           <a:p>
-            <a:pPr indent="0" lvl="0" marL="0" rtl="0" algn="l">
+            <a:pPr marL="0" lvl="0" indent="0" algn="l" rtl="0">
               <a:spcBef>
                 <a:spcPts val="0"/>
               </a:spcBef>
@@ -9035,13 +9267,10 @@
               </a:spcAft>
               <a:buNone/>
             </a:pPr>
-            <a:r>
-              <a:t/>
-            </a:r>
             <a:endParaRPr/>
           </a:p>
           <a:p>
-            <a:pPr indent="0" lvl="0" marL="0" rtl="0" algn="l">
+            <a:pPr marL="0" lvl="0" indent="0" algn="l" rtl="0">
               <a:spcBef>
                 <a:spcPts val="0"/>
               </a:spcBef>
@@ -9102,7 +9331,7 @@
         </p:pic>
         <p:pic>
           <p:nvPicPr>
-            <p:cNvPr descr="Piece of duct tape sticking a note to the slide" id="145" name="Google Shape;145;p22"/>
+            <p:cNvPr id="145" name="Google Shape;145;p22" descr="Piece of duct tape sticking a note to the slide"/>
             <p:cNvPicPr preferRelativeResize="0"/>
             <p:nvPr/>
           </p:nvPicPr>
@@ -9110,7 +9339,7 @@
             <a:blip r:embed="rId4">
               <a:alphaModFix/>
             </a:blip>
-            <a:srcRect b="10011" l="9244" r="2118" t="5926"/>
+            <a:srcRect l="9244" t="5926" r="2118" b="10011"/>
             <a:stretch/>
           </p:blipFill>
           <p:spPr>
@@ -9147,12 +9376,12 @@
             </a:ln>
           </p:spPr>
           <p:txBody>
-            <a:bodyPr anchorCtr="0" anchor="t" bIns="91425" lIns="91425" spcFirstLastPara="1" rIns="91425" wrap="square" tIns="91425">
+            <a:bodyPr spcFirstLastPara="1" wrap="square" lIns="91425" tIns="91425" rIns="91425" bIns="91425" anchor="t" anchorCtr="0">
               <a:noAutofit/>
             </a:bodyPr>
             <a:lstStyle/>
             <a:p>
-              <a:pPr indent="0" lvl="0" marL="0" rtl="0" algn="l">
+              <a:pPr marL="0" lvl="0" indent="0" algn="l" rtl="0">
                 <a:spcBef>
                   <a:spcPts val="0"/>
                 </a:spcBef>
@@ -9162,7 +9391,7 @@
                 <a:buNone/>
               </a:pPr>
               <a:r>
-                <a:rPr b="1" lang="en">
+                <a:rPr lang="en" b="1">
                   <a:solidFill>
                     <a:schemeClr val="dk1"/>
                   </a:solidFill>
@@ -9184,7 +9413,7 @@
               </a:endParaRPr>
             </a:p>
             <a:p>
-              <a:pPr indent="0" lvl="0" marL="0" rtl="0" algn="l">
+              <a:pPr marL="0" lvl="0" indent="0" algn="l" rtl="0">
                 <a:spcBef>
                   <a:spcPts val="800"/>
                 </a:spcBef>
@@ -9216,7 +9445,7 @@
               </a:endParaRPr>
             </a:p>
             <a:p>
-              <a:pPr indent="0" lvl="0" marL="0" rtl="0" algn="l">
+              <a:pPr marL="0" lvl="0" indent="0" algn="l" rtl="0">
                 <a:spcBef>
                   <a:spcPts val="800"/>
                 </a:spcBef>
@@ -9259,18 +9488,19 @@
 </file>
 
 <file path=ppt/slides/slide11.xml><?xml version="1.0" encoding="utf-8"?>
-<p:sld xmlns:a="http://schemas.openxmlformats.org/drawingml/2006/main" xmlns:r="http://schemas.openxmlformats.org/officeDocument/2006/relationships" xmlns:mc="http://schemas.openxmlformats.org/markup-compatibility/2006" xmlns:mv="urn:schemas-microsoft-com:mac:vml" xmlns:p="http://schemas.openxmlformats.org/presentationml/2006/main" xmlns:c="http://schemas.openxmlformats.org/drawingml/2006/chart" xmlns:dgm="http://schemas.openxmlformats.org/drawingml/2006/diagram" xmlns:o="urn:schemas-microsoft-com:office:office" xmlns:v="urn:schemas-microsoft-com:vml" xmlns:pvml="urn:schemas-microsoft-com:office:powerpoint" xmlns:com="http://schemas.openxmlformats.org/drawingml/2006/compatibility" xmlns:p14="http://schemas.microsoft.com/office/powerpoint/2010/main" xmlns:p15="http://schemas.microsoft.com/office/powerpoint/2012/main">
+<p:sld xmlns:a="http://schemas.openxmlformats.org/drawingml/2006/main" xmlns:r="http://schemas.openxmlformats.org/officeDocument/2006/relationships" xmlns:p="http://schemas.openxmlformats.org/presentationml/2006/main">
   <p:cSld>
     <p:bg>
       <p:bgPr>
         <a:solidFill>
           <a:schemeClr val="lt1"/>
         </a:solidFill>
+        <a:effectLst/>
       </p:bgPr>
     </p:bg>
     <p:spTree>
       <p:nvGrpSpPr>
-        <p:cNvPr id="150" name="Shape 150"/>
+        <p:cNvPr id="1" name="Shape 150"/>
         <p:cNvGrpSpPr/>
         <p:nvPr/>
       </p:nvGrpSpPr>
@@ -9306,12 +9536,12 @@
           </a:ln>
         </p:spPr>
         <p:txBody>
-          <a:bodyPr anchorCtr="0" anchor="ctr" bIns="91425" lIns="91425" spcFirstLastPara="1" rIns="91425" wrap="square" tIns="91425">
+          <a:bodyPr spcFirstLastPara="1" wrap="square" lIns="91425" tIns="91425" rIns="91425" bIns="91425" anchor="ctr" anchorCtr="0">
             <a:noAutofit/>
           </a:bodyPr>
           <a:lstStyle/>
           <a:p>
-            <a:pPr indent="0" lvl="0" marL="0" rtl="0" algn="l">
+            <a:pPr marL="0" lvl="0" indent="0" algn="l" rtl="0">
               <a:spcBef>
                 <a:spcPts val="0"/>
               </a:spcBef>
@@ -9320,9 +9550,6 @@
               </a:spcAft>
               <a:buNone/>
             </a:pPr>
-            <a:r>
-              <a:t/>
-            </a:r>
             <a:endParaRPr/>
           </a:p>
         </p:txBody>
@@ -9330,9 +9557,11 @@
       <p:sp>
         <p:nvSpPr>
           <p:cNvPr id="152" name="Google Shape;152;p23"/>
-          <p:cNvSpPr txBox="1"/>
+          <p:cNvSpPr txBox="1">
+            <a:spLocks noGrp="1"/>
+          </p:cNvSpPr>
           <p:nvPr>
-            <p:ph idx="4294967295" type="body"/>
+            <p:ph type="body" idx="4294967295"/>
           </p:nvPr>
         </p:nvSpPr>
         <p:spPr>
@@ -9345,12 +9574,12 @@
           </a:prstGeom>
         </p:spPr>
         <p:txBody>
-          <a:bodyPr anchorCtr="0" anchor="ctr" bIns="91425" lIns="91425" spcFirstLastPara="1" rIns="91425" wrap="square" tIns="91425">
+          <a:bodyPr spcFirstLastPara="1" wrap="square" lIns="91425" tIns="91425" rIns="91425" bIns="91425" anchor="ctr" anchorCtr="0">
             <a:noAutofit/>
           </a:bodyPr>
           <a:lstStyle/>
           <a:p>
-            <a:pPr indent="0" lvl="0" marL="0" rtl="0" algn="l">
+            <a:pPr marL="0" lvl="0" indent="0" algn="l" rtl="0">
               <a:lnSpc>
                 <a:spcPct val="100000"/>
               </a:lnSpc>
@@ -9368,29 +9597,21 @@
               <a:buNone/>
             </a:pPr>
             <a:r>
-              <a:rPr b="1" lang="en" sz="2800">
+              <a:rPr lang="en" sz="2800" b="1">
                 <a:solidFill>
                   <a:schemeClr val="accent5"/>
                 </a:solidFill>
               </a:rPr>
-              <a:t>Methodology</a:t>
+              <a:t>Methodology </a:t>
             </a:r>
-            <a:r>
-              <a:rPr b="1" lang="en" sz="2800">
-                <a:solidFill>
-                  <a:schemeClr val="accent5"/>
-                </a:solidFill>
-              </a:rPr>
-              <a:t> </a:t>
-            </a:r>
-            <a:endParaRPr b="1" sz="2800">
+            <a:endParaRPr sz="2800" b="1">
               <a:solidFill>
                 <a:schemeClr val="accent5"/>
               </a:solidFill>
             </a:endParaRPr>
           </a:p>
           <a:p>
-            <a:pPr indent="0" lvl="0" marL="0" rtl="0" algn="l">
+            <a:pPr marL="0" lvl="0" indent="0" algn="l" rtl="0">
               <a:lnSpc>
                 <a:spcPct val="100000"/>
               </a:lnSpc>
@@ -9403,21 +9624,21 @@
               <a:buNone/>
             </a:pPr>
             <a:r>
-              <a:rPr b="1" lang="en" sz="2800">
+              <a:rPr lang="en" sz="2800" b="1">
                 <a:solidFill>
                   <a:srgbClr val="FFFFFF"/>
                 </a:solidFill>
               </a:rPr>
               <a:t>Our initial data </a:t>
             </a:r>
-            <a:endParaRPr b="1" sz="2800">
+            <a:endParaRPr sz="2800" b="1">
               <a:solidFill>
                 <a:srgbClr val="FFFFFF"/>
               </a:solidFill>
             </a:endParaRPr>
           </a:p>
           <a:p>
-            <a:pPr indent="0" lvl="0" marL="0" rtl="0" algn="l">
+            <a:pPr marL="0" lvl="0" indent="0" algn="l" rtl="0">
               <a:lnSpc>
                 <a:spcPct val="100000"/>
               </a:lnSpc>
@@ -9429,17 +9650,14 @@
               </a:spcAft>
               <a:buNone/>
             </a:pPr>
-            <a:r>
-              <a:t/>
-            </a:r>
-            <a:endParaRPr b="1" sz="2800">
+            <a:endParaRPr sz="2800" b="1">
               <a:solidFill>
                 <a:srgbClr val="FFFFFF"/>
               </a:solidFill>
             </a:endParaRPr>
           </a:p>
           <a:p>
-            <a:pPr indent="0" lvl="0" marL="0" rtl="0" algn="l">
+            <a:pPr marL="0" lvl="0" indent="0" algn="l" rtl="0">
               <a:lnSpc>
                 <a:spcPct val="100000"/>
               </a:lnSpc>
@@ -9466,7 +9684,7 @@
             </a:endParaRPr>
           </a:p>
           <a:p>
-            <a:pPr indent="0" lvl="0" marL="0" rtl="0" algn="l">
+            <a:pPr marL="0" lvl="0" indent="0" algn="l" rtl="0">
               <a:lnSpc>
                 <a:spcPct val="100000"/>
               </a:lnSpc>
@@ -9615,18 +9833,19 @@
 </file>
 
 <file path=ppt/slides/slide12.xml><?xml version="1.0" encoding="utf-8"?>
-<p:sld xmlns:a="http://schemas.openxmlformats.org/drawingml/2006/main" xmlns:r="http://schemas.openxmlformats.org/officeDocument/2006/relationships" xmlns:mc="http://schemas.openxmlformats.org/markup-compatibility/2006" xmlns:mv="urn:schemas-microsoft-com:mac:vml" xmlns:p="http://schemas.openxmlformats.org/presentationml/2006/main" xmlns:c="http://schemas.openxmlformats.org/drawingml/2006/chart" xmlns:dgm="http://schemas.openxmlformats.org/drawingml/2006/diagram" xmlns:o="urn:schemas-microsoft-com:office:office" xmlns:v="urn:schemas-microsoft-com:vml" xmlns:pvml="urn:schemas-microsoft-com:office:powerpoint" xmlns:com="http://schemas.openxmlformats.org/drawingml/2006/compatibility" xmlns:p14="http://schemas.microsoft.com/office/powerpoint/2010/main" xmlns:p15="http://schemas.microsoft.com/office/powerpoint/2012/main">
+<p:sld xmlns:a="http://schemas.openxmlformats.org/drawingml/2006/main" xmlns:r="http://schemas.openxmlformats.org/officeDocument/2006/relationships" xmlns:p="http://schemas.openxmlformats.org/presentationml/2006/main">
   <p:cSld>
     <p:bg>
       <p:bgPr>
         <a:solidFill>
           <a:schemeClr val="lt1"/>
         </a:solidFill>
+        <a:effectLst/>
       </p:bgPr>
     </p:bg>
     <p:spTree>
       <p:nvGrpSpPr>
-        <p:cNvPr id="160" name="Shape 160"/>
+        <p:cNvPr id="1" name="Shape 160"/>
         <p:cNvGrpSpPr/>
         <p:nvPr/>
       </p:nvGrpSpPr>
@@ -9641,9 +9860,11 @@
       <p:sp>
         <p:nvSpPr>
           <p:cNvPr id="161" name="Google Shape;161;p24"/>
-          <p:cNvSpPr txBox="1"/>
+          <p:cNvSpPr txBox="1">
+            <a:spLocks noGrp="1"/>
+          </p:cNvSpPr>
           <p:nvPr>
-            <p:ph idx="1" type="body"/>
+            <p:ph type="body" idx="1"/>
           </p:nvPr>
         </p:nvSpPr>
         <p:spPr>
@@ -9656,12 +9877,12 @@
           </a:prstGeom>
         </p:spPr>
         <p:txBody>
-          <a:bodyPr anchorCtr="0" anchor="ctr" bIns="91425" lIns="91425" spcFirstLastPara="1" rIns="91425" wrap="square" tIns="91425">
+          <a:bodyPr spcFirstLastPara="1" wrap="square" lIns="91425" tIns="91425" rIns="91425" bIns="91425" anchor="ctr" anchorCtr="0">
             <a:noAutofit/>
           </a:bodyPr>
           <a:lstStyle/>
           <a:p>
-            <a:pPr indent="0" lvl="0" marL="0" rtl="0" algn="l">
+            <a:pPr marL="0" lvl="0" indent="0" algn="l" rtl="0">
               <a:spcBef>
                 <a:spcPts val="0"/>
               </a:spcBef>
@@ -9671,21 +9892,21 @@
               <a:buNone/>
             </a:pPr>
             <a:r>
-              <a:rPr b="1" lang="en" sz="3000">
+              <a:rPr lang="en" sz="3000" b="1" dirty="0">
                 <a:solidFill>
                   <a:schemeClr val="dk1"/>
                 </a:solidFill>
               </a:rPr>
               <a:t>K-Means Clustering</a:t>
             </a:r>
-            <a:endParaRPr sz="3000">
+            <a:endParaRPr sz="3000" dirty="0">
               <a:solidFill>
                 <a:schemeClr val="dk1"/>
               </a:solidFill>
             </a:endParaRPr>
           </a:p>
           <a:p>
-            <a:pPr indent="0" lvl="0" marL="0" rtl="0" algn="l">
+            <a:pPr marL="0" lvl="0" indent="0" algn="l" rtl="0">
               <a:spcBef>
                 <a:spcPts val="1600"/>
               </a:spcBef>
@@ -9700,21 +9921,21 @@
               <a:buNone/>
             </a:pPr>
             <a:r>
-              <a:rPr lang="en" sz="1800">
+              <a:rPr lang="en" sz="1800" dirty="0">
                 <a:solidFill>
                   <a:srgbClr val="000000"/>
                 </a:solidFill>
               </a:rPr>
               <a:t>Time for Science. Data Science!</a:t>
             </a:r>
-            <a:endParaRPr sz="1800">
+            <a:endParaRPr sz="1800" dirty="0">
               <a:solidFill>
                 <a:srgbClr val="000000"/>
               </a:solidFill>
             </a:endParaRPr>
           </a:p>
           <a:p>
-            <a:pPr indent="0" lvl="0" marL="0" rtl="0" algn="l">
+            <a:pPr marL="0" lvl="0" indent="0" algn="l" rtl="0">
               <a:spcBef>
                 <a:spcPts val="1600"/>
               </a:spcBef>
@@ -9729,21 +9950,21 @@
               <a:buNone/>
             </a:pPr>
             <a:r>
-              <a:rPr lang="en" sz="1800">
+              <a:rPr lang="en" sz="1800" dirty="0">
                 <a:solidFill>
                   <a:srgbClr val="000000"/>
                 </a:solidFill>
               </a:rPr>
               <a:t>We can see how our two cities cluster their Neighbourhoods in respect of their Venues distribution and get 2 pretty visualizations for the effort!</a:t>
             </a:r>
-            <a:endParaRPr sz="1800">
+            <a:endParaRPr sz="1800" dirty="0">
               <a:solidFill>
                 <a:srgbClr val="000000"/>
               </a:solidFill>
             </a:endParaRPr>
           </a:p>
           <a:p>
-            <a:pPr indent="0" lvl="0" marL="0" rtl="0" algn="l">
+            <a:pPr marL="0" lvl="0" indent="0" algn="l" rtl="0">
               <a:spcBef>
                 <a:spcPts val="1600"/>
               </a:spcBef>
@@ -9757,10 +9978,7 @@
               <a:buFont typeface="Arial"/>
               <a:buNone/>
             </a:pPr>
-            <a:r>
-              <a:t/>
-            </a:r>
-            <a:endParaRPr sz="1800">
+            <a:endParaRPr sz="1800" dirty="0">
               <a:solidFill>
                 <a:srgbClr val="000000"/>
               </a:solidFill>
@@ -9784,7 +10002,7 @@
         </p:blipFill>
         <p:spPr>
           <a:xfrm>
-            <a:off x="152400" y="152400"/>
+            <a:off x="0" y="152400"/>
             <a:ext cx="2906578" cy="2493450"/>
           </a:xfrm>
           <a:prstGeom prst="rect">
@@ -9812,7 +10030,7 @@
         </p:blipFill>
         <p:spPr>
           <a:xfrm>
-            <a:off x="943700" y="2454852"/>
+            <a:off x="493995" y="2645850"/>
             <a:ext cx="3272050" cy="2323151"/>
           </a:xfrm>
           <a:prstGeom prst="rect">
@@ -9833,18 +10051,19 @@
 </file>
 
 <file path=ppt/slides/slide13.xml><?xml version="1.0" encoding="utf-8"?>
-<p:sld xmlns:a="http://schemas.openxmlformats.org/drawingml/2006/main" xmlns:r="http://schemas.openxmlformats.org/officeDocument/2006/relationships" xmlns:mc="http://schemas.openxmlformats.org/markup-compatibility/2006" xmlns:mv="urn:schemas-microsoft-com:mac:vml" xmlns:p="http://schemas.openxmlformats.org/presentationml/2006/main" xmlns:c="http://schemas.openxmlformats.org/drawingml/2006/chart" xmlns:dgm="http://schemas.openxmlformats.org/drawingml/2006/diagram" xmlns:o="urn:schemas-microsoft-com:office:office" xmlns:v="urn:schemas-microsoft-com:vml" xmlns:pvml="urn:schemas-microsoft-com:office:powerpoint" xmlns:com="http://schemas.openxmlformats.org/drawingml/2006/compatibility" xmlns:p14="http://schemas.microsoft.com/office/powerpoint/2010/main" xmlns:p15="http://schemas.microsoft.com/office/powerpoint/2012/main">
+<p:sld xmlns:a="http://schemas.openxmlformats.org/drawingml/2006/main" xmlns:r="http://schemas.openxmlformats.org/officeDocument/2006/relationships" xmlns:p="http://schemas.openxmlformats.org/presentationml/2006/main">
   <p:cSld>
     <p:bg>
       <p:bgPr>
         <a:solidFill>
           <a:schemeClr val="lt1"/>
         </a:solidFill>
+        <a:effectLst/>
       </p:bgPr>
     </p:bg>
     <p:spTree>
       <p:nvGrpSpPr>
-        <p:cNvPr id="167" name="Shape 167"/>
+        <p:cNvPr id="1" name="Shape 167"/>
         <p:cNvGrpSpPr/>
         <p:nvPr/>
       </p:nvGrpSpPr>
@@ -9880,12 +10099,12 @@
           </a:ln>
         </p:spPr>
         <p:txBody>
-          <a:bodyPr anchorCtr="0" anchor="ctr" bIns="91425" lIns="91425" spcFirstLastPara="1" rIns="91425" wrap="square" tIns="91425">
+          <a:bodyPr spcFirstLastPara="1" wrap="square" lIns="91425" tIns="91425" rIns="91425" bIns="91425" anchor="ctr" anchorCtr="0">
             <a:noAutofit/>
           </a:bodyPr>
           <a:lstStyle/>
           <a:p>
-            <a:pPr indent="0" lvl="0" marL="0" rtl="0" algn="l">
+            <a:pPr marL="0" lvl="0" indent="0" algn="l" rtl="0">
               <a:spcBef>
                 <a:spcPts val="0"/>
               </a:spcBef>
@@ -9894,9 +10113,6 @@
               </a:spcAft>
               <a:buNone/>
             </a:pPr>
-            <a:r>
-              <a:t/>
-            </a:r>
             <a:endParaRPr/>
           </a:p>
         </p:txBody>
@@ -9904,9 +10120,11 @@
       <p:sp>
         <p:nvSpPr>
           <p:cNvPr id="169" name="Google Shape;169;p25"/>
-          <p:cNvSpPr txBox="1"/>
+          <p:cNvSpPr txBox="1">
+            <a:spLocks noGrp="1"/>
+          </p:cNvSpPr>
           <p:nvPr>
-            <p:ph idx="4294967295" type="body"/>
+            <p:ph type="body" idx="4294967295"/>
           </p:nvPr>
         </p:nvSpPr>
         <p:spPr>
@@ -9919,12 +10137,12 @@
           </a:prstGeom>
         </p:spPr>
         <p:txBody>
-          <a:bodyPr anchorCtr="0" anchor="ctr" bIns="91425" lIns="91425" spcFirstLastPara="1" rIns="91425" wrap="square" tIns="91425">
+          <a:bodyPr spcFirstLastPara="1" wrap="square" lIns="91425" tIns="91425" rIns="91425" bIns="91425" anchor="ctr" anchorCtr="0">
             <a:noAutofit/>
           </a:bodyPr>
           <a:lstStyle/>
           <a:p>
-            <a:pPr indent="0" lvl="0" marL="0" rtl="0" algn="l">
+            <a:pPr marL="0" lvl="0" indent="0" algn="l" rtl="0">
               <a:lnSpc>
                 <a:spcPct val="100000"/>
               </a:lnSpc>
@@ -9937,21 +10155,21 @@
               <a:buNone/>
             </a:pPr>
             <a:r>
-              <a:rPr b="1" lang="en" sz="2800">
+              <a:rPr lang="en" sz="2800" b="1">
                 <a:solidFill>
                   <a:schemeClr val="accent5"/>
                 </a:solidFill>
               </a:rPr>
               <a:t>Exploratory Data</a:t>
             </a:r>
-            <a:endParaRPr b="1" sz="2800">
+            <a:endParaRPr sz="2800" b="1">
               <a:solidFill>
                 <a:schemeClr val="accent5"/>
               </a:solidFill>
             </a:endParaRPr>
           </a:p>
           <a:p>
-            <a:pPr indent="0" lvl="0" marL="0" rtl="0" algn="l">
+            <a:pPr marL="0" lvl="0" indent="0" algn="l" rtl="0">
               <a:lnSpc>
                 <a:spcPct val="100000"/>
               </a:lnSpc>
@@ -9964,21 +10182,21 @@
               <a:buNone/>
             </a:pPr>
             <a:r>
-              <a:rPr b="1" lang="en" sz="2800">
+              <a:rPr lang="en" sz="2800" b="1">
                 <a:solidFill>
                   <a:schemeClr val="accent5"/>
                 </a:solidFill>
               </a:rPr>
               <a:t>Analysis</a:t>
             </a:r>
-            <a:endParaRPr b="1" sz="2800">
+            <a:endParaRPr sz="2800" b="1">
               <a:solidFill>
                 <a:schemeClr val="accent5"/>
               </a:solidFill>
             </a:endParaRPr>
           </a:p>
           <a:p>
-            <a:pPr indent="0" lvl="0" marL="0" rtl="0" algn="l">
+            <a:pPr marL="0" lvl="0" indent="0" algn="l" rtl="0">
               <a:lnSpc>
                 <a:spcPct val="100000"/>
               </a:lnSpc>
@@ -9991,21 +10209,21 @@
               <a:buNone/>
             </a:pPr>
             <a:r>
-              <a:rPr b="1" lang="en" sz="2800">
+              <a:rPr lang="en" sz="2800" b="1">
                 <a:solidFill>
                   <a:srgbClr val="FFFFFF"/>
                 </a:solidFill>
               </a:rPr>
               <a:t>Let’s get Visual!</a:t>
             </a:r>
-            <a:endParaRPr b="1" sz="2800">
+            <a:endParaRPr sz="2800" b="1">
               <a:solidFill>
                 <a:srgbClr val="FFFFFF"/>
               </a:solidFill>
             </a:endParaRPr>
           </a:p>
           <a:p>
-            <a:pPr indent="0" lvl="0" marL="0" rtl="0" algn="l">
+            <a:pPr marL="0" lvl="0" indent="0" algn="l" rtl="0">
               <a:lnSpc>
                 <a:spcPct val="100000"/>
               </a:lnSpc>
@@ -10098,18 +10316,19 @@
 </file>
 
 <file path=ppt/slides/slide14.xml><?xml version="1.0" encoding="utf-8"?>
-<p:sld xmlns:a="http://schemas.openxmlformats.org/drawingml/2006/main" xmlns:r="http://schemas.openxmlformats.org/officeDocument/2006/relationships" xmlns:mc="http://schemas.openxmlformats.org/markup-compatibility/2006" xmlns:mv="urn:schemas-microsoft-com:mac:vml" xmlns:p="http://schemas.openxmlformats.org/presentationml/2006/main" xmlns:c="http://schemas.openxmlformats.org/drawingml/2006/chart" xmlns:dgm="http://schemas.openxmlformats.org/drawingml/2006/diagram" xmlns:o="urn:schemas-microsoft-com:office:office" xmlns:v="urn:schemas-microsoft-com:vml" xmlns:pvml="urn:schemas-microsoft-com:office:powerpoint" xmlns:com="http://schemas.openxmlformats.org/drawingml/2006/compatibility" xmlns:p14="http://schemas.microsoft.com/office/powerpoint/2010/main" xmlns:p15="http://schemas.microsoft.com/office/powerpoint/2012/main">
+<p:sld xmlns:a="http://schemas.openxmlformats.org/drawingml/2006/main" xmlns:r="http://schemas.openxmlformats.org/officeDocument/2006/relationships" xmlns:p="http://schemas.openxmlformats.org/presentationml/2006/main">
   <p:cSld>
     <p:bg>
       <p:bgPr>
         <a:solidFill>
           <a:schemeClr val="lt1"/>
         </a:solidFill>
+        <a:effectLst/>
       </p:bgPr>
     </p:bg>
     <p:spTree>
       <p:nvGrpSpPr>
-        <p:cNvPr id="175" name="Shape 175"/>
+        <p:cNvPr id="1" name="Shape 175"/>
         <p:cNvGrpSpPr/>
         <p:nvPr/>
       </p:nvGrpSpPr>
@@ -10145,12 +10364,12 @@
           </a:ln>
         </p:spPr>
         <p:txBody>
-          <a:bodyPr anchorCtr="0" anchor="ctr" bIns="91425" lIns="91425" spcFirstLastPara="1" rIns="91425" wrap="square" tIns="91425">
+          <a:bodyPr spcFirstLastPara="1" wrap="square" lIns="91425" tIns="91425" rIns="91425" bIns="91425" anchor="ctr" anchorCtr="0">
             <a:noAutofit/>
           </a:bodyPr>
           <a:lstStyle/>
           <a:p>
-            <a:pPr indent="0" lvl="0" marL="0" rtl="0" algn="l">
+            <a:pPr marL="0" lvl="0" indent="0" algn="l" rtl="0">
               <a:spcBef>
                 <a:spcPts val="0"/>
               </a:spcBef>
@@ -10159,9 +10378,6 @@
               </a:spcAft>
               <a:buNone/>
             </a:pPr>
-            <a:r>
-              <a:t/>
-            </a:r>
             <a:endParaRPr/>
           </a:p>
         </p:txBody>
@@ -10169,9 +10385,11 @@
       <p:sp>
         <p:nvSpPr>
           <p:cNvPr id="177" name="Google Shape;177;p26"/>
-          <p:cNvSpPr txBox="1"/>
+          <p:cNvSpPr txBox="1">
+            <a:spLocks noGrp="1"/>
+          </p:cNvSpPr>
           <p:nvPr>
-            <p:ph idx="4294967295" type="body"/>
+            <p:ph type="body" idx="4294967295"/>
           </p:nvPr>
         </p:nvSpPr>
         <p:spPr>
@@ -10184,12 +10402,12 @@
           </a:prstGeom>
         </p:spPr>
         <p:txBody>
-          <a:bodyPr anchorCtr="0" anchor="ctr" bIns="91425" lIns="91425" spcFirstLastPara="1" rIns="91425" wrap="square" tIns="91425">
+          <a:bodyPr spcFirstLastPara="1" wrap="square" lIns="91425" tIns="91425" rIns="91425" bIns="91425" anchor="ctr" anchorCtr="0">
             <a:noAutofit/>
           </a:bodyPr>
           <a:lstStyle/>
           <a:p>
-            <a:pPr indent="0" lvl="0" marL="0" rtl="0" algn="l">
+            <a:pPr marL="0" lvl="0" indent="0" algn="l" rtl="0">
               <a:lnSpc>
                 <a:spcPct val="100000"/>
               </a:lnSpc>
@@ -10202,21 +10420,21 @@
               <a:buNone/>
             </a:pPr>
             <a:r>
-              <a:rPr b="1" lang="en" sz="2800">
+              <a:rPr lang="en" sz="2800" b="1">
                 <a:solidFill>
                   <a:schemeClr val="accent5"/>
                 </a:solidFill>
               </a:rPr>
               <a:t>EDA</a:t>
             </a:r>
-            <a:endParaRPr b="1" sz="2800">
+            <a:endParaRPr sz="2800" b="1">
               <a:solidFill>
                 <a:srgbClr val="FFFFFF"/>
               </a:solidFill>
             </a:endParaRPr>
           </a:p>
           <a:p>
-            <a:pPr indent="0" lvl="0" marL="0" rtl="0" algn="l">
+            <a:pPr marL="0" lvl="0" indent="0" algn="l" rtl="0">
               <a:lnSpc>
                 <a:spcPct val="100000"/>
               </a:lnSpc>
@@ -10309,18 +10527,19 @@
 </file>
 
 <file path=ppt/slides/slide15.xml><?xml version="1.0" encoding="utf-8"?>
-<p:sld xmlns:a="http://schemas.openxmlformats.org/drawingml/2006/main" xmlns:r="http://schemas.openxmlformats.org/officeDocument/2006/relationships" xmlns:mc="http://schemas.openxmlformats.org/markup-compatibility/2006" xmlns:mv="urn:schemas-microsoft-com:mac:vml" xmlns:p="http://schemas.openxmlformats.org/presentationml/2006/main" xmlns:c="http://schemas.openxmlformats.org/drawingml/2006/chart" xmlns:dgm="http://schemas.openxmlformats.org/drawingml/2006/diagram" xmlns:o="urn:schemas-microsoft-com:office:office" xmlns:v="urn:schemas-microsoft-com:vml" xmlns:pvml="urn:schemas-microsoft-com:office:powerpoint" xmlns:com="http://schemas.openxmlformats.org/drawingml/2006/compatibility" xmlns:p14="http://schemas.microsoft.com/office/powerpoint/2010/main" xmlns:p15="http://schemas.microsoft.com/office/powerpoint/2012/main">
+<p:sld xmlns:a="http://schemas.openxmlformats.org/drawingml/2006/main" xmlns:r="http://schemas.openxmlformats.org/officeDocument/2006/relationships" xmlns:p="http://schemas.openxmlformats.org/presentationml/2006/main">
   <p:cSld>
     <p:bg>
       <p:bgPr>
         <a:solidFill>
           <a:schemeClr val="lt1"/>
         </a:solidFill>
+        <a:effectLst/>
       </p:bgPr>
     </p:bg>
     <p:spTree>
       <p:nvGrpSpPr>
-        <p:cNvPr id="183" name="Shape 183"/>
+        <p:cNvPr id="1" name="Shape 183"/>
         <p:cNvGrpSpPr/>
         <p:nvPr/>
       </p:nvGrpSpPr>
@@ -10356,12 +10575,12 @@
           </a:ln>
         </p:spPr>
         <p:txBody>
-          <a:bodyPr anchorCtr="0" anchor="ctr" bIns="91425" lIns="91425" spcFirstLastPara="1" rIns="91425" wrap="square" tIns="91425">
+          <a:bodyPr spcFirstLastPara="1" wrap="square" lIns="91425" tIns="91425" rIns="91425" bIns="91425" anchor="ctr" anchorCtr="0">
             <a:noAutofit/>
           </a:bodyPr>
           <a:lstStyle/>
           <a:p>
-            <a:pPr indent="0" lvl="0" marL="0" rtl="0" algn="l">
+            <a:pPr marL="0" lvl="0" indent="0" algn="l" rtl="0">
               <a:spcBef>
                 <a:spcPts val="0"/>
               </a:spcBef>
@@ -10370,9 +10589,6 @@
               </a:spcAft>
               <a:buNone/>
             </a:pPr>
-            <a:r>
-              <a:t/>
-            </a:r>
             <a:endParaRPr/>
           </a:p>
         </p:txBody>
@@ -10380,9 +10596,11 @@
       <p:sp>
         <p:nvSpPr>
           <p:cNvPr id="185" name="Google Shape;185;p27"/>
-          <p:cNvSpPr txBox="1"/>
+          <p:cNvSpPr txBox="1">
+            <a:spLocks noGrp="1"/>
+          </p:cNvSpPr>
           <p:nvPr>
-            <p:ph idx="4294967295" type="body"/>
+            <p:ph type="body" idx="4294967295"/>
           </p:nvPr>
         </p:nvSpPr>
         <p:spPr>
@@ -10395,12 +10613,12 @@
           </a:prstGeom>
         </p:spPr>
         <p:txBody>
-          <a:bodyPr anchorCtr="0" anchor="ctr" bIns="91425" lIns="91425" spcFirstLastPara="1" rIns="91425" wrap="square" tIns="91425">
+          <a:bodyPr spcFirstLastPara="1" wrap="square" lIns="91425" tIns="91425" rIns="91425" bIns="91425" anchor="ctr" anchorCtr="0">
             <a:noAutofit/>
           </a:bodyPr>
           <a:lstStyle/>
           <a:p>
-            <a:pPr indent="0" lvl="0" marL="0" rtl="0" algn="l">
+            <a:pPr marL="0" lvl="0" indent="0" algn="l" rtl="0">
               <a:lnSpc>
                 <a:spcPct val="100000"/>
               </a:lnSpc>
@@ -10413,21 +10631,21 @@
               <a:buNone/>
             </a:pPr>
             <a:r>
-              <a:rPr b="1" lang="en" sz="2800">
+              <a:rPr lang="en" sz="2800" b="1">
                 <a:solidFill>
                   <a:schemeClr val="accent5"/>
                 </a:solidFill>
               </a:rPr>
               <a:t>EDA</a:t>
             </a:r>
-            <a:endParaRPr b="1" sz="2800">
+            <a:endParaRPr sz="2800" b="1">
               <a:solidFill>
                 <a:schemeClr val="accent5"/>
               </a:solidFill>
             </a:endParaRPr>
           </a:p>
           <a:p>
-            <a:pPr indent="0" lvl="0" marL="0" rtl="0" algn="l">
+            <a:pPr marL="0" lvl="0" indent="0" algn="l" rtl="0">
               <a:lnSpc>
                 <a:spcPct val="100000"/>
               </a:lnSpc>
@@ -10439,9 +10657,6 @@
               </a:spcAft>
               <a:buNone/>
             </a:pPr>
-            <a:r>
-              <a:t/>
-            </a:r>
             <a:endParaRPr>
               <a:solidFill>
                 <a:schemeClr val="lt1"/>
@@ -10449,7 +10664,7 @@
             </a:endParaRPr>
           </a:p>
           <a:p>
-            <a:pPr indent="0" lvl="0" marL="0" rtl="0" algn="l">
+            <a:pPr marL="0" lvl="0" indent="0" algn="l" rtl="0">
               <a:lnSpc>
                 <a:spcPct val="100000"/>
               </a:lnSpc>
@@ -10476,7 +10691,7 @@
             </a:endParaRPr>
           </a:p>
           <a:p>
-            <a:pPr indent="0" lvl="0" marL="0" rtl="0" algn="l">
+            <a:pPr marL="0" lvl="0" indent="0" algn="l" rtl="0">
               <a:lnSpc>
                 <a:spcPct val="100000"/>
               </a:lnSpc>
@@ -10503,7 +10718,7 @@
             </a:endParaRPr>
           </a:p>
           <a:p>
-            <a:pPr indent="0" lvl="0" marL="0" rtl="0" algn="l">
+            <a:pPr marL="0" lvl="0" indent="0" algn="l" rtl="0">
               <a:lnSpc>
                 <a:spcPct val="100000"/>
               </a:lnSpc>
@@ -10568,11 +10783,11 @@
 </file>
 
 <file path=ppt/slides/slide16.xml><?xml version="1.0" encoding="utf-8"?>
-<p:sld xmlns:a="http://schemas.openxmlformats.org/drawingml/2006/main" xmlns:r="http://schemas.openxmlformats.org/officeDocument/2006/relationships" xmlns:mc="http://schemas.openxmlformats.org/markup-compatibility/2006" xmlns:mv="urn:schemas-microsoft-com:mac:vml" xmlns:p="http://schemas.openxmlformats.org/presentationml/2006/main" xmlns:c="http://schemas.openxmlformats.org/drawingml/2006/chart" xmlns:dgm="http://schemas.openxmlformats.org/drawingml/2006/diagram" xmlns:o="urn:schemas-microsoft-com:office:office" xmlns:v="urn:schemas-microsoft-com:vml" xmlns:pvml="urn:schemas-microsoft-com:office:powerpoint" xmlns:com="http://schemas.openxmlformats.org/drawingml/2006/compatibility" xmlns:p14="http://schemas.microsoft.com/office/powerpoint/2010/main" xmlns:p15="http://schemas.microsoft.com/office/powerpoint/2012/main">
+<p:sld xmlns:a="http://schemas.openxmlformats.org/drawingml/2006/main" xmlns:r="http://schemas.openxmlformats.org/officeDocument/2006/relationships" xmlns:p="http://schemas.openxmlformats.org/presentationml/2006/main">
   <p:cSld>
     <p:spTree>
       <p:nvGrpSpPr>
-        <p:cNvPr id="190" name="Shape 190"/>
+        <p:cNvPr id="1" name="Shape 190"/>
         <p:cNvGrpSpPr/>
         <p:nvPr/>
       </p:nvGrpSpPr>
@@ -10587,7 +10802,9 @@
       <p:sp>
         <p:nvSpPr>
           <p:cNvPr id="191" name="Google Shape;191;p28"/>
-          <p:cNvSpPr txBox="1"/>
+          <p:cNvSpPr txBox="1">
+            <a:spLocks noGrp="1"/>
+          </p:cNvSpPr>
           <p:nvPr>
             <p:ph type="title"/>
           </p:nvPr>
@@ -10602,12 +10819,12 @@
           </a:prstGeom>
         </p:spPr>
         <p:txBody>
-          <a:bodyPr anchorCtr="0" anchor="t" bIns="91425" lIns="91425" spcFirstLastPara="1" rIns="91425" wrap="square" tIns="91425">
+          <a:bodyPr spcFirstLastPara="1" wrap="square" lIns="91425" tIns="91425" rIns="91425" bIns="91425" anchor="t" anchorCtr="0">
             <a:noAutofit/>
           </a:bodyPr>
           <a:lstStyle/>
           <a:p>
-            <a:pPr indent="0" lvl="0" marL="0" rtl="0" algn="l">
+            <a:pPr marL="0" lvl="0" indent="0" algn="l" rtl="0">
               <a:spcBef>
                 <a:spcPts val="0"/>
               </a:spcBef>
@@ -10631,7 +10848,7 @@
             </a:endParaRPr>
           </a:p>
           <a:p>
-            <a:pPr indent="0" lvl="0" marL="0" rtl="0" algn="l">
+            <a:pPr marL="0" lvl="0" indent="0" algn="l" rtl="0">
               <a:spcBef>
                 <a:spcPts val="1000"/>
               </a:spcBef>
@@ -10641,13 +10858,13 @@
               <a:buNone/>
             </a:pPr>
             <a:r>
-              <a:rPr b="0" lang="en" sz="2100"/>
+              <a:rPr lang="en" sz="2100" b="0"/>
               <a:t>Using everything we have so far, we can, finally, combine our two sets, with their Top10 Venues and cluster them all together to really get the idea of how similar (or not!)   our two cities neighbourhoods' are.</a:t>
             </a:r>
-            <a:endParaRPr b="0" sz="2100"/>
+            <a:endParaRPr sz="2100" b="0"/>
           </a:p>
           <a:p>
-            <a:pPr indent="0" lvl="0" marL="0" rtl="0" algn="l">
+            <a:pPr marL="0" lvl="0" indent="0" algn="l" rtl="0">
               <a:spcBef>
                 <a:spcPts val="1000"/>
               </a:spcBef>
@@ -10656,13 +10873,10 @@
               </a:spcAft>
               <a:buNone/>
             </a:pPr>
-            <a:r>
-              <a:t/>
-            </a:r>
             <a:endParaRPr sz="2100"/>
           </a:p>
           <a:p>
-            <a:pPr indent="0" lvl="0" marL="0" rtl="0" algn="l">
+            <a:pPr marL="0" lvl="0" indent="0" algn="l" rtl="0">
               <a:lnSpc>
                 <a:spcPct val="115000"/>
               </a:lnSpc>
@@ -10675,7 +10889,7 @@
               <a:buNone/>
             </a:pPr>
             <a:r>
-              <a:rPr b="0" lang="en" sz="1600" u="sng">
+              <a:rPr lang="en" sz="1600" b="0" u="sng">
                 <a:solidFill>
                   <a:schemeClr val="dk1"/>
                 </a:solidFill>
@@ -10739,7 +10953,7 @@
         </p:pic>
         <p:pic>
           <p:nvPicPr>
-            <p:cNvPr descr="Piece of duct tape sticking a note to the slide" id="194" name="Google Shape;194;p28"/>
+            <p:cNvPr id="194" name="Google Shape;194;p28" descr="Piece of duct tape sticking a note to the slide"/>
             <p:cNvPicPr preferRelativeResize="0"/>
             <p:nvPr/>
           </p:nvPicPr>
@@ -10747,7 +10961,7 @@
             <a:blip r:embed="rId5">
               <a:alphaModFix/>
             </a:blip>
-            <a:srcRect b="10011" l="9244" r="2118" t="5926"/>
+            <a:srcRect l="9244" t="5926" r="2118" b="10011"/>
             <a:stretch/>
           </p:blipFill>
           <p:spPr>
@@ -10784,12 +10998,12 @@
             </a:ln>
           </p:spPr>
           <p:txBody>
-            <a:bodyPr anchorCtr="0" anchor="t" bIns="91425" lIns="91425" spcFirstLastPara="1" rIns="91425" wrap="square" tIns="91425">
+            <a:bodyPr spcFirstLastPara="1" wrap="square" lIns="91425" tIns="91425" rIns="91425" bIns="91425" anchor="t" anchorCtr="0">
               <a:noAutofit/>
             </a:bodyPr>
             <a:lstStyle/>
             <a:p>
-              <a:pPr indent="0" lvl="0" marL="0" rtl="0" algn="l">
+              <a:pPr marL="0" lvl="0" indent="0" algn="l" rtl="0">
                 <a:spcBef>
                   <a:spcPts val="0"/>
                 </a:spcBef>
@@ -10799,7 +11013,7 @@
                 <a:buNone/>
               </a:pPr>
               <a:r>
-                <a:rPr b="1" lang="en">
+                <a:rPr lang="en" b="1">
                   <a:solidFill>
                     <a:schemeClr val="dk1"/>
                   </a:solidFill>
@@ -10821,7 +11035,7 @@
               </a:endParaRPr>
             </a:p>
             <a:p>
-              <a:pPr indent="0" lvl="0" marL="0" rtl="0" algn="l">
+              <a:pPr marL="0" lvl="0" indent="0" algn="l" rtl="0">
                 <a:spcBef>
                   <a:spcPts val="800"/>
                 </a:spcBef>
@@ -10865,7 +11079,7 @@
               </a:endParaRPr>
             </a:p>
             <a:p>
-              <a:pPr indent="0" lvl="0" marL="0" rtl="0" algn="l">
+              <a:pPr marL="0" lvl="0" indent="0" algn="l" rtl="0">
                 <a:spcBef>
                   <a:spcPts val="800"/>
                 </a:spcBef>
@@ -10897,7 +11111,7 @@
               </a:endParaRPr>
             </a:p>
             <a:p>
-              <a:pPr indent="0" lvl="0" marL="0" rtl="0" algn="l">
+              <a:pPr marL="0" lvl="0" indent="0" algn="l" rtl="0">
                 <a:spcBef>
                   <a:spcPts val="800"/>
                 </a:spcBef>
@@ -10940,18 +11154,19 @@
 </file>
 
 <file path=ppt/slides/slide17.xml><?xml version="1.0" encoding="utf-8"?>
-<p:sld xmlns:a="http://schemas.openxmlformats.org/drawingml/2006/main" xmlns:r="http://schemas.openxmlformats.org/officeDocument/2006/relationships" xmlns:mc="http://schemas.openxmlformats.org/markup-compatibility/2006" xmlns:mv="urn:schemas-microsoft-com:mac:vml" xmlns:p="http://schemas.openxmlformats.org/presentationml/2006/main" xmlns:c="http://schemas.openxmlformats.org/drawingml/2006/chart" xmlns:dgm="http://schemas.openxmlformats.org/drawingml/2006/diagram" xmlns:o="urn:schemas-microsoft-com:office:office" xmlns:v="urn:schemas-microsoft-com:vml" xmlns:pvml="urn:schemas-microsoft-com:office:powerpoint" xmlns:com="http://schemas.openxmlformats.org/drawingml/2006/compatibility" xmlns:p14="http://schemas.microsoft.com/office/powerpoint/2010/main" xmlns:p15="http://schemas.microsoft.com/office/powerpoint/2012/main">
+<p:sld xmlns:a="http://schemas.openxmlformats.org/drawingml/2006/main" xmlns:r="http://schemas.openxmlformats.org/officeDocument/2006/relationships" xmlns:p="http://schemas.openxmlformats.org/presentationml/2006/main">
   <p:cSld>
     <p:bg>
       <p:bgPr>
         <a:solidFill>
           <a:schemeClr val="dk1"/>
         </a:solidFill>
+        <a:effectLst/>
       </p:bgPr>
     </p:bg>
     <p:spTree>
       <p:nvGrpSpPr>
-        <p:cNvPr id="199" name="Shape 199"/>
+        <p:cNvPr id="1" name="Shape 199"/>
         <p:cNvGrpSpPr/>
         <p:nvPr/>
       </p:nvGrpSpPr>
@@ -10993,7 +11208,7 @@
       </p:pic>
       <p:pic>
         <p:nvPicPr>
-          <p:cNvPr descr="Piece of duct tape sticking a note to the slide" id="201" name="Google Shape;201;p29"/>
+          <p:cNvPr id="201" name="Google Shape;201;p29" descr="Piece of duct tape sticking a note to the slide"/>
           <p:cNvPicPr preferRelativeResize="0"/>
           <p:nvPr/>
         </p:nvPicPr>
@@ -11001,7 +11216,7 @@
           <a:blip r:embed="rId4">
             <a:alphaModFix/>
           </a:blip>
-          <a:srcRect b="10011" l="9244" r="2118" t="5926"/>
+          <a:srcRect l="9244" t="5926" r="2118" b="10011"/>
           <a:stretch/>
         </p:blipFill>
         <p:spPr>
@@ -11038,12 +11253,12 @@
           </a:ln>
         </p:spPr>
         <p:txBody>
-          <a:bodyPr anchorCtr="0" anchor="b" bIns="91425" lIns="91425" spcFirstLastPara="1" rIns="91425" wrap="square" tIns="91425">
+          <a:bodyPr spcFirstLastPara="1" wrap="square" lIns="91425" tIns="91425" rIns="91425" bIns="91425" anchor="b" anchorCtr="0">
             <a:noAutofit/>
           </a:bodyPr>
           <a:lstStyle/>
           <a:p>
-            <a:pPr indent="0" lvl="0" marL="0" rtl="0" algn="l">
+            <a:pPr marL="0" lvl="0" indent="0" algn="l" rtl="0">
               <a:spcBef>
                 <a:spcPts val="0"/>
               </a:spcBef>
@@ -11053,7 +11268,7 @@
               <a:buNone/>
             </a:pPr>
             <a:r>
-              <a:rPr b="1" lang="en" sz="3000">
+              <a:rPr lang="en" sz="3000" b="1">
                 <a:solidFill>
                   <a:schemeClr val="lt2"/>
                 </a:solidFill>
@@ -11062,21 +11277,9 @@
                 <a:cs typeface="Raleway"/>
                 <a:sym typeface="Raleway"/>
               </a:rPr>
-              <a:t>1</a:t>
+              <a:t>1. Results </a:t>
             </a:r>
-            <a:r>
-              <a:rPr b="1" lang="en" sz="3000">
-                <a:solidFill>
-                  <a:schemeClr val="lt2"/>
-                </a:solidFill>
-                <a:latin typeface="Raleway"/>
-                <a:ea typeface="Raleway"/>
-                <a:cs typeface="Raleway"/>
-                <a:sym typeface="Raleway"/>
-              </a:rPr>
-              <a:t>. Results </a:t>
-            </a:r>
-            <a:endParaRPr b="1" sz="3000">
+            <a:endParaRPr sz="3000" b="1">
               <a:solidFill>
                 <a:schemeClr val="lt2"/>
               </a:solidFill>
@@ -11087,7 +11290,7 @@
             </a:endParaRPr>
           </a:p>
           <a:p>
-            <a:pPr indent="0" lvl="0" marL="0" rtl="0" algn="l">
+            <a:pPr marL="0" lvl="0" indent="0" algn="l" rtl="0">
               <a:spcBef>
                 <a:spcPts val="0"/>
               </a:spcBef>
@@ -11097,7 +11300,7 @@
               <a:buNone/>
             </a:pPr>
             <a:r>
-              <a:rPr b="1" lang="en" sz="900">
+              <a:rPr lang="en" sz="900" b="1">
                 <a:solidFill>
                   <a:schemeClr val="lt2"/>
                 </a:solidFill>
@@ -11106,21 +11309,9 @@
                 <a:cs typeface="Raleway"/>
                 <a:sym typeface="Raleway"/>
               </a:rPr>
-              <a:t>              </a:t>
+              <a:t>              &amp; how to get ‘em</a:t>
             </a:r>
-            <a:r>
-              <a:rPr b="1" lang="en" sz="900">
-                <a:solidFill>
-                  <a:schemeClr val="lt2"/>
-                </a:solidFill>
-                <a:latin typeface="Raleway"/>
-                <a:ea typeface="Raleway"/>
-                <a:cs typeface="Raleway"/>
-                <a:sym typeface="Raleway"/>
-              </a:rPr>
-              <a:t>&amp; how to get ‘em</a:t>
-            </a:r>
-            <a:endParaRPr b="1" sz="900">
+            <a:endParaRPr sz="900" b="1">
               <a:solidFill>
                 <a:schemeClr val="lt2"/>
               </a:solidFill>
@@ -11135,9 +11326,11 @@
       <p:sp>
         <p:nvSpPr>
           <p:cNvPr id="203" name="Google Shape;203;p29"/>
-          <p:cNvSpPr txBox="1"/>
+          <p:cNvSpPr txBox="1">
+            <a:spLocks noGrp="1"/>
+          </p:cNvSpPr>
           <p:nvPr>
-            <p:ph idx="4294967295" type="body"/>
+            <p:ph type="body" idx="4294967295"/>
           </p:nvPr>
         </p:nvSpPr>
         <p:spPr>
@@ -11150,12 +11343,12 @@
           </a:prstGeom>
         </p:spPr>
         <p:txBody>
-          <a:bodyPr anchorCtr="0" anchor="t" bIns="91425" lIns="91425" spcFirstLastPara="1" rIns="91425" wrap="square" tIns="91425">
+          <a:bodyPr spcFirstLastPara="1" wrap="square" lIns="91425" tIns="91425" rIns="91425" bIns="91425" anchor="t" anchorCtr="0">
             <a:noAutofit/>
           </a:bodyPr>
           <a:lstStyle/>
           <a:p>
-            <a:pPr indent="0" lvl="0" marL="0" rtl="0" algn="l">
+            <a:pPr marL="0" lvl="0" indent="0" algn="l" rtl="0">
               <a:spcBef>
                 <a:spcPts val="0"/>
               </a:spcBef>
@@ -11181,7 +11374,7 @@
             </a:endParaRPr>
           </a:p>
           <a:p>
-            <a:pPr indent="0" lvl="0" marL="0" rtl="0" algn="l">
+            <a:pPr marL="0" lvl="0" indent="0" algn="l" rtl="0">
               <a:spcBef>
                 <a:spcPts val="1600"/>
               </a:spcBef>
@@ -11207,7 +11400,7 @@
             </a:endParaRPr>
           </a:p>
           <a:p>
-            <a:pPr indent="-317500" lvl="0" marL="457200" rtl="0" algn="l">
+            <a:pPr marL="457200" lvl="0" indent="-317500" algn="l" rtl="0">
               <a:spcBef>
                 <a:spcPts val="1600"/>
               </a:spcBef>
@@ -11222,7 +11415,7 @@
               <a:buChar char="➔"/>
             </a:pPr>
             <a:r>
-              <a:rPr b="1" lang="en" sz="1400">
+              <a:rPr lang="en" sz="1400" b="1">
                 <a:solidFill>
                   <a:schemeClr val="dk1"/>
                 </a:solidFill>
@@ -11248,25 +11441,7 @@
                 <a:cs typeface="Raleway"/>
                 <a:sym typeface="Raleway"/>
               </a:rPr>
-              <a:t>Complete and </a:t>
-            </a:r>
-            <a:r>
-              <a:rPr lang="en" sz="1200">
-                <a:latin typeface="Raleway"/>
-                <a:ea typeface="Raleway"/>
-                <a:cs typeface="Raleway"/>
-                <a:sym typeface="Raleway"/>
-              </a:rPr>
-              <a:t>concise</a:t>
-            </a:r>
-            <a:r>
-              <a:rPr lang="en" sz="1200">
-                <a:latin typeface="Raleway"/>
-                <a:ea typeface="Raleway"/>
-                <a:cs typeface="Raleway"/>
-                <a:sym typeface="Raleway"/>
-              </a:rPr>
-              <a:t> datasets</a:t>
+              <a:t>Complete and concise datasets</a:t>
             </a:r>
             <a:endParaRPr sz="1200">
               <a:latin typeface="Raleway"/>
@@ -11276,7 +11451,7 @@
             </a:endParaRPr>
           </a:p>
           <a:p>
-            <a:pPr indent="0" lvl="0" marL="0" rtl="0" algn="l">
+            <a:pPr marL="0" lvl="0" indent="0" algn="l" rtl="0">
               <a:spcBef>
                 <a:spcPts val="1000"/>
               </a:spcBef>
@@ -11285,9 +11460,6 @@
               </a:spcAft>
               <a:buNone/>
             </a:pPr>
-            <a:r>
-              <a:t/>
-            </a:r>
             <a:endParaRPr sz="1200">
               <a:latin typeface="Raleway"/>
               <a:ea typeface="Raleway"/>
@@ -11296,7 +11468,7 @@
             </a:endParaRPr>
           </a:p>
           <a:p>
-            <a:pPr indent="-317500" lvl="0" marL="457200" rtl="0" algn="l">
+            <a:pPr marL="457200" lvl="0" indent="-317500" algn="l" rtl="0">
               <a:spcBef>
                 <a:spcPts val="1000"/>
               </a:spcBef>
@@ -11311,7 +11483,7 @@
               <a:buChar char="➔"/>
             </a:pPr>
             <a:r>
-              <a:rPr b="1" lang="en" sz="1400">
+              <a:rPr lang="en" sz="1400" b="1">
                 <a:solidFill>
                   <a:schemeClr val="dk1"/>
                 </a:solidFill>
@@ -11357,11 +11529,11 @@
 </file>
 
 <file path=ppt/slides/slide18.xml><?xml version="1.0" encoding="utf-8"?>
-<p:sld xmlns:a="http://schemas.openxmlformats.org/drawingml/2006/main" xmlns:r="http://schemas.openxmlformats.org/officeDocument/2006/relationships" xmlns:mc="http://schemas.openxmlformats.org/markup-compatibility/2006" xmlns:mv="urn:schemas-microsoft-com:mac:vml" xmlns:p="http://schemas.openxmlformats.org/presentationml/2006/main" xmlns:c="http://schemas.openxmlformats.org/drawingml/2006/chart" xmlns:dgm="http://schemas.openxmlformats.org/drawingml/2006/diagram" xmlns:o="urn:schemas-microsoft-com:office:office" xmlns:v="urn:schemas-microsoft-com:vml" xmlns:pvml="urn:schemas-microsoft-com:office:powerpoint" xmlns:com="http://schemas.openxmlformats.org/drawingml/2006/compatibility" xmlns:p14="http://schemas.microsoft.com/office/powerpoint/2010/main" xmlns:p15="http://schemas.microsoft.com/office/powerpoint/2012/main">
+<p:sld xmlns:a="http://schemas.openxmlformats.org/drawingml/2006/main" xmlns:r="http://schemas.openxmlformats.org/officeDocument/2006/relationships" xmlns:p="http://schemas.openxmlformats.org/presentationml/2006/main">
   <p:cSld>
     <p:spTree>
       <p:nvGrpSpPr>
-        <p:cNvPr id="207" name="Shape 207"/>
+        <p:cNvPr id="1" name="Shape 207"/>
         <p:cNvGrpSpPr/>
         <p:nvPr/>
       </p:nvGrpSpPr>
@@ -11376,7 +11548,9 @@
       <p:sp>
         <p:nvSpPr>
           <p:cNvPr id="208" name="Google Shape;208;p30"/>
-          <p:cNvSpPr txBox="1"/>
+          <p:cNvSpPr txBox="1">
+            <a:spLocks noGrp="1"/>
+          </p:cNvSpPr>
           <p:nvPr>
             <p:ph type="title"/>
           </p:nvPr>
@@ -11391,12 +11565,12 @@
           </a:prstGeom>
         </p:spPr>
         <p:txBody>
-          <a:bodyPr anchorCtr="0" anchor="t" bIns="91425" lIns="91425" spcFirstLastPara="1" rIns="91425" wrap="square" tIns="91425">
+          <a:bodyPr spcFirstLastPara="1" wrap="square" lIns="91425" tIns="91425" rIns="91425" bIns="91425" anchor="t" anchorCtr="0">
             <a:noAutofit/>
           </a:bodyPr>
           <a:lstStyle/>
           <a:p>
-            <a:pPr indent="0" lvl="0" marL="0" rtl="0" algn="l">
+            <a:pPr marL="0" lvl="0" indent="0" algn="l" rtl="0">
               <a:spcBef>
                 <a:spcPts val="0"/>
               </a:spcBef>
@@ -11406,13 +11580,13 @@
               <a:buNone/>
             </a:pPr>
             <a:r>
-              <a:rPr b="0" lang="en" sz="2300"/>
+              <a:rPr lang="en" sz="2300" b="0"/>
               <a:t>Like before, we have the combined Top 10 in the format that we can use.</a:t>
             </a:r>
-            <a:endParaRPr b="0" sz="2300"/>
+            <a:endParaRPr sz="2300" b="0"/>
           </a:p>
           <a:p>
-            <a:pPr indent="0" lvl="0" marL="0" rtl="0" algn="l">
+            <a:pPr marL="0" lvl="0" indent="0" algn="l" rtl="0">
               <a:spcBef>
                 <a:spcPts val="1600"/>
               </a:spcBef>
@@ -11421,9 +11595,6 @@
               </a:spcAft>
               <a:buNone/>
             </a:pPr>
-            <a:r>
-              <a:t/>
-            </a:r>
             <a:endParaRPr/>
           </a:p>
         </p:txBody>
@@ -11472,7 +11643,7 @@
         </p:pic>
         <p:pic>
           <p:nvPicPr>
-            <p:cNvPr descr="Piece of duct tape sticking a note to the slide" id="211" name="Google Shape;211;p30"/>
+            <p:cNvPr id="211" name="Google Shape;211;p30" descr="Piece of duct tape sticking a note to the slide"/>
             <p:cNvPicPr preferRelativeResize="0"/>
             <p:nvPr/>
           </p:nvPicPr>
@@ -11480,7 +11651,7 @@
             <a:blip r:embed="rId4">
               <a:alphaModFix/>
             </a:blip>
-            <a:srcRect b="10011" l="9244" r="2118" t="5926"/>
+            <a:srcRect l="9244" t="5926" r="2118" b="10011"/>
             <a:stretch/>
           </p:blipFill>
           <p:spPr>
@@ -11517,12 +11688,12 @@
             </a:ln>
           </p:spPr>
           <p:txBody>
-            <a:bodyPr anchorCtr="0" anchor="t" bIns="91425" lIns="91425" spcFirstLastPara="1" rIns="91425" wrap="square" tIns="91425">
+            <a:bodyPr spcFirstLastPara="1" wrap="square" lIns="91425" tIns="91425" rIns="91425" bIns="91425" anchor="t" anchorCtr="0">
               <a:noAutofit/>
             </a:bodyPr>
             <a:lstStyle/>
             <a:p>
-              <a:pPr indent="0" lvl="0" marL="0" rtl="0" algn="l">
+              <a:pPr marL="0" lvl="0" indent="0" algn="l" rtl="0">
                 <a:spcBef>
                   <a:spcPts val="0"/>
                 </a:spcBef>
@@ -11532,7 +11703,7 @@
                 <a:buNone/>
               </a:pPr>
               <a:r>
-                <a:rPr b="1" lang="en">
+                <a:rPr lang="en" b="1">
                   <a:solidFill>
                     <a:schemeClr val="dk1"/>
                   </a:solidFill>
@@ -11554,7 +11725,7 @@
               </a:endParaRPr>
             </a:p>
             <a:p>
-              <a:pPr indent="0" lvl="0" marL="0" rtl="0" algn="l">
+              <a:pPr marL="0" lvl="0" indent="0" algn="l" rtl="0">
                 <a:spcBef>
                   <a:spcPts val="800"/>
                 </a:spcBef>
@@ -11625,11 +11796,11 @@
 </file>
 
 <file path=ppt/slides/slide19.xml><?xml version="1.0" encoding="utf-8"?>
-<p:sld xmlns:a="http://schemas.openxmlformats.org/drawingml/2006/main" xmlns:r="http://schemas.openxmlformats.org/officeDocument/2006/relationships" xmlns:mc="http://schemas.openxmlformats.org/markup-compatibility/2006" xmlns:mv="urn:schemas-microsoft-com:mac:vml" xmlns:p="http://schemas.openxmlformats.org/presentationml/2006/main" xmlns:c="http://schemas.openxmlformats.org/drawingml/2006/chart" xmlns:dgm="http://schemas.openxmlformats.org/drawingml/2006/diagram" xmlns:o="urn:schemas-microsoft-com:office:office" xmlns:v="urn:schemas-microsoft-com:vml" xmlns:pvml="urn:schemas-microsoft-com:office:powerpoint" xmlns:com="http://schemas.openxmlformats.org/drawingml/2006/compatibility" xmlns:p14="http://schemas.microsoft.com/office/powerpoint/2010/main" xmlns:p15="http://schemas.microsoft.com/office/powerpoint/2012/main">
+<p:sld xmlns:a="http://schemas.openxmlformats.org/drawingml/2006/main" xmlns:r="http://schemas.openxmlformats.org/officeDocument/2006/relationships" xmlns:p="http://schemas.openxmlformats.org/presentationml/2006/main">
   <p:cSld>
     <p:spTree>
       <p:nvGrpSpPr>
-        <p:cNvPr id="217" name="Shape 217"/>
+        <p:cNvPr id="1" name="Shape 217"/>
         <p:cNvGrpSpPr/>
         <p:nvPr/>
       </p:nvGrpSpPr>
@@ -11644,7 +11815,9 @@
       <p:sp>
         <p:nvSpPr>
           <p:cNvPr id="218" name="Google Shape;218;p31"/>
-          <p:cNvSpPr txBox="1"/>
+          <p:cNvSpPr txBox="1">
+            <a:spLocks noGrp="1"/>
+          </p:cNvSpPr>
           <p:nvPr>
             <p:ph type="title"/>
           </p:nvPr>
@@ -11659,12 +11832,12 @@
           </a:prstGeom>
         </p:spPr>
         <p:txBody>
-          <a:bodyPr anchorCtr="0" anchor="ctr" bIns="91425" lIns="91425" spcFirstLastPara="1" rIns="91425" wrap="square" tIns="91425">
+          <a:bodyPr spcFirstLastPara="1" wrap="square" lIns="91425" tIns="91425" rIns="91425" bIns="91425" anchor="ctr" anchorCtr="0">
             <a:noAutofit/>
           </a:bodyPr>
           <a:lstStyle/>
           <a:p>
-            <a:pPr indent="0" lvl="0" marL="0" rtl="0" algn="l">
+            <a:pPr marL="0" lvl="0" indent="0" algn="l" rtl="0">
               <a:spcBef>
                 <a:spcPts val="0"/>
               </a:spcBef>
@@ -11757,7 +11930,7 @@
         </p:pic>
         <p:pic>
           <p:nvPicPr>
-            <p:cNvPr descr="Piece of duct tape sticking a note to the slide" id="221" name="Google Shape;221;p31"/>
+            <p:cNvPr id="221" name="Google Shape;221;p31" descr="Piece of duct tape sticking a note to the slide"/>
             <p:cNvPicPr preferRelativeResize="0"/>
             <p:nvPr/>
           </p:nvPicPr>
@@ -11765,7 +11938,7 @@
             <a:blip r:embed="rId4">
               <a:alphaModFix/>
             </a:blip>
-            <a:srcRect b="10011" l="9244" r="2118" t="5926"/>
+            <a:srcRect l="9244" t="5926" r="2118" b="10011"/>
             <a:stretch/>
           </p:blipFill>
           <p:spPr>
@@ -11802,12 +11975,12 @@
             </a:ln>
           </p:spPr>
           <p:txBody>
-            <a:bodyPr anchorCtr="0" anchor="t" bIns="91425" lIns="91425" spcFirstLastPara="1" rIns="91425" wrap="square" tIns="91425">
+            <a:bodyPr spcFirstLastPara="1" wrap="square" lIns="91425" tIns="91425" rIns="91425" bIns="91425" anchor="t" anchorCtr="0">
               <a:noAutofit/>
             </a:bodyPr>
             <a:lstStyle/>
             <a:p>
-              <a:pPr indent="0" lvl="0" marL="0" rtl="0" algn="l">
+              <a:pPr marL="0" lvl="0" indent="0" algn="l" rtl="0">
                 <a:spcBef>
                   <a:spcPts val="0"/>
                 </a:spcBef>
@@ -11817,7 +11990,7 @@
                 <a:buNone/>
               </a:pPr>
               <a:r>
-                <a:rPr b="1" lang="en">
+                <a:rPr lang="en" b="1">
                   <a:solidFill>
                     <a:schemeClr val="dk1"/>
                   </a:solidFill>
@@ -11839,7 +12012,7 @@
               </a:endParaRPr>
             </a:p>
             <a:p>
-              <a:pPr indent="0" lvl="0" marL="0" rtl="0" algn="l">
+              <a:pPr marL="0" lvl="0" indent="0" algn="l" rtl="0">
                 <a:spcBef>
                   <a:spcPts val="800"/>
                 </a:spcBef>
@@ -11904,11 +12077,11 @@
 </file>
 
 <file path=ppt/slides/slide2.xml><?xml version="1.0" encoding="utf-8"?>
-<p:sld xmlns:a="http://schemas.openxmlformats.org/drawingml/2006/main" xmlns:r="http://schemas.openxmlformats.org/officeDocument/2006/relationships" xmlns:mc="http://schemas.openxmlformats.org/markup-compatibility/2006" xmlns:mv="urn:schemas-microsoft-com:mac:vml" xmlns:p="http://schemas.openxmlformats.org/presentationml/2006/main" xmlns:c="http://schemas.openxmlformats.org/drawingml/2006/chart" xmlns:dgm="http://schemas.openxmlformats.org/drawingml/2006/diagram" xmlns:o="urn:schemas-microsoft-com:office:office" xmlns:v="urn:schemas-microsoft-com:vml" xmlns:pvml="urn:schemas-microsoft-com:office:powerpoint" xmlns:com="http://schemas.openxmlformats.org/drawingml/2006/compatibility" xmlns:p14="http://schemas.microsoft.com/office/powerpoint/2010/main" xmlns:p15="http://schemas.microsoft.com/office/powerpoint/2012/main">
+<p:sld xmlns:a="http://schemas.openxmlformats.org/drawingml/2006/main" xmlns:r="http://schemas.openxmlformats.org/officeDocument/2006/relationships" xmlns:p="http://schemas.openxmlformats.org/presentationml/2006/main">
   <p:cSld>
     <p:spTree>
       <p:nvGrpSpPr>
-        <p:cNvPr id="69" name="Shape 69"/>
+        <p:cNvPr id="1" name="Shape 69"/>
         <p:cNvGrpSpPr/>
         <p:nvPr/>
       </p:nvGrpSpPr>
@@ -11923,9 +12096,11 @@
       <p:sp>
         <p:nvSpPr>
           <p:cNvPr id="70" name="Google Shape;70;p14"/>
-          <p:cNvSpPr txBox="1"/>
+          <p:cNvSpPr txBox="1">
+            <a:spLocks noGrp="1"/>
+          </p:cNvSpPr>
           <p:nvPr>
-            <p:ph idx="4294967295" type="title"/>
+            <p:ph type="title" idx="4294967295"/>
           </p:nvPr>
         </p:nvSpPr>
         <p:spPr>
@@ -11938,12 +12113,12 @@
           </a:prstGeom>
         </p:spPr>
         <p:txBody>
-          <a:bodyPr anchorCtr="0" anchor="t" bIns="91425" lIns="91425" spcFirstLastPara="1" rIns="91425" wrap="square" tIns="91425">
+          <a:bodyPr spcFirstLastPara="1" wrap="square" lIns="91425" tIns="91425" rIns="91425" bIns="91425" anchor="t" anchorCtr="0">
             <a:noAutofit/>
           </a:bodyPr>
           <a:lstStyle/>
           <a:p>
-            <a:pPr indent="0" lvl="0" marL="0" rtl="0" algn="l">
+            <a:pPr marL="0" lvl="0" indent="0" algn="l" rtl="0">
               <a:spcBef>
                 <a:spcPts val="0"/>
               </a:spcBef>
@@ -11967,7 +12142,7 @@
             </a:endParaRPr>
           </a:p>
           <a:p>
-            <a:pPr indent="0" lvl="0" marL="0" rtl="0" algn="l">
+            <a:pPr marL="0" lvl="0" indent="0" algn="l" rtl="0">
               <a:spcBef>
                 <a:spcPts val="1600"/>
               </a:spcBef>
@@ -11976,9 +12151,6 @@
               </a:spcAft>
               <a:buNone/>
             </a:pPr>
-            <a:r>
-              <a:t/>
-            </a:r>
             <a:endParaRPr sz="3600">
               <a:solidFill>
                 <a:schemeClr val="dk1"/>
@@ -11990,9 +12162,11 @@
       <p:sp>
         <p:nvSpPr>
           <p:cNvPr id="71" name="Google Shape;71;p14"/>
-          <p:cNvSpPr txBox="1"/>
+          <p:cNvSpPr txBox="1">
+            <a:spLocks noGrp="1"/>
+          </p:cNvSpPr>
           <p:nvPr>
-            <p:ph idx="4294967295" type="title"/>
+            <p:ph type="title" idx="4294967295"/>
           </p:nvPr>
         </p:nvSpPr>
         <p:spPr>
@@ -12005,12 +12179,12 @@
           </a:prstGeom>
         </p:spPr>
         <p:txBody>
-          <a:bodyPr anchorCtr="0" anchor="t" bIns="91425" lIns="91425" spcFirstLastPara="1" rIns="91425" wrap="square" tIns="91425">
+          <a:bodyPr spcFirstLastPara="1" wrap="square" lIns="91425" tIns="91425" rIns="91425" bIns="91425" anchor="t" anchorCtr="0">
             <a:noAutofit/>
           </a:bodyPr>
           <a:lstStyle/>
           <a:p>
-            <a:pPr indent="0" lvl="0" marL="0" rtl="0" algn="l">
+            <a:pPr marL="0" lvl="0" indent="0" algn="l" rtl="0">
               <a:lnSpc>
                 <a:spcPct val="115000"/>
               </a:lnSpc>
@@ -12022,10 +12196,7 @@
               </a:spcAft>
               <a:buNone/>
             </a:pPr>
-            <a:r>
-              <a:t/>
-            </a:r>
-            <a:endParaRPr b="0" sz="1800">
+            <a:endParaRPr sz="1800" b="0">
               <a:latin typeface="Lato"/>
               <a:ea typeface="Lato"/>
               <a:cs typeface="Lato"/>
@@ -12033,7 +12204,7 @@
             </a:endParaRPr>
           </a:p>
           <a:p>
-            <a:pPr indent="0" lvl="0" marL="0" rtl="0" algn="l">
+            <a:pPr marL="0" lvl="0" indent="0" algn="l" rtl="0">
               <a:lnSpc>
                 <a:spcPct val="115000"/>
               </a:lnSpc>
@@ -12046,7 +12217,7 @@
               <a:buNone/>
             </a:pPr>
             <a:r>
-              <a:rPr b="0" lang="en" sz="1800">
+              <a:rPr lang="en" sz="1800" b="0">
                 <a:latin typeface="Lato"/>
                 <a:ea typeface="Lato"/>
                 <a:cs typeface="Lato"/>
@@ -12054,7 +12225,7 @@
               </a:rPr>
               <a:t>During this long voyage through IBM's Professional Certificate track, we've learned so much about the whole notion of using the data all around us to create stories and say something meaningful with them. This is my attempt at exactly that. In this Capstone Project, we will try and visualize, in different ways while using different techniques, the similarities between NYC and Toronto.</a:t>
             </a:r>
-            <a:endParaRPr b="0" sz="1800">
+            <a:endParaRPr sz="1800" b="0">
               <a:latin typeface="Lato"/>
               <a:ea typeface="Lato"/>
               <a:cs typeface="Lato"/>
@@ -12072,11 +12243,11 @@
 </file>
 
 <file path=ppt/slides/slide20.xml><?xml version="1.0" encoding="utf-8"?>
-<p:sld xmlns:a="http://schemas.openxmlformats.org/drawingml/2006/main" xmlns:r="http://schemas.openxmlformats.org/officeDocument/2006/relationships" xmlns:mc="http://schemas.openxmlformats.org/markup-compatibility/2006" xmlns:mv="urn:schemas-microsoft-com:mac:vml" xmlns:p="http://schemas.openxmlformats.org/presentationml/2006/main" xmlns:c="http://schemas.openxmlformats.org/drawingml/2006/chart" xmlns:dgm="http://schemas.openxmlformats.org/drawingml/2006/diagram" xmlns:o="urn:schemas-microsoft-com:office:office" xmlns:v="urn:schemas-microsoft-com:vml" xmlns:pvml="urn:schemas-microsoft-com:office:powerpoint" xmlns:com="http://schemas.openxmlformats.org/drawingml/2006/compatibility" xmlns:p14="http://schemas.microsoft.com/office/powerpoint/2010/main" xmlns:p15="http://schemas.microsoft.com/office/powerpoint/2012/main">
+<p:sld xmlns:a="http://schemas.openxmlformats.org/drawingml/2006/main" xmlns:r="http://schemas.openxmlformats.org/officeDocument/2006/relationships" xmlns:p="http://schemas.openxmlformats.org/presentationml/2006/main">
   <p:cSld>
     <p:spTree>
       <p:nvGrpSpPr>
-        <p:cNvPr id="227" name="Shape 227"/>
+        <p:cNvPr id="1" name="Shape 227"/>
         <p:cNvGrpSpPr/>
         <p:nvPr/>
       </p:nvGrpSpPr>
@@ -12091,7 +12262,9 @@
       <p:sp>
         <p:nvSpPr>
           <p:cNvPr id="228" name="Google Shape;228;p32"/>
-          <p:cNvSpPr txBox="1"/>
+          <p:cNvSpPr txBox="1">
+            <a:spLocks noGrp="1"/>
+          </p:cNvSpPr>
           <p:nvPr>
             <p:ph type="title"/>
           </p:nvPr>
@@ -12106,12 +12279,12 @@
           </a:prstGeom>
         </p:spPr>
         <p:txBody>
-          <a:bodyPr anchorCtr="0" anchor="ctr" bIns="91425" lIns="91425" spcFirstLastPara="1" rIns="91425" wrap="square" tIns="91425">
+          <a:bodyPr spcFirstLastPara="1" wrap="square" lIns="91425" tIns="91425" rIns="91425" bIns="91425" anchor="ctr" anchorCtr="0">
             <a:noAutofit/>
           </a:bodyPr>
           <a:lstStyle/>
           <a:p>
-            <a:pPr indent="0" lvl="0" marL="0" rtl="0" algn="l">
+            <a:pPr marL="0" lvl="0" indent="0" algn="l" rtl="0">
               <a:spcBef>
                 <a:spcPts val="0"/>
               </a:spcBef>
@@ -12126,23 +12299,11 @@
                   <a:schemeClr val="lt2"/>
                 </a:solidFill>
               </a:rPr>
-              <a:t>There are some basic groups of</a:t>
-            </a:r>
-            <a:r>
-              <a:rPr lang="en" sz="2500">
-                <a:solidFill>
-                  <a:schemeClr val="lt2"/>
-                </a:solidFill>
-              </a:rPr>
-              <a:t> </a:t>
+              <a:t>There are some basic groups of </a:t>
             </a:r>
             <a:r>
               <a:rPr lang="en" sz="2500"/>
-              <a:t>Venue Categories</a:t>
-            </a:r>
-            <a:r>
-              <a:rPr lang="en" sz="2500"/>
-              <a:t> </a:t>
+              <a:t>Venue Categories </a:t>
             </a:r>
             <a:r>
               <a:rPr lang="en" sz="2500">
@@ -12216,7 +12377,7 @@
         </p:pic>
         <p:pic>
           <p:nvPicPr>
-            <p:cNvPr descr="Piece of duct tape sticking a note to the slide" id="231" name="Google Shape;231;p32"/>
+            <p:cNvPr id="231" name="Google Shape;231;p32" descr="Piece of duct tape sticking a note to the slide"/>
             <p:cNvPicPr preferRelativeResize="0"/>
             <p:nvPr/>
           </p:nvPicPr>
@@ -12224,7 +12385,7 @@
             <a:blip r:embed="rId4">
               <a:alphaModFix/>
             </a:blip>
-            <a:srcRect b="10011" l="9244" r="2118" t="5926"/>
+            <a:srcRect l="9244" t="5926" r="2118" b="10011"/>
             <a:stretch/>
           </p:blipFill>
           <p:spPr>
@@ -12261,12 +12422,12 @@
             </a:ln>
           </p:spPr>
           <p:txBody>
-            <a:bodyPr anchorCtr="0" anchor="t" bIns="91425" lIns="91425" spcFirstLastPara="1" rIns="91425" wrap="square" tIns="91425">
+            <a:bodyPr spcFirstLastPara="1" wrap="square" lIns="91425" tIns="91425" rIns="91425" bIns="91425" anchor="t" anchorCtr="0">
               <a:noAutofit/>
             </a:bodyPr>
             <a:lstStyle/>
             <a:p>
-              <a:pPr indent="0" lvl="0" marL="0" rtl="0" algn="l">
+              <a:pPr marL="0" lvl="0" indent="0" algn="l" rtl="0">
                 <a:spcBef>
                   <a:spcPts val="0"/>
                 </a:spcBef>
@@ -12276,7 +12437,7 @@
                 <a:buNone/>
               </a:pPr>
               <a:r>
-                <a:rPr b="1" lang="en">
+                <a:rPr lang="en" b="1">
                   <a:solidFill>
                     <a:schemeClr val="dk1"/>
                   </a:solidFill>
@@ -12298,7 +12459,7 @@
               </a:endParaRPr>
             </a:p>
             <a:p>
-              <a:pPr indent="0" lvl="0" marL="0" rtl="0" algn="l">
+              <a:pPr marL="0" lvl="0" indent="0" algn="l" rtl="0">
                 <a:spcBef>
                   <a:spcPts val="800"/>
                 </a:spcBef>
@@ -12363,18 +12524,19 @@
 </file>
 
 <file path=ppt/slides/slide21.xml><?xml version="1.0" encoding="utf-8"?>
-<p:sld xmlns:a="http://schemas.openxmlformats.org/drawingml/2006/main" xmlns:r="http://schemas.openxmlformats.org/officeDocument/2006/relationships" xmlns:mc="http://schemas.openxmlformats.org/markup-compatibility/2006" xmlns:mv="urn:schemas-microsoft-com:mac:vml" xmlns:p="http://schemas.openxmlformats.org/presentationml/2006/main" xmlns:c="http://schemas.openxmlformats.org/drawingml/2006/chart" xmlns:dgm="http://schemas.openxmlformats.org/drawingml/2006/diagram" xmlns:o="urn:schemas-microsoft-com:office:office" xmlns:v="urn:schemas-microsoft-com:vml" xmlns:pvml="urn:schemas-microsoft-com:office:powerpoint" xmlns:com="http://schemas.openxmlformats.org/drawingml/2006/compatibility" xmlns:p14="http://schemas.microsoft.com/office/powerpoint/2010/main" xmlns:p15="http://schemas.microsoft.com/office/powerpoint/2012/main">
+<p:sld xmlns:a="http://schemas.openxmlformats.org/drawingml/2006/main" xmlns:r="http://schemas.openxmlformats.org/officeDocument/2006/relationships" xmlns:p="http://schemas.openxmlformats.org/presentationml/2006/main">
   <p:cSld>
     <p:bg>
       <p:bgPr>
         <a:solidFill>
           <a:schemeClr val="dk1"/>
         </a:solidFill>
+        <a:effectLst/>
       </p:bgPr>
     </p:bg>
     <p:spTree>
       <p:nvGrpSpPr>
-        <p:cNvPr id="237" name="Shape 237"/>
+        <p:cNvPr id="1" name="Shape 237"/>
         <p:cNvGrpSpPr/>
         <p:nvPr/>
       </p:nvGrpSpPr>
@@ -12416,7 +12578,7 @@
       </p:pic>
       <p:pic>
         <p:nvPicPr>
-          <p:cNvPr descr="Piece of duct tape sticking a note to the slide" id="239" name="Google Shape;239;p33"/>
+          <p:cNvPr id="239" name="Google Shape;239;p33" descr="Piece of duct tape sticking a note to the slide"/>
           <p:cNvPicPr preferRelativeResize="0"/>
           <p:nvPr/>
         </p:nvPicPr>
@@ -12424,7 +12586,7 @@
           <a:blip r:embed="rId4">
             <a:alphaModFix/>
           </a:blip>
-          <a:srcRect b="10011" l="9244" r="2118" t="5926"/>
+          <a:srcRect l="9244" t="5926" r="2118" b="10011"/>
           <a:stretch/>
         </p:blipFill>
         <p:spPr>
@@ -12461,12 +12623,12 @@
           </a:ln>
         </p:spPr>
         <p:txBody>
-          <a:bodyPr anchorCtr="0" anchor="b" bIns="91425" lIns="91425" spcFirstLastPara="1" rIns="91425" wrap="square" tIns="91425">
+          <a:bodyPr spcFirstLastPara="1" wrap="square" lIns="91425" tIns="91425" rIns="91425" bIns="91425" anchor="b" anchorCtr="0">
             <a:noAutofit/>
           </a:bodyPr>
           <a:lstStyle/>
           <a:p>
-            <a:pPr indent="0" lvl="0" marL="0" rtl="0" algn="l">
+            <a:pPr marL="0" lvl="0" indent="0" algn="l" rtl="0">
               <a:spcBef>
                 <a:spcPts val="0"/>
               </a:spcBef>
@@ -12476,7 +12638,7 @@
               <a:buNone/>
             </a:pPr>
             <a:r>
-              <a:rPr b="1" lang="en" sz="3000">
+              <a:rPr lang="en" sz="3000" b="1">
                 <a:solidFill>
                   <a:schemeClr val="lt2"/>
                 </a:solidFill>
@@ -12485,21 +12647,9 @@
                 <a:cs typeface="Raleway"/>
                 <a:sym typeface="Raleway"/>
               </a:rPr>
-              <a:t>5</a:t>
+              <a:t>5. Conclusion</a:t>
             </a:r>
-            <a:r>
-              <a:rPr b="1" lang="en" sz="3000">
-                <a:solidFill>
-                  <a:schemeClr val="lt2"/>
-                </a:solidFill>
-                <a:latin typeface="Raleway"/>
-                <a:ea typeface="Raleway"/>
-                <a:cs typeface="Raleway"/>
-                <a:sym typeface="Raleway"/>
-              </a:rPr>
-              <a:t>. Conclusion</a:t>
-            </a:r>
-            <a:endParaRPr b="1" sz="3000">
+            <a:endParaRPr sz="3000" b="1">
               <a:solidFill>
                 <a:schemeClr val="lt2"/>
               </a:solidFill>
@@ -12514,9 +12664,11 @@
       <p:sp>
         <p:nvSpPr>
           <p:cNvPr id="241" name="Google Shape;241;p33"/>
-          <p:cNvSpPr txBox="1"/>
+          <p:cNvSpPr txBox="1">
+            <a:spLocks noGrp="1"/>
+          </p:cNvSpPr>
           <p:nvPr>
-            <p:ph idx="4294967295" type="body"/>
+            <p:ph type="body" idx="4294967295"/>
           </p:nvPr>
         </p:nvSpPr>
         <p:spPr>
@@ -12529,12 +12681,12 @@
           </a:prstGeom>
         </p:spPr>
         <p:txBody>
-          <a:bodyPr anchorCtr="0" anchor="t" bIns="91425" lIns="91425" spcFirstLastPara="1" rIns="91425" wrap="square" tIns="91425">
+          <a:bodyPr spcFirstLastPara="1" wrap="square" lIns="91425" tIns="91425" rIns="91425" bIns="91425" anchor="t" anchorCtr="0">
             <a:noAutofit/>
           </a:bodyPr>
           <a:lstStyle/>
           <a:p>
-            <a:pPr indent="0" lvl="0" marL="0" rtl="0" algn="l">
+            <a:pPr marL="0" lvl="0" indent="0" algn="l" rtl="0">
               <a:spcBef>
                 <a:spcPts val="0"/>
               </a:spcBef>
@@ -12560,7 +12712,7 @@
             </a:endParaRPr>
           </a:p>
           <a:p>
-            <a:pPr indent="-317500" lvl="0" marL="457200" rtl="0" algn="l">
+            <a:pPr marL="457200" lvl="0" indent="-317500" algn="l" rtl="0">
               <a:spcBef>
                 <a:spcPts val="1600"/>
               </a:spcBef>
@@ -12575,7 +12727,7 @@
               <a:buChar char="➔"/>
             </a:pPr>
             <a:r>
-              <a:rPr b="1" lang="en" sz="1400">
+              <a:rPr lang="en" sz="1400" b="1">
                 <a:solidFill>
                   <a:schemeClr val="dk1"/>
                 </a:solidFill>
@@ -12601,16 +12753,7 @@
                 <a:cs typeface="Raleway"/>
                 <a:sym typeface="Raleway"/>
               </a:rPr>
-              <a:t>Our </a:t>
-            </a:r>
-            <a:r>
-              <a:rPr lang="en" sz="1100">
-                <a:latin typeface="Raleway"/>
-                <a:ea typeface="Raleway"/>
-                <a:cs typeface="Raleway"/>
-                <a:sym typeface="Raleway"/>
-              </a:rPr>
-              <a:t>work, methods and code applied successfully in a topic</a:t>
+              <a:t>Our work, methods and code applied successfully in a topic</a:t>
             </a:r>
             <a:endParaRPr sz="1100">
               <a:latin typeface="Raleway"/>
@@ -12620,7 +12763,7 @@
             </a:endParaRPr>
           </a:p>
           <a:p>
-            <a:pPr indent="-317500" lvl="0" marL="457200" rtl="0" algn="l">
+            <a:pPr marL="457200" lvl="0" indent="-317500" algn="l" rtl="0">
               <a:spcBef>
                 <a:spcPts val="1000"/>
               </a:spcBef>
@@ -12635,7 +12778,7 @@
               <a:buChar char="➔"/>
             </a:pPr>
             <a:r>
-              <a:rPr b="1" lang="en" sz="1400">
+              <a:rPr lang="en" sz="1400" b="1">
                 <a:solidFill>
                   <a:schemeClr val="dk1"/>
                 </a:solidFill>
@@ -12661,16 +12804,7 @@
                 <a:cs typeface="Raleway"/>
                 <a:sym typeface="Raleway"/>
               </a:rPr>
-              <a:t>U</a:t>
-            </a:r>
-            <a:r>
-              <a:rPr lang="en" sz="1000">
-                <a:latin typeface="Raleway"/>
-                <a:ea typeface="Raleway"/>
-                <a:cs typeface="Raleway"/>
-                <a:sym typeface="Raleway"/>
-              </a:rPr>
-              <a:t>sing this tool is still valid, for business, personal, academic purposes  or otherwise.</a:t>
+              <a:t>Using this tool is still valid, for business, personal, academic purposes  or otherwise.</a:t>
             </a:r>
             <a:endParaRPr sz="1000">
               <a:latin typeface="Raleway"/>
@@ -12680,7 +12814,7 @@
             </a:endParaRPr>
           </a:p>
           <a:p>
-            <a:pPr indent="-304800" lvl="0" marL="457200" rtl="0" algn="l">
+            <a:pPr marL="457200" lvl="0" indent="-304800" algn="l" rtl="0">
               <a:spcBef>
                 <a:spcPts val="1000"/>
               </a:spcBef>
@@ -12695,7 +12829,7 @@
               <a:buChar char="➔"/>
             </a:pPr>
             <a:r>
-              <a:rPr b="1" lang="en" sz="1400">
+              <a:rPr lang="en" sz="1400" b="1">
                 <a:solidFill>
                   <a:schemeClr val="dk1"/>
                 </a:solidFill>
@@ -12741,18 +12875,19 @@
 </file>
 
 <file path=ppt/slides/slide3.xml><?xml version="1.0" encoding="utf-8"?>
-<p:sld xmlns:a="http://schemas.openxmlformats.org/drawingml/2006/main" xmlns:r="http://schemas.openxmlformats.org/officeDocument/2006/relationships" xmlns:mc="http://schemas.openxmlformats.org/markup-compatibility/2006" xmlns:mv="urn:schemas-microsoft-com:mac:vml" xmlns:p="http://schemas.openxmlformats.org/presentationml/2006/main" xmlns:c="http://schemas.openxmlformats.org/drawingml/2006/chart" xmlns:dgm="http://schemas.openxmlformats.org/drawingml/2006/diagram" xmlns:o="urn:schemas-microsoft-com:office:office" xmlns:v="urn:schemas-microsoft-com:vml" xmlns:pvml="urn:schemas-microsoft-com:office:powerpoint" xmlns:com="http://schemas.openxmlformats.org/drawingml/2006/compatibility" xmlns:p14="http://schemas.microsoft.com/office/powerpoint/2010/main" xmlns:p15="http://schemas.microsoft.com/office/powerpoint/2012/main">
+<p:sld xmlns:a="http://schemas.openxmlformats.org/drawingml/2006/main" xmlns:r="http://schemas.openxmlformats.org/officeDocument/2006/relationships" xmlns:p="http://schemas.openxmlformats.org/presentationml/2006/main">
   <p:cSld>
     <p:bg>
       <p:bgPr>
         <a:solidFill>
           <a:schemeClr val="dk1"/>
         </a:solidFill>
+        <a:effectLst/>
       </p:bgPr>
     </p:bg>
     <p:spTree>
       <p:nvGrpSpPr>
-        <p:cNvPr id="75" name="Shape 75"/>
+        <p:cNvPr id="1" name="Shape 75"/>
         <p:cNvGrpSpPr/>
         <p:nvPr/>
       </p:nvGrpSpPr>
@@ -12794,7 +12929,7 @@
       </p:pic>
       <p:pic>
         <p:nvPicPr>
-          <p:cNvPr descr="Piece of duct tape sticking a note to the slide" id="77" name="Google Shape;77;p15"/>
+          <p:cNvPr id="77" name="Google Shape;77;p15" descr="Piece of duct tape sticking a note to the slide"/>
           <p:cNvPicPr preferRelativeResize="0"/>
           <p:nvPr/>
         </p:nvPicPr>
@@ -12802,7 +12937,7 @@
           <a:blip r:embed="rId4">
             <a:alphaModFix/>
           </a:blip>
-          <a:srcRect b="10011" l="9244" r="2118" t="5926"/>
+          <a:srcRect l="9244" t="5926" r="2118" b="10011"/>
           <a:stretch/>
         </p:blipFill>
         <p:spPr>
@@ -12839,12 +12974,12 @@
           </a:ln>
         </p:spPr>
         <p:txBody>
-          <a:bodyPr anchorCtr="0" anchor="b" bIns="91425" lIns="91425" spcFirstLastPara="1" rIns="91425" wrap="square" tIns="91425">
+          <a:bodyPr spcFirstLastPara="1" wrap="square" lIns="91425" tIns="91425" rIns="91425" bIns="91425" anchor="b" anchorCtr="0">
             <a:noAutofit/>
           </a:bodyPr>
           <a:lstStyle/>
           <a:p>
-            <a:pPr indent="0" lvl="0" marL="0" rtl="0" algn="l">
+            <a:pPr marL="0" lvl="0" indent="0" algn="l" rtl="0">
               <a:spcBef>
                 <a:spcPts val="0"/>
               </a:spcBef>
@@ -12854,7 +12989,7 @@
               <a:buNone/>
             </a:pPr>
             <a:r>
-              <a:rPr b="1" lang="en" sz="3000">
+              <a:rPr lang="en" sz="3000" b="1">
                 <a:solidFill>
                   <a:schemeClr val="lt2"/>
                 </a:solidFill>
@@ -12865,7 +13000,7 @@
               </a:rPr>
               <a:t>1. New York City</a:t>
             </a:r>
-            <a:endParaRPr b="1" sz="3000">
+            <a:endParaRPr sz="3000" b="1">
               <a:solidFill>
                 <a:schemeClr val="lt2"/>
               </a:solidFill>
@@ -12880,9 +13015,11 @@
       <p:sp>
         <p:nvSpPr>
           <p:cNvPr id="79" name="Google Shape;79;p15"/>
-          <p:cNvSpPr txBox="1"/>
+          <p:cNvSpPr txBox="1">
+            <a:spLocks noGrp="1"/>
+          </p:cNvSpPr>
           <p:nvPr>
-            <p:ph idx="4294967295" type="body"/>
+            <p:ph type="body" idx="4294967295"/>
           </p:nvPr>
         </p:nvSpPr>
         <p:spPr>
@@ -12895,12 +13032,12 @@
           </a:prstGeom>
         </p:spPr>
         <p:txBody>
-          <a:bodyPr anchorCtr="0" anchor="t" bIns="91425" lIns="91425" spcFirstLastPara="1" rIns="91425" wrap="square" tIns="91425">
+          <a:bodyPr spcFirstLastPara="1" wrap="square" lIns="91425" tIns="91425" rIns="91425" bIns="91425" anchor="t" anchorCtr="0">
             <a:noAutofit/>
           </a:bodyPr>
           <a:lstStyle/>
           <a:p>
-            <a:pPr indent="-317500" lvl="0" marL="457200" rtl="0" algn="l">
+            <a:pPr marL="457200" lvl="0" indent="-317500" algn="l" rtl="0">
               <a:spcBef>
                 <a:spcPts val="0"/>
               </a:spcBef>
@@ -12944,18 +13081,19 @@
 </file>
 
 <file path=ppt/slides/slide4.xml><?xml version="1.0" encoding="utf-8"?>
-<p:sld xmlns:a="http://schemas.openxmlformats.org/drawingml/2006/main" xmlns:r="http://schemas.openxmlformats.org/officeDocument/2006/relationships" xmlns:mc="http://schemas.openxmlformats.org/markup-compatibility/2006" xmlns:mv="urn:schemas-microsoft-com:mac:vml" xmlns:p="http://schemas.openxmlformats.org/presentationml/2006/main" xmlns:c="http://schemas.openxmlformats.org/drawingml/2006/chart" xmlns:dgm="http://schemas.openxmlformats.org/drawingml/2006/diagram" xmlns:o="urn:schemas-microsoft-com:office:office" xmlns:v="urn:schemas-microsoft-com:vml" xmlns:pvml="urn:schemas-microsoft-com:office:powerpoint" xmlns:com="http://schemas.openxmlformats.org/drawingml/2006/compatibility" xmlns:p14="http://schemas.microsoft.com/office/powerpoint/2010/main" xmlns:p15="http://schemas.microsoft.com/office/powerpoint/2012/main">
+<p:sld xmlns:a="http://schemas.openxmlformats.org/drawingml/2006/main" xmlns:r="http://schemas.openxmlformats.org/officeDocument/2006/relationships" xmlns:p="http://schemas.openxmlformats.org/presentationml/2006/main">
   <p:cSld>
     <p:bg>
       <p:bgPr>
         <a:solidFill>
           <a:schemeClr val="dk1"/>
         </a:solidFill>
+        <a:effectLst/>
       </p:bgPr>
     </p:bg>
     <p:spTree>
       <p:nvGrpSpPr>
-        <p:cNvPr id="83" name="Shape 83"/>
+        <p:cNvPr id="1" name="Shape 83"/>
         <p:cNvGrpSpPr/>
         <p:nvPr/>
       </p:nvGrpSpPr>
@@ -12997,7 +13135,7 @@
       </p:pic>
       <p:pic>
         <p:nvPicPr>
-          <p:cNvPr descr="Piece of duct tape sticking a note to the slide" id="85" name="Google Shape;85;p16"/>
+          <p:cNvPr id="85" name="Google Shape;85;p16" descr="Piece of duct tape sticking a note to the slide"/>
           <p:cNvPicPr preferRelativeResize="0"/>
           <p:nvPr/>
         </p:nvPicPr>
@@ -13005,7 +13143,7 @@
           <a:blip r:embed="rId4">
             <a:alphaModFix/>
           </a:blip>
-          <a:srcRect b="10011" l="9244" r="2118" t="5926"/>
+          <a:srcRect l="9244" t="5926" r="2118" b="10011"/>
           <a:stretch/>
         </p:blipFill>
         <p:spPr>
@@ -13042,12 +13180,12 @@
           </a:ln>
         </p:spPr>
         <p:txBody>
-          <a:bodyPr anchorCtr="0" anchor="b" bIns="91425" lIns="91425" spcFirstLastPara="1" rIns="91425" wrap="square" tIns="91425">
+          <a:bodyPr spcFirstLastPara="1" wrap="square" lIns="91425" tIns="91425" rIns="91425" bIns="91425" anchor="b" anchorCtr="0">
             <a:noAutofit/>
           </a:bodyPr>
           <a:lstStyle/>
           <a:p>
-            <a:pPr indent="0" lvl="0" marL="0" rtl="0" algn="l">
+            <a:pPr marL="0" lvl="0" indent="0" algn="l" rtl="0">
               <a:spcBef>
                 <a:spcPts val="0"/>
               </a:spcBef>
@@ -13057,7 +13195,7 @@
               <a:buNone/>
             </a:pPr>
             <a:r>
-              <a:rPr b="1" lang="en" sz="3000">
+              <a:rPr lang="en" sz="3000" b="1">
                 <a:solidFill>
                   <a:schemeClr val="lt2"/>
                 </a:solidFill>
@@ -13066,21 +13204,9 @@
                 <a:cs typeface="Raleway"/>
                 <a:sym typeface="Raleway"/>
               </a:rPr>
-              <a:t>2</a:t>
+              <a:t>2. Toronto</a:t>
             </a:r>
-            <a:r>
-              <a:rPr b="1" lang="en" sz="3000">
-                <a:solidFill>
-                  <a:schemeClr val="lt2"/>
-                </a:solidFill>
-                <a:latin typeface="Raleway"/>
-                <a:ea typeface="Raleway"/>
-                <a:cs typeface="Raleway"/>
-                <a:sym typeface="Raleway"/>
-              </a:rPr>
-              <a:t>. Toronto</a:t>
-            </a:r>
-            <a:endParaRPr b="1" sz="3000">
+            <a:endParaRPr sz="3000" b="1">
               <a:solidFill>
                 <a:schemeClr val="lt2"/>
               </a:solidFill>
@@ -13095,9 +13221,11 @@
       <p:sp>
         <p:nvSpPr>
           <p:cNvPr id="87" name="Google Shape;87;p16"/>
-          <p:cNvSpPr txBox="1"/>
+          <p:cNvSpPr txBox="1">
+            <a:spLocks noGrp="1"/>
+          </p:cNvSpPr>
           <p:nvPr>
-            <p:ph idx="4294967295" type="body"/>
+            <p:ph type="body" idx="4294967295"/>
           </p:nvPr>
         </p:nvSpPr>
         <p:spPr>
@@ -13110,12 +13238,12 @@
           </a:prstGeom>
         </p:spPr>
         <p:txBody>
-          <a:bodyPr anchorCtr="0" anchor="t" bIns="91425" lIns="91425" spcFirstLastPara="1" rIns="91425" wrap="square" tIns="91425">
+          <a:bodyPr spcFirstLastPara="1" wrap="square" lIns="91425" tIns="91425" rIns="91425" bIns="91425" anchor="t" anchorCtr="0">
             <a:noAutofit/>
           </a:bodyPr>
           <a:lstStyle/>
           <a:p>
-            <a:pPr indent="-317500" lvl="0" marL="457200" rtl="0" algn="l">
+            <a:pPr marL="457200" lvl="0" indent="-317500" algn="l" rtl="0">
               <a:spcBef>
                 <a:spcPts val="0"/>
               </a:spcBef>
@@ -13159,11 +13287,11 @@
 </file>
 
 <file path=ppt/slides/slide5.xml><?xml version="1.0" encoding="utf-8"?>
-<p:sld xmlns:a="http://schemas.openxmlformats.org/drawingml/2006/main" xmlns:r="http://schemas.openxmlformats.org/officeDocument/2006/relationships" xmlns:mc="http://schemas.openxmlformats.org/markup-compatibility/2006" xmlns:mv="urn:schemas-microsoft-com:mac:vml" xmlns:p="http://schemas.openxmlformats.org/presentationml/2006/main" xmlns:c="http://schemas.openxmlformats.org/drawingml/2006/chart" xmlns:dgm="http://schemas.openxmlformats.org/drawingml/2006/diagram" xmlns:o="urn:schemas-microsoft-com:office:office" xmlns:v="urn:schemas-microsoft-com:vml" xmlns:pvml="urn:schemas-microsoft-com:office:powerpoint" xmlns:com="http://schemas.openxmlformats.org/drawingml/2006/compatibility" xmlns:p14="http://schemas.microsoft.com/office/powerpoint/2010/main" xmlns:p15="http://schemas.microsoft.com/office/powerpoint/2012/main">
+<p:sld xmlns:a="http://schemas.openxmlformats.org/drawingml/2006/main" xmlns:r="http://schemas.openxmlformats.org/officeDocument/2006/relationships" xmlns:p="http://schemas.openxmlformats.org/presentationml/2006/main">
   <p:cSld>
     <p:spTree>
       <p:nvGrpSpPr>
-        <p:cNvPr id="91" name="Shape 91"/>
+        <p:cNvPr id="1" name="Shape 91"/>
         <p:cNvGrpSpPr/>
         <p:nvPr/>
       </p:nvGrpSpPr>
@@ -13178,7 +13306,9 @@
       <p:sp>
         <p:nvSpPr>
           <p:cNvPr id="92" name="Google Shape;92;p17"/>
-          <p:cNvSpPr txBox="1"/>
+          <p:cNvSpPr txBox="1">
+            <a:spLocks noGrp="1"/>
+          </p:cNvSpPr>
           <p:nvPr>
             <p:ph type="title"/>
           </p:nvPr>
@@ -13193,12 +13323,12 @@
           </a:prstGeom>
         </p:spPr>
         <p:txBody>
-          <a:bodyPr anchorCtr="0" anchor="t" bIns="91425" lIns="91425" spcFirstLastPara="1" rIns="91425" wrap="square" tIns="91425">
+          <a:bodyPr spcFirstLastPara="1" wrap="square" lIns="91425" tIns="91425" rIns="91425" bIns="91425" anchor="t" anchorCtr="0">
             <a:noAutofit/>
           </a:bodyPr>
           <a:lstStyle/>
           <a:p>
-            <a:pPr indent="0" lvl="0" marL="0" rtl="0" algn="l">
+            <a:pPr marL="0" lvl="0" indent="0" algn="l" rtl="0">
               <a:spcBef>
                 <a:spcPts val="0"/>
               </a:spcBef>
@@ -13214,7 +13344,7 @@
             <a:endParaRPr/>
           </a:p>
           <a:p>
-            <a:pPr indent="0" lvl="0" marL="0" rtl="0" algn="l">
+            <a:pPr marL="0" lvl="0" indent="0" algn="l" rtl="0">
               <a:spcBef>
                 <a:spcPts val="0"/>
               </a:spcBef>
@@ -13238,7 +13368,7 @@
             </a:endParaRPr>
           </a:p>
           <a:p>
-            <a:pPr indent="0" lvl="0" marL="0" rtl="0" algn="l">
+            <a:pPr marL="0" lvl="0" indent="0" algn="l" rtl="0">
               <a:spcBef>
                 <a:spcPts val="0"/>
               </a:spcBef>
@@ -13307,7 +13437,7 @@
         </p:pic>
         <p:pic>
           <p:nvPicPr>
-            <p:cNvPr descr="Piece of duct tape sticking a note to the slide" id="95" name="Google Shape;95;p17"/>
+            <p:cNvPr id="95" name="Google Shape;95;p17" descr="Piece of duct tape sticking a note to the slide"/>
             <p:cNvPicPr preferRelativeResize="0"/>
             <p:nvPr/>
           </p:nvPicPr>
@@ -13315,7 +13445,7 @@
             <a:blip r:embed="rId4">
               <a:alphaModFix/>
             </a:blip>
-            <a:srcRect b="10011" l="9244" r="2118" t="5926"/>
+            <a:srcRect l="9244" t="5926" r="2118" b="10011"/>
             <a:stretch/>
           </p:blipFill>
           <p:spPr>
@@ -13352,12 +13482,12 @@
             </a:ln>
           </p:spPr>
           <p:txBody>
-            <a:bodyPr anchorCtr="0" anchor="t" bIns="91425" lIns="91425" spcFirstLastPara="1" rIns="91425" wrap="square" tIns="91425">
+            <a:bodyPr spcFirstLastPara="1" wrap="square" lIns="91425" tIns="91425" rIns="91425" bIns="91425" anchor="t" anchorCtr="0">
               <a:noAutofit/>
             </a:bodyPr>
             <a:lstStyle/>
             <a:p>
-              <a:pPr indent="0" lvl="0" marL="0" rtl="0" algn="l">
+              <a:pPr marL="0" lvl="0" indent="0" algn="l" rtl="0">
                 <a:spcBef>
                   <a:spcPts val="0"/>
                 </a:spcBef>
@@ -13372,7 +13502,7 @@
                 <a:buNone/>
               </a:pPr>
               <a:r>
-                <a:rPr b="1" lang="en">
+                <a:rPr lang="en" b="1">
                   <a:solidFill>
                     <a:schemeClr val="dk1"/>
                   </a:solidFill>
@@ -13394,7 +13524,7 @@
               </a:endParaRPr>
             </a:p>
             <a:p>
-              <a:pPr indent="0" lvl="0" marL="0" rtl="0" algn="l">
+              <a:pPr marL="0" lvl="0" indent="0" algn="l" rtl="0">
                 <a:spcBef>
                   <a:spcPts val="800"/>
                 </a:spcBef>
@@ -13415,7 +13545,7 @@
                 </a:rPr>
                 <a:t>Using data wrangling techniques and location data we will study, analyze, cluster and compare the neighbourhoods of NYC and Toronto. We will dive headlong into the data at hand, using most of the techniques passed on to us throughout this course and try to see the similarities between the two cities.</a:t>
               </a:r>
-              <a:endParaRPr b="1" sz="800">
+              <a:endParaRPr sz="800" b="1">
                 <a:solidFill>
                   <a:schemeClr val="dk2"/>
                 </a:solidFill>
@@ -13437,11 +13567,11 @@
 </file>
 
 <file path=ppt/slides/slide6.xml><?xml version="1.0" encoding="utf-8"?>
-<p:sld xmlns:a="http://schemas.openxmlformats.org/drawingml/2006/main" xmlns:r="http://schemas.openxmlformats.org/officeDocument/2006/relationships" xmlns:mc="http://schemas.openxmlformats.org/markup-compatibility/2006" xmlns:mv="urn:schemas-microsoft-com:mac:vml" xmlns:p="http://schemas.openxmlformats.org/presentationml/2006/main" xmlns:c="http://schemas.openxmlformats.org/drawingml/2006/chart" xmlns:dgm="http://schemas.openxmlformats.org/drawingml/2006/diagram" xmlns:o="urn:schemas-microsoft-com:office:office" xmlns:v="urn:schemas-microsoft-com:vml" xmlns:pvml="urn:schemas-microsoft-com:office:powerpoint" xmlns:com="http://schemas.openxmlformats.org/drawingml/2006/compatibility" xmlns:p14="http://schemas.microsoft.com/office/powerpoint/2010/main" xmlns:p15="http://schemas.microsoft.com/office/powerpoint/2012/main">
+<p:sld xmlns:a="http://schemas.openxmlformats.org/drawingml/2006/main" xmlns:r="http://schemas.openxmlformats.org/officeDocument/2006/relationships" xmlns:p="http://schemas.openxmlformats.org/presentationml/2006/main">
   <p:cSld>
     <p:spTree>
       <p:nvGrpSpPr>
-        <p:cNvPr id="100" name="Shape 100"/>
+        <p:cNvPr id="1" name="Shape 100"/>
         <p:cNvGrpSpPr/>
         <p:nvPr/>
       </p:nvGrpSpPr>
@@ -13456,7 +13586,9 @@
       <p:sp>
         <p:nvSpPr>
           <p:cNvPr id="101" name="Google Shape;101;p18"/>
-          <p:cNvSpPr txBox="1"/>
+          <p:cNvSpPr txBox="1">
+            <a:spLocks noGrp="1"/>
+          </p:cNvSpPr>
           <p:nvPr>
             <p:ph type="title"/>
           </p:nvPr>
@@ -13471,12 +13603,12 @@
           </a:prstGeom>
         </p:spPr>
         <p:txBody>
-          <a:bodyPr anchorCtr="0" anchor="ctr" bIns="91425" lIns="91425" spcFirstLastPara="1" rIns="91425" wrap="square" tIns="91425">
+          <a:bodyPr spcFirstLastPara="1" wrap="square" lIns="91425" tIns="91425" rIns="91425" bIns="91425" anchor="ctr" anchorCtr="0">
             <a:noAutofit/>
           </a:bodyPr>
           <a:lstStyle/>
           <a:p>
-            <a:pPr indent="0" lvl="0" marL="0" rtl="0" algn="l">
+            <a:pPr marL="0" lvl="0" indent="0" algn="l" rtl="0">
               <a:spcBef>
                 <a:spcPts val="0"/>
               </a:spcBef>
@@ -13486,20 +13618,12 @@
               <a:buNone/>
             </a:pPr>
             <a:r>
-              <a:rPr b="0" lang="en" sz="2400">
+              <a:rPr lang="en" sz="2400" b="0">
                 <a:solidFill>
                   <a:schemeClr val="dk2"/>
                 </a:solidFill>
               </a:rPr>
-              <a:t>For our “Neighbourhood Data” we have</a:t>
-            </a:r>
-            <a:r>
-              <a:rPr b="0" lang="en" sz="2400">
-                <a:solidFill>
-                  <a:schemeClr val="dk2"/>
-                </a:solidFill>
-              </a:rPr>
-              <a:t> </a:t>
+              <a:t>For our “Neighbourhood Data” we have </a:t>
             </a:r>
             <a:r>
               <a:rPr lang="en"/>
@@ -13510,14 +13634,14 @@
               <a:t> </a:t>
             </a:r>
             <a:r>
-              <a:rPr b="0" lang="en" sz="2400">
+              <a:rPr lang="en" sz="2400" b="0">
                 <a:solidFill>
                   <a:schemeClr val="dk2"/>
                 </a:solidFill>
               </a:rPr>
               <a:t>to manipulate</a:t>
             </a:r>
-            <a:endParaRPr b="0" sz="2400">
+            <a:endParaRPr sz="2400" b="0">
               <a:solidFill>
                 <a:schemeClr val="dk2"/>
               </a:solidFill>
@@ -13545,12 +13669,12 @@
           </a:ln>
         </p:spPr>
         <p:txBody>
-          <a:bodyPr anchorCtr="0" anchor="t" bIns="91425" lIns="91425" spcFirstLastPara="1" rIns="91425" wrap="square" tIns="91425">
+          <a:bodyPr spcFirstLastPara="1" wrap="square" lIns="91425" tIns="91425" rIns="91425" bIns="91425" anchor="t" anchorCtr="0">
             <a:noAutofit/>
           </a:bodyPr>
           <a:lstStyle/>
           <a:p>
-            <a:pPr indent="0" lvl="0" marL="0" rtl="0" algn="l">
+            <a:pPr marL="0" lvl="0" indent="0" algn="l" rtl="0">
               <a:spcBef>
                 <a:spcPts val="0"/>
               </a:spcBef>
@@ -13560,7 +13684,7 @@
               <a:buNone/>
             </a:pPr>
             <a:r>
-              <a:rPr b="1" lang="en" sz="2100">
+              <a:rPr lang="en" sz="2100" b="1">
                 <a:latin typeface="Lato"/>
                 <a:ea typeface="Lato"/>
                 <a:cs typeface="Lato"/>
@@ -13568,7 +13692,7 @@
               </a:rPr>
               <a:t>Data Acquisition</a:t>
             </a:r>
-            <a:endParaRPr b="1" sz="2100">
+            <a:endParaRPr sz="2100" b="1">
               <a:latin typeface="Lato"/>
               <a:ea typeface="Lato"/>
               <a:cs typeface="Lato"/>
@@ -13597,12 +13721,12 @@
           </a:ln>
         </p:spPr>
         <p:txBody>
-          <a:bodyPr anchorCtr="0" anchor="t" bIns="91425" lIns="91425" spcFirstLastPara="1" rIns="91425" wrap="square" tIns="91425">
+          <a:bodyPr spcFirstLastPara="1" wrap="square" lIns="91425" tIns="91425" rIns="91425" bIns="91425" anchor="t" anchorCtr="0">
             <a:noAutofit/>
           </a:bodyPr>
           <a:lstStyle/>
           <a:p>
-            <a:pPr indent="0" lvl="0" marL="0" rtl="0" algn="l">
+            <a:pPr marL="0" lvl="0" indent="0" algn="l" rtl="0">
               <a:spcBef>
                 <a:spcPts val="0"/>
               </a:spcBef>
@@ -13612,7 +13736,7 @@
               <a:buNone/>
             </a:pPr>
             <a:r>
-              <a:rPr lang="en" sz="2400">
+              <a:rPr lang="en" sz="2400" dirty="0">
                 <a:solidFill>
                   <a:schemeClr val="dk2"/>
                 </a:solidFill>
@@ -13624,9 +13748,9 @@
               <a:t>New York comes in </a:t>
             </a:r>
             <a:r>
-              <a:rPr b="1" lang="en" sz="3600">
-                <a:solidFill>
-                  <a:srgbClr val="FFFFFF"/>
+              <a:rPr lang="en" sz="3600" b="1" dirty="0">
+                <a:solidFill>
+                  <a:srgbClr val="C00000"/>
                 </a:solidFill>
                 <a:latin typeface="Raleway"/>
                 <a:ea typeface="Raleway"/>
@@ -13636,9 +13760,9 @@
               <a:t>.json format</a:t>
             </a:r>
             <a:r>
-              <a:rPr b="1" lang="en" sz="2400">
-                <a:solidFill>
-                  <a:schemeClr val="dk1"/>
+              <a:rPr lang="en" sz="2400" b="1" dirty="0">
+                <a:solidFill>
+                  <a:srgbClr val="C00000"/>
                 </a:solidFill>
                 <a:latin typeface="Raleway"/>
                 <a:ea typeface="Raleway"/>
@@ -13648,7 +13772,7 @@
               <a:t> </a:t>
             </a:r>
             <a:r>
-              <a:rPr lang="en" sz="2400">
+              <a:rPr lang="en" sz="2400" dirty="0">
                 <a:solidFill>
                   <a:schemeClr val="dk2"/>
                 </a:solidFill>
@@ -13657,45 +13781,69 @@
                 <a:cs typeface="Raleway"/>
                 <a:sym typeface="Raleway"/>
               </a:rPr>
-              <a:t>and Toronto in </a:t>
+              <a:t>and Toronto in</a:t>
             </a:r>
             <a:r>
-              <a:rPr b="1" lang="en" sz="3600">
-                <a:solidFill>
-                  <a:srgbClr val="FFFFFF"/>
+              <a:rPr lang="en" sz="2400" dirty="0">
+                <a:solidFill>
+                  <a:srgbClr val="C00000"/>
                 </a:solidFill>
                 <a:latin typeface="Raleway"/>
                 <a:ea typeface="Raleway"/>
                 <a:cs typeface="Raleway"/>
                 <a:sym typeface="Raleway"/>
               </a:rPr>
-              <a:t>.csv. </a:t>
+              <a:t> </a:t>
             </a:r>
             <a:r>
-              <a:rPr lang="en" sz="2400">
-                <a:solidFill>
-                  <a:schemeClr val="dk2"/>
+              <a:rPr lang="en" sz="3600" b="1" dirty="0">
+                <a:solidFill>
+                  <a:srgbClr val="C00000"/>
                 </a:solidFill>
                 <a:latin typeface="Raleway"/>
                 <a:ea typeface="Raleway"/>
                 <a:cs typeface="Raleway"/>
                 <a:sym typeface="Raleway"/>
               </a:rPr>
-              <a:t>T</a:t>
+              <a:t>.csv</a:t>
             </a:r>
             <a:r>
-              <a:rPr lang="en" sz="2400">
-                <a:solidFill>
-                  <a:schemeClr val="dk2"/>
+              <a:rPr lang="en" sz="3600" b="1" dirty="0">
+                <a:solidFill>
+                  <a:schemeClr val="tx2"/>
                 </a:solidFill>
                 <a:latin typeface="Raleway"/>
                 <a:ea typeface="Raleway"/>
                 <a:cs typeface="Raleway"/>
                 <a:sym typeface="Raleway"/>
               </a:rPr>
-              <a:t>he latter sounds easier, but in our case, it wasn’t!</a:t>
+              <a:t>.</a:t>
             </a:r>
-            <a:endParaRPr sz="2400">
+            <a:r>
+              <a:rPr lang="en" sz="3600" b="1" dirty="0">
+                <a:solidFill>
+                  <a:srgbClr val="C00000"/>
+                </a:solidFill>
+                <a:latin typeface="Raleway"/>
+                <a:ea typeface="Raleway"/>
+                <a:cs typeface="Raleway"/>
+                <a:sym typeface="Raleway"/>
+              </a:rPr>
+              <a:t> </a:t>
+            </a:r>
+            <a:r>
+              <a:rPr lang="en" sz="2400" dirty="0">
+                <a:solidFill>
+                  <a:schemeClr val="dk2"/>
+                </a:solidFill>
+                <a:latin typeface="Raleway"/>
+                <a:ea typeface="Raleway"/>
+                <a:cs typeface="Raleway"/>
+                <a:sym typeface="Raleway"/>
+              </a:rPr>
+              <a:t>The latter sounds easier, but in our case, it wasn’t!</a:t>
+            </a:r>
+            <a:endParaRPr sz="2400" dirty="0">
               <a:solidFill>
                 <a:schemeClr val="dk2"/>
               </a:solidFill>
@@ -13723,7 +13871,7 @@
         </p:blipFill>
         <p:spPr>
           <a:xfrm>
-            <a:off x="2021525" y="3480200"/>
+            <a:off x="2118961" y="3276805"/>
             <a:ext cx="2550476" cy="1566650"/>
           </a:xfrm>
           <a:prstGeom prst="rect">
@@ -13772,18 +13920,19 @@
 </file>
 
 <file path=ppt/slides/slide7.xml><?xml version="1.0" encoding="utf-8"?>
-<p:sld xmlns:a="http://schemas.openxmlformats.org/drawingml/2006/main" xmlns:r="http://schemas.openxmlformats.org/officeDocument/2006/relationships" xmlns:mc="http://schemas.openxmlformats.org/markup-compatibility/2006" xmlns:mv="urn:schemas-microsoft-com:mac:vml" xmlns:p="http://schemas.openxmlformats.org/presentationml/2006/main" xmlns:c="http://schemas.openxmlformats.org/drawingml/2006/chart" xmlns:dgm="http://schemas.openxmlformats.org/drawingml/2006/diagram" xmlns:o="urn:schemas-microsoft-com:office:office" xmlns:v="urn:schemas-microsoft-com:vml" xmlns:pvml="urn:schemas-microsoft-com:office:powerpoint" xmlns:com="http://schemas.openxmlformats.org/drawingml/2006/compatibility" xmlns:p14="http://schemas.microsoft.com/office/powerpoint/2010/main" xmlns:p15="http://schemas.microsoft.com/office/powerpoint/2012/main">
+<p:sld xmlns:a="http://schemas.openxmlformats.org/drawingml/2006/main" xmlns:r="http://schemas.openxmlformats.org/officeDocument/2006/relationships" xmlns:p="http://schemas.openxmlformats.org/presentationml/2006/main">
   <p:cSld>
     <p:bg>
       <p:bgPr>
         <a:solidFill>
           <a:schemeClr val="dk1"/>
         </a:solidFill>
+        <a:effectLst/>
       </p:bgPr>
     </p:bg>
     <p:spTree>
       <p:nvGrpSpPr>
-        <p:cNvPr id="109" name="Shape 109"/>
+        <p:cNvPr id="1" name="Shape 109"/>
         <p:cNvGrpSpPr/>
         <p:nvPr/>
       </p:nvGrpSpPr>
@@ -13825,7 +13974,7 @@
       </p:pic>
       <p:pic>
         <p:nvPicPr>
-          <p:cNvPr descr="Piece of duct tape sticking a note to the slide" id="111" name="Google Shape;111;p19"/>
+          <p:cNvPr id="111" name="Google Shape;111;p19" descr="Piece of duct tape sticking a note to the slide"/>
           <p:cNvPicPr preferRelativeResize="0"/>
           <p:nvPr/>
         </p:nvPicPr>
@@ -13833,7 +13982,7 @@
           <a:blip r:embed="rId4">
             <a:alphaModFix/>
           </a:blip>
-          <a:srcRect b="10011" l="9244" r="2118" t="5926"/>
+          <a:srcRect l="9244" t="5926" r="2118" b="10011"/>
           <a:stretch/>
         </p:blipFill>
         <p:spPr>
@@ -13870,12 +14019,12 @@
           </a:ln>
         </p:spPr>
         <p:txBody>
-          <a:bodyPr anchorCtr="0" anchor="b" bIns="91425" lIns="91425" spcFirstLastPara="1" rIns="91425" wrap="square" tIns="91425">
+          <a:bodyPr spcFirstLastPara="1" wrap="square" lIns="91425" tIns="91425" rIns="91425" bIns="91425" anchor="b" anchorCtr="0">
             <a:noAutofit/>
           </a:bodyPr>
           <a:lstStyle/>
           <a:p>
-            <a:pPr indent="0" lvl="0" marL="0" rtl="0" algn="l">
+            <a:pPr marL="0" lvl="0" indent="0" algn="l" rtl="0">
               <a:spcBef>
                 <a:spcPts val="0"/>
               </a:spcBef>
@@ -13885,7 +14034,7 @@
               <a:buNone/>
             </a:pPr>
             <a:r>
-              <a:rPr b="1" lang="en" sz="3000">
+              <a:rPr lang="en" sz="3000" b="1">
                 <a:solidFill>
                   <a:schemeClr val="lt2"/>
                 </a:solidFill>
@@ -13894,21 +14043,9 @@
                 <a:cs typeface="Raleway"/>
                 <a:sym typeface="Raleway"/>
               </a:rPr>
-              <a:t>Data</a:t>
+              <a:t>Data Preparation</a:t>
             </a:r>
-            <a:r>
-              <a:rPr b="1" lang="en" sz="3000">
-                <a:solidFill>
-                  <a:schemeClr val="lt2"/>
-                </a:solidFill>
-                <a:latin typeface="Raleway"/>
-                <a:ea typeface="Raleway"/>
-                <a:cs typeface="Raleway"/>
-                <a:sym typeface="Raleway"/>
-              </a:rPr>
-              <a:t> Preparation</a:t>
-            </a:r>
-            <a:endParaRPr b="1" sz="3000">
+            <a:endParaRPr sz="3000" b="1">
               <a:solidFill>
                 <a:schemeClr val="lt2"/>
               </a:solidFill>
@@ -13923,9 +14060,11 @@
       <p:sp>
         <p:nvSpPr>
           <p:cNvPr id="113" name="Google Shape;113;p19"/>
-          <p:cNvSpPr txBox="1"/>
+          <p:cNvSpPr txBox="1">
+            <a:spLocks noGrp="1"/>
+          </p:cNvSpPr>
           <p:nvPr>
-            <p:ph idx="4294967295" type="body"/>
+            <p:ph type="body" idx="4294967295"/>
           </p:nvPr>
         </p:nvSpPr>
         <p:spPr>
@@ -13938,12 +14077,12 @@
           </a:prstGeom>
         </p:spPr>
         <p:txBody>
-          <a:bodyPr anchorCtr="0" anchor="t" bIns="91425" lIns="91425" spcFirstLastPara="1" rIns="91425" wrap="square" tIns="91425">
+          <a:bodyPr spcFirstLastPara="1" wrap="square" lIns="91425" tIns="91425" rIns="91425" bIns="91425" anchor="t" anchorCtr="0">
             <a:noAutofit/>
           </a:bodyPr>
           <a:lstStyle/>
           <a:p>
-            <a:pPr indent="0" lvl="0" marL="0" rtl="0" algn="l">
+            <a:pPr marL="0" lvl="0" indent="0" algn="l" rtl="0">
               <a:spcBef>
                 <a:spcPts val="0"/>
               </a:spcBef>
@@ -13964,16 +14103,7 @@
                 <a:cs typeface="Raleway"/>
                 <a:sym typeface="Raleway"/>
               </a:rPr>
-              <a:t>Storing the data in a Panda's Dataframe with the the needed data wrangling techniques, gave us the desired result. With the final data at hand, we are now able to "explore" NYC's neighbourhoods, at least in a basic, for now, way.</a:t>
-            </a:r>
-            <a:r>
-              <a:rPr lang="en" sz="1200">
-                <a:latin typeface="Raleway"/>
-                <a:ea typeface="Raleway"/>
-                <a:cs typeface="Raleway"/>
-                <a:sym typeface="Raleway"/>
-              </a:rPr>
-              <a:t> </a:t>
+              <a:t>Storing the data in a Panda's Dataframe with the the needed data wrangling techniques, gave us the desired result. With the final data at hand, we are now able to "explore" NYC's neighbourhoods, at least in a basic, for now, way. </a:t>
             </a:r>
             <a:endParaRPr sz="1200">
               <a:latin typeface="Raleway"/>
@@ -13983,7 +14113,7 @@
             </a:endParaRPr>
           </a:p>
           <a:p>
-            <a:pPr indent="-317500" lvl="0" marL="457200" rtl="0" algn="l">
+            <a:pPr marL="457200" lvl="0" indent="-317500" algn="l" rtl="0">
               <a:spcBef>
                 <a:spcPts val="1600"/>
               </a:spcBef>
@@ -13998,7 +14128,7 @@
               <a:buChar char="➔"/>
             </a:pPr>
             <a:r>
-              <a:rPr b="1" lang="en" sz="1400">
+              <a:rPr lang="en" sz="1400" b="1">
                 <a:solidFill>
                   <a:schemeClr val="dk1"/>
                 </a:solidFill>
@@ -14034,7 +14164,7 @@
             </a:endParaRPr>
           </a:p>
           <a:p>
-            <a:pPr indent="-317500" lvl="0" marL="457200" rtl="0" algn="l">
+            <a:pPr marL="457200" lvl="0" indent="-317500" algn="l" rtl="0">
               <a:spcBef>
                 <a:spcPts val="1000"/>
               </a:spcBef>
@@ -14049,7 +14179,7 @@
               <a:buChar char="➔"/>
             </a:pPr>
             <a:r>
-              <a:rPr b="1" lang="en" sz="1400">
+              <a:rPr lang="en" sz="1400" b="1">
                 <a:solidFill>
                   <a:schemeClr val="dk1"/>
                 </a:solidFill>
@@ -14095,18 +14225,19 @@
 </file>
 
 <file path=ppt/slides/slide8.xml><?xml version="1.0" encoding="utf-8"?>
-<p:sld xmlns:a="http://schemas.openxmlformats.org/drawingml/2006/main" xmlns:r="http://schemas.openxmlformats.org/officeDocument/2006/relationships" xmlns:mc="http://schemas.openxmlformats.org/markup-compatibility/2006" xmlns:mv="urn:schemas-microsoft-com:mac:vml" xmlns:p="http://schemas.openxmlformats.org/presentationml/2006/main" xmlns:c="http://schemas.openxmlformats.org/drawingml/2006/chart" xmlns:dgm="http://schemas.openxmlformats.org/drawingml/2006/diagram" xmlns:o="urn:schemas-microsoft-com:office:office" xmlns:v="urn:schemas-microsoft-com:vml" xmlns:pvml="urn:schemas-microsoft-com:office:powerpoint" xmlns:com="http://schemas.openxmlformats.org/drawingml/2006/compatibility" xmlns:p14="http://schemas.microsoft.com/office/powerpoint/2010/main" xmlns:p15="http://schemas.microsoft.com/office/powerpoint/2012/main">
+<p:sld xmlns:a="http://schemas.openxmlformats.org/drawingml/2006/main" xmlns:r="http://schemas.openxmlformats.org/officeDocument/2006/relationships" xmlns:p="http://schemas.openxmlformats.org/presentationml/2006/main">
   <p:cSld>
     <p:bg>
       <p:bgPr>
         <a:solidFill>
           <a:schemeClr val="lt1"/>
         </a:solidFill>
+        <a:effectLst/>
       </p:bgPr>
     </p:bg>
     <p:spTree>
       <p:nvGrpSpPr>
-        <p:cNvPr id="117" name="Shape 117"/>
+        <p:cNvPr id="1" name="Shape 117"/>
         <p:cNvGrpSpPr/>
         <p:nvPr/>
       </p:nvGrpSpPr>
@@ -14121,9 +14252,11 @@
       <p:sp>
         <p:nvSpPr>
           <p:cNvPr id="118" name="Google Shape;118;p20"/>
-          <p:cNvSpPr txBox="1"/>
+          <p:cNvSpPr txBox="1">
+            <a:spLocks noGrp="1"/>
+          </p:cNvSpPr>
           <p:nvPr>
-            <p:ph idx="1" type="body"/>
+            <p:ph type="body" idx="1"/>
           </p:nvPr>
         </p:nvSpPr>
         <p:spPr>
@@ -14136,12 +14269,12 @@
           </a:prstGeom>
         </p:spPr>
         <p:txBody>
-          <a:bodyPr anchorCtr="0" anchor="ctr" bIns="91425" lIns="91425" spcFirstLastPara="1" rIns="91425" wrap="square" tIns="91425">
+          <a:bodyPr spcFirstLastPara="1" wrap="square" lIns="91425" tIns="91425" rIns="91425" bIns="91425" anchor="ctr" anchorCtr="0">
             <a:noAutofit/>
           </a:bodyPr>
           <a:lstStyle/>
           <a:p>
-            <a:pPr indent="0" lvl="0" marL="0" rtl="0" algn="l">
+            <a:pPr marL="0" lvl="0" indent="0" algn="l" rtl="0">
               <a:spcBef>
                 <a:spcPts val="0"/>
               </a:spcBef>
@@ -14151,7 +14284,7 @@
               <a:buNone/>
             </a:pPr>
             <a:r>
-              <a:rPr b="1" lang="en" sz="3000">
+              <a:rPr lang="en" sz="3000" b="1">
                 <a:solidFill>
                   <a:schemeClr val="dk1"/>
                 </a:solidFill>
@@ -14173,7 +14306,7 @@
             </a:endParaRPr>
           </a:p>
           <a:p>
-            <a:pPr indent="0" lvl="0" marL="0" rtl="0" algn="l">
+            <a:pPr marL="0" lvl="0" indent="0" algn="l" rtl="0">
               <a:spcBef>
                 <a:spcPts val="1600"/>
               </a:spcBef>
@@ -14187,13 +14320,10 @@
               <a:buFont typeface="Arial"/>
               <a:buNone/>
             </a:pPr>
-            <a:r>
-              <a:t/>
-            </a:r>
             <a:endParaRPr sz="1800"/>
           </a:p>
           <a:p>
-            <a:pPr indent="0" lvl="0" marL="0" rtl="0" algn="l">
+            <a:pPr marL="0" lvl="0" indent="0" algn="l" rtl="0">
               <a:spcBef>
                 <a:spcPts val="1600"/>
               </a:spcBef>
@@ -14207,13 +14337,10 @@
               <a:buFont typeface="Arial"/>
               <a:buNone/>
             </a:pPr>
-            <a:r>
-              <a:t/>
-            </a:r>
             <a:endParaRPr sz="1800"/>
           </a:p>
           <a:p>
-            <a:pPr indent="0" lvl="0" marL="0" rtl="0" algn="l">
+            <a:pPr marL="0" lvl="0" indent="0" algn="l" rtl="0">
               <a:spcBef>
                 <a:spcPts val="1600"/>
               </a:spcBef>
@@ -14283,7 +14410,7 @@
         </p:pic>
         <p:pic>
           <p:nvPicPr>
-            <p:cNvPr descr="Piece of duct tape sticking a note to the slide" id="121" name="Google Shape;121;p20"/>
+            <p:cNvPr id="121" name="Google Shape;121;p20" descr="Piece of duct tape sticking a note to the slide"/>
             <p:cNvPicPr preferRelativeResize="0"/>
             <p:nvPr/>
           </p:nvPicPr>
@@ -14291,7 +14418,7 @@
             <a:blip r:embed="rId4">
               <a:alphaModFix/>
             </a:blip>
-            <a:srcRect b="10011" l="9244" r="2118" t="5926"/>
+            <a:srcRect l="9244" t="5926" r="2118" b="10011"/>
             <a:stretch/>
           </p:blipFill>
           <p:spPr>
@@ -14328,12 +14455,12 @@
             </a:ln>
           </p:spPr>
           <p:txBody>
-            <a:bodyPr anchorCtr="0" anchor="t" bIns="91425" lIns="91425" spcFirstLastPara="1" rIns="91425" wrap="square" tIns="91425">
+            <a:bodyPr spcFirstLastPara="1" wrap="square" lIns="91425" tIns="91425" rIns="91425" bIns="91425" anchor="t" anchorCtr="0">
               <a:noAutofit/>
             </a:bodyPr>
             <a:lstStyle/>
             <a:p>
-              <a:pPr indent="0" lvl="0" marL="0" rtl="0" algn="l">
+              <a:pPr marL="0" lvl="0" indent="0" algn="l" rtl="0">
                 <a:spcBef>
                   <a:spcPts val="0"/>
                 </a:spcBef>
@@ -14348,7 +14475,7 @@
                 <a:buNone/>
               </a:pPr>
               <a:r>
-                <a:rPr b="1" lang="en">
+                <a:rPr lang="en" b="1">
                   <a:solidFill>
                     <a:schemeClr val="dk1"/>
                   </a:solidFill>
@@ -14370,7 +14497,7 @@
               </a:endParaRPr>
             </a:p>
             <a:p>
-              <a:pPr indent="0" lvl="0" marL="0" rtl="0" algn="l">
+              <a:pPr marL="0" lvl="0" indent="0" algn="l" rtl="0">
                 <a:spcBef>
                   <a:spcPts val="800"/>
                 </a:spcBef>
@@ -14392,7 +14519,7 @@
                 <a:t>This was no easy task! The documentation reading required was a </a:t>
               </a:r>
               <a:r>
-                <a:rPr b="1" lang="en" sz="1200">
+                <a:rPr lang="en" sz="1200" b="1">
                   <a:solidFill>
                     <a:schemeClr val="dk2"/>
                   </a:solidFill>
@@ -14415,7 +14542,7 @@
                 </a:rPr>
                 <a:t>!</a:t>
               </a:r>
-              <a:endParaRPr b="1" sz="1200">
+              <a:endParaRPr sz="1200" b="1">
                 <a:solidFill>
                   <a:schemeClr val="dk1"/>
                 </a:solidFill>
@@ -14560,12 +14687,12 @@
           </a:ln>
         </p:spPr>
         <p:txBody>
-          <a:bodyPr anchorCtr="0" anchor="t" bIns="91425" lIns="91425" spcFirstLastPara="1" rIns="91425" wrap="square" tIns="91425">
+          <a:bodyPr spcFirstLastPara="1" wrap="square" lIns="91425" tIns="91425" rIns="91425" bIns="91425" anchor="t" anchorCtr="0">
             <a:noAutofit/>
           </a:bodyPr>
           <a:lstStyle/>
           <a:p>
-            <a:pPr indent="0" lvl="0" marL="0" rtl="0" algn="l">
+            <a:pPr marL="0" lvl="0" indent="0" algn="l" rtl="0">
               <a:lnSpc>
                 <a:spcPct val="100000"/>
               </a:lnSpc>
@@ -14578,7 +14705,7 @@
               <a:buNone/>
             </a:pPr>
             <a:r>
-              <a:rPr b="1" lang="en" sz="2800">
+              <a:rPr lang="en" sz="2800" b="1">
                 <a:solidFill>
                   <a:srgbClr val="FFFFFF"/>
                 </a:solidFill>
@@ -14589,7 +14716,7 @@
               </a:rPr>
               <a:t>All these lines of code…</a:t>
             </a:r>
-            <a:endParaRPr b="1" sz="2800">
+            <a:endParaRPr sz="2800" b="1">
               <a:solidFill>
                 <a:srgbClr val="FFFFFF"/>
               </a:solidFill>
@@ -14600,7 +14727,7 @@
             </a:endParaRPr>
           </a:p>
           <a:p>
-            <a:pPr indent="0" lvl="0" marL="0" rtl="0" algn="l">
+            <a:pPr marL="0" lvl="0" indent="0" algn="l" rtl="0">
               <a:lnSpc>
                 <a:spcPct val="115000"/>
               </a:lnSpc>
@@ -14613,7 +14740,7 @@
               <a:buNone/>
             </a:pPr>
             <a:r>
-              <a:rPr b="1" lang="en" sz="2800">
+              <a:rPr lang="en" sz="2800" b="1">
                 <a:solidFill>
                   <a:srgbClr val="FFFFFF"/>
                 </a:solidFill>
@@ -14624,7 +14751,7 @@
               </a:rPr>
               <a:t>Seems rather tedious!</a:t>
             </a:r>
-            <a:endParaRPr b="1" sz="2800">
+            <a:endParaRPr sz="2800" b="1">
               <a:solidFill>
                 <a:srgbClr val="FFFFFF"/>
               </a:solidFill>
@@ -14645,18 +14772,19 @@
 </file>
 
 <file path=ppt/slides/slide9.xml><?xml version="1.0" encoding="utf-8"?>
-<p:sld xmlns:a="http://schemas.openxmlformats.org/drawingml/2006/main" xmlns:r="http://schemas.openxmlformats.org/officeDocument/2006/relationships" xmlns:mc="http://schemas.openxmlformats.org/markup-compatibility/2006" xmlns:mv="urn:schemas-microsoft-com:mac:vml" xmlns:p="http://schemas.openxmlformats.org/presentationml/2006/main" xmlns:c="http://schemas.openxmlformats.org/drawingml/2006/chart" xmlns:dgm="http://schemas.openxmlformats.org/drawingml/2006/diagram" xmlns:o="urn:schemas-microsoft-com:office:office" xmlns:v="urn:schemas-microsoft-com:vml" xmlns:pvml="urn:schemas-microsoft-com:office:powerpoint" xmlns:com="http://schemas.openxmlformats.org/drawingml/2006/compatibility" xmlns:p14="http://schemas.microsoft.com/office/powerpoint/2010/main" xmlns:p15="http://schemas.microsoft.com/office/powerpoint/2012/main">
+<p:sld xmlns:a="http://schemas.openxmlformats.org/drawingml/2006/main" xmlns:r="http://schemas.openxmlformats.org/officeDocument/2006/relationships" xmlns:p="http://schemas.openxmlformats.org/presentationml/2006/main">
   <p:cSld>
     <p:bg>
       <p:bgPr>
         <a:solidFill>
           <a:schemeClr val="lt1"/>
         </a:solidFill>
+        <a:effectLst/>
       </p:bgPr>
     </p:bg>
     <p:spTree>
       <p:nvGrpSpPr>
-        <p:cNvPr id="131" name="Shape 131"/>
+        <p:cNvPr id="1" name="Shape 131"/>
         <p:cNvGrpSpPr/>
         <p:nvPr/>
       </p:nvGrpSpPr>
@@ -14671,9 +14799,11 @@
       <p:sp>
         <p:nvSpPr>
           <p:cNvPr id="132" name="Google Shape;132;p21"/>
-          <p:cNvSpPr txBox="1"/>
+          <p:cNvSpPr txBox="1">
+            <a:spLocks noGrp="1"/>
+          </p:cNvSpPr>
           <p:nvPr>
-            <p:ph idx="1" type="subTitle"/>
+            <p:ph type="subTitle" idx="1"/>
           </p:nvPr>
         </p:nvSpPr>
         <p:spPr>
@@ -14686,12 +14816,12 @@
           </a:prstGeom>
         </p:spPr>
         <p:txBody>
-          <a:bodyPr anchorCtr="0" anchor="ctr" bIns="91425" lIns="91425" spcFirstLastPara="1" rIns="91425" wrap="square" tIns="91425">
+          <a:bodyPr spcFirstLastPara="1" wrap="square" lIns="91425" tIns="91425" rIns="91425" bIns="91425" anchor="ctr" anchorCtr="0">
             <a:noAutofit/>
           </a:bodyPr>
           <a:lstStyle/>
           <a:p>
-            <a:pPr indent="0" lvl="0" marL="0" rtl="0" algn="l">
+            <a:pPr marL="0" lvl="0" indent="0" algn="l" rtl="0">
               <a:lnSpc>
                 <a:spcPct val="115000"/>
               </a:lnSpc>
@@ -14704,21 +14834,21 @@
               <a:buNone/>
             </a:pPr>
             <a:r>
-              <a:rPr b="1" lang="en" sz="3000">
+              <a:rPr lang="en" sz="3000" b="1">
                 <a:solidFill>
                   <a:schemeClr val="dk1"/>
                 </a:solidFill>
               </a:rPr>
               <a:t>The end result.</a:t>
             </a:r>
-            <a:endParaRPr b="1" sz="3000">
+            <a:endParaRPr sz="3000" b="1">
               <a:solidFill>
                 <a:schemeClr val="dk1"/>
               </a:solidFill>
             </a:endParaRPr>
           </a:p>
           <a:p>
-            <a:pPr indent="0" lvl="0" marL="0" rtl="0" algn="l">
+            <a:pPr marL="0" lvl="0" indent="0" algn="l" rtl="0">
               <a:lnSpc>
                 <a:spcPct val="115000"/>
               </a:lnSpc>
@@ -14737,7 +14867,7 @@
             <a:endParaRPr sz="1800"/>
           </a:p>
           <a:p>
-            <a:pPr indent="0" lvl="0" marL="0" rtl="0" algn="l">
+            <a:pPr marL="0" lvl="0" indent="0" algn="l" rtl="0">
               <a:lnSpc>
                 <a:spcPct val="115000"/>
               </a:lnSpc>
@@ -14801,7 +14931,7 @@
         </p:pic>
         <p:pic>
           <p:nvPicPr>
-            <p:cNvPr descr="Piece of duct tape sticking a note to the slide" id="135" name="Google Shape;135;p21"/>
+            <p:cNvPr id="135" name="Google Shape;135;p21" descr="Piece of duct tape sticking a note to the slide"/>
             <p:cNvPicPr preferRelativeResize="0"/>
             <p:nvPr/>
           </p:nvPicPr>
@@ -14809,7 +14939,7 @@
             <a:blip r:embed="rId4">
               <a:alphaModFix/>
             </a:blip>
-            <a:srcRect b="10011" l="9244" r="2118" t="5926"/>
+            <a:srcRect l="9244" t="5926" r="2118" b="10011"/>
             <a:stretch/>
           </p:blipFill>
           <p:spPr>
@@ -14846,12 +14976,12 @@
             </a:ln>
           </p:spPr>
           <p:txBody>
-            <a:bodyPr anchorCtr="0" anchor="t" bIns="91425" lIns="91425" spcFirstLastPara="1" rIns="91425" wrap="square" tIns="91425">
+            <a:bodyPr spcFirstLastPara="1" wrap="square" lIns="91425" tIns="91425" rIns="91425" bIns="91425" anchor="t" anchorCtr="0">
               <a:noAutofit/>
             </a:bodyPr>
             <a:lstStyle/>
             <a:p>
-              <a:pPr indent="0" lvl="0" marL="0" rtl="0" algn="l">
+              <a:pPr marL="0" lvl="0" indent="0" algn="l" rtl="0">
                 <a:spcBef>
                   <a:spcPts val="0"/>
                 </a:spcBef>
@@ -14861,7 +14991,7 @@
                 <a:buNone/>
               </a:pPr>
               <a:r>
-                <a:rPr b="1" lang="en">
+                <a:rPr lang="en" b="1">
                   <a:solidFill>
                     <a:schemeClr val="dk1"/>
                   </a:solidFill>
@@ -14883,7 +15013,7 @@
               </a:endParaRPr>
             </a:p>
             <a:p>
-              <a:pPr indent="0" lvl="0" marL="0" rtl="0" algn="l">
+              <a:pPr marL="0" lvl="0" indent="0" algn="l" rtl="0">
                 <a:spcBef>
                   <a:spcPts val="800"/>
                 </a:spcBef>
@@ -14915,7 +15045,7 @@
               </a:endParaRPr>
             </a:p>
             <a:p>
-              <a:pPr indent="0" lvl="0" marL="0" rtl="0" algn="l">
+              <a:pPr marL="0" lvl="0" indent="0" algn="l" rtl="0">
                 <a:spcBef>
                   <a:spcPts val="800"/>
                 </a:spcBef>
@@ -14924,9 +15054,6 @@
                 </a:spcAft>
                 <a:buNone/>
               </a:pPr>
-              <a:r>
-                <a:t/>
-              </a:r>
               <a:endParaRPr sz="1200">
                 <a:solidFill>
                   <a:schemeClr val="dk2"/>
@@ -14938,7 +15065,7 @@
               </a:endParaRPr>
             </a:p>
             <a:p>
-              <a:pPr indent="0" lvl="0" marL="0" rtl="0" algn="l">
+              <a:pPr marL="0" lvl="0" indent="0" algn="l" rtl="0">
                 <a:spcBef>
                   <a:spcPts val="800"/>
                 </a:spcBef>
@@ -14947,9 +15074,6 @@
                 </a:spcAft>
                 <a:buNone/>
               </a:pPr>
-              <a:r>
-                <a:t/>
-              </a:r>
               <a:endParaRPr sz="1200">
                 <a:solidFill>
                   <a:schemeClr val="dk2"/>
@@ -15000,7 +15124,7 @@
 </file>
 
 <file path=ppt/theme/theme1.xml><?xml version="1.0" encoding="utf-8"?>
-<a:theme xmlns:a="http://schemas.openxmlformats.org/drawingml/2006/main" xmlns:r="http://schemas.openxmlformats.org/officeDocument/2006/relationships" name="Paradigm">
+<a:theme xmlns:a="http://schemas.openxmlformats.org/drawingml/2006/main" name="Paradigm">
   <a:themeElements>
     <a:clrScheme name="Paradigm">
       <a:dk1>
@@ -15275,11 +15399,13 @@
       </a:bgFillStyleLst>
     </a:fmtScheme>
   </a:themeElements>
+  <a:objectDefaults/>
+  <a:extraClrSchemeLst/>
 </a:theme>
 </file>
 
 <file path=ppt/theme/theme2.xml><?xml version="1.0" encoding="utf-8"?>
-<a:theme xmlns:a="http://schemas.openxmlformats.org/drawingml/2006/main" xmlns:r="http://schemas.openxmlformats.org/officeDocument/2006/relationships">
+<a:theme xmlns:a="http://schemas.openxmlformats.org/drawingml/2006/main">
   <a:themeElements>
     <a:clrScheme name="Default">
       <a:dk1>
@@ -15554,5 +15680,7 @@
       </a:bgFillStyleLst>
     </a:fmtScheme>
   </a:themeElements>
+  <a:objectDefaults/>
+  <a:extraClrSchemeLst/>
 </a:theme>
 </file>